--- a/Powercli/PDX_VMUG_2023/UserCon-PPT-2023.pptx
+++ b/Powercli/PDX_VMUG_2023/UserCon-PPT-2023.pptx
@@ -8,8 +8,8 @@
     <p:sldId id="256" r:id="rId5"/>
     <p:sldId id="257" r:id="rId6"/>
     <p:sldId id="271" r:id="rId7"/>
-    <p:sldId id="278" r:id="rId8"/>
-    <p:sldId id="275" r:id="rId9"/>
+    <p:sldId id="275" r:id="rId8"/>
+    <p:sldId id="278" r:id="rId9"/>
     <p:sldId id="279" r:id="rId10"/>
     <p:sldId id="276" r:id="rId11"/>
     <p:sldId id="277" r:id="rId12"/>
@@ -4218,8 +4218,8 @@
         </p:nvSpPr>
         <p:spPr>
           <a:xfrm>
-            <a:off x="556591" y="3921489"/>
-            <a:ext cx="6166071" cy="685800"/>
+            <a:off x="126124" y="3921489"/>
+            <a:ext cx="6596539" cy="1612208"/>
           </a:xfrm>
         </p:spPr>
         <p:txBody>
@@ -4228,9 +4228,21 @@
           <a:p>
             <a:pPr algn="r"/>
             <a:r>
-              <a:rPr lang="en-US" sz="4000" b="1" dirty="0"/>
-              <a:t>Title (Metropolis, 40)</a:t>
-            </a:r>
+              <a:rPr lang="en-US" sz="4000" b="1" dirty="0" err="1" smtClean="0"/>
+              <a:t>PowerCLI</a:t>
+            </a:r>
+            <a:r>
+              <a:rPr lang="en-US" sz="4000" b="1" dirty="0" smtClean="0"/>
+              <a:t> 101</a:t>
+            </a:r>
+            <a:br>
+              <a:rPr lang="en-US" sz="4000" b="1" dirty="0" smtClean="0"/>
+            </a:br>
+            <a:r>
+              <a:rPr lang="en-US" sz="3600" b="1" dirty="0" smtClean="0"/>
+              <a:t>Getting Started with the Shell</a:t>
+            </a:r>
+            <a:endParaRPr lang="en-US" sz="3600" b="1" dirty="0"/>
           </a:p>
         </p:txBody>
       </p:sp>
@@ -4280,80 +4292,57 @@
           <a:lstStyle/>
           <a:p>
             <a:r>
-              <a:rPr lang="en-US" dirty="0"/>
-              <a:t>TITLE (Metropolis, 44 </a:t>
-            </a:r>
-            <a:r>
-              <a:rPr lang="en-US" dirty="0" err="1"/>
-              <a:t>pt</a:t>
-            </a:r>
-            <a:r>
-              <a:rPr lang="en-US" dirty="0"/>
-              <a:t>)</a:t>
-            </a:r>
+              <a:rPr lang="en-US" dirty="0" smtClean="0"/>
+              <a:t>Justin P. Sider</a:t>
+            </a:r>
+            <a:endParaRPr lang="en-US" dirty="0"/>
           </a:p>
         </p:txBody>
       </p:sp>
+      <p:pic>
+        <p:nvPicPr>
+          <p:cNvPr id="1026" name="Picture 2" descr="https://lh7-us.googleusercontent.com/2Zgec_cC7XJaaDX7G82KC_NkM5ZY_CRrOZ2dj9O1RTPBI3cq2w3gzTqb5vtnoPPMTY17Xn5l9pM1vvkGo303wMNJMZZzv4yzB0ZNawqW8TN2HIGvDAOno2eNxeDwWt9d4FoUoY8FtUyjCJcO5OO1Viuxvw=s2048"/>
+          <p:cNvPicPr>
+            <a:picLocks noChangeAspect="1" noChangeArrowheads="1"/>
+          </p:cNvPicPr>
+          <p:nvPr/>
+        </p:nvPicPr>
+        <p:blipFill>
+          <a:blip r:embed="rId2">
+            <a:extLst>
+              <a:ext uri="{28A0092B-C50C-407E-A947-70E740481C1C}">
+                <a14:useLocalDpi xmlns:a14="http://schemas.microsoft.com/office/drawing/2010/main" val="0"/>
+              </a:ext>
+            </a:extLst>
+          </a:blip>
+          <a:srcRect/>
+          <a:stretch>
+            <a:fillRect/>
+          </a:stretch>
+        </p:blipFill>
+        <p:spPr bwMode="auto">
+          <a:xfrm>
+            <a:off x="1022679" y="1398588"/>
+            <a:ext cx="3076575" cy="2686051"/>
+          </a:xfrm>
+          <a:prstGeom prst="rect">
+            <a:avLst/>
+          </a:prstGeom>
+          <a:noFill/>
+          <a:extLst>
+            <a:ext uri="{909E8E84-426E-40DD-AFC4-6F175D3DCCD1}">
+              <a14:hiddenFill xmlns:a14="http://schemas.microsoft.com/office/drawing/2010/main">
+                <a:solidFill>
+                  <a:srgbClr val="FFFFFF"/>
+                </a:solidFill>
+              </a14:hiddenFill>
+            </a:ext>
+          </a:extLst>
+        </p:spPr>
+      </p:pic>
       <p:sp>
         <p:nvSpPr>
-          <p:cNvPr id="3" name="Text Placeholder 2"/>
-          <p:cNvSpPr>
-            <a:spLocks noGrp="1"/>
-          </p:cNvSpPr>
-          <p:nvPr>
-            <p:ph type="body" idx="1"/>
-          </p:nvPr>
-        </p:nvSpPr>
-        <p:spPr/>
-        <p:txBody>
-          <a:bodyPr/>
-          <a:lstStyle/>
-          <a:p>
-            <a:endParaRPr lang="en-US"/>
-          </a:p>
-        </p:txBody>
-      </p:sp>
-      <p:sp>
-        <p:nvSpPr>
-          <p:cNvPr id="4" name="Content Placeholder 3"/>
-          <p:cNvSpPr>
-            <a:spLocks noGrp="1"/>
-          </p:cNvSpPr>
-          <p:nvPr>
-            <p:ph sz="half" idx="2"/>
-          </p:nvPr>
-        </p:nvSpPr>
-        <p:spPr/>
-        <p:txBody>
-          <a:bodyPr/>
-          <a:lstStyle/>
-          <a:p>
-            <a:endParaRPr lang="en-US"/>
-          </a:p>
-        </p:txBody>
-      </p:sp>
-      <p:sp>
-        <p:nvSpPr>
-          <p:cNvPr id="5" name="Text Placeholder 4"/>
-          <p:cNvSpPr>
-            <a:spLocks noGrp="1"/>
-          </p:cNvSpPr>
-          <p:nvPr>
-            <p:ph type="body" sz="quarter" idx="3"/>
-          </p:nvPr>
-        </p:nvSpPr>
-        <p:spPr/>
-        <p:txBody>
-          <a:bodyPr/>
-          <a:lstStyle/>
-          <a:p>
-            <a:endParaRPr lang="en-US"/>
-          </a:p>
-        </p:txBody>
-      </p:sp>
-      <p:sp>
-        <p:nvSpPr>
-          <p:cNvPr id="6" name="Content Placeholder 5"/>
+          <p:cNvPr id="8" name="Content Placeholder 5"/>
           <p:cNvSpPr>
             <a:spLocks noGrp="1"/>
           </p:cNvSpPr>
@@ -4361,12 +4350,139 @@
             <p:ph sz="quarter" idx="4"/>
           </p:nvPr>
         </p:nvSpPr>
-        <p:spPr/>
+        <p:spPr>
+          <a:xfrm>
+            <a:off x="5037081" y="1184899"/>
+            <a:ext cx="7312573" cy="5089777"/>
+          </a:xfrm>
+        </p:spPr>
         <p:txBody>
           <a:bodyPr/>
           <a:lstStyle/>
           <a:p>
-            <a:endParaRPr lang="en-US"/>
+            <a:r>
+              <a:rPr lang="en-US" sz="2400" dirty="0" smtClean="0"/>
+              <a:t>Chief Information Officer – Belay Technologies</a:t>
+            </a:r>
+          </a:p>
+          <a:p>
+            <a:pPr lvl="1"/>
+            <a:r>
+              <a:rPr lang="en-US" dirty="0" smtClean="0"/>
+              <a:t>https://belaytech.com</a:t>
+            </a:r>
+            <a:endParaRPr lang="en-US" dirty="0" smtClean="0"/>
+          </a:p>
+          <a:p>
+            <a:r>
+              <a:rPr lang="en-US" sz="2400" dirty="0" smtClean="0"/>
+              <a:t>Personal Blog</a:t>
+            </a:r>
+          </a:p>
+          <a:p>
+            <a:pPr lvl="1"/>
+            <a:r>
+              <a:rPr lang="en-US" dirty="0" smtClean="0"/>
+              <a:t>https://invoke-automation.blog</a:t>
+            </a:r>
+          </a:p>
+          <a:p>
+            <a:r>
+              <a:rPr lang="en-US" sz="2400" dirty="0" err="1" smtClean="0"/>
+              <a:t>Github</a:t>
+            </a:r>
+            <a:endParaRPr lang="en-US" sz="2400" dirty="0" smtClean="0"/>
+          </a:p>
+          <a:p>
+            <a:pPr lvl="1"/>
+            <a:r>
+              <a:rPr lang="en-US" dirty="0" smtClean="0"/>
+              <a:t>https://github.com/jpsider</a:t>
+            </a:r>
+            <a:endParaRPr lang="en-US" dirty="0" smtClean="0"/>
+          </a:p>
+          <a:p>
+            <a:r>
+              <a:rPr lang="en-US" sz="2400" dirty="0" smtClean="0"/>
+              <a:t>Twitter (X)/Slack</a:t>
+            </a:r>
+          </a:p>
+          <a:p>
+            <a:pPr lvl="1"/>
+            <a:r>
+              <a:rPr lang="en-US" dirty="0" err="1" smtClean="0"/>
+              <a:t>Jpsider</a:t>
+            </a:r>
+            <a:endParaRPr lang="en-US" dirty="0" smtClean="0"/>
+          </a:p>
+          <a:p>
+            <a:r>
+              <a:rPr lang="en-US" sz="2400" dirty="0" err="1" smtClean="0"/>
+              <a:t>Vmware</a:t>
+            </a:r>
+            <a:r>
+              <a:rPr lang="en-US" sz="2400" dirty="0" smtClean="0"/>
+              <a:t> Community</a:t>
+            </a:r>
+          </a:p>
+          <a:p>
+            <a:pPr lvl="1"/>
+            <a:r>
+              <a:rPr lang="en-US" dirty="0" err="1" smtClean="0"/>
+              <a:t>vExpert</a:t>
+            </a:r>
+            <a:r>
+              <a:rPr lang="en-US" dirty="0" smtClean="0"/>
+              <a:t>, VMUG Leader, Code Coach, VMUG BOD (2024</a:t>
+            </a:r>
+            <a:endParaRPr lang="en-US" dirty="0"/>
+          </a:p>
+        </p:txBody>
+      </p:sp>
+      <p:sp>
+        <p:nvSpPr>
+          <p:cNvPr id="9" name="Content Placeholder 5"/>
+          <p:cNvSpPr>
+            <a:spLocks noGrp="1"/>
+          </p:cNvSpPr>
+          <p:nvPr>
+            <p:ph sz="quarter" idx="4"/>
+          </p:nvPr>
+        </p:nvSpPr>
+        <p:spPr>
+          <a:xfrm>
+            <a:off x="1128274" y="4412457"/>
+            <a:ext cx="5183188" cy="1602582"/>
+          </a:xfrm>
+        </p:spPr>
+        <p:txBody>
+          <a:bodyPr/>
+          <a:lstStyle/>
+          <a:p>
+            <a:r>
+              <a:rPr lang="en-US" dirty="0" smtClean="0"/>
+              <a:t>Husband</a:t>
+            </a:r>
+          </a:p>
+          <a:p>
+            <a:r>
+              <a:rPr lang="en-US" dirty="0" smtClean="0"/>
+              <a:t>Father</a:t>
+            </a:r>
+            <a:endParaRPr lang="en-US" dirty="0" smtClean="0"/>
+          </a:p>
+          <a:p>
+            <a:r>
+              <a:rPr lang="en-US" dirty="0" smtClean="0"/>
+              <a:t>Golfer</a:t>
+            </a:r>
+          </a:p>
+          <a:p>
+            <a:r>
+              <a:rPr lang="en-US" dirty="0" smtClean="0"/>
+              <a:t>Soccer Referee</a:t>
+            </a:r>
+            <a:endParaRPr lang="en-US" dirty="0"/>
           </a:p>
         </p:txBody>
       </p:sp>
@@ -4402,7 +4518,13 @@
       </p:grpSpPr>
       <p:sp>
         <p:nvSpPr>
-          <p:cNvPr id="2" name="Title 1"/>
+          <p:cNvPr id="2" name="Title 1">
+            <a:extLst>
+              <a:ext uri="{FF2B5EF4-FFF2-40B4-BE49-F238E27FC236}">
+                <a16:creationId xmlns:a16="http://schemas.microsoft.com/office/drawing/2014/main" id="{B7DB1816-317A-097A-A97D-BA564ADFD355}"/>
+              </a:ext>
+            </a:extLst>
+          </p:cNvPr>
           <p:cNvSpPr>
             <a:spLocks noGrp="1"/>
           </p:cNvSpPr>
@@ -4410,95 +4532,182 @@
             <p:ph type="title"/>
           </p:nvPr>
         </p:nvSpPr>
-        <p:spPr/>
+        <p:spPr>
+          <a:xfrm>
+            <a:off x="493815" y="1077644"/>
+            <a:ext cx="6305550" cy="845749"/>
+          </a:xfrm>
+        </p:spPr>
         <p:txBody>
           <a:bodyPr/>
           <a:lstStyle/>
           <a:p>
-            <a:endParaRPr lang="en-US"/>
+            <a:r>
+              <a:rPr lang="en-US" dirty="0" smtClean="0"/>
+              <a:t>Agenda</a:t>
+            </a:r>
+            <a:endParaRPr lang="en-US" dirty="0"/>
           </a:p>
         </p:txBody>
       </p:sp>
       <p:sp>
         <p:nvSpPr>
-          <p:cNvPr id="3" name="Text Placeholder 2"/>
-          <p:cNvSpPr>
-            <a:spLocks noGrp="1"/>
-          </p:cNvSpPr>
-          <p:nvPr>
-            <p:ph type="body" idx="1"/>
-          </p:nvPr>
+          <p:cNvPr id="3" name="TextBox 2"/>
+          <p:cNvSpPr txBox="1"/>
+          <p:nvPr/>
         </p:nvSpPr>
-        <p:spPr/>
+        <p:spPr>
+          <a:xfrm>
+            <a:off x="677917" y="2222938"/>
+            <a:ext cx="4367049" cy="4524315"/>
+          </a:xfrm>
+          <a:prstGeom prst="rect">
+            <a:avLst/>
+          </a:prstGeom>
+          <a:noFill/>
+        </p:spPr>
         <p:txBody>
-          <a:bodyPr/>
+          <a:bodyPr wrap="square" rtlCol="0">
+            <a:spAutoFit/>
+          </a:bodyPr>
           <a:lstStyle/>
           <a:p>
-            <a:endParaRPr lang="en-US"/>
-          </a:p>
-        </p:txBody>
-      </p:sp>
-      <p:sp>
-        <p:nvSpPr>
-          <p:cNvPr id="4" name="Content Placeholder 3"/>
-          <p:cNvSpPr>
-            <a:spLocks noGrp="1"/>
-          </p:cNvSpPr>
-          <p:nvPr>
-            <p:ph sz="half" idx="2"/>
-          </p:nvPr>
-        </p:nvSpPr>
-        <p:spPr/>
-        <p:txBody>
-          <a:bodyPr/>
-          <a:lstStyle/>
-          <a:p>
-            <a:endParaRPr lang="en-US"/>
-          </a:p>
-        </p:txBody>
-      </p:sp>
-      <p:sp>
-        <p:nvSpPr>
-          <p:cNvPr id="5" name="Text Placeholder 4"/>
-          <p:cNvSpPr>
-            <a:spLocks noGrp="1"/>
-          </p:cNvSpPr>
-          <p:nvPr>
-            <p:ph type="body" sz="quarter" idx="3"/>
-          </p:nvPr>
-        </p:nvSpPr>
-        <p:spPr/>
-        <p:txBody>
-          <a:bodyPr/>
-          <a:lstStyle/>
-          <a:p>
-            <a:endParaRPr lang="en-US"/>
-          </a:p>
-        </p:txBody>
-      </p:sp>
-      <p:sp>
-        <p:nvSpPr>
-          <p:cNvPr id="6" name="Content Placeholder 5"/>
-          <p:cNvSpPr>
-            <a:spLocks noGrp="1"/>
-          </p:cNvSpPr>
-          <p:nvPr>
-            <p:ph sz="quarter" idx="4"/>
-          </p:nvPr>
-        </p:nvSpPr>
-        <p:spPr/>
-        <p:txBody>
-          <a:bodyPr/>
-          <a:lstStyle/>
-          <a:p>
-            <a:endParaRPr lang="en-US"/>
+            <a:pPr marL="285750" indent="-285750">
+              <a:buFont typeface="Wingdings" panose="05000000000000000000" pitchFamily="2" charset="2"/>
+              <a:buChar char="§"/>
+            </a:pPr>
+            <a:r>
+              <a:rPr lang="en-US" sz="2400" dirty="0" smtClean="0"/>
+              <a:t>Basic PowerShell Concepts</a:t>
+            </a:r>
+          </a:p>
+          <a:p>
+            <a:pPr marL="285750" indent="-285750">
+              <a:buFont typeface="Wingdings" panose="05000000000000000000" pitchFamily="2" charset="2"/>
+              <a:buChar char="§"/>
+            </a:pPr>
+            <a:r>
+              <a:rPr lang="en-US" sz="2400" dirty="0" smtClean="0"/>
+              <a:t>Installing </a:t>
+            </a:r>
+            <a:r>
+              <a:rPr lang="en-US" sz="2400" dirty="0" err="1" smtClean="0"/>
+              <a:t>PowerCLI</a:t>
+            </a:r>
+            <a:endParaRPr lang="en-US" sz="2400" dirty="0" smtClean="0"/>
+          </a:p>
+          <a:p>
+            <a:pPr marL="285750" indent="-285750">
+              <a:buFont typeface="Wingdings" panose="05000000000000000000" pitchFamily="2" charset="2"/>
+              <a:buChar char="§"/>
+            </a:pPr>
+            <a:r>
+              <a:rPr lang="en-US" sz="2400" dirty="0" smtClean="0"/>
+              <a:t>Connecting to a </a:t>
+            </a:r>
+            <a:r>
+              <a:rPr lang="en-US" sz="2400" dirty="0" err="1" smtClean="0"/>
+              <a:t>vCenter</a:t>
+            </a:r>
+            <a:endParaRPr lang="en-US" sz="2400" dirty="0" smtClean="0"/>
+          </a:p>
+          <a:p>
+            <a:pPr marL="285750" indent="-285750">
+              <a:buFont typeface="Wingdings" panose="05000000000000000000" pitchFamily="2" charset="2"/>
+              <a:buChar char="§"/>
+            </a:pPr>
+            <a:r>
+              <a:rPr lang="en-US" sz="2400" dirty="0" smtClean="0"/>
+              <a:t>Getting data from </a:t>
+            </a:r>
+            <a:r>
+              <a:rPr lang="en-US" sz="2400" dirty="0" err="1" smtClean="0"/>
+              <a:t>vCenter</a:t>
+            </a:r>
+            <a:endParaRPr lang="en-US" sz="2400" dirty="0" smtClean="0"/>
+          </a:p>
+          <a:p>
+            <a:pPr marL="285750" indent="-285750">
+              <a:buFont typeface="Wingdings" panose="05000000000000000000" pitchFamily="2" charset="2"/>
+              <a:buChar char="§"/>
+            </a:pPr>
+            <a:r>
+              <a:rPr lang="en-US" sz="2400" dirty="0" smtClean="0"/>
+              <a:t>PowerShell things</a:t>
+            </a:r>
+          </a:p>
+          <a:p>
+            <a:pPr marL="742950" lvl="1" indent="-285750">
+              <a:buFont typeface="Wingdings" panose="05000000000000000000" pitchFamily="2" charset="2"/>
+              <a:buChar char="§"/>
+            </a:pPr>
+            <a:r>
+              <a:rPr lang="en-US" sz="2400" dirty="0" smtClean="0"/>
+              <a:t>Objects</a:t>
+            </a:r>
+          </a:p>
+          <a:p>
+            <a:pPr marL="742950" lvl="1" indent="-285750">
+              <a:buFont typeface="Wingdings" panose="05000000000000000000" pitchFamily="2" charset="2"/>
+              <a:buChar char="§"/>
+            </a:pPr>
+            <a:r>
+              <a:rPr lang="en-US" sz="2400" dirty="0" smtClean="0"/>
+              <a:t>Pipeline</a:t>
+            </a:r>
+          </a:p>
+          <a:p>
+            <a:pPr marL="742950" lvl="1" indent="-285750">
+              <a:buFont typeface="Wingdings" panose="05000000000000000000" pitchFamily="2" charset="2"/>
+              <a:buChar char="§"/>
+            </a:pPr>
+            <a:r>
+              <a:rPr lang="en-US" sz="2400" dirty="0" smtClean="0"/>
+              <a:t>Comment based help</a:t>
+            </a:r>
+          </a:p>
+          <a:p>
+            <a:pPr marL="285750" indent="-285750">
+              <a:buFont typeface="Wingdings" panose="05000000000000000000" pitchFamily="2" charset="2"/>
+              <a:buChar char="§"/>
+            </a:pPr>
+            <a:r>
+              <a:rPr lang="en-US" sz="2400" dirty="0" smtClean="0"/>
+              <a:t>Toggling the </a:t>
+            </a:r>
+            <a:r>
+              <a:rPr lang="en-US" sz="2400" dirty="0" err="1" smtClean="0"/>
+              <a:t>PowerState</a:t>
+            </a:r>
+            <a:endParaRPr lang="en-US" sz="2400" dirty="0" smtClean="0"/>
+          </a:p>
+          <a:p>
+            <a:pPr marL="285750" indent="-285750">
+              <a:buFont typeface="Wingdings" panose="05000000000000000000" pitchFamily="2" charset="2"/>
+              <a:buChar char="§"/>
+            </a:pPr>
+            <a:r>
+              <a:rPr lang="en-US" sz="2400" dirty="0" smtClean="0"/>
+              <a:t>The Demo Environment</a:t>
+            </a:r>
+          </a:p>
+          <a:p>
+            <a:pPr marL="285750" indent="-285750">
+              <a:buFont typeface="Wingdings" panose="05000000000000000000" pitchFamily="2" charset="2"/>
+              <a:buChar char="§"/>
+            </a:pPr>
+            <a:r>
+              <a:rPr lang="en-US" sz="2400" dirty="0" smtClean="0"/>
+              <a:t>Live Demo &amp; VMware code Website</a:t>
+            </a:r>
+            <a:endParaRPr lang="en-US" sz="2400" dirty="0"/>
           </a:p>
         </p:txBody>
       </p:sp>
     </p:spTree>
     <p:extLst>
       <p:ext uri="{BB962C8B-B14F-4D97-AF65-F5344CB8AC3E}">
-        <p14:creationId xmlns:p14="http://schemas.microsoft.com/office/powerpoint/2010/main" val="127758428"/>
+        <p14:creationId xmlns:p14="http://schemas.microsoft.com/office/powerpoint/2010/main" val="1940758579"/>
       </p:ext>
     </p:extLst>
   </p:cSld>
@@ -4527,13 +4736,7 @@
       </p:grpSpPr>
       <p:sp>
         <p:nvSpPr>
-          <p:cNvPr id="2" name="Title 1">
-            <a:extLst>
-              <a:ext uri="{FF2B5EF4-FFF2-40B4-BE49-F238E27FC236}">
-                <a16:creationId xmlns:a16="http://schemas.microsoft.com/office/drawing/2014/main" id="{B7DB1816-317A-097A-A97D-BA564ADFD355}"/>
-              </a:ext>
-            </a:extLst>
-          </p:cNvPr>
+          <p:cNvPr id="2" name="Title 1"/>
           <p:cNvSpPr>
             <a:spLocks noGrp="1"/>
           </p:cNvSpPr>
@@ -4550,10 +4753,86 @@
           </a:p>
         </p:txBody>
       </p:sp>
+      <p:sp>
+        <p:nvSpPr>
+          <p:cNvPr id="3" name="Text Placeholder 2"/>
+          <p:cNvSpPr>
+            <a:spLocks noGrp="1"/>
+          </p:cNvSpPr>
+          <p:nvPr>
+            <p:ph type="body" idx="1"/>
+          </p:nvPr>
+        </p:nvSpPr>
+        <p:spPr/>
+        <p:txBody>
+          <a:bodyPr/>
+          <a:lstStyle/>
+          <a:p>
+            <a:endParaRPr lang="en-US"/>
+          </a:p>
+        </p:txBody>
+      </p:sp>
+      <p:sp>
+        <p:nvSpPr>
+          <p:cNvPr id="4" name="Content Placeholder 3"/>
+          <p:cNvSpPr>
+            <a:spLocks noGrp="1"/>
+          </p:cNvSpPr>
+          <p:nvPr>
+            <p:ph sz="half" idx="2"/>
+          </p:nvPr>
+        </p:nvSpPr>
+        <p:spPr/>
+        <p:txBody>
+          <a:bodyPr/>
+          <a:lstStyle/>
+          <a:p>
+            <a:endParaRPr lang="en-US"/>
+          </a:p>
+        </p:txBody>
+      </p:sp>
+      <p:sp>
+        <p:nvSpPr>
+          <p:cNvPr id="5" name="Text Placeholder 4"/>
+          <p:cNvSpPr>
+            <a:spLocks noGrp="1"/>
+          </p:cNvSpPr>
+          <p:nvPr>
+            <p:ph type="body" sz="quarter" idx="3"/>
+          </p:nvPr>
+        </p:nvSpPr>
+        <p:spPr/>
+        <p:txBody>
+          <a:bodyPr/>
+          <a:lstStyle/>
+          <a:p>
+            <a:endParaRPr lang="en-US"/>
+          </a:p>
+        </p:txBody>
+      </p:sp>
+      <p:sp>
+        <p:nvSpPr>
+          <p:cNvPr id="6" name="Content Placeholder 5"/>
+          <p:cNvSpPr>
+            <a:spLocks noGrp="1"/>
+          </p:cNvSpPr>
+          <p:nvPr>
+            <p:ph sz="quarter" idx="4"/>
+          </p:nvPr>
+        </p:nvSpPr>
+        <p:spPr/>
+        <p:txBody>
+          <a:bodyPr/>
+          <a:lstStyle/>
+          <a:p>
+            <a:endParaRPr lang="en-US" dirty="0"/>
+          </a:p>
+        </p:txBody>
+      </p:sp>
     </p:spTree>
     <p:extLst>
       <p:ext uri="{BB962C8B-B14F-4D97-AF65-F5344CB8AC3E}">
-        <p14:creationId xmlns:p14="http://schemas.microsoft.com/office/powerpoint/2010/main" val="1940758579"/>
+        <p14:creationId xmlns:p14="http://schemas.microsoft.com/office/powerpoint/2010/main" val="127758428"/>
       </p:ext>
     </p:extLst>
   </p:cSld>
@@ -4752,7 +5031,6 @@
               <a:rPr lang="en-US" dirty="0"/>
               <a:t>Code website.</a:t>
             </a:r>
-            <a:endParaRPr lang="en-US" dirty="0"/>
           </a:p>
         </p:txBody>
       </p:sp>
@@ -5206,34 +5484,6 @@
 </file>
 
 <file path=customXml/item1.xml><?xml version="1.0" encoding="utf-8"?>
-<p:properties xmlns:p="http://schemas.microsoft.com/office/2006/metadata/properties" xmlns:xsi="http://www.w3.org/2001/XMLSchema-instance" xmlns:pc="http://schemas.microsoft.com/office/infopath/2007/PartnerControls">
-  <documentManagement>
-    <SharedWithUsers xmlns="a98d785b-a573-4648-a687-d73070f116ca">
-      <UserInfo>
-        <DisplayName/>
-        <AccountId xsi:nil="true"/>
-        <AccountType/>
-      </UserInfo>
-    </SharedWithUsers>
-    <Date xmlns="e7d83ab9-40ce-4f6a-9d5b-bb8228ec9b2e" xsi:nil="true"/>
-    <TaxCatchAll xmlns="a98d785b-a573-4648-a687-d73070f116ca" xsi:nil="true"/>
-    <lcf76f155ced4ddcb4097134ff3c332f xmlns="e7d83ab9-40ce-4f6a-9d5b-bb8228ec9b2e">
-      <Terms xmlns="http://schemas.microsoft.com/office/infopath/2007/PartnerControls"/>
-    </lcf76f155ced4ddcb4097134ff3c332f>
-  </documentManagement>
-</p:properties>
-</file>
-
-<file path=customXml/item2.xml><?xml version="1.0" encoding="utf-8"?>
-<?mso-contentType ?>
-<FormTemplates xmlns="http://schemas.microsoft.com/sharepoint/v3/contenttype/forms">
-  <Display>DocumentLibraryForm</Display>
-  <Edit>DocumentLibraryForm</Edit>
-  <New>DocumentLibraryForm</New>
-</FormTemplates>
-</file>
-
-<file path=customXml/item3.xml><?xml version="1.0" encoding="utf-8"?>
 <ct:contentTypeSchema xmlns:ct="http://schemas.microsoft.com/office/2006/metadata/contentType" xmlns:ma="http://schemas.microsoft.com/office/2006/metadata/properties/metaAttributes" ct:_="" ma:_="" ma:contentTypeName="Document" ma:contentTypeID="0x010100002789192BF4824BBEDA3AC9FCF428B3" ma:contentTypeVersion="19" ma:contentTypeDescription="Create a new document." ma:contentTypeScope="" ma:versionID="3970422c44fa64f2d900b00fa0ccd44b">
   <xsd:schema xmlns:xsd="http://www.w3.org/2001/XMLSchema" xmlns:xs="http://www.w3.org/2001/XMLSchema" xmlns:p="http://schemas.microsoft.com/office/2006/metadata/properties" xmlns:ns2="a98d785b-a573-4648-a687-d73070f116ca" xmlns:ns3="e7d83ab9-40ce-4f6a-9d5b-bb8228ec9b2e" targetNamespace="http://schemas.microsoft.com/office/2006/metadata/properties" ma:root="true" ma:fieldsID="2319295cbcbd7fa3b11c958f7e0d8100" ns2:_="" ns3:_="">
     <xsd:import namespace="a98d785b-a573-4648-a687-d73070f116ca"/>
@@ -5482,32 +5732,35 @@
 </ct:contentTypeSchema>
 </file>
 
-<file path=customXml/itemProps1.xml><?xml version="1.0" encoding="utf-8"?>
-<ds:datastoreItem xmlns:ds="http://schemas.openxmlformats.org/officeDocument/2006/customXml" ds:itemID="{281A822C-25CE-47FB-A779-4E19A1F98DDA}">
-  <ds:schemaRefs>
-    <ds:schemaRef ds:uri="http://schemas.microsoft.com/office/2006/metadata/properties"/>
-    <ds:schemaRef ds:uri="http://purl.org/dc/elements/1.1/"/>
-    <ds:schemaRef ds:uri="a98d785b-a573-4648-a687-d73070f116ca"/>
-    <ds:schemaRef ds:uri="http://schemas.microsoft.com/office/2006/documentManagement/types"/>
-    <ds:schemaRef ds:uri="http://purl.org/dc/dcmitype/"/>
-    <ds:schemaRef ds:uri="http://schemas.openxmlformats.org/package/2006/metadata/core-properties"/>
-    <ds:schemaRef ds:uri="http://purl.org/dc/terms/"/>
-    <ds:schemaRef ds:uri="http://www.w3.org/XML/1998/namespace"/>
-    <ds:schemaRef ds:uri="http://schemas.microsoft.com/office/infopath/2007/PartnerControls"/>
-    <ds:schemaRef ds:uri="e7d83ab9-40ce-4f6a-9d5b-bb8228ec9b2e"/>
-  </ds:schemaRefs>
-</ds:datastoreItem>
+<file path=customXml/item2.xml><?xml version="1.0" encoding="utf-8"?>
+<?mso-contentType ?>
+<FormTemplates xmlns="http://schemas.microsoft.com/sharepoint/v3/contenttype/forms">
+  <Display>DocumentLibraryForm</Display>
+  <Edit>DocumentLibraryForm</Edit>
+  <New>DocumentLibraryForm</New>
+</FormTemplates>
 </file>
 
-<file path=customXml/itemProps2.xml><?xml version="1.0" encoding="utf-8"?>
-<ds:datastoreItem xmlns:ds="http://schemas.openxmlformats.org/officeDocument/2006/customXml" ds:itemID="{9404A5FA-2267-49A4-9EE5-2F5F85884C73}">
-  <ds:schemaRefs>
-    <ds:schemaRef ds:uri="http://schemas.microsoft.com/sharepoint/v3/contenttype/forms"/>
-  </ds:schemaRefs>
-</ds:datastoreItem>
+<file path=customXml/item3.xml><?xml version="1.0" encoding="utf-8"?>
+<p:properties xmlns:p="http://schemas.microsoft.com/office/2006/metadata/properties" xmlns:xsi="http://www.w3.org/2001/XMLSchema-instance" xmlns:pc="http://schemas.microsoft.com/office/infopath/2007/PartnerControls">
+  <documentManagement>
+    <SharedWithUsers xmlns="a98d785b-a573-4648-a687-d73070f116ca">
+      <UserInfo>
+        <DisplayName/>
+        <AccountId xsi:nil="true"/>
+        <AccountType/>
+      </UserInfo>
+    </SharedWithUsers>
+    <Date xmlns="e7d83ab9-40ce-4f6a-9d5b-bb8228ec9b2e" xsi:nil="true"/>
+    <TaxCatchAll xmlns="a98d785b-a573-4648-a687-d73070f116ca" xsi:nil="true"/>
+    <lcf76f155ced4ddcb4097134ff3c332f xmlns="e7d83ab9-40ce-4f6a-9d5b-bb8228ec9b2e">
+      <Terms xmlns="http://schemas.microsoft.com/office/infopath/2007/PartnerControls"/>
+    </lcf76f155ced4ddcb4097134ff3c332f>
+  </documentManagement>
+</p:properties>
 </file>
 
-<file path=customXml/itemProps3.xml><?xml version="1.0" encoding="utf-8"?>
+<file path=customXml/itemProps1.xml><?xml version="1.0" encoding="utf-8"?>
 <ds:datastoreItem xmlns:ds="http://schemas.openxmlformats.org/officeDocument/2006/customXml" ds:itemID="{8CC6D2DC-7BBA-4870-98D2-B83225BC30DF}">
   <ds:schemaRefs>
     <ds:schemaRef ds:uri="http://schemas.microsoft.com/office/2006/metadata/contentType"/>
@@ -5524,4 +5777,29 @@
     <ds:schemaRef ds:uri="http://schemas.microsoft.com/internal/obd"/>
   </ds:schemaRefs>
 </ds:datastoreItem>
+</file>
+
+<file path=customXml/itemProps2.xml><?xml version="1.0" encoding="utf-8"?>
+<ds:datastoreItem xmlns:ds="http://schemas.openxmlformats.org/officeDocument/2006/customXml" ds:itemID="{9404A5FA-2267-49A4-9EE5-2F5F85884C73}">
+  <ds:schemaRefs>
+    <ds:schemaRef ds:uri="http://schemas.microsoft.com/sharepoint/v3/contenttype/forms"/>
+  </ds:schemaRefs>
+</ds:datastoreItem>
+</file>
+
+<file path=customXml/itemProps3.xml><?xml version="1.0" encoding="utf-8"?>
+<ds:datastoreItem xmlns:ds="http://schemas.openxmlformats.org/officeDocument/2006/customXml" ds:itemID="{281A822C-25CE-47FB-A779-4E19A1F98DDA}">
+  <ds:schemaRefs>
+    <ds:schemaRef ds:uri="http://schemas.microsoft.com/office/2006/metadata/properties"/>
+    <ds:schemaRef ds:uri="http://purl.org/dc/elements/1.1/"/>
+    <ds:schemaRef ds:uri="a98d785b-a573-4648-a687-d73070f116ca"/>
+    <ds:schemaRef ds:uri="http://schemas.microsoft.com/office/2006/documentManagement/types"/>
+    <ds:schemaRef ds:uri="http://purl.org/dc/dcmitype/"/>
+    <ds:schemaRef ds:uri="http://schemas.openxmlformats.org/package/2006/metadata/core-properties"/>
+    <ds:schemaRef ds:uri="http://purl.org/dc/terms/"/>
+    <ds:schemaRef ds:uri="http://www.w3.org/XML/1998/namespace"/>
+    <ds:schemaRef ds:uri="http://schemas.microsoft.com/office/infopath/2007/PartnerControls"/>
+    <ds:schemaRef ds:uri="e7d83ab9-40ce-4f6a-9d5b-bb8228ec9b2e"/>
+  </ds:schemaRefs>
+</ds:datastoreItem>
 </file>
--- a/Powercli/PDX_VMUG_2023/UserCon-PPT-2023.pptx
+++ b/Powercli/PDX_VMUG_2023/UserCon-PPT-2023.pptx
@@ -9,10 +9,18 @@
     <p:sldId id="257" r:id="rId6"/>
     <p:sldId id="271" r:id="rId7"/>
     <p:sldId id="275" r:id="rId8"/>
-    <p:sldId id="278" r:id="rId9"/>
-    <p:sldId id="279" r:id="rId10"/>
-    <p:sldId id="276" r:id="rId11"/>
-    <p:sldId id="277" r:id="rId12"/>
+    <p:sldId id="279" r:id="rId9"/>
+    <p:sldId id="276" r:id="rId10"/>
+    <p:sldId id="281" r:id="rId11"/>
+    <p:sldId id="280" r:id="rId12"/>
+    <p:sldId id="282" r:id="rId13"/>
+    <p:sldId id="283" r:id="rId14"/>
+    <p:sldId id="284" r:id="rId15"/>
+    <p:sldId id="285" r:id="rId16"/>
+    <p:sldId id="286" r:id="rId17"/>
+    <p:sldId id="287" r:id="rId18"/>
+    <p:sldId id="288" r:id="rId19"/>
+    <p:sldId id="277" r:id="rId20"/>
   </p:sldIdLst>
   <p:sldSz cx="12192000" cy="6858000"/>
   <p:notesSz cx="6858000" cy="9144000"/>
@@ -4189,77 +4197,7 @@
 </p:sld>
 </file>
 
-<file path=ppt/slides/slide2.xml><?xml version="1.0" encoding="utf-8"?>
-<p:sld xmlns:a="http://schemas.openxmlformats.org/drawingml/2006/main" xmlns:r="http://schemas.openxmlformats.org/officeDocument/2006/relationships" xmlns:p="http://schemas.openxmlformats.org/presentationml/2006/main">
-  <p:cSld>
-    <p:spTree>
-      <p:nvGrpSpPr>
-        <p:cNvPr id="1" name=""/>
-        <p:cNvGrpSpPr/>
-        <p:nvPr/>
-      </p:nvGrpSpPr>
-      <p:grpSpPr>
-        <a:xfrm>
-          <a:off x="0" y="0"/>
-          <a:ext cx="0" cy="0"/>
-          <a:chOff x="0" y="0"/>
-          <a:chExt cx="0" cy="0"/>
-        </a:xfrm>
-      </p:grpSpPr>
-      <p:sp>
-        <p:nvSpPr>
-          <p:cNvPr id="4" name="Title 3"/>
-          <p:cNvSpPr>
-            <a:spLocks noGrp="1"/>
-          </p:cNvSpPr>
-          <p:nvPr>
-            <p:ph type="title"/>
-          </p:nvPr>
-        </p:nvSpPr>
-        <p:spPr>
-          <a:xfrm>
-            <a:off x="126124" y="3921489"/>
-            <a:ext cx="6596539" cy="1612208"/>
-          </a:xfrm>
-        </p:spPr>
-        <p:txBody>
-          <a:bodyPr/>
-          <a:lstStyle/>
-          <a:p>
-            <a:pPr algn="r"/>
-            <a:r>
-              <a:rPr lang="en-US" sz="4000" b="1" dirty="0" err="1" smtClean="0"/>
-              <a:t>PowerCLI</a:t>
-            </a:r>
-            <a:r>
-              <a:rPr lang="en-US" sz="4000" b="1" dirty="0" smtClean="0"/>
-              <a:t> 101</a:t>
-            </a:r>
-            <a:br>
-              <a:rPr lang="en-US" sz="4000" b="1" dirty="0" smtClean="0"/>
-            </a:br>
-            <a:r>
-              <a:rPr lang="en-US" sz="3600" b="1" dirty="0" smtClean="0"/>
-              <a:t>Getting Started with the Shell</a:t>
-            </a:r>
-            <a:endParaRPr lang="en-US" sz="3600" b="1" dirty="0"/>
-          </a:p>
-        </p:txBody>
-      </p:sp>
-    </p:spTree>
-    <p:extLst>
-      <p:ext uri="{BB962C8B-B14F-4D97-AF65-F5344CB8AC3E}">
-        <p14:creationId xmlns:p14="http://schemas.microsoft.com/office/powerpoint/2010/main" val="846162795"/>
-      </p:ext>
-    </p:extLst>
-  </p:cSld>
-  <p:clrMapOvr>
-    <a:masterClrMapping/>
-  </p:clrMapOvr>
-</p:sld>
-</file>
-
-<file path=ppt/slides/slide3.xml><?xml version="1.0" encoding="utf-8"?>
+<file path=ppt/slides/slide10.xml><?xml version="1.0" encoding="utf-8"?>
 <p:sld xmlns:a="http://schemas.openxmlformats.org/drawingml/2006/main" xmlns:r="http://schemas.openxmlformats.org/officeDocument/2006/relationships" xmlns:p="http://schemas.openxmlformats.org/presentationml/2006/main">
   <p:cSld>
     <p:spTree>
@@ -4293,203 +4231,54 @@
           <a:p>
             <a:r>
               <a:rPr lang="en-US" dirty="0" smtClean="0"/>
-              <a:t>Justin P. Sider</a:t>
+              <a:t>Objects</a:t>
             </a:r>
             <a:endParaRPr lang="en-US" dirty="0"/>
           </a:p>
         </p:txBody>
       </p:sp>
-      <p:pic>
-        <p:nvPicPr>
-          <p:cNvPr id="1026" name="Picture 2" descr="https://lh7-us.googleusercontent.com/2Zgec_cC7XJaaDX7G82KC_NkM5ZY_CRrOZ2dj9O1RTPBI3cq2w3gzTqb5vtnoPPMTY17Xn5l9pM1vvkGo303wMNJMZZzv4yzB0ZNawqW8TN2HIGvDAOno2eNxeDwWt9d4FoUoY8FtUyjCJcO5OO1Viuxvw=s2048"/>
-          <p:cNvPicPr>
-            <a:picLocks noChangeAspect="1" noChangeArrowheads="1"/>
-          </p:cNvPicPr>
-          <p:nvPr/>
-        </p:nvPicPr>
-        <p:blipFill>
-          <a:blip r:embed="rId2">
-            <a:extLst>
-              <a:ext uri="{28A0092B-C50C-407E-A947-70E740481C1C}">
-                <a14:useLocalDpi xmlns:a14="http://schemas.microsoft.com/office/drawing/2010/main" val="0"/>
-              </a:ext>
-            </a:extLst>
-          </a:blip>
-          <a:srcRect/>
-          <a:stretch>
-            <a:fillRect/>
-          </a:stretch>
-        </p:blipFill>
-        <p:spPr bwMode="auto">
-          <a:xfrm>
-            <a:off x="1022679" y="1398588"/>
-            <a:ext cx="3076575" cy="2686051"/>
-          </a:xfrm>
-          <a:prstGeom prst="rect">
-            <a:avLst/>
-          </a:prstGeom>
-          <a:noFill/>
-          <a:extLst>
-            <a:ext uri="{909E8E84-426E-40DD-AFC4-6F175D3DCCD1}">
-              <a14:hiddenFill xmlns:a14="http://schemas.microsoft.com/office/drawing/2010/main">
-                <a:solidFill>
-                  <a:srgbClr val="FFFFFF"/>
-                </a:solidFill>
-              </a14:hiddenFill>
-            </a:ext>
-          </a:extLst>
-        </p:spPr>
-      </p:pic>
       <p:sp>
         <p:nvSpPr>
-          <p:cNvPr id="8" name="Content Placeholder 5"/>
+          <p:cNvPr id="3" name="Content Placeholder 2"/>
           <p:cNvSpPr>
             <a:spLocks noGrp="1"/>
           </p:cNvSpPr>
           <p:nvPr>
-            <p:ph sz="quarter" idx="4"/>
+            <p:ph idx="1"/>
           </p:nvPr>
         </p:nvSpPr>
-        <p:spPr>
-          <a:xfrm>
-            <a:off x="5037081" y="1184899"/>
-            <a:ext cx="7312573" cy="5089777"/>
-          </a:xfrm>
-        </p:spPr>
+        <p:spPr/>
         <p:txBody>
           <a:bodyPr/>
           <a:lstStyle/>
           <a:p>
-            <a:r>
-              <a:rPr lang="en-US" sz="2400" dirty="0" smtClean="0"/>
-              <a:t>Chief Information Officer – Belay Technologies</a:t>
-            </a:r>
-          </a:p>
-          <a:p>
-            <a:pPr lvl="1"/>
-            <a:r>
-              <a:rPr lang="en-US" dirty="0" smtClean="0"/>
-              <a:t>https://belaytech.com</a:t>
-            </a:r>
-            <a:endParaRPr lang="en-US" dirty="0" smtClean="0"/>
-          </a:p>
-          <a:p>
-            <a:r>
-              <a:rPr lang="en-US" sz="2400" dirty="0" smtClean="0"/>
-              <a:t>Personal Blog</a:t>
-            </a:r>
-          </a:p>
-          <a:p>
-            <a:pPr lvl="1"/>
-            <a:r>
-              <a:rPr lang="en-US" dirty="0" smtClean="0"/>
-              <a:t>https://invoke-automation.blog</a:t>
-            </a:r>
-          </a:p>
-          <a:p>
-            <a:r>
-              <a:rPr lang="en-US" sz="2400" dirty="0" err="1" smtClean="0"/>
-              <a:t>Github</a:t>
-            </a:r>
-            <a:endParaRPr lang="en-US" sz="2400" dirty="0" smtClean="0"/>
-          </a:p>
-          <a:p>
-            <a:pPr lvl="1"/>
-            <a:r>
-              <a:rPr lang="en-US" dirty="0" smtClean="0"/>
-              <a:t>https://github.com/jpsider</a:t>
-            </a:r>
-            <a:endParaRPr lang="en-US" dirty="0" smtClean="0"/>
-          </a:p>
-          <a:p>
-            <a:r>
-              <a:rPr lang="en-US" sz="2400" dirty="0" smtClean="0"/>
-              <a:t>Twitter (X)/Slack</a:t>
-            </a:r>
-          </a:p>
-          <a:p>
-            <a:pPr lvl="1"/>
-            <a:r>
-              <a:rPr lang="en-US" dirty="0" err="1" smtClean="0"/>
-              <a:t>Jpsider</a:t>
-            </a:r>
-            <a:endParaRPr lang="en-US" dirty="0" smtClean="0"/>
-          </a:p>
-          <a:p>
-            <a:r>
-              <a:rPr lang="en-US" sz="2400" dirty="0" err="1" smtClean="0"/>
-              <a:t>Vmware</a:t>
-            </a:r>
-            <a:r>
-              <a:rPr lang="en-US" sz="2400" dirty="0" smtClean="0"/>
-              <a:t> Community</a:t>
-            </a:r>
-          </a:p>
-          <a:p>
-            <a:pPr lvl="1"/>
-            <a:r>
-              <a:rPr lang="en-US" dirty="0" err="1" smtClean="0"/>
-              <a:t>vExpert</a:t>
-            </a:r>
-            <a:r>
-              <a:rPr lang="en-US" dirty="0" smtClean="0"/>
-              <a:t>, VMUG Leader, Code Coach, VMUG BOD (2024</a:t>
-            </a:r>
-            <a:endParaRPr lang="en-US" dirty="0"/>
+            <a:endParaRPr lang="en-US"/>
           </a:p>
         </p:txBody>
       </p:sp>
       <p:sp>
         <p:nvSpPr>
-          <p:cNvPr id="9" name="Content Placeholder 5"/>
+          <p:cNvPr id="4" name="Text Placeholder 3"/>
           <p:cNvSpPr>
             <a:spLocks noGrp="1"/>
           </p:cNvSpPr>
           <p:nvPr>
-            <p:ph sz="quarter" idx="4"/>
+            <p:ph type="body" sz="half" idx="2"/>
           </p:nvPr>
         </p:nvSpPr>
-        <p:spPr>
-          <a:xfrm>
-            <a:off x="1128274" y="4412457"/>
-            <a:ext cx="5183188" cy="1602582"/>
-          </a:xfrm>
-        </p:spPr>
+        <p:spPr/>
         <p:txBody>
           <a:bodyPr/>
           <a:lstStyle/>
           <a:p>
-            <a:r>
-              <a:rPr lang="en-US" dirty="0" smtClean="0"/>
-              <a:t>Husband</a:t>
-            </a:r>
-          </a:p>
-          <a:p>
-            <a:r>
-              <a:rPr lang="en-US" dirty="0" smtClean="0"/>
-              <a:t>Father</a:t>
-            </a:r>
-            <a:endParaRPr lang="en-US" dirty="0" smtClean="0"/>
-          </a:p>
-          <a:p>
-            <a:r>
-              <a:rPr lang="en-US" dirty="0" smtClean="0"/>
-              <a:t>Golfer</a:t>
-            </a:r>
-          </a:p>
-          <a:p>
-            <a:r>
-              <a:rPr lang="en-US" dirty="0" smtClean="0"/>
-              <a:t>Soccer Referee</a:t>
-            </a:r>
-            <a:endParaRPr lang="en-US" dirty="0"/>
+            <a:endParaRPr lang="en-US"/>
           </a:p>
         </p:txBody>
       </p:sp>
     </p:spTree>
     <p:extLst>
       <p:ext uri="{BB962C8B-B14F-4D97-AF65-F5344CB8AC3E}">
-        <p14:creationId xmlns:p14="http://schemas.microsoft.com/office/powerpoint/2010/main" val="2734082177"/>
+        <p14:creationId xmlns:p14="http://schemas.microsoft.com/office/powerpoint/2010/main" val="4086678769"/>
       </p:ext>
     </p:extLst>
   </p:cSld>
@@ -4499,7 +4288,7 @@
 </p:sld>
 </file>
 
-<file path=ppt/slides/slide4.xml><?xml version="1.0" encoding="utf-8"?>
+<file path=ppt/slides/slide11.xml><?xml version="1.0" encoding="utf-8"?>
 <p:sld xmlns:a="http://schemas.openxmlformats.org/drawingml/2006/main" xmlns:r="http://schemas.openxmlformats.org/officeDocument/2006/relationships" xmlns:p="http://schemas.openxmlformats.org/presentationml/2006/main">
   <p:cSld>
     <p:spTree>
@@ -4518,13 +4307,7 @@
       </p:grpSpPr>
       <p:sp>
         <p:nvSpPr>
-          <p:cNvPr id="2" name="Title 1">
-            <a:extLst>
-              <a:ext uri="{FF2B5EF4-FFF2-40B4-BE49-F238E27FC236}">
-                <a16:creationId xmlns:a16="http://schemas.microsoft.com/office/drawing/2014/main" id="{B7DB1816-317A-097A-A97D-BA564ADFD355}"/>
-              </a:ext>
-            </a:extLst>
-          </p:cNvPr>
+          <p:cNvPr id="3" name="Title 1"/>
           <p:cNvSpPr>
             <a:spLocks noGrp="1"/>
           </p:cNvSpPr>
@@ -4534,8 +4317,8 @@
         </p:nvSpPr>
         <p:spPr>
           <a:xfrm>
-            <a:off x="493815" y="1077644"/>
-            <a:ext cx="6305550" cy="845749"/>
+            <a:off x="493815" y="1077645"/>
+            <a:ext cx="6305550" cy="758776"/>
           </a:xfrm>
         </p:spPr>
         <p:txBody>
@@ -4544,7 +4327,15 @@
           <a:p>
             <a:r>
               <a:rPr lang="en-US" dirty="0" smtClean="0"/>
-              <a:t>Agenda</a:t>
+              <a:t>Arrays vs. </a:t>
+            </a:r>
+            <a:r>
+              <a:rPr lang="en-US" dirty="0" err="1"/>
+              <a:t>H</a:t>
+            </a:r>
+            <a:r>
+              <a:rPr lang="en-US" dirty="0" err="1" smtClean="0"/>
+              <a:t>ashtables</a:t>
             </a:r>
             <a:endParaRPr lang="en-US" dirty="0"/>
           </a:p>
@@ -4552,14 +4343,14 @@
       </p:sp>
       <p:sp>
         <p:nvSpPr>
-          <p:cNvPr id="3" name="TextBox 2"/>
+          <p:cNvPr id="4" name="TextBox 3"/>
           <p:cNvSpPr txBox="1"/>
           <p:nvPr/>
         </p:nvSpPr>
         <p:spPr>
           <a:xfrm>
-            <a:off x="677917" y="2222938"/>
-            <a:ext cx="4367049" cy="4524315"/>
+            <a:off x="669074" y="2293620"/>
+            <a:ext cx="11698185" cy="1569660"/>
           </a:xfrm>
           <a:prstGeom prst="rect">
             <a:avLst/>
@@ -4572,142 +4363,98 @@
           </a:bodyPr>
           <a:lstStyle/>
           <a:p>
-            <a:pPr marL="285750" indent="-285750">
-              <a:buFont typeface="Wingdings" panose="05000000000000000000" pitchFamily="2" charset="2"/>
-              <a:buChar char="§"/>
+            <a:pPr marL="342900" indent="-342900">
+              <a:buFont typeface="Arial" panose="020B0604020202020204" pitchFamily="34" charset="0"/>
+              <a:buChar char="•"/>
             </a:pPr>
             <a:r>
-              <a:rPr lang="en-US" sz="2400" dirty="0" smtClean="0"/>
-              <a:t>Basic PowerShell Concepts</a:t>
-            </a:r>
-          </a:p>
-          <a:p>
-            <a:pPr marL="285750" indent="-285750">
-              <a:buFont typeface="Wingdings" panose="05000000000000000000" pitchFamily="2" charset="2"/>
-              <a:buChar char="§"/>
+              <a:rPr lang="en-US" sz="2400" dirty="0" smtClean="0">
+                <a:solidFill>
+                  <a:srgbClr val="1A365C"/>
+                </a:solidFill>
+                <a:latin typeface="Metropolis" pitchFamily="2" charset="77"/>
+                <a:ea typeface="+mj-ea"/>
+                <a:cs typeface="+mj-cs"/>
+              </a:rPr>
+              <a:t>Objects</a:t>
+            </a:r>
+          </a:p>
+          <a:p>
+            <a:pPr marL="342900" indent="-342900">
+              <a:buFont typeface="Arial" panose="020B0604020202020204" pitchFamily="34" charset="0"/>
+              <a:buChar char="•"/>
             </a:pPr>
             <a:r>
-              <a:rPr lang="en-US" sz="2400" dirty="0" smtClean="0"/>
-              <a:t>Installing </a:t>
-            </a:r>
-            <a:r>
-              <a:rPr lang="en-US" sz="2400" dirty="0" err="1" smtClean="0"/>
-              <a:t>PowerCLI</a:t>
-            </a:r>
-            <a:endParaRPr lang="en-US" sz="2400" dirty="0" smtClean="0"/>
-          </a:p>
-          <a:p>
-            <a:pPr marL="285750" indent="-285750">
-              <a:buFont typeface="Wingdings" panose="05000000000000000000" pitchFamily="2" charset="2"/>
-              <a:buChar char="§"/>
+              <a:rPr lang="en-US" sz="2400" dirty="0" smtClean="0">
+                <a:solidFill>
+                  <a:srgbClr val="1A365C"/>
+                </a:solidFill>
+                <a:latin typeface="Metropolis" pitchFamily="2" charset="77"/>
+                <a:ea typeface="+mj-ea"/>
+                <a:cs typeface="+mj-cs"/>
+              </a:rPr>
+              <a:t>Arrays vs. </a:t>
+            </a:r>
+            <a:r>
+              <a:rPr lang="en-US" sz="2400" dirty="0" err="1" smtClean="0">
+                <a:solidFill>
+                  <a:srgbClr val="1A365C"/>
+                </a:solidFill>
+                <a:latin typeface="Metropolis" pitchFamily="2" charset="77"/>
+                <a:ea typeface="+mj-ea"/>
+                <a:cs typeface="+mj-cs"/>
+              </a:rPr>
+              <a:t>Hashtables</a:t>
+            </a:r>
+            <a:endParaRPr lang="en-US" sz="2400" dirty="0" smtClean="0">
+              <a:solidFill>
+                <a:srgbClr val="1A365C"/>
+              </a:solidFill>
+              <a:latin typeface="Metropolis" pitchFamily="2" charset="77"/>
+              <a:ea typeface="+mj-ea"/>
+              <a:cs typeface="+mj-cs"/>
+            </a:endParaRPr>
+          </a:p>
+          <a:p>
+            <a:pPr marL="342900" indent="-342900">
+              <a:buFont typeface="Arial" panose="020B0604020202020204" pitchFamily="34" charset="0"/>
+              <a:buChar char="•"/>
             </a:pPr>
             <a:r>
-              <a:rPr lang="en-US" sz="2400" dirty="0" smtClean="0"/>
-              <a:t>Connecting to a </a:t>
-            </a:r>
-            <a:r>
-              <a:rPr lang="en-US" sz="2400" dirty="0" err="1" smtClean="0"/>
-              <a:t>vCenter</a:t>
-            </a:r>
-            <a:endParaRPr lang="en-US" sz="2400" dirty="0" smtClean="0"/>
-          </a:p>
-          <a:p>
-            <a:pPr marL="285750" indent="-285750">
-              <a:buFont typeface="Wingdings" panose="05000000000000000000" pitchFamily="2" charset="2"/>
-              <a:buChar char="§"/>
+              <a:rPr lang="en-US" sz="2400" dirty="0" smtClean="0">
+                <a:solidFill>
+                  <a:srgbClr val="1A365C"/>
+                </a:solidFill>
+                <a:latin typeface="Metropolis" pitchFamily="2" charset="77"/>
+                <a:ea typeface="+mj-ea"/>
+                <a:cs typeface="+mj-cs"/>
+              </a:rPr>
+              <a:t>Pipeline</a:t>
+            </a:r>
+          </a:p>
+          <a:p>
+            <a:pPr marL="342900" indent="-342900">
+              <a:buFont typeface="Arial" panose="020B0604020202020204" pitchFamily="34" charset="0"/>
+              <a:buChar char="•"/>
             </a:pPr>
             <a:r>
-              <a:rPr lang="en-US" sz="2400" dirty="0" smtClean="0"/>
-              <a:t>Getting data from </a:t>
-            </a:r>
-            <a:r>
-              <a:rPr lang="en-US" sz="2400" dirty="0" err="1" smtClean="0"/>
-              <a:t>vCenter</a:t>
-            </a:r>
-            <a:endParaRPr lang="en-US" sz="2400" dirty="0" smtClean="0"/>
-          </a:p>
-          <a:p>
-            <a:pPr marL="285750" indent="-285750">
-              <a:buFont typeface="Wingdings" panose="05000000000000000000" pitchFamily="2" charset="2"/>
-              <a:buChar char="§"/>
-            </a:pPr>
-            <a:r>
-              <a:rPr lang="en-US" sz="2400" dirty="0" smtClean="0"/>
-              <a:t>PowerShell things</a:t>
-            </a:r>
-          </a:p>
-          <a:p>
-            <a:pPr marL="742950" lvl="1" indent="-285750">
-              <a:buFont typeface="Wingdings" panose="05000000000000000000" pitchFamily="2" charset="2"/>
-              <a:buChar char="§"/>
-            </a:pPr>
-            <a:r>
-              <a:rPr lang="en-US" sz="2400" dirty="0" smtClean="0"/>
-              <a:t>Objects</a:t>
-            </a:r>
-          </a:p>
-          <a:p>
-            <a:pPr marL="742950" lvl="1" indent="-285750">
-              <a:buFont typeface="Wingdings" panose="05000000000000000000" pitchFamily="2" charset="2"/>
-              <a:buChar char="§"/>
-            </a:pPr>
-            <a:r>
-              <a:rPr lang="en-US" sz="2400" dirty="0" smtClean="0"/>
-              <a:t>Pipeline</a:t>
-            </a:r>
-          </a:p>
-          <a:p>
-            <a:pPr marL="742950" lvl="1" indent="-285750">
-              <a:buFont typeface="Wingdings" panose="05000000000000000000" pitchFamily="2" charset="2"/>
-              <a:buChar char="§"/>
-            </a:pPr>
-            <a:r>
-              <a:rPr lang="en-US" sz="2400" dirty="0" smtClean="0"/>
-              <a:t>Comment based help</a:t>
-            </a:r>
-          </a:p>
-          <a:p>
-            <a:pPr marL="285750" indent="-285750">
-              <a:buFont typeface="Wingdings" panose="05000000000000000000" pitchFamily="2" charset="2"/>
-              <a:buChar char="§"/>
-            </a:pPr>
-            <a:r>
-              <a:rPr lang="en-US" sz="2400" dirty="0" smtClean="0"/>
-              <a:t>Toggling the </a:t>
-            </a:r>
-            <a:r>
-              <a:rPr lang="en-US" sz="2400" dirty="0" err="1" smtClean="0"/>
-              <a:t>PowerState</a:t>
-            </a:r>
-            <a:endParaRPr lang="en-US" sz="2400" dirty="0" smtClean="0"/>
-          </a:p>
-          <a:p>
-            <a:pPr marL="285750" indent="-285750">
-              <a:buFont typeface="Wingdings" panose="05000000000000000000" pitchFamily="2" charset="2"/>
-              <a:buChar char="§"/>
-            </a:pPr>
-            <a:r>
-              <a:rPr lang="en-US" sz="2400" dirty="0" smtClean="0"/>
-              <a:t>The Demo Environment</a:t>
-            </a:r>
-          </a:p>
-          <a:p>
-            <a:pPr marL="285750" indent="-285750">
-              <a:buFont typeface="Wingdings" panose="05000000000000000000" pitchFamily="2" charset="2"/>
-              <a:buChar char="§"/>
-            </a:pPr>
-            <a:r>
-              <a:rPr lang="en-US" sz="2400" dirty="0" smtClean="0"/>
-              <a:t>Live Demo &amp; VMware code Website</a:t>
-            </a:r>
-            <a:endParaRPr lang="en-US" sz="2400" dirty="0"/>
+              <a:rPr lang="en-US" sz="2400" dirty="0" smtClean="0">
+                <a:solidFill>
+                  <a:srgbClr val="1A365C"/>
+                </a:solidFill>
+                <a:latin typeface="Metropolis" pitchFamily="2" charset="77"/>
+                <a:ea typeface="+mj-ea"/>
+                <a:cs typeface="+mj-cs"/>
+              </a:rPr>
+              <a:t>Comment Based Help</a:t>
+            </a:r>
           </a:p>
         </p:txBody>
       </p:sp>
     </p:spTree>
     <p:extLst>
       <p:ext uri="{BB962C8B-B14F-4D97-AF65-F5344CB8AC3E}">
-        <p14:creationId xmlns:p14="http://schemas.microsoft.com/office/powerpoint/2010/main" val="1940758579"/>
+        <p14:creationId xmlns:p14="http://schemas.microsoft.com/office/powerpoint/2010/main" val="935339980"/>
       </p:ext>
     </p:extLst>
   </p:cSld>
@@ -4717,7 +4464,7 @@
 </p:sld>
 </file>
 
-<file path=ppt/slides/slide5.xml><?xml version="1.0" encoding="utf-8"?>
+<file path=ppt/slides/slide12.xml><?xml version="1.0" encoding="utf-8"?>
 <p:sld xmlns:a="http://schemas.openxmlformats.org/drawingml/2006/main" xmlns:r="http://schemas.openxmlformats.org/officeDocument/2006/relationships" xmlns:p="http://schemas.openxmlformats.org/presentationml/2006/main">
   <p:cSld>
     <p:spTree>
@@ -4749,18 +4496,22 @@
           <a:bodyPr/>
           <a:lstStyle/>
           <a:p>
-            <a:endParaRPr lang="en-US"/>
+            <a:r>
+              <a:rPr lang="en-US" dirty="0" smtClean="0"/>
+              <a:t>Pipeline</a:t>
+            </a:r>
+            <a:endParaRPr lang="en-US" dirty="0"/>
           </a:p>
         </p:txBody>
       </p:sp>
       <p:sp>
         <p:nvSpPr>
-          <p:cNvPr id="3" name="Text Placeholder 2"/>
+          <p:cNvPr id="3" name="Content Placeholder 2"/>
           <p:cNvSpPr>
             <a:spLocks noGrp="1"/>
           </p:cNvSpPr>
           <p:nvPr>
-            <p:ph type="body" idx="1"/>
+            <p:ph idx="1"/>
           </p:nvPr>
         </p:nvSpPr>
         <p:spPr/>
@@ -4774,12 +4525,12 @@
       </p:sp>
       <p:sp>
         <p:nvSpPr>
-          <p:cNvPr id="4" name="Content Placeholder 3"/>
+          <p:cNvPr id="4" name="Text Placeholder 3"/>
           <p:cNvSpPr>
             <a:spLocks noGrp="1"/>
           </p:cNvSpPr>
           <p:nvPr>
-            <p:ph sz="half" idx="2"/>
+            <p:ph type="body" sz="half" idx="2"/>
           </p:nvPr>
         </p:nvSpPr>
         <p:spPr/>
@@ -4791,48 +4542,10 @@
           </a:p>
         </p:txBody>
       </p:sp>
-      <p:sp>
-        <p:nvSpPr>
-          <p:cNvPr id="5" name="Text Placeholder 4"/>
-          <p:cNvSpPr>
-            <a:spLocks noGrp="1"/>
-          </p:cNvSpPr>
-          <p:nvPr>
-            <p:ph type="body" sz="quarter" idx="3"/>
-          </p:nvPr>
-        </p:nvSpPr>
-        <p:spPr/>
-        <p:txBody>
-          <a:bodyPr/>
-          <a:lstStyle/>
-          <a:p>
-            <a:endParaRPr lang="en-US"/>
-          </a:p>
-        </p:txBody>
-      </p:sp>
-      <p:sp>
-        <p:nvSpPr>
-          <p:cNvPr id="6" name="Content Placeholder 5"/>
-          <p:cNvSpPr>
-            <a:spLocks noGrp="1"/>
-          </p:cNvSpPr>
-          <p:nvPr>
-            <p:ph sz="quarter" idx="4"/>
-          </p:nvPr>
-        </p:nvSpPr>
-        <p:spPr/>
-        <p:txBody>
-          <a:bodyPr/>
-          <a:lstStyle/>
-          <a:p>
-            <a:endParaRPr lang="en-US" dirty="0"/>
-          </a:p>
-        </p:txBody>
-      </p:sp>
     </p:spTree>
     <p:extLst>
       <p:ext uri="{BB962C8B-B14F-4D97-AF65-F5344CB8AC3E}">
-        <p14:creationId xmlns:p14="http://schemas.microsoft.com/office/powerpoint/2010/main" val="127758428"/>
+        <p14:creationId xmlns:p14="http://schemas.microsoft.com/office/powerpoint/2010/main" val="1897797073"/>
       </p:ext>
     </p:extLst>
   </p:cSld>
@@ -4842,7 +4555,183 @@
 </p:sld>
 </file>
 
-<file path=ppt/slides/slide6.xml><?xml version="1.0" encoding="utf-8"?>
+<file path=ppt/slides/slide13.xml><?xml version="1.0" encoding="utf-8"?>
+<p:sld xmlns:a="http://schemas.openxmlformats.org/drawingml/2006/main" xmlns:r="http://schemas.openxmlformats.org/officeDocument/2006/relationships" xmlns:p="http://schemas.openxmlformats.org/presentationml/2006/main">
+  <p:cSld>
+    <p:spTree>
+      <p:nvGrpSpPr>
+        <p:cNvPr id="1" name=""/>
+        <p:cNvGrpSpPr/>
+        <p:nvPr/>
+      </p:nvGrpSpPr>
+      <p:grpSpPr>
+        <a:xfrm>
+          <a:off x="0" y="0"/>
+          <a:ext cx="0" cy="0"/>
+          <a:chOff x="0" y="0"/>
+          <a:chExt cx="0" cy="0"/>
+        </a:xfrm>
+      </p:grpSpPr>
+      <p:sp>
+        <p:nvSpPr>
+          <p:cNvPr id="3" name="Title 1"/>
+          <p:cNvSpPr>
+            <a:spLocks noGrp="1"/>
+          </p:cNvSpPr>
+          <p:nvPr>
+            <p:ph type="title"/>
+          </p:nvPr>
+        </p:nvSpPr>
+        <p:spPr>
+          <a:xfrm>
+            <a:off x="493815" y="1077645"/>
+            <a:ext cx="6305550" cy="758776"/>
+          </a:xfrm>
+        </p:spPr>
+        <p:txBody>
+          <a:bodyPr/>
+          <a:lstStyle/>
+          <a:p>
+            <a:r>
+              <a:rPr lang="en-US" dirty="0" smtClean="0"/>
+              <a:t>Comment Based </a:t>
+            </a:r>
+            <a:r>
+              <a:rPr lang="en-US" dirty="0"/>
+              <a:t>H</a:t>
+            </a:r>
+            <a:r>
+              <a:rPr lang="en-US" dirty="0" smtClean="0"/>
+              <a:t>elp</a:t>
+            </a:r>
+            <a:endParaRPr lang="en-US" dirty="0"/>
+          </a:p>
+        </p:txBody>
+      </p:sp>
+      <p:sp>
+        <p:nvSpPr>
+          <p:cNvPr id="4" name="TextBox 3"/>
+          <p:cNvSpPr txBox="1"/>
+          <p:nvPr/>
+        </p:nvSpPr>
+        <p:spPr>
+          <a:xfrm>
+            <a:off x="669074" y="2293620"/>
+            <a:ext cx="11698185" cy="1569660"/>
+          </a:xfrm>
+          <a:prstGeom prst="rect">
+            <a:avLst/>
+          </a:prstGeom>
+          <a:noFill/>
+        </p:spPr>
+        <p:txBody>
+          <a:bodyPr wrap="square" rtlCol="0">
+            <a:spAutoFit/>
+          </a:bodyPr>
+          <a:lstStyle/>
+          <a:p>
+            <a:pPr marL="342900" indent="-342900">
+              <a:buFont typeface="Arial" panose="020B0604020202020204" pitchFamily="34" charset="0"/>
+              <a:buChar char="•"/>
+            </a:pPr>
+            <a:r>
+              <a:rPr lang="en-US" sz="2400" dirty="0" smtClean="0">
+                <a:solidFill>
+                  <a:srgbClr val="1A365C"/>
+                </a:solidFill>
+                <a:latin typeface="Metropolis" pitchFamily="2" charset="77"/>
+                <a:ea typeface="+mj-ea"/>
+                <a:cs typeface="+mj-cs"/>
+              </a:rPr>
+              <a:t>Objects</a:t>
+            </a:r>
+          </a:p>
+          <a:p>
+            <a:pPr marL="342900" indent="-342900">
+              <a:buFont typeface="Arial" panose="020B0604020202020204" pitchFamily="34" charset="0"/>
+              <a:buChar char="•"/>
+            </a:pPr>
+            <a:r>
+              <a:rPr lang="en-US" sz="2400" dirty="0" smtClean="0">
+                <a:solidFill>
+                  <a:srgbClr val="1A365C"/>
+                </a:solidFill>
+                <a:latin typeface="Metropolis" pitchFamily="2" charset="77"/>
+                <a:ea typeface="+mj-ea"/>
+                <a:cs typeface="+mj-cs"/>
+              </a:rPr>
+              <a:t>Arrays vs. </a:t>
+            </a:r>
+            <a:r>
+              <a:rPr lang="en-US" sz="2400" dirty="0" err="1" smtClean="0">
+                <a:solidFill>
+                  <a:srgbClr val="1A365C"/>
+                </a:solidFill>
+                <a:latin typeface="Metropolis" pitchFamily="2" charset="77"/>
+                <a:ea typeface="+mj-ea"/>
+                <a:cs typeface="+mj-cs"/>
+              </a:rPr>
+              <a:t>Hashtables</a:t>
+            </a:r>
+            <a:endParaRPr lang="en-US" sz="2400" dirty="0" smtClean="0">
+              <a:solidFill>
+                <a:srgbClr val="1A365C"/>
+              </a:solidFill>
+              <a:latin typeface="Metropolis" pitchFamily="2" charset="77"/>
+              <a:ea typeface="+mj-ea"/>
+              <a:cs typeface="+mj-cs"/>
+            </a:endParaRPr>
+          </a:p>
+          <a:p>
+            <a:pPr marL="342900" indent="-342900">
+              <a:buFont typeface="Arial" panose="020B0604020202020204" pitchFamily="34" charset="0"/>
+              <a:buChar char="•"/>
+            </a:pPr>
+            <a:r>
+              <a:rPr lang="en-US" sz="2400" dirty="0" smtClean="0">
+                <a:solidFill>
+                  <a:srgbClr val="1A365C"/>
+                </a:solidFill>
+                <a:latin typeface="Metropolis" pitchFamily="2" charset="77"/>
+                <a:ea typeface="+mj-ea"/>
+                <a:cs typeface="+mj-cs"/>
+              </a:rPr>
+              <a:t>Pipeline</a:t>
+            </a:r>
+          </a:p>
+          <a:p>
+            <a:pPr marL="342900" indent="-342900">
+              <a:buFont typeface="Arial" panose="020B0604020202020204" pitchFamily="34" charset="0"/>
+              <a:buChar char="•"/>
+            </a:pPr>
+            <a:r>
+              <a:rPr lang="en-US" sz="2400" dirty="0" smtClean="0">
+                <a:solidFill>
+                  <a:srgbClr val="1A365C"/>
+                </a:solidFill>
+                <a:latin typeface="Metropolis" pitchFamily="2" charset="77"/>
+                <a:ea typeface="+mj-ea"/>
+                <a:cs typeface="+mj-cs"/>
+              </a:rPr>
+              <a:t>Comment Based Help</a:t>
+            </a:r>
+          </a:p>
+        </p:txBody>
+      </p:sp>
+    </p:spTree>
+    <p:extLst>
+      <p:ext uri="{BB962C8B-B14F-4D97-AF65-F5344CB8AC3E}">
+        <p14:creationId xmlns:p14="http://schemas.microsoft.com/office/powerpoint/2010/main" val="570196172"/>
+      </p:ext>
+    </p:extLst>
+  </p:cSld>
+  <p:clrMapOvr>
+    <a:masterClrMapping/>
+  </p:clrMapOvr>
+</p:sld>
+</file>
+
+<file path=ppt/slides/slide14.xml><?xml version="1.0" encoding="utf-8"?>
 <p:sld xmlns:a="http://schemas.openxmlformats.org/drawingml/2006/main" xmlns:r="http://schemas.openxmlformats.org/officeDocument/2006/relationships" xmlns:p="http://schemas.openxmlformats.org/presentationml/2006/main">
   <p:cSld>
     <p:spTree>
@@ -4874,14 +4763,60 @@
           <a:bodyPr/>
           <a:lstStyle/>
           <a:p>
+            <a:r>
+              <a:rPr lang="en-US" dirty="0" smtClean="0"/>
+              <a:t>Toggling the </a:t>
+            </a:r>
+            <a:r>
+              <a:rPr lang="en-US" dirty="0" err="1" smtClean="0"/>
+              <a:t>PowerState</a:t>
+            </a:r>
             <a:endParaRPr lang="en-US" dirty="0"/>
+          </a:p>
+        </p:txBody>
+      </p:sp>
+      <p:sp>
+        <p:nvSpPr>
+          <p:cNvPr id="3" name="Content Placeholder 2"/>
+          <p:cNvSpPr>
+            <a:spLocks noGrp="1"/>
+          </p:cNvSpPr>
+          <p:nvPr>
+            <p:ph idx="1"/>
+          </p:nvPr>
+        </p:nvSpPr>
+        <p:spPr/>
+        <p:txBody>
+          <a:bodyPr/>
+          <a:lstStyle/>
+          <a:p>
+            <a:endParaRPr lang="en-US"/>
+          </a:p>
+        </p:txBody>
+      </p:sp>
+      <p:sp>
+        <p:nvSpPr>
+          <p:cNvPr id="4" name="Text Placeholder 3"/>
+          <p:cNvSpPr>
+            <a:spLocks noGrp="1"/>
+          </p:cNvSpPr>
+          <p:nvPr>
+            <p:ph type="body" sz="half" idx="2"/>
+          </p:nvPr>
+        </p:nvSpPr>
+        <p:spPr/>
+        <p:txBody>
+          <a:bodyPr/>
+          <a:lstStyle/>
+          <a:p>
+            <a:endParaRPr lang="en-US"/>
           </a:p>
         </p:txBody>
       </p:sp>
     </p:spTree>
     <p:extLst>
       <p:ext uri="{BB962C8B-B14F-4D97-AF65-F5344CB8AC3E}">
-        <p14:creationId xmlns:p14="http://schemas.microsoft.com/office/powerpoint/2010/main" val="1061312416"/>
+        <p14:creationId xmlns:p14="http://schemas.microsoft.com/office/powerpoint/2010/main" val="3340119179"/>
       </p:ext>
     </p:extLst>
   </p:cSld>
@@ -4891,7 +4826,7 @@
 </p:sld>
 </file>
 
-<file path=ppt/slides/slide7.xml><?xml version="1.0" encoding="utf-8"?>
+<file path=ppt/slides/slide15.xml><?xml version="1.0" encoding="utf-8"?>
 <p:sld xmlns:a="http://schemas.openxmlformats.org/drawingml/2006/main" xmlns:r="http://schemas.openxmlformats.org/officeDocument/2006/relationships" xmlns:p="http://schemas.openxmlformats.org/presentationml/2006/main">
   <p:cSld>
     <p:spTree>
@@ -4910,13 +4845,7 @@
       </p:grpSpPr>
       <p:sp>
         <p:nvSpPr>
-          <p:cNvPr id="2" name="Title 1">
-            <a:extLst>
-              <a:ext uri="{FF2B5EF4-FFF2-40B4-BE49-F238E27FC236}">
-                <a16:creationId xmlns:a16="http://schemas.microsoft.com/office/drawing/2014/main" id="{A7B3B809-0946-9393-0F3A-26149E12B1F8}"/>
-              </a:ext>
-            </a:extLst>
-          </p:cNvPr>
+          <p:cNvPr id="3" name="Title 1"/>
           <p:cNvSpPr>
             <a:spLocks noGrp="1"/>
           </p:cNvSpPr>
@@ -4924,112 +4853,130 @@
             <p:ph type="title"/>
           </p:nvPr>
         </p:nvSpPr>
-        <p:spPr/>
+        <p:spPr>
+          <a:xfrm>
+            <a:off x="493815" y="1077645"/>
+            <a:ext cx="6305550" cy="758776"/>
+          </a:xfrm>
+        </p:spPr>
         <p:txBody>
           <a:bodyPr/>
           <a:lstStyle/>
           <a:p>
-            <a:endParaRPr lang="en-US"/>
+            <a:r>
+              <a:rPr lang="en-US" dirty="0" smtClean="0"/>
+              <a:t>The Demo Environment</a:t>
+            </a:r>
+            <a:endParaRPr lang="en-US" dirty="0"/>
           </a:p>
         </p:txBody>
       </p:sp>
       <p:sp>
         <p:nvSpPr>
-          <p:cNvPr id="3" name="Content Placeholder 2">
-            <a:extLst>
-              <a:ext uri="{FF2B5EF4-FFF2-40B4-BE49-F238E27FC236}">
-                <a16:creationId xmlns:a16="http://schemas.microsoft.com/office/drawing/2014/main" id="{2C586FF3-B862-BA63-1976-5A6D67D9CF93}"/>
-              </a:ext>
-            </a:extLst>
-          </p:cNvPr>
-          <p:cNvSpPr>
-            <a:spLocks noGrp="1"/>
-          </p:cNvSpPr>
-          <p:nvPr>
-            <p:ph idx="1"/>
-          </p:nvPr>
+          <p:cNvPr id="4" name="TextBox 3"/>
+          <p:cNvSpPr txBox="1"/>
+          <p:nvPr/>
         </p:nvSpPr>
-        <p:spPr/>
+        <p:spPr>
+          <a:xfrm>
+            <a:off x="669074" y="2293620"/>
+            <a:ext cx="11698185" cy="1569660"/>
+          </a:xfrm>
+          <a:prstGeom prst="rect">
+            <a:avLst/>
+          </a:prstGeom>
+          <a:noFill/>
+        </p:spPr>
         <p:txBody>
-          <a:bodyPr/>
+          <a:bodyPr wrap="square" rtlCol="0">
+            <a:spAutoFit/>
+          </a:bodyPr>
           <a:lstStyle/>
           <a:p>
-            <a:endParaRPr lang="en-US"/>
-          </a:p>
-        </p:txBody>
-      </p:sp>
-      <p:sp>
-        <p:nvSpPr>
-          <p:cNvPr id="4" name="Text Placeholder 3">
-            <a:extLst>
-              <a:ext uri="{FF2B5EF4-FFF2-40B4-BE49-F238E27FC236}">
-                <a16:creationId xmlns:a16="http://schemas.microsoft.com/office/drawing/2014/main" id="{00A0330F-C897-67AE-D5B7-053DA1A39205}"/>
-              </a:ext>
-            </a:extLst>
-          </p:cNvPr>
-          <p:cNvSpPr>
-            <a:spLocks noGrp="1"/>
-          </p:cNvSpPr>
-          <p:nvPr>
-            <p:ph type="body" sz="half" idx="2"/>
-          </p:nvPr>
-        </p:nvSpPr>
-        <p:spPr/>
-        <p:txBody>
-          <a:bodyPr/>
-          <a:lstStyle/>
-          <a:p>
-            <a:r>
-              <a:rPr lang="en-US" dirty="0"/>
-              <a:t>In this session we will head back to the basics to give users an </a:t>
-            </a:r>
-            <a:r>
-              <a:rPr lang="en-US" dirty="0" err="1"/>
-              <a:t>indepth</a:t>
-            </a:r>
-            <a:r>
-              <a:rPr lang="en-US" dirty="0"/>
-              <a:t> overview on how to get</a:t>
-            </a:r>
-          </a:p>
-          <a:p>
-            <a:r>
-              <a:rPr lang="en-US" dirty="0"/>
-              <a:t>started with </a:t>
-            </a:r>
-            <a:r>
-              <a:rPr lang="en-US" dirty="0" err="1"/>
-              <a:t>PowerCLI</a:t>
-            </a:r>
-            <a:r>
-              <a:rPr lang="en-US" dirty="0"/>
-              <a:t>. It will cover installing the module, connecting to a vSphere instance, and simple</a:t>
-            </a:r>
-          </a:p>
-          <a:p>
-            <a:r>
-              <a:rPr lang="en-US" dirty="0"/>
-              <a:t>tasks such as toggling the Virtual machine </a:t>
-            </a:r>
-            <a:r>
-              <a:rPr lang="en-US" dirty="0" err="1"/>
-              <a:t>powerstate</a:t>
-            </a:r>
-            <a:r>
-              <a:rPr lang="en-US" dirty="0"/>
-              <a:t>. Additional topics will include; understanding the</a:t>
-            </a:r>
-          </a:p>
-          <a:p>
-            <a:r>
-              <a:rPr lang="en-US" dirty="0"/>
-              <a:t>PowerShell Pipeline, Using an IDE (integrated development environment), and how to navigate the VMware</a:t>
-            </a:r>
-          </a:p>
-          <a:p>
-            <a:r>
-              <a:rPr lang="en-US" dirty="0"/>
-              <a:t>Code website.</a:t>
+            <a:pPr marL="342900" indent="-342900">
+              <a:buFont typeface="Arial" panose="020B0604020202020204" pitchFamily="34" charset="0"/>
+              <a:buChar char="•"/>
+            </a:pPr>
+            <a:r>
+              <a:rPr lang="en-US" sz="2400" dirty="0" smtClean="0">
+                <a:solidFill>
+                  <a:srgbClr val="1A365C"/>
+                </a:solidFill>
+                <a:latin typeface="Metropolis" pitchFamily="2" charset="77"/>
+                <a:ea typeface="+mj-ea"/>
+                <a:cs typeface="+mj-cs"/>
+              </a:rPr>
+              <a:t>Objects</a:t>
+            </a:r>
+          </a:p>
+          <a:p>
+            <a:pPr marL="342900" indent="-342900">
+              <a:buFont typeface="Arial" panose="020B0604020202020204" pitchFamily="34" charset="0"/>
+              <a:buChar char="•"/>
+            </a:pPr>
+            <a:r>
+              <a:rPr lang="en-US" sz="2400" dirty="0" smtClean="0">
+                <a:solidFill>
+                  <a:srgbClr val="1A365C"/>
+                </a:solidFill>
+                <a:latin typeface="Metropolis" pitchFamily="2" charset="77"/>
+                <a:ea typeface="+mj-ea"/>
+                <a:cs typeface="+mj-cs"/>
+              </a:rPr>
+              <a:t>Arrays vs. </a:t>
+            </a:r>
+            <a:r>
+              <a:rPr lang="en-US" sz="2400" dirty="0" err="1" smtClean="0">
+                <a:solidFill>
+                  <a:srgbClr val="1A365C"/>
+                </a:solidFill>
+                <a:latin typeface="Metropolis" pitchFamily="2" charset="77"/>
+                <a:ea typeface="+mj-ea"/>
+                <a:cs typeface="+mj-cs"/>
+              </a:rPr>
+              <a:t>Hashtables</a:t>
+            </a:r>
+            <a:endParaRPr lang="en-US" sz="2400" dirty="0" smtClean="0">
+              <a:solidFill>
+                <a:srgbClr val="1A365C"/>
+              </a:solidFill>
+              <a:latin typeface="Metropolis" pitchFamily="2" charset="77"/>
+              <a:ea typeface="+mj-ea"/>
+              <a:cs typeface="+mj-cs"/>
+            </a:endParaRPr>
+          </a:p>
+          <a:p>
+            <a:pPr marL="342900" indent="-342900">
+              <a:buFont typeface="Arial" panose="020B0604020202020204" pitchFamily="34" charset="0"/>
+              <a:buChar char="•"/>
+            </a:pPr>
+            <a:r>
+              <a:rPr lang="en-US" sz="2400" dirty="0" smtClean="0">
+                <a:solidFill>
+                  <a:srgbClr val="1A365C"/>
+                </a:solidFill>
+                <a:latin typeface="Metropolis" pitchFamily="2" charset="77"/>
+                <a:ea typeface="+mj-ea"/>
+                <a:cs typeface="+mj-cs"/>
+              </a:rPr>
+              <a:t>Pipeline</a:t>
+            </a:r>
+          </a:p>
+          <a:p>
+            <a:pPr marL="342900" indent="-342900">
+              <a:buFont typeface="Arial" panose="020B0604020202020204" pitchFamily="34" charset="0"/>
+              <a:buChar char="•"/>
+            </a:pPr>
+            <a:r>
+              <a:rPr lang="en-US" sz="2400" dirty="0" smtClean="0">
+                <a:solidFill>
+                  <a:srgbClr val="1A365C"/>
+                </a:solidFill>
+                <a:latin typeface="Metropolis" pitchFamily="2" charset="77"/>
+                <a:ea typeface="+mj-ea"/>
+                <a:cs typeface="+mj-cs"/>
+              </a:rPr>
+              <a:t>Comment Based Help</a:t>
             </a:r>
           </a:p>
         </p:txBody>
@@ -5037,7 +4984,7 @@
     </p:spTree>
     <p:extLst>
       <p:ext uri="{BB962C8B-B14F-4D97-AF65-F5344CB8AC3E}">
-        <p14:creationId xmlns:p14="http://schemas.microsoft.com/office/powerpoint/2010/main" val="3581116270"/>
+        <p14:creationId xmlns:p14="http://schemas.microsoft.com/office/powerpoint/2010/main" val="3990928241"/>
       </p:ext>
     </p:extLst>
   </p:cSld>
@@ -5047,7 +4994,7 @@
 </p:sld>
 </file>
 
-<file path=ppt/slides/slide8.xml><?xml version="1.0" encoding="utf-8"?>
+<file path=ppt/slides/slide16.xml><?xml version="1.0" encoding="utf-8"?>
 <p:sld xmlns:a="http://schemas.openxmlformats.org/drawingml/2006/main" xmlns:r="http://schemas.openxmlformats.org/officeDocument/2006/relationships" xmlns:p="http://schemas.openxmlformats.org/presentationml/2006/main">
   <p:cSld>
     <p:spTree>
@@ -5085,7 +5032,11 @@
           <a:bodyPr/>
           <a:lstStyle/>
           <a:p>
-            <a:endParaRPr lang="en-US"/>
+            <a:r>
+              <a:rPr lang="en-US" dirty="0" smtClean="0"/>
+              <a:t>Thank you!</a:t>
+            </a:r>
+            <a:endParaRPr lang="en-US" dirty="0"/>
           </a:p>
         </p:txBody>
       </p:sp>
@@ -5209,10 +5160,1913 @@
           </a:prstGeom>
         </p:spPr>
       </p:pic>
+      <p:sp>
+        <p:nvSpPr>
+          <p:cNvPr id="7" name="Text Placeholder 3"/>
+          <p:cNvSpPr txBox="1">
+            <a:spLocks/>
+          </p:cNvSpPr>
+          <p:nvPr/>
+        </p:nvSpPr>
+        <p:spPr>
+          <a:xfrm>
+            <a:off x="7263448" y="3934493"/>
+            <a:ext cx="3932237" cy="2397728"/>
+          </a:xfrm>
+          <a:prstGeom prst="rect">
+            <a:avLst/>
+          </a:prstGeom>
+        </p:spPr>
+        <p:txBody>
+          <a:bodyPr/>
+          <a:lstStyle>
+            <a:lvl1pPr marL="228600" indent="-228600" algn="l" defTabSz="914400" rtl="0" eaLnBrk="1" latinLnBrk="0" hangingPunct="1">
+              <a:lnSpc>
+                <a:spcPct val="90000"/>
+              </a:lnSpc>
+              <a:spcBef>
+                <a:spcPts val="1000"/>
+              </a:spcBef>
+              <a:buFont typeface="Arial"/>
+              <a:buChar char="•"/>
+              <a:defRPr sz="2800" kern="1200">
+                <a:solidFill>
+                  <a:schemeClr val="tx1"/>
+                </a:solidFill>
+                <a:latin typeface="+mn-lt"/>
+                <a:ea typeface="+mn-ea"/>
+                <a:cs typeface="+mn-cs"/>
+              </a:defRPr>
+            </a:lvl1pPr>
+            <a:lvl2pPr marL="685800" indent="-228600" algn="l" defTabSz="914400" rtl="0" eaLnBrk="1" latinLnBrk="0" hangingPunct="1">
+              <a:lnSpc>
+                <a:spcPct val="90000"/>
+              </a:lnSpc>
+              <a:spcBef>
+                <a:spcPts val="500"/>
+              </a:spcBef>
+              <a:buFont typeface="Arial"/>
+              <a:buChar char="•"/>
+              <a:defRPr sz="2400" kern="1200">
+                <a:solidFill>
+                  <a:schemeClr val="tx1"/>
+                </a:solidFill>
+                <a:latin typeface="+mn-lt"/>
+                <a:ea typeface="+mn-ea"/>
+                <a:cs typeface="+mn-cs"/>
+              </a:defRPr>
+            </a:lvl2pPr>
+            <a:lvl3pPr marL="1143000" indent="-228600" algn="l" defTabSz="914400" rtl="0" eaLnBrk="1" latinLnBrk="0" hangingPunct="1">
+              <a:lnSpc>
+                <a:spcPct val="90000"/>
+              </a:lnSpc>
+              <a:spcBef>
+                <a:spcPts val="500"/>
+              </a:spcBef>
+              <a:buFont typeface="Arial"/>
+              <a:buChar char="•"/>
+              <a:defRPr sz="2000" kern="1200">
+                <a:solidFill>
+                  <a:schemeClr val="tx1"/>
+                </a:solidFill>
+                <a:latin typeface="+mn-lt"/>
+                <a:ea typeface="+mn-ea"/>
+                <a:cs typeface="+mn-cs"/>
+              </a:defRPr>
+            </a:lvl3pPr>
+            <a:lvl4pPr marL="1600200" indent="-228600" algn="l" defTabSz="914400" rtl="0" eaLnBrk="1" latinLnBrk="0" hangingPunct="1">
+              <a:lnSpc>
+                <a:spcPct val="90000"/>
+              </a:lnSpc>
+              <a:spcBef>
+                <a:spcPts val="500"/>
+              </a:spcBef>
+              <a:buFont typeface="Arial"/>
+              <a:buChar char="•"/>
+              <a:defRPr sz="1800" kern="1200">
+                <a:solidFill>
+                  <a:schemeClr val="tx1"/>
+                </a:solidFill>
+                <a:latin typeface="+mn-lt"/>
+                <a:ea typeface="+mn-ea"/>
+                <a:cs typeface="+mn-cs"/>
+              </a:defRPr>
+            </a:lvl4pPr>
+            <a:lvl5pPr marL="2057400" indent="-228600" algn="l" defTabSz="914400" rtl="0" eaLnBrk="1" latinLnBrk="0" hangingPunct="1">
+              <a:lnSpc>
+                <a:spcPct val="90000"/>
+              </a:lnSpc>
+              <a:spcBef>
+                <a:spcPts val="500"/>
+              </a:spcBef>
+              <a:buFont typeface="Arial"/>
+              <a:buChar char="•"/>
+              <a:defRPr sz="1800" kern="1200">
+                <a:solidFill>
+                  <a:schemeClr val="tx1"/>
+                </a:solidFill>
+                <a:latin typeface="+mn-lt"/>
+                <a:ea typeface="+mn-ea"/>
+                <a:cs typeface="+mn-cs"/>
+              </a:defRPr>
+            </a:lvl5pPr>
+            <a:lvl6pPr marL="2514600" indent="-228600" algn="l" defTabSz="914400" rtl="0" eaLnBrk="1" latinLnBrk="0" hangingPunct="1">
+              <a:lnSpc>
+                <a:spcPct val="90000"/>
+              </a:lnSpc>
+              <a:spcBef>
+                <a:spcPts val="500"/>
+              </a:spcBef>
+              <a:buFont typeface="Arial"/>
+              <a:buChar char="•"/>
+              <a:defRPr sz="1800" kern="1200">
+                <a:solidFill>
+                  <a:schemeClr val="tx1"/>
+                </a:solidFill>
+                <a:latin typeface="+mn-lt"/>
+                <a:ea typeface="+mn-ea"/>
+                <a:cs typeface="+mn-cs"/>
+              </a:defRPr>
+            </a:lvl6pPr>
+            <a:lvl7pPr marL="2971800" indent="-228600" algn="l" defTabSz="914400" rtl="0" eaLnBrk="1" latinLnBrk="0" hangingPunct="1">
+              <a:lnSpc>
+                <a:spcPct val="90000"/>
+              </a:lnSpc>
+              <a:spcBef>
+                <a:spcPts val="500"/>
+              </a:spcBef>
+              <a:buFont typeface="Arial"/>
+              <a:buChar char="•"/>
+              <a:defRPr sz="1800" kern="1200">
+                <a:solidFill>
+                  <a:schemeClr val="tx1"/>
+                </a:solidFill>
+                <a:latin typeface="+mn-lt"/>
+                <a:ea typeface="+mn-ea"/>
+                <a:cs typeface="+mn-cs"/>
+              </a:defRPr>
+            </a:lvl7pPr>
+            <a:lvl8pPr marL="3429000" indent="-228600" algn="l" defTabSz="914400" rtl="0" eaLnBrk="1" latinLnBrk="0" hangingPunct="1">
+              <a:lnSpc>
+                <a:spcPct val="90000"/>
+              </a:lnSpc>
+              <a:spcBef>
+                <a:spcPts val="500"/>
+              </a:spcBef>
+              <a:buFont typeface="Arial"/>
+              <a:buChar char="•"/>
+              <a:defRPr sz="1800" kern="1200">
+                <a:solidFill>
+                  <a:schemeClr val="tx1"/>
+                </a:solidFill>
+                <a:latin typeface="+mn-lt"/>
+                <a:ea typeface="+mn-ea"/>
+                <a:cs typeface="+mn-cs"/>
+              </a:defRPr>
+            </a:lvl8pPr>
+            <a:lvl9pPr marL="3886200" indent="-228600" algn="l" defTabSz="914400" rtl="0" eaLnBrk="1" latinLnBrk="0" hangingPunct="1">
+              <a:lnSpc>
+                <a:spcPct val="90000"/>
+              </a:lnSpc>
+              <a:spcBef>
+                <a:spcPts val="500"/>
+              </a:spcBef>
+              <a:buFont typeface="Arial"/>
+              <a:buChar char="•"/>
+              <a:defRPr sz="1800" kern="1200">
+                <a:solidFill>
+                  <a:schemeClr val="tx1"/>
+                </a:solidFill>
+                <a:latin typeface="+mn-lt"/>
+                <a:ea typeface="+mn-ea"/>
+                <a:cs typeface="+mn-cs"/>
+              </a:defRPr>
+            </a:lvl9pPr>
+          </a:lstStyle>
+          <a:p>
+            <a:r>
+              <a:rPr lang="en-US" smtClean="0"/>
+              <a:t>Where to get help:</a:t>
+            </a:r>
+          </a:p>
+          <a:p>
+            <a:r>
+              <a:rPr lang="en-US" smtClean="0"/>
+              <a:t>VMware {Code} Slack</a:t>
+            </a:r>
+          </a:p>
+          <a:p>
+            <a:r>
+              <a:rPr lang="en-US" smtClean="0"/>
+              <a:t>VMNT Community</a:t>
+            </a:r>
+            <a:endParaRPr lang="en-US" dirty="0"/>
+          </a:p>
+        </p:txBody>
+      </p:sp>
     </p:spTree>
     <p:extLst>
       <p:ext uri="{BB962C8B-B14F-4D97-AF65-F5344CB8AC3E}">
         <p14:creationId xmlns:p14="http://schemas.microsoft.com/office/powerpoint/2010/main" val="2467488034"/>
+      </p:ext>
+    </p:extLst>
+  </p:cSld>
+  <p:clrMapOvr>
+    <a:masterClrMapping/>
+  </p:clrMapOvr>
+</p:sld>
+</file>
+
+<file path=ppt/slides/slide2.xml><?xml version="1.0" encoding="utf-8"?>
+<p:sld xmlns:a="http://schemas.openxmlformats.org/drawingml/2006/main" xmlns:r="http://schemas.openxmlformats.org/officeDocument/2006/relationships" xmlns:p="http://schemas.openxmlformats.org/presentationml/2006/main">
+  <p:cSld>
+    <p:spTree>
+      <p:nvGrpSpPr>
+        <p:cNvPr id="1" name=""/>
+        <p:cNvGrpSpPr/>
+        <p:nvPr/>
+      </p:nvGrpSpPr>
+      <p:grpSpPr>
+        <a:xfrm>
+          <a:off x="0" y="0"/>
+          <a:ext cx="0" cy="0"/>
+          <a:chOff x="0" y="0"/>
+          <a:chExt cx="0" cy="0"/>
+        </a:xfrm>
+      </p:grpSpPr>
+      <p:sp>
+        <p:nvSpPr>
+          <p:cNvPr id="4" name="Title 3"/>
+          <p:cNvSpPr>
+            <a:spLocks noGrp="1"/>
+          </p:cNvSpPr>
+          <p:nvPr>
+            <p:ph type="title"/>
+          </p:nvPr>
+        </p:nvSpPr>
+        <p:spPr>
+          <a:xfrm>
+            <a:off x="126124" y="3921489"/>
+            <a:ext cx="6596539" cy="1612208"/>
+          </a:xfrm>
+        </p:spPr>
+        <p:txBody>
+          <a:bodyPr/>
+          <a:lstStyle/>
+          <a:p>
+            <a:pPr algn="r"/>
+            <a:r>
+              <a:rPr lang="en-US" sz="4000" b="1" dirty="0" err="1" smtClean="0"/>
+              <a:t>PowerCLI</a:t>
+            </a:r>
+            <a:r>
+              <a:rPr lang="en-US" sz="4000" b="1" dirty="0" smtClean="0"/>
+              <a:t> 101</a:t>
+            </a:r>
+            <a:br>
+              <a:rPr lang="en-US" sz="4000" b="1" dirty="0" smtClean="0"/>
+            </a:br>
+            <a:r>
+              <a:rPr lang="en-US" sz="3600" b="1" dirty="0" smtClean="0"/>
+              <a:t>Getting Started with the Shell</a:t>
+            </a:r>
+            <a:endParaRPr lang="en-US" sz="3600" b="1" dirty="0"/>
+          </a:p>
+        </p:txBody>
+      </p:sp>
+    </p:spTree>
+    <p:extLst>
+      <p:ext uri="{BB962C8B-B14F-4D97-AF65-F5344CB8AC3E}">
+        <p14:creationId xmlns:p14="http://schemas.microsoft.com/office/powerpoint/2010/main" val="846162795"/>
+      </p:ext>
+    </p:extLst>
+  </p:cSld>
+  <p:clrMapOvr>
+    <a:masterClrMapping/>
+  </p:clrMapOvr>
+</p:sld>
+</file>
+
+<file path=ppt/slides/slide3.xml><?xml version="1.0" encoding="utf-8"?>
+<p:sld xmlns:a="http://schemas.openxmlformats.org/drawingml/2006/main" xmlns:r="http://schemas.openxmlformats.org/officeDocument/2006/relationships" xmlns:p="http://schemas.openxmlformats.org/presentationml/2006/main">
+  <p:cSld>
+    <p:spTree>
+      <p:nvGrpSpPr>
+        <p:cNvPr id="1" name=""/>
+        <p:cNvGrpSpPr/>
+        <p:nvPr/>
+      </p:nvGrpSpPr>
+      <p:grpSpPr>
+        <a:xfrm>
+          <a:off x="0" y="0"/>
+          <a:ext cx="0" cy="0"/>
+          <a:chOff x="0" y="0"/>
+          <a:chExt cx="0" cy="0"/>
+        </a:xfrm>
+      </p:grpSpPr>
+      <p:sp>
+        <p:nvSpPr>
+          <p:cNvPr id="2" name="Title 1"/>
+          <p:cNvSpPr>
+            <a:spLocks noGrp="1"/>
+          </p:cNvSpPr>
+          <p:nvPr>
+            <p:ph type="title"/>
+          </p:nvPr>
+        </p:nvSpPr>
+        <p:spPr/>
+        <p:txBody>
+          <a:bodyPr/>
+          <a:lstStyle/>
+          <a:p>
+            <a:r>
+              <a:rPr lang="en-US" dirty="0" smtClean="0"/>
+              <a:t>Justin P. Sider</a:t>
+            </a:r>
+            <a:endParaRPr lang="en-US" dirty="0"/>
+          </a:p>
+        </p:txBody>
+      </p:sp>
+      <p:pic>
+        <p:nvPicPr>
+          <p:cNvPr id="1026" name="Picture 2" descr="https://lh7-us.googleusercontent.com/2Zgec_cC7XJaaDX7G82KC_NkM5ZY_CRrOZ2dj9O1RTPBI3cq2w3gzTqb5vtnoPPMTY17Xn5l9pM1vvkGo303wMNJMZZzv4yzB0ZNawqW8TN2HIGvDAOno2eNxeDwWt9d4FoUoY8FtUyjCJcO5OO1Viuxvw=s2048"/>
+          <p:cNvPicPr>
+            <a:picLocks noChangeAspect="1" noChangeArrowheads="1"/>
+          </p:cNvPicPr>
+          <p:nvPr/>
+        </p:nvPicPr>
+        <p:blipFill>
+          <a:blip r:embed="rId2">
+            <a:extLst>
+              <a:ext uri="{28A0092B-C50C-407E-A947-70E740481C1C}">
+                <a14:useLocalDpi xmlns:a14="http://schemas.microsoft.com/office/drawing/2010/main" val="0"/>
+              </a:ext>
+            </a:extLst>
+          </a:blip>
+          <a:srcRect/>
+          <a:stretch>
+            <a:fillRect/>
+          </a:stretch>
+        </p:blipFill>
+        <p:spPr bwMode="auto">
+          <a:xfrm>
+            <a:off x="1022679" y="1398588"/>
+            <a:ext cx="3076575" cy="2686051"/>
+          </a:xfrm>
+          <a:prstGeom prst="rect">
+            <a:avLst/>
+          </a:prstGeom>
+          <a:noFill/>
+          <a:extLst>
+            <a:ext uri="{909E8E84-426E-40DD-AFC4-6F175D3DCCD1}">
+              <a14:hiddenFill xmlns:a14="http://schemas.microsoft.com/office/drawing/2010/main">
+                <a:solidFill>
+                  <a:srgbClr val="FFFFFF"/>
+                </a:solidFill>
+              </a14:hiddenFill>
+            </a:ext>
+          </a:extLst>
+        </p:spPr>
+      </p:pic>
+      <p:sp>
+        <p:nvSpPr>
+          <p:cNvPr id="8" name="Content Placeholder 5"/>
+          <p:cNvSpPr>
+            <a:spLocks noGrp="1"/>
+          </p:cNvSpPr>
+          <p:nvPr>
+            <p:ph sz="quarter" idx="4"/>
+          </p:nvPr>
+        </p:nvSpPr>
+        <p:spPr>
+          <a:xfrm>
+            <a:off x="5037081" y="1184899"/>
+            <a:ext cx="7312573" cy="5089777"/>
+          </a:xfrm>
+        </p:spPr>
+        <p:txBody>
+          <a:bodyPr/>
+          <a:lstStyle/>
+          <a:p>
+            <a:r>
+              <a:rPr lang="en-US" sz="2400" dirty="0" smtClean="0"/>
+              <a:t>Chief Information Officer – Belay Technologies</a:t>
+            </a:r>
+          </a:p>
+          <a:p>
+            <a:pPr lvl="1"/>
+            <a:r>
+              <a:rPr lang="en-US" dirty="0" smtClean="0"/>
+              <a:t>https://belaytech.com</a:t>
+            </a:r>
+          </a:p>
+          <a:p>
+            <a:r>
+              <a:rPr lang="en-US" sz="2400" dirty="0" smtClean="0"/>
+              <a:t>Personal Blog</a:t>
+            </a:r>
+          </a:p>
+          <a:p>
+            <a:pPr lvl="1"/>
+            <a:r>
+              <a:rPr lang="en-US" dirty="0" smtClean="0"/>
+              <a:t>https://invoke-automation.blog</a:t>
+            </a:r>
+          </a:p>
+          <a:p>
+            <a:r>
+              <a:rPr lang="en-US" sz="2400" dirty="0" err="1" smtClean="0"/>
+              <a:t>Github</a:t>
+            </a:r>
+            <a:endParaRPr lang="en-US" sz="2400" dirty="0" smtClean="0"/>
+          </a:p>
+          <a:p>
+            <a:pPr lvl="1"/>
+            <a:r>
+              <a:rPr lang="en-US" dirty="0" smtClean="0"/>
+              <a:t>https://github.com/jpsider</a:t>
+            </a:r>
+          </a:p>
+          <a:p>
+            <a:r>
+              <a:rPr lang="en-US" sz="2400" dirty="0" smtClean="0"/>
+              <a:t>Twitter (X)/Slack</a:t>
+            </a:r>
+          </a:p>
+          <a:p>
+            <a:pPr lvl="1"/>
+            <a:r>
+              <a:rPr lang="en-US" dirty="0" err="1" smtClean="0"/>
+              <a:t>Jpsider</a:t>
+            </a:r>
+            <a:endParaRPr lang="en-US" dirty="0" smtClean="0"/>
+          </a:p>
+          <a:p>
+            <a:r>
+              <a:rPr lang="en-US" sz="2400" dirty="0" err="1" smtClean="0"/>
+              <a:t>Vmware</a:t>
+            </a:r>
+            <a:r>
+              <a:rPr lang="en-US" sz="2400" dirty="0" smtClean="0"/>
+              <a:t> Community</a:t>
+            </a:r>
+          </a:p>
+          <a:p>
+            <a:pPr lvl="1"/>
+            <a:r>
+              <a:rPr lang="en-US" dirty="0" err="1" smtClean="0"/>
+              <a:t>vExpert</a:t>
+            </a:r>
+            <a:r>
+              <a:rPr lang="en-US" dirty="0" smtClean="0"/>
+              <a:t>, VMUG Leader, Code Coach, VMUG BOD (2024</a:t>
+            </a:r>
+            <a:endParaRPr lang="en-US" dirty="0"/>
+          </a:p>
+        </p:txBody>
+      </p:sp>
+      <p:sp>
+        <p:nvSpPr>
+          <p:cNvPr id="9" name="Content Placeholder 5"/>
+          <p:cNvSpPr>
+            <a:spLocks noGrp="1"/>
+          </p:cNvSpPr>
+          <p:nvPr>
+            <p:ph sz="quarter" idx="4"/>
+          </p:nvPr>
+        </p:nvSpPr>
+        <p:spPr>
+          <a:xfrm>
+            <a:off x="1128274" y="4412457"/>
+            <a:ext cx="5183188" cy="1602582"/>
+          </a:xfrm>
+        </p:spPr>
+        <p:txBody>
+          <a:bodyPr/>
+          <a:lstStyle/>
+          <a:p>
+            <a:r>
+              <a:rPr lang="en-US" dirty="0" smtClean="0"/>
+              <a:t>Husband</a:t>
+            </a:r>
+          </a:p>
+          <a:p>
+            <a:r>
+              <a:rPr lang="en-US" dirty="0" smtClean="0"/>
+              <a:t>Father</a:t>
+            </a:r>
+          </a:p>
+          <a:p>
+            <a:r>
+              <a:rPr lang="en-US" dirty="0" smtClean="0"/>
+              <a:t>Golfer</a:t>
+            </a:r>
+          </a:p>
+          <a:p>
+            <a:r>
+              <a:rPr lang="en-US" dirty="0" smtClean="0"/>
+              <a:t>Soccer Referee</a:t>
+            </a:r>
+            <a:endParaRPr lang="en-US" dirty="0"/>
+          </a:p>
+        </p:txBody>
+      </p:sp>
+    </p:spTree>
+    <p:extLst>
+      <p:ext uri="{BB962C8B-B14F-4D97-AF65-F5344CB8AC3E}">
+        <p14:creationId xmlns:p14="http://schemas.microsoft.com/office/powerpoint/2010/main" val="2734082177"/>
+      </p:ext>
+    </p:extLst>
+  </p:cSld>
+  <p:clrMapOvr>
+    <a:masterClrMapping/>
+  </p:clrMapOvr>
+</p:sld>
+</file>
+
+<file path=ppt/slides/slide4.xml><?xml version="1.0" encoding="utf-8"?>
+<p:sld xmlns:a="http://schemas.openxmlformats.org/drawingml/2006/main" xmlns:r="http://schemas.openxmlformats.org/officeDocument/2006/relationships" xmlns:p="http://schemas.openxmlformats.org/presentationml/2006/main">
+  <p:cSld>
+    <p:spTree>
+      <p:nvGrpSpPr>
+        <p:cNvPr id="1" name=""/>
+        <p:cNvGrpSpPr/>
+        <p:nvPr/>
+      </p:nvGrpSpPr>
+      <p:grpSpPr>
+        <a:xfrm>
+          <a:off x="0" y="0"/>
+          <a:ext cx="0" cy="0"/>
+          <a:chOff x="0" y="0"/>
+          <a:chExt cx="0" cy="0"/>
+        </a:xfrm>
+      </p:grpSpPr>
+      <p:sp>
+        <p:nvSpPr>
+          <p:cNvPr id="2" name="Title 1">
+            <a:extLst>
+              <a:ext uri="{FF2B5EF4-FFF2-40B4-BE49-F238E27FC236}">
+                <a16:creationId xmlns:a16="http://schemas.microsoft.com/office/drawing/2014/main" id="{B7DB1816-317A-097A-A97D-BA564ADFD355}"/>
+              </a:ext>
+            </a:extLst>
+          </p:cNvPr>
+          <p:cNvSpPr>
+            <a:spLocks noGrp="1"/>
+          </p:cNvSpPr>
+          <p:nvPr>
+            <p:ph type="title"/>
+          </p:nvPr>
+        </p:nvSpPr>
+        <p:spPr>
+          <a:xfrm>
+            <a:off x="493815" y="1077644"/>
+            <a:ext cx="6305550" cy="845749"/>
+          </a:xfrm>
+        </p:spPr>
+        <p:txBody>
+          <a:bodyPr/>
+          <a:lstStyle/>
+          <a:p>
+            <a:r>
+              <a:rPr lang="en-US" dirty="0" smtClean="0"/>
+              <a:t>Agenda</a:t>
+            </a:r>
+            <a:endParaRPr lang="en-US" dirty="0"/>
+          </a:p>
+        </p:txBody>
+      </p:sp>
+      <p:sp>
+        <p:nvSpPr>
+          <p:cNvPr id="3" name="TextBox 2"/>
+          <p:cNvSpPr txBox="1"/>
+          <p:nvPr/>
+        </p:nvSpPr>
+        <p:spPr>
+          <a:xfrm>
+            <a:off x="677917" y="1936531"/>
+            <a:ext cx="4367049" cy="4524315"/>
+          </a:xfrm>
+          <a:prstGeom prst="rect">
+            <a:avLst/>
+          </a:prstGeom>
+          <a:noFill/>
+        </p:spPr>
+        <p:txBody>
+          <a:bodyPr wrap="square" rtlCol="0">
+            <a:spAutoFit/>
+          </a:bodyPr>
+          <a:lstStyle/>
+          <a:p>
+            <a:pPr marL="285750" indent="-285750">
+              <a:buFont typeface="Wingdings" panose="05000000000000000000" pitchFamily="2" charset="2"/>
+              <a:buChar char="§"/>
+            </a:pPr>
+            <a:r>
+              <a:rPr lang="en-US" sz="2400" dirty="0">
+                <a:solidFill>
+                  <a:srgbClr val="1A365C"/>
+                </a:solidFill>
+                <a:latin typeface="Metropolis" pitchFamily="2" charset="77"/>
+                <a:ea typeface="+mj-ea"/>
+                <a:cs typeface="+mj-cs"/>
+              </a:rPr>
+              <a:t>Basic PowerShell Concepts</a:t>
+            </a:r>
+          </a:p>
+          <a:p>
+            <a:pPr marL="285750" indent="-285750">
+              <a:buFont typeface="Wingdings" panose="05000000000000000000" pitchFamily="2" charset="2"/>
+              <a:buChar char="§"/>
+            </a:pPr>
+            <a:r>
+              <a:rPr lang="en-US" sz="2400" dirty="0">
+                <a:solidFill>
+                  <a:srgbClr val="1A365C"/>
+                </a:solidFill>
+                <a:latin typeface="Metropolis" pitchFamily="2" charset="77"/>
+                <a:ea typeface="+mj-ea"/>
+                <a:cs typeface="+mj-cs"/>
+              </a:rPr>
+              <a:t>Installing </a:t>
+            </a:r>
+            <a:r>
+              <a:rPr lang="en-US" sz="2400" dirty="0" err="1">
+                <a:solidFill>
+                  <a:srgbClr val="1A365C"/>
+                </a:solidFill>
+                <a:latin typeface="Metropolis" pitchFamily="2" charset="77"/>
+                <a:ea typeface="+mj-ea"/>
+                <a:cs typeface="+mj-cs"/>
+              </a:rPr>
+              <a:t>PowerCLI</a:t>
+            </a:r>
+            <a:endParaRPr lang="en-US" sz="2400" dirty="0">
+              <a:solidFill>
+                <a:srgbClr val="1A365C"/>
+              </a:solidFill>
+              <a:latin typeface="Metropolis" pitchFamily="2" charset="77"/>
+              <a:ea typeface="+mj-ea"/>
+              <a:cs typeface="+mj-cs"/>
+            </a:endParaRPr>
+          </a:p>
+          <a:p>
+            <a:pPr marL="285750" indent="-285750">
+              <a:buFont typeface="Wingdings" panose="05000000000000000000" pitchFamily="2" charset="2"/>
+              <a:buChar char="§"/>
+            </a:pPr>
+            <a:r>
+              <a:rPr lang="en-US" sz="2400" dirty="0">
+                <a:solidFill>
+                  <a:srgbClr val="1A365C"/>
+                </a:solidFill>
+                <a:latin typeface="Metropolis" pitchFamily="2" charset="77"/>
+                <a:ea typeface="+mj-ea"/>
+                <a:cs typeface="+mj-cs"/>
+              </a:rPr>
+              <a:t>Connecting to a </a:t>
+            </a:r>
+            <a:r>
+              <a:rPr lang="en-US" sz="2400" dirty="0" err="1">
+                <a:solidFill>
+                  <a:srgbClr val="1A365C"/>
+                </a:solidFill>
+                <a:latin typeface="Metropolis" pitchFamily="2" charset="77"/>
+                <a:ea typeface="+mj-ea"/>
+                <a:cs typeface="+mj-cs"/>
+              </a:rPr>
+              <a:t>vCenter</a:t>
+            </a:r>
+            <a:endParaRPr lang="en-US" sz="2400" dirty="0">
+              <a:solidFill>
+                <a:srgbClr val="1A365C"/>
+              </a:solidFill>
+              <a:latin typeface="Metropolis" pitchFamily="2" charset="77"/>
+              <a:ea typeface="+mj-ea"/>
+              <a:cs typeface="+mj-cs"/>
+            </a:endParaRPr>
+          </a:p>
+          <a:p>
+            <a:pPr marL="285750" indent="-285750">
+              <a:buFont typeface="Wingdings" panose="05000000000000000000" pitchFamily="2" charset="2"/>
+              <a:buChar char="§"/>
+            </a:pPr>
+            <a:r>
+              <a:rPr lang="en-US" sz="2400" dirty="0">
+                <a:solidFill>
+                  <a:srgbClr val="1A365C"/>
+                </a:solidFill>
+                <a:latin typeface="Metropolis" pitchFamily="2" charset="77"/>
+                <a:ea typeface="+mj-ea"/>
+                <a:cs typeface="+mj-cs"/>
+              </a:rPr>
+              <a:t>Getting data from </a:t>
+            </a:r>
+            <a:r>
+              <a:rPr lang="en-US" sz="2400" dirty="0" err="1">
+                <a:solidFill>
+                  <a:srgbClr val="1A365C"/>
+                </a:solidFill>
+                <a:latin typeface="Metropolis" pitchFamily="2" charset="77"/>
+                <a:ea typeface="+mj-ea"/>
+                <a:cs typeface="+mj-cs"/>
+              </a:rPr>
+              <a:t>vCenter</a:t>
+            </a:r>
+            <a:endParaRPr lang="en-US" sz="2400" dirty="0">
+              <a:solidFill>
+                <a:srgbClr val="1A365C"/>
+              </a:solidFill>
+              <a:latin typeface="Metropolis" pitchFamily="2" charset="77"/>
+              <a:ea typeface="+mj-ea"/>
+              <a:cs typeface="+mj-cs"/>
+            </a:endParaRPr>
+          </a:p>
+          <a:p>
+            <a:pPr marL="285750" indent="-285750">
+              <a:buFont typeface="Wingdings" panose="05000000000000000000" pitchFamily="2" charset="2"/>
+              <a:buChar char="§"/>
+            </a:pPr>
+            <a:r>
+              <a:rPr lang="en-US" sz="2400" dirty="0">
+                <a:solidFill>
+                  <a:srgbClr val="1A365C"/>
+                </a:solidFill>
+                <a:latin typeface="Metropolis" pitchFamily="2" charset="77"/>
+                <a:ea typeface="+mj-ea"/>
+                <a:cs typeface="+mj-cs"/>
+              </a:rPr>
+              <a:t>PowerShell things</a:t>
+            </a:r>
+          </a:p>
+          <a:p>
+            <a:pPr marL="742950" lvl="1" indent="-285750">
+              <a:buFont typeface="Wingdings" panose="05000000000000000000" pitchFamily="2" charset="2"/>
+              <a:buChar char="§"/>
+            </a:pPr>
+            <a:r>
+              <a:rPr lang="en-US" sz="2400" dirty="0">
+                <a:solidFill>
+                  <a:srgbClr val="1A365C"/>
+                </a:solidFill>
+                <a:latin typeface="Metropolis" pitchFamily="2" charset="77"/>
+                <a:ea typeface="+mj-ea"/>
+                <a:cs typeface="+mj-cs"/>
+              </a:rPr>
+              <a:t>Objects</a:t>
+            </a:r>
+          </a:p>
+          <a:p>
+            <a:pPr marL="742950" lvl="1" indent="-285750">
+              <a:buFont typeface="Wingdings" panose="05000000000000000000" pitchFamily="2" charset="2"/>
+              <a:buChar char="§"/>
+            </a:pPr>
+            <a:r>
+              <a:rPr lang="en-US" sz="2400" dirty="0">
+                <a:solidFill>
+                  <a:srgbClr val="1A365C"/>
+                </a:solidFill>
+                <a:latin typeface="Metropolis" pitchFamily="2" charset="77"/>
+                <a:ea typeface="+mj-ea"/>
+                <a:cs typeface="+mj-cs"/>
+              </a:rPr>
+              <a:t>Pipeline</a:t>
+            </a:r>
+          </a:p>
+          <a:p>
+            <a:pPr marL="742950" lvl="1" indent="-285750">
+              <a:buFont typeface="Wingdings" panose="05000000000000000000" pitchFamily="2" charset="2"/>
+              <a:buChar char="§"/>
+            </a:pPr>
+            <a:r>
+              <a:rPr lang="en-US" sz="2400" dirty="0">
+                <a:solidFill>
+                  <a:srgbClr val="1A365C"/>
+                </a:solidFill>
+                <a:latin typeface="Metropolis" pitchFamily="2" charset="77"/>
+                <a:ea typeface="+mj-ea"/>
+                <a:cs typeface="+mj-cs"/>
+              </a:rPr>
+              <a:t>Comment based help</a:t>
+            </a:r>
+          </a:p>
+          <a:p>
+            <a:pPr marL="285750" indent="-285750">
+              <a:buFont typeface="Wingdings" panose="05000000000000000000" pitchFamily="2" charset="2"/>
+              <a:buChar char="§"/>
+            </a:pPr>
+            <a:r>
+              <a:rPr lang="en-US" sz="2400" dirty="0">
+                <a:solidFill>
+                  <a:srgbClr val="1A365C"/>
+                </a:solidFill>
+                <a:latin typeface="Metropolis" pitchFamily="2" charset="77"/>
+                <a:ea typeface="+mj-ea"/>
+                <a:cs typeface="+mj-cs"/>
+              </a:rPr>
+              <a:t>Toggling the </a:t>
+            </a:r>
+            <a:r>
+              <a:rPr lang="en-US" sz="2400" dirty="0" err="1">
+                <a:solidFill>
+                  <a:srgbClr val="1A365C"/>
+                </a:solidFill>
+                <a:latin typeface="Metropolis" pitchFamily="2" charset="77"/>
+                <a:ea typeface="+mj-ea"/>
+                <a:cs typeface="+mj-cs"/>
+              </a:rPr>
+              <a:t>PowerState</a:t>
+            </a:r>
+            <a:endParaRPr lang="en-US" sz="2400" dirty="0">
+              <a:solidFill>
+                <a:srgbClr val="1A365C"/>
+              </a:solidFill>
+              <a:latin typeface="Metropolis" pitchFamily="2" charset="77"/>
+              <a:ea typeface="+mj-ea"/>
+              <a:cs typeface="+mj-cs"/>
+            </a:endParaRPr>
+          </a:p>
+          <a:p>
+            <a:pPr marL="285750" indent="-285750">
+              <a:buFont typeface="Wingdings" panose="05000000000000000000" pitchFamily="2" charset="2"/>
+              <a:buChar char="§"/>
+            </a:pPr>
+            <a:r>
+              <a:rPr lang="en-US" sz="2400" dirty="0">
+                <a:solidFill>
+                  <a:srgbClr val="1A365C"/>
+                </a:solidFill>
+                <a:latin typeface="Metropolis" pitchFamily="2" charset="77"/>
+                <a:ea typeface="+mj-ea"/>
+                <a:cs typeface="+mj-cs"/>
+              </a:rPr>
+              <a:t>The Demo Environment</a:t>
+            </a:r>
+          </a:p>
+          <a:p>
+            <a:pPr marL="285750" indent="-285750">
+              <a:buFont typeface="Wingdings" panose="05000000000000000000" pitchFamily="2" charset="2"/>
+              <a:buChar char="§"/>
+            </a:pPr>
+            <a:r>
+              <a:rPr lang="en-US" sz="2400" dirty="0">
+                <a:solidFill>
+                  <a:srgbClr val="1A365C"/>
+                </a:solidFill>
+                <a:latin typeface="Metropolis" pitchFamily="2" charset="77"/>
+                <a:ea typeface="+mj-ea"/>
+                <a:cs typeface="+mj-cs"/>
+              </a:rPr>
+              <a:t>Live Demo &amp; VMware code Website</a:t>
+            </a:r>
+            <a:endParaRPr lang="en-US" sz="2400" dirty="0">
+              <a:solidFill>
+                <a:srgbClr val="1A365C"/>
+              </a:solidFill>
+              <a:latin typeface="Metropolis" pitchFamily="2" charset="77"/>
+              <a:ea typeface="+mj-ea"/>
+              <a:cs typeface="+mj-cs"/>
+            </a:endParaRPr>
+          </a:p>
+        </p:txBody>
+      </p:sp>
+    </p:spTree>
+    <p:extLst>
+      <p:ext uri="{BB962C8B-B14F-4D97-AF65-F5344CB8AC3E}">
+        <p14:creationId xmlns:p14="http://schemas.microsoft.com/office/powerpoint/2010/main" val="1940758579"/>
+      </p:ext>
+    </p:extLst>
+  </p:cSld>
+  <p:clrMapOvr>
+    <a:masterClrMapping/>
+  </p:clrMapOvr>
+</p:sld>
+</file>
+
+<file path=ppt/slides/slide5.xml><?xml version="1.0" encoding="utf-8"?>
+<p:sld xmlns:a="http://schemas.openxmlformats.org/drawingml/2006/main" xmlns:r="http://schemas.openxmlformats.org/officeDocument/2006/relationships" xmlns:p="http://schemas.openxmlformats.org/presentationml/2006/main">
+  <p:cSld>
+    <p:spTree>
+      <p:nvGrpSpPr>
+        <p:cNvPr id="1" name=""/>
+        <p:cNvGrpSpPr/>
+        <p:nvPr/>
+      </p:nvGrpSpPr>
+      <p:grpSpPr>
+        <a:xfrm>
+          <a:off x="0" y="0"/>
+          <a:ext cx="0" cy="0"/>
+          <a:chOff x="0" y="0"/>
+          <a:chExt cx="0" cy="0"/>
+        </a:xfrm>
+      </p:grpSpPr>
+      <p:sp>
+        <p:nvSpPr>
+          <p:cNvPr id="2" name="Title 1"/>
+          <p:cNvSpPr>
+            <a:spLocks noGrp="1"/>
+          </p:cNvSpPr>
+          <p:nvPr>
+            <p:ph type="title"/>
+          </p:nvPr>
+        </p:nvSpPr>
+        <p:spPr>
+          <a:xfrm>
+            <a:off x="493815" y="1077645"/>
+            <a:ext cx="6305550" cy="758776"/>
+          </a:xfrm>
+        </p:spPr>
+        <p:txBody>
+          <a:bodyPr/>
+          <a:lstStyle/>
+          <a:p>
+            <a:r>
+              <a:rPr lang="en-US" dirty="0" smtClean="0"/>
+              <a:t>PowerShell Basics</a:t>
+            </a:r>
+            <a:endParaRPr lang="en-US" dirty="0"/>
+          </a:p>
+        </p:txBody>
+      </p:sp>
+      <p:sp>
+        <p:nvSpPr>
+          <p:cNvPr id="3" name="TextBox 2"/>
+          <p:cNvSpPr txBox="1"/>
+          <p:nvPr/>
+        </p:nvSpPr>
+        <p:spPr>
+          <a:xfrm>
+            <a:off x="493815" y="2087880"/>
+            <a:ext cx="6305550" cy="4524315"/>
+          </a:xfrm>
+          <a:prstGeom prst="rect">
+            <a:avLst/>
+          </a:prstGeom>
+          <a:noFill/>
+        </p:spPr>
+        <p:txBody>
+          <a:bodyPr wrap="square" rtlCol="0">
+            <a:spAutoFit/>
+          </a:bodyPr>
+          <a:lstStyle/>
+          <a:p>
+            <a:r>
+              <a:rPr lang="en-US" sz="2400" dirty="0" smtClean="0">
+                <a:solidFill>
+                  <a:srgbClr val="1A365C"/>
+                </a:solidFill>
+                <a:latin typeface="Metropolis" pitchFamily="2" charset="77"/>
+                <a:ea typeface="+mj-ea"/>
+                <a:cs typeface="+mj-cs"/>
+              </a:rPr>
+              <a:t>Verb-Noun</a:t>
+            </a:r>
+            <a:endParaRPr lang="en-US" dirty="0"/>
+          </a:p>
+          <a:p>
+            <a:endParaRPr lang="en-US" sz="2400" dirty="0" smtClean="0">
+              <a:solidFill>
+                <a:srgbClr val="1A365C"/>
+              </a:solidFill>
+              <a:latin typeface="Metropolis" pitchFamily="2" charset="77"/>
+              <a:ea typeface="+mj-ea"/>
+              <a:cs typeface="+mj-cs"/>
+            </a:endParaRPr>
+          </a:p>
+          <a:p>
+            <a:r>
+              <a:rPr lang="en-US" sz="2400" dirty="0" smtClean="0">
+                <a:solidFill>
+                  <a:srgbClr val="1A365C"/>
+                </a:solidFill>
+                <a:latin typeface="Metropolis" pitchFamily="2" charset="77"/>
+                <a:ea typeface="+mj-ea"/>
+                <a:cs typeface="+mj-cs"/>
+              </a:rPr>
+              <a:t>Examples:</a:t>
+            </a:r>
+          </a:p>
+          <a:p>
+            <a:pPr marL="342900" indent="-342900">
+              <a:buFont typeface="Arial" panose="020B0604020202020204" pitchFamily="34" charset="0"/>
+              <a:buChar char="•"/>
+            </a:pPr>
+            <a:r>
+              <a:rPr lang="en-US" sz="2400" dirty="0" smtClean="0">
+                <a:solidFill>
+                  <a:srgbClr val="1A365C"/>
+                </a:solidFill>
+                <a:latin typeface="Metropolis" pitchFamily="2" charset="77"/>
+                <a:ea typeface="+mj-ea"/>
+                <a:cs typeface="+mj-cs"/>
+              </a:rPr>
+              <a:t>Get-Process</a:t>
+            </a:r>
+          </a:p>
+          <a:p>
+            <a:pPr marL="342900" indent="-342900">
+              <a:buFont typeface="Arial" panose="020B0604020202020204" pitchFamily="34" charset="0"/>
+              <a:buChar char="•"/>
+            </a:pPr>
+            <a:r>
+              <a:rPr lang="en-US" sz="2400" dirty="0" smtClean="0">
+                <a:solidFill>
+                  <a:srgbClr val="1A365C"/>
+                </a:solidFill>
+                <a:latin typeface="Metropolis" pitchFamily="2" charset="77"/>
+                <a:ea typeface="+mj-ea"/>
+                <a:cs typeface="+mj-cs"/>
+              </a:rPr>
+              <a:t>Stop-Process</a:t>
+            </a:r>
+          </a:p>
+          <a:p>
+            <a:pPr marL="342900" indent="-342900">
+              <a:buFont typeface="Arial" panose="020B0604020202020204" pitchFamily="34" charset="0"/>
+              <a:buChar char="•"/>
+            </a:pPr>
+            <a:r>
+              <a:rPr lang="en-US" sz="2400" dirty="0" smtClean="0">
+                <a:solidFill>
+                  <a:srgbClr val="1A365C"/>
+                </a:solidFill>
+                <a:latin typeface="Metropolis" pitchFamily="2" charset="77"/>
+                <a:ea typeface="+mj-ea"/>
+                <a:cs typeface="+mj-cs"/>
+              </a:rPr>
+              <a:t>Write-Output</a:t>
+            </a:r>
+          </a:p>
+          <a:p>
+            <a:pPr marL="342900" indent="-342900">
+              <a:buFont typeface="Arial" panose="020B0604020202020204" pitchFamily="34" charset="0"/>
+              <a:buChar char="•"/>
+            </a:pPr>
+            <a:endParaRPr lang="en-US" sz="2400" dirty="0">
+              <a:solidFill>
+                <a:srgbClr val="1A365C"/>
+              </a:solidFill>
+              <a:latin typeface="Metropolis" pitchFamily="2" charset="77"/>
+              <a:ea typeface="+mj-ea"/>
+              <a:cs typeface="+mj-cs"/>
+            </a:endParaRPr>
+          </a:p>
+          <a:p>
+            <a:r>
+              <a:rPr lang="en-US" sz="2400" dirty="0" smtClean="0">
+                <a:solidFill>
+                  <a:srgbClr val="1A365C"/>
+                </a:solidFill>
+                <a:latin typeface="Metropolis" pitchFamily="2" charset="77"/>
+                <a:ea typeface="+mj-ea"/>
+                <a:cs typeface="+mj-cs"/>
+              </a:rPr>
+              <a:t>Approved Verbs</a:t>
+            </a:r>
+          </a:p>
+          <a:p>
+            <a:pPr marL="342900" indent="-342900">
+              <a:buFont typeface="Arial" panose="020B0604020202020204" pitchFamily="34" charset="0"/>
+              <a:buChar char="•"/>
+            </a:pPr>
+            <a:r>
+              <a:rPr lang="en-US" sz="2400" dirty="0" smtClean="0">
+                <a:solidFill>
+                  <a:srgbClr val="1A365C"/>
+                </a:solidFill>
+                <a:latin typeface="Metropolis" pitchFamily="2" charset="77"/>
+                <a:ea typeface="+mj-ea"/>
+                <a:cs typeface="+mj-cs"/>
+              </a:rPr>
+              <a:t>Get-Verb</a:t>
+            </a:r>
+          </a:p>
+          <a:p>
+            <a:pPr marL="342900" indent="-342900">
+              <a:buFont typeface="Arial" panose="020B0604020202020204" pitchFamily="34" charset="0"/>
+              <a:buChar char="•"/>
+            </a:pPr>
+            <a:endParaRPr lang="en-US" sz="2400" dirty="0">
+              <a:solidFill>
+                <a:srgbClr val="1A365C"/>
+              </a:solidFill>
+              <a:latin typeface="Metropolis" pitchFamily="2" charset="77"/>
+              <a:ea typeface="+mj-ea"/>
+              <a:cs typeface="+mj-cs"/>
+            </a:endParaRPr>
+          </a:p>
+          <a:p>
+            <a:r>
+              <a:rPr lang="en-US" sz="2400" dirty="0" smtClean="0">
+                <a:solidFill>
+                  <a:srgbClr val="1A365C"/>
+                </a:solidFill>
+                <a:latin typeface="Metropolis" pitchFamily="2" charset="77"/>
+                <a:ea typeface="+mj-ea"/>
+                <a:cs typeface="+mj-cs"/>
+              </a:rPr>
+              <a:t>Comments</a:t>
+            </a:r>
+          </a:p>
+          <a:p>
+            <a:pPr marL="342900" indent="-342900">
+              <a:buFont typeface="Arial" panose="020B0604020202020204" pitchFamily="34" charset="0"/>
+              <a:buChar char="•"/>
+            </a:pPr>
+            <a:r>
+              <a:rPr lang="en-US" sz="2400" dirty="0" smtClean="0">
+                <a:solidFill>
+                  <a:srgbClr val="1A365C"/>
+                </a:solidFill>
+                <a:latin typeface="Metropolis" pitchFamily="2" charset="77"/>
+                <a:ea typeface="+mj-ea"/>
+                <a:cs typeface="+mj-cs"/>
+              </a:rPr>
+              <a:t>#Comments</a:t>
+            </a:r>
+            <a:endParaRPr lang="en-US" sz="2400" dirty="0">
+              <a:solidFill>
+                <a:srgbClr val="1A365C"/>
+              </a:solidFill>
+              <a:latin typeface="Metropolis" pitchFamily="2" charset="77"/>
+              <a:ea typeface="+mj-ea"/>
+              <a:cs typeface="+mj-cs"/>
+            </a:endParaRPr>
+          </a:p>
+        </p:txBody>
+      </p:sp>
+    </p:spTree>
+    <p:extLst>
+      <p:ext uri="{BB962C8B-B14F-4D97-AF65-F5344CB8AC3E}">
+        <p14:creationId xmlns:p14="http://schemas.microsoft.com/office/powerpoint/2010/main" val="1061312416"/>
+      </p:ext>
+    </p:extLst>
+  </p:cSld>
+  <p:clrMapOvr>
+    <a:masterClrMapping/>
+  </p:clrMapOvr>
+</p:sld>
+</file>
+
+<file path=ppt/slides/slide6.xml><?xml version="1.0" encoding="utf-8"?>
+<p:sld xmlns:a="http://schemas.openxmlformats.org/drawingml/2006/main" xmlns:r="http://schemas.openxmlformats.org/officeDocument/2006/relationships" xmlns:p="http://schemas.openxmlformats.org/presentationml/2006/main">
+  <p:cSld>
+    <p:spTree>
+      <p:nvGrpSpPr>
+        <p:cNvPr id="1" name=""/>
+        <p:cNvGrpSpPr/>
+        <p:nvPr/>
+      </p:nvGrpSpPr>
+      <p:grpSpPr>
+        <a:xfrm>
+          <a:off x="0" y="0"/>
+          <a:ext cx="0" cy="0"/>
+          <a:chOff x="0" y="0"/>
+          <a:chExt cx="0" cy="0"/>
+        </a:xfrm>
+      </p:grpSpPr>
+      <p:sp>
+        <p:nvSpPr>
+          <p:cNvPr id="2" name="Title 1">
+            <a:extLst>
+              <a:ext uri="{FF2B5EF4-FFF2-40B4-BE49-F238E27FC236}">
+                <a16:creationId xmlns:a16="http://schemas.microsoft.com/office/drawing/2014/main" id="{A7B3B809-0946-9393-0F3A-26149E12B1F8}"/>
+              </a:ext>
+            </a:extLst>
+          </p:cNvPr>
+          <p:cNvSpPr>
+            <a:spLocks noGrp="1"/>
+          </p:cNvSpPr>
+          <p:nvPr>
+            <p:ph type="title"/>
+          </p:nvPr>
+        </p:nvSpPr>
+        <p:spPr/>
+        <p:txBody>
+          <a:bodyPr/>
+          <a:lstStyle/>
+          <a:p>
+            <a:r>
+              <a:rPr lang="en-US" dirty="0" smtClean="0"/>
+              <a:t>Installing </a:t>
+            </a:r>
+            <a:r>
+              <a:rPr lang="en-US" dirty="0" err="1" smtClean="0"/>
+              <a:t>PowerCLI</a:t>
+            </a:r>
+            <a:r>
+              <a:rPr lang="en-US" dirty="0" smtClean="0"/>
+              <a:t> Module</a:t>
+            </a:r>
+            <a:endParaRPr lang="en-US" dirty="0"/>
+          </a:p>
+        </p:txBody>
+      </p:sp>
+      <p:sp>
+        <p:nvSpPr>
+          <p:cNvPr id="3" name="Content Placeholder 2">
+            <a:extLst>
+              <a:ext uri="{FF2B5EF4-FFF2-40B4-BE49-F238E27FC236}">
+                <a16:creationId xmlns:a16="http://schemas.microsoft.com/office/drawing/2014/main" id="{2C586FF3-B862-BA63-1976-5A6D67D9CF93}"/>
+              </a:ext>
+            </a:extLst>
+          </p:cNvPr>
+          <p:cNvSpPr>
+            <a:spLocks noGrp="1"/>
+          </p:cNvSpPr>
+          <p:nvPr>
+            <p:ph idx="1"/>
+          </p:nvPr>
+        </p:nvSpPr>
+        <p:spPr/>
+        <p:txBody>
+          <a:bodyPr/>
+          <a:lstStyle/>
+          <a:p>
+            <a:endParaRPr lang="en-US"/>
+          </a:p>
+        </p:txBody>
+      </p:sp>
+      <p:sp>
+        <p:nvSpPr>
+          <p:cNvPr id="4" name="Text Placeholder 3">
+            <a:extLst>
+              <a:ext uri="{FF2B5EF4-FFF2-40B4-BE49-F238E27FC236}">
+                <a16:creationId xmlns:a16="http://schemas.microsoft.com/office/drawing/2014/main" id="{00A0330F-C897-67AE-D5B7-053DA1A39205}"/>
+              </a:ext>
+            </a:extLst>
+          </p:cNvPr>
+          <p:cNvSpPr>
+            <a:spLocks noGrp="1"/>
+          </p:cNvSpPr>
+          <p:nvPr>
+            <p:ph type="body" sz="half" idx="2"/>
+          </p:nvPr>
+        </p:nvSpPr>
+        <p:spPr>
+          <a:xfrm>
+            <a:off x="627380" y="2382584"/>
+            <a:ext cx="4357052" cy="3565175"/>
+          </a:xfrm>
+        </p:spPr>
+        <p:txBody>
+          <a:bodyPr/>
+          <a:lstStyle/>
+          <a:p>
+            <a:pPr marL="285750" indent="-285750">
+              <a:buFont typeface="Arial" panose="020B0604020202020204" pitchFamily="34" charset="0"/>
+              <a:buChar char="•"/>
+            </a:pPr>
+            <a:r>
+              <a:rPr lang="en-US" dirty="0" smtClean="0"/>
+              <a:t>The PowerShell Gallery</a:t>
+            </a:r>
+          </a:p>
+          <a:p>
+            <a:pPr marL="285750" indent="-285750">
+              <a:buFont typeface="Arial" panose="020B0604020202020204" pitchFamily="34" charset="0"/>
+              <a:buChar char="•"/>
+            </a:pPr>
+            <a:endParaRPr lang="en-US" dirty="0"/>
+          </a:p>
+          <a:p>
+            <a:pPr marL="285750" indent="-285750">
+              <a:buFont typeface="Arial" panose="020B0604020202020204" pitchFamily="34" charset="0"/>
+              <a:buChar char="•"/>
+            </a:pPr>
+            <a:r>
+              <a:rPr lang="en-US" dirty="0" smtClean="0"/>
+              <a:t>Commands:</a:t>
+            </a:r>
+          </a:p>
+          <a:p>
+            <a:pPr marL="285750" indent="-285750">
+              <a:buFont typeface="Arial" panose="020B0604020202020204" pitchFamily="34" charset="0"/>
+              <a:buChar char="•"/>
+            </a:pPr>
+            <a:r>
+              <a:rPr lang="en-US" dirty="0" smtClean="0"/>
+              <a:t>Get-</a:t>
+            </a:r>
+            <a:r>
+              <a:rPr lang="en-US" dirty="0" err="1" smtClean="0"/>
+              <a:t>PSRepository</a:t>
+            </a:r>
+            <a:endParaRPr lang="en-US" dirty="0" smtClean="0"/>
+          </a:p>
+          <a:p>
+            <a:pPr marL="285750" indent="-285750">
+              <a:buFont typeface="Arial" panose="020B0604020202020204" pitchFamily="34" charset="0"/>
+              <a:buChar char="•"/>
+            </a:pPr>
+            <a:r>
+              <a:rPr lang="en-US" dirty="0" smtClean="0"/>
+              <a:t>Find-Module –Name </a:t>
+            </a:r>
+            <a:r>
+              <a:rPr lang="en-US" dirty="0" err="1" smtClean="0"/>
+              <a:t>VMware.PowerCLI</a:t>
+            </a:r>
+            <a:endParaRPr lang="en-US" dirty="0" smtClean="0"/>
+          </a:p>
+          <a:p>
+            <a:pPr marL="285750" indent="-285750">
+              <a:buFont typeface="Arial" panose="020B0604020202020204" pitchFamily="34" charset="0"/>
+              <a:buChar char="•"/>
+            </a:pPr>
+            <a:r>
+              <a:rPr lang="en-US" dirty="0" smtClean="0"/>
+              <a:t>Install-Module –Name </a:t>
+            </a:r>
+            <a:r>
+              <a:rPr lang="en-US" dirty="0" err="1" smtClean="0"/>
+              <a:t>VMware.PowerCLI</a:t>
+            </a:r>
+            <a:endParaRPr lang="en-US" dirty="0" smtClean="0"/>
+          </a:p>
+          <a:p>
+            <a:pPr marL="285750" indent="-285750">
+              <a:buFont typeface="Arial" panose="020B0604020202020204" pitchFamily="34" charset="0"/>
+              <a:buChar char="•"/>
+            </a:pPr>
+            <a:r>
+              <a:rPr lang="en-US" dirty="0" smtClean="0"/>
+              <a:t>Import-Module –Name </a:t>
+            </a:r>
+            <a:r>
+              <a:rPr lang="en-US" dirty="0" err="1" smtClean="0"/>
+              <a:t>VMware.PowerCLI</a:t>
+            </a:r>
+            <a:endParaRPr lang="en-US" dirty="0" smtClean="0"/>
+          </a:p>
+          <a:p>
+            <a:pPr marL="285750" indent="-285750">
+              <a:buFont typeface="Arial" panose="020B0604020202020204" pitchFamily="34" charset="0"/>
+              <a:buChar char="•"/>
+            </a:pPr>
+            <a:r>
+              <a:rPr lang="en-US" dirty="0" smtClean="0"/>
+              <a:t>Get-Command –Module </a:t>
+            </a:r>
+            <a:r>
+              <a:rPr lang="en-US" dirty="0" err="1" smtClean="0"/>
+              <a:t>VMware.PowerCLI</a:t>
+            </a:r>
+            <a:endParaRPr lang="en-US" dirty="0" smtClean="0"/>
+          </a:p>
+          <a:p>
+            <a:pPr marL="285750" indent="-285750">
+              <a:buFont typeface="Arial" panose="020B0604020202020204" pitchFamily="34" charset="0"/>
+              <a:buChar char="•"/>
+            </a:pPr>
+            <a:endParaRPr lang="en-US" dirty="0"/>
+          </a:p>
+        </p:txBody>
+      </p:sp>
+    </p:spTree>
+    <p:extLst>
+      <p:ext uri="{BB962C8B-B14F-4D97-AF65-F5344CB8AC3E}">
+        <p14:creationId xmlns:p14="http://schemas.microsoft.com/office/powerpoint/2010/main" val="3581116270"/>
+      </p:ext>
+    </p:extLst>
+  </p:cSld>
+  <p:clrMapOvr>
+    <a:masterClrMapping/>
+  </p:clrMapOvr>
+</p:sld>
+</file>
+
+<file path=ppt/slides/slide7.xml><?xml version="1.0" encoding="utf-8"?>
+<p:sld xmlns:a="http://schemas.openxmlformats.org/drawingml/2006/main" xmlns:r="http://schemas.openxmlformats.org/officeDocument/2006/relationships" xmlns:p="http://schemas.openxmlformats.org/presentationml/2006/main">
+  <p:cSld>
+    <p:spTree>
+      <p:nvGrpSpPr>
+        <p:cNvPr id="1" name=""/>
+        <p:cNvGrpSpPr/>
+        <p:nvPr/>
+      </p:nvGrpSpPr>
+      <p:grpSpPr>
+        <a:xfrm>
+          <a:off x="0" y="0"/>
+          <a:ext cx="0" cy="0"/>
+          <a:chOff x="0" y="0"/>
+          <a:chExt cx="0" cy="0"/>
+        </a:xfrm>
+      </p:grpSpPr>
+      <p:sp>
+        <p:nvSpPr>
+          <p:cNvPr id="5" name="Title 1"/>
+          <p:cNvSpPr>
+            <a:spLocks noGrp="1"/>
+          </p:cNvSpPr>
+          <p:nvPr>
+            <p:ph type="title"/>
+          </p:nvPr>
+        </p:nvSpPr>
+        <p:spPr>
+          <a:xfrm>
+            <a:off x="493815" y="1077645"/>
+            <a:ext cx="6305550" cy="758776"/>
+          </a:xfrm>
+        </p:spPr>
+        <p:txBody>
+          <a:bodyPr/>
+          <a:lstStyle/>
+          <a:p>
+            <a:r>
+              <a:rPr lang="en-US" dirty="0" smtClean="0"/>
+              <a:t>Connect to a </a:t>
+            </a:r>
+            <a:r>
+              <a:rPr lang="en-US" dirty="0" err="1" smtClean="0"/>
+              <a:t>vCenter</a:t>
+            </a:r>
+            <a:endParaRPr lang="en-US" dirty="0"/>
+          </a:p>
+        </p:txBody>
+      </p:sp>
+      <p:sp>
+        <p:nvSpPr>
+          <p:cNvPr id="6" name="TextBox 5"/>
+          <p:cNvSpPr txBox="1"/>
+          <p:nvPr/>
+        </p:nvSpPr>
+        <p:spPr>
+          <a:xfrm>
+            <a:off x="493814" y="2087880"/>
+            <a:ext cx="11698185" cy="1384995"/>
+          </a:xfrm>
+          <a:prstGeom prst="rect">
+            <a:avLst/>
+          </a:prstGeom>
+          <a:noFill/>
+        </p:spPr>
+        <p:txBody>
+          <a:bodyPr wrap="square" rtlCol="0">
+            <a:spAutoFit/>
+          </a:bodyPr>
+          <a:lstStyle/>
+          <a:p>
+            <a:r>
+              <a:rPr lang="en-US" sz="2400" dirty="0" smtClean="0">
+                <a:solidFill>
+                  <a:srgbClr val="1A365C"/>
+                </a:solidFill>
+                <a:latin typeface="Metropolis" pitchFamily="2" charset="77"/>
+                <a:ea typeface="+mj-ea"/>
+                <a:cs typeface="+mj-cs"/>
+              </a:rPr>
+              <a:t>Commands:</a:t>
+            </a:r>
+          </a:p>
+          <a:p>
+            <a:pPr marL="342900" indent="-342900">
+              <a:buFont typeface="Arial" panose="020B0604020202020204" pitchFamily="34" charset="0"/>
+              <a:buChar char="•"/>
+            </a:pPr>
+            <a:r>
+              <a:rPr lang="en-US" sz="2000" dirty="0">
+                <a:solidFill>
+                  <a:srgbClr val="A3CE36"/>
+                </a:solidFill>
+                <a:latin typeface="Metropolis" pitchFamily="2" charset="77"/>
+              </a:rPr>
+              <a:t>Connect-</a:t>
+            </a:r>
+            <a:r>
+              <a:rPr lang="en-US" sz="2000" dirty="0" err="1">
+                <a:solidFill>
+                  <a:srgbClr val="A3CE36"/>
+                </a:solidFill>
+                <a:latin typeface="Metropolis" pitchFamily="2" charset="77"/>
+              </a:rPr>
+              <a:t>VIServer</a:t>
+            </a:r>
+            <a:r>
+              <a:rPr lang="en-US" sz="2000" dirty="0" smtClean="0">
+                <a:solidFill>
+                  <a:srgbClr val="1A365C"/>
+                </a:solidFill>
+                <a:latin typeface="Metropolis" pitchFamily="2" charset="77"/>
+                <a:ea typeface="+mj-ea"/>
+                <a:cs typeface="+mj-cs"/>
+              </a:rPr>
+              <a:t> </a:t>
+            </a:r>
+            <a:r>
+              <a:rPr lang="en-US" sz="2000" dirty="0">
+                <a:solidFill>
+                  <a:srgbClr val="A3CE36"/>
+                </a:solidFill>
+                <a:latin typeface="Metropolis" pitchFamily="2" charset="77"/>
+              </a:rPr>
+              <a:t>–name </a:t>
+            </a:r>
+            <a:r>
+              <a:rPr lang="en-US" sz="2000" dirty="0" err="1">
+                <a:solidFill>
+                  <a:srgbClr val="A3CE36"/>
+                </a:solidFill>
+                <a:latin typeface="Metropolis" pitchFamily="2" charset="77"/>
+              </a:rPr>
+              <a:t>myvcenter</a:t>
+            </a:r>
+            <a:r>
+              <a:rPr lang="en-US" sz="2000" dirty="0">
+                <a:solidFill>
+                  <a:srgbClr val="A3CE36"/>
+                </a:solidFill>
+                <a:latin typeface="Metropolis" pitchFamily="2" charset="77"/>
+              </a:rPr>
+              <a:t> –Username “administrator” –Password “VMware1</a:t>
+            </a:r>
+            <a:r>
+              <a:rPr lang="en-US" sz="2000" dirty="0" smtClean="0">
+                <a:solidFill>
+                  <a:srgbClr val="A3CE36"/>
+                </a:solidFill>
+                <a:latin typeface="Metropolis" pitchFamily="2" charset="77"/>
+              </a:rPr>
+              <a:t>!”</a:t>
+            </a:r>
+          </a:p>
+          <a:p>
+            <a:pPr marL="342900" indent="-342900">
+              <a:buFont typeface="Arial" panose="020B0604020202020204" pitchFamily="34" charset="0"/>
+              <a:buChar char="•"/>
+            </a:pPr>
+            <a:r>
+              <a:rPr lang="en-US" sz="2000" dirty="0">
+                <a:solidFill>
+                  <a:srgbClr val="A3CE36"/>
+                </a:solidFill>
+                <a:latin typeface="Metropolis" pitchFamily="2" charset="77"/>
+              </a:rPr>
+              <a:t>$</a:t>
+            </a:r>
+            <a:r>
+              <a:rPr lang="en-US" sz="2000" dirty="0" err="1">
+                <a:solidFill>
+                  <a:srgbClr val="A3CE36"/>
+                </a:solidFill>
+                <a:latin typeface="Metropolis" pitchFamily="2" charset="77"/>
+              </a:rPr>
+              <a:t>global:DefaultVIServer</a:t>
+            </a:r>
+            <a:endParaRPr lang="en-US" sz="2000" dirty="0" smtClean="0">
+              <a:solidFill>
+                <a:srgbClr val="A3CE36"/>
+              </a:solidFill>
+              <a:latin typeface="Metropolis" pitchFamily="2" charset="77"/>
+            </a:endParaRPr>
+          </a:p>
+          <a:p>
+            <a:pPr marL="342900" indent="-342900">
+              <a:buFont typeface="Arial" panose="020B0604020202020204" pitchFamily="34" charset="0"/>
+              <a:buChar char="•"/>
+            </a:pPr>
+            <a:endParaRPr lang="en-US" sz="2000" dirty="0">
+              <a:solidFill>
+                <a:srgbClr val="A3CE36"/>
+              </a:solidFill>
+              <a:latin typeface="Metropolis" pitchFamily="2" charset="77"/>
+            </a:endParaRPr>
+          </a:p>
+        </p:txBody>
+      </p:sp>
+    </p:spTree>
+    <p:extLst>
+      <p:ext uri="{BB962C8B-B14F-4D97-AF65-F5344CB8AC3E}">
+        <p14:creationId xmlns:p14="http://schemas.microsoft.com/office/powerpoint/2010/main" val="3471971652"/>
+      </p:ext>
+    </p:extLst>
+  </p:cSld>
+  <p:clrMapOvr>
+    <a:masterClrMapping/>
+  </p:clrMapOvr>
+</p:sld>
+</file>
+
+<file path=ppt/slides/slide8.xml><?xml version="1.0" encoding="utf-8"?>
+<p:sld xmlns:a="http://schemas.openxmlformats.org/drawingml/2006/main" xmlns:r="http://schemas.openxmlformats.org/officeDocument/2006/relationships" xmlns:p="http://schemas.openxmlformats.org/presentationml/2006/main">
+  <p:cSld>
+    <p:spTree>
+      <p:nvGrpSpPr>
+        <p:cNvPr id="1" name=""/>
+        <p:cNvGrpSpPr/>
+        <p:nvPr/>
+      </p:nvGrpSpPr>
+      <p:grpSpPr>
+        <a:xfrm>
+          <a:off x="0" y="0"/>
+          <a:ext cx="0" cy="0"/>
+          <a:chOff x="0" y="0"/>
+          <a:chExt cx="0" cy="0"/>
+        </a:xfrm>
+      </p:grpSpPr>
+      <p:sp>
+        <p:nvSpPr>
+          <p:cNvPr id="2" name="Title 1"/>
+          <p:cNvSpPr>
+            <a:spLocks noGrp="1"/>
+          </p:cNvSpPr>
+          <p:nvPr>
+            <p:ph type="title"/>
+          </p:nvPr>
+        </p:nvSpPr>
+        <p:spPr/>
+        <p:txBody>
+          <a:bodyPr/>
+          <a:lstStyle/>
+          <a:p>
+            <a:r>
+              <a:rPr lang="en-US" dirty="0" smtClean="0"/>
+              <a:t>Getting Data from </a:t>
+            </a:r>
+            <a:r>
+              <a:rPr lang="en-US" dirty="0" err="1" smtClean="0"/>
+              <a:t>vCenter</a:t>
+            </a:r>
+            <a:endParaRPr lang="en-US" dirty="0"/>
+          </a:p>
+        </p:txBody>
+      </p:sp>
+      <p:sp>
+        <p:nvSpPr>
+          <p:cNvPr id="3" name="Content Placeholder 2"/>
+          <p:cNvSpPr>
+            <a:spLocks noGrp="1"/>
+          </p:cNvSpPr>
+          <p:nvPr>
+            <p:ph idx="1"/>
+          </p:nvPr>
+        </p:nvSpPr>
+        <p:spPr/>
+        <p:txBody>
+          <a:bodyPr/>
+          <a:lstStyle/>
+          <a:p>
+            <a:endParaRPr lang="en-US"/>
+          </a:p>
+        </p:txBody>
+      </p:sp>
+      <p:sp>
+        <p:nvSpPr>
+          <p:cNvPr id="4" name="Text Placeholder 3"/>
+          <p:cNvSpPr>
+            <a:spLocks noGrp="1"/>
+          </p:cNvSpPr>
+          <p:nvPr>
+            <p:ph type="body" sz="half" idx="2"/>
+          </p:nvPr>
+        </p:nvSpPr>
+        <p:spPr/>
+        <p:txBody>
+          <a:bodyPr/>
+          <a:lstStyle/>
+          <a:p>
+            <a:r>
+              <a:rPr lang="en-US" dirty="0" smtClean="0"/>
+              <a:t>Verb-Noun</a:t>
+            </a:r>
+          </a:p>
+          <a:p>
+            <a:endParaRPr lang="en-US" dirty="0"/>
+          </a:p>
+          <a:p>
+            <a:pPr marL="285750" indent="-285750">
+              <a:buFont typeface="Arial" panose="020B0604020202020204" pitchFamily="34" charset="0"/>
+              <a:buChar char="•"/>
+            </a:pPr>
+            <a:r>
+              <a:rPr lang="en-US" dirty="0" smtClean="0"/>
+              <a:t>Get-VM</a:t>
+            </a:r>
+          </a:p>
+          <a:p>
+            <a:pPr marL="285750" indent="-285750">
+              <a:buFont typeface="Arial" panose="020B0604020202020204" pitchFamily="34" charset="0"/>
+              <a:buChar char="•"/>
+            </a:pPr>
+            <a:r>
+              <a:rPr lang="en-US" dirty="0" smtClean="0"/>
+              <a:t>Get-</a:t>
+            </a:r>
+            <a:r>
+              <a:rPr lang="en-US" dirty="0" err="1" smtClean="0"/>
+              <a:t>VMHost</a:t>
+            </a:r>
+            <a:endParaRPr lang="en-US" dirty="0" smtClean="0"/>
+          </a:p>
+          <a:p>
+            <a:pPr marL="285750" indent="-285750">
+              <a:buFont typeface="Arial" panose="020B0604020202020204" pitchFamily="34" charset="0"/>
+              <a:buChar char="•"/>
+            </a:pPr>
+            <a:r>
+              <a:rPr lang="en-US" dirty="0" smtClean="0"/>
+              <a:t>Get-Cluster</a:t>
+            </a:r>
+          </a:p>
+          <a:p>
+            <a:pPr marL="285750" indent="-285750">
+              <a:buFont typeface="Arial" panose="020B0604020202020204" pitchFamily="34" charset="0"/>
+              <a:buChar char="•"/>
+            </a:pPr>
+            <a:r>
+              <a:rPr lang="en-US" dirty="0" smtClean="0"/>
+              <a:t>Get-</a:t>
+            </a:r>
+            <a:r>
+              <a:rPr lang="en-US" dirty="0" err="1" smtClean="0"/>
+              <a:t>DataStore</a:t>
+            </a:r>
+            <a:endParaRPr lang="en-US" dirty="0" smtClean="0"/>
+          </a:p>
+          <a:p>
+            <a:pPr marL="285750" indent="-285750">
+              <a:buFont typeface="Arial" panose="020B0604020202020204" pitchFamily="34" charset="0"/>
+              <a:buChar char="•"/>
+            </a:pPr>
+            <a:r>
+              <a:rPr lang="en-US" dirty="0" smtClean="0"/>
+              <a:t>Get-Snapshot</a:t>
+            </a:r>
+            <a:endParaRPr lang="en-US" dirty="0"/>
+          </a:p>
+        </p:txBody>
+      </p:sp>
+    </p:spTree>
+    <p:extLst>
+      <p:ext uri="{BB962C8B-B14F-4D97-AF65-F5344CB8AC3E}">
+        <p14:creationId xmlns:p14="http://schemas.microsoft.com/office/powerpoint/2010/main" val="3951987464"/>
+      </p:ext>
+    </p:extLst>
+  </p:cSld>
+  <p:clrMapOvr>
+    <a:masterClrMapping/>
+  </p:clrMapOvr>
+</p:sld>
+</file>
+
+<file path=ppt/slides/slide9.xml><?xml version="1.0" encoding="utf-8"?>
+<p:sld xmlns:a="http://schemas.openxmlformats.org/drawingml/2006/main" xmlns:r="http://schemas.openxmlformats.org/officeDocument/2006/relationships" xmlns:p="http://schemas.openxmlformats.org/presentationml/2006/main">
+  <p:cSld>
+    <p:spTree>
+      <p:nvGrpSpPr>
+        <p:cNvPr id="1" name=""/>
+        <p:cNvGrpSpPr/>
+        <p:nvPr/>
+      </p:nvGrpSpPr>
+      <p:grpSpPr>
+        <a:xfrm>
+          <a:off x="0" y="0"/>
+          <a:ext cx="0" cy="0"/>
+          <a:chOff x="0" y="0"/>
+          <a:chExt cx="0" cy="0"/>
+        </a:xfrm>
+      </p:grpSpPr>
+      <p:sp>
+        <p:nvSpPr>
+          <p:cNvPr id="3" name="Title 1"/>
+          <p:cNvSpPr>
+            <a:spLocks noGrp="1"/>
+          </p:cNvSpPr>
+          <p:nvPr>
+            <p:ph type="title"/>
+          </p:nvPr>
+        </p:nvSpPr>
+        <p:spPr>
+          <a:xfrm>
+            <a:off x="493815" y="1077645"/>
+            <a:ext cx="6305550" cy="758776"/>
+          </a:xfrm>
+        </p:spPr>
+        <p:txBody>
+          <a:bodyPr/>
+          <a:lstStyle/>
+          <a:p>
+            <a:r>
+              <a:rPr lang="en-US" dirty="0" smtClean="0"/>
+              <a:t>PowerShell Things</a:t>
+            </a:r>
+            <a:endParaRPr lang="en-US" dirty="0"/>
+          </a:p>
+        </p:txBody>
+      </p:sp>
+      <p:sp>
+        <p:nvSpPr>
+          <p:cNvPr id="4" name="TextBox 3"/>
+          <p:cNvSpPr txBox="1"/>
+          <p:nvPr/>
+        </p:nvSpPr>
+        <p:spPr>
+          <a:xfrm>
+            <a:off x="669074" y="2293620"/>
+            <a:ext cx="11698185" cy="1569660"/>
+          </a:xfrm>
+          <a:prstGeom prst="rect">
+            <a:avLst/>
+          </a:prstGeom>
+          <a:noFill/>
+        </p:spPr>
+        <p:txBody>
+          <a:bodyPr wrap="square" rtlCol="0">
+            <a:spAutoFit/>
+          </a:bodyPr>
+          <a:lstStyle/>
+          <a:p>
+            <a:pPr marL="342900" indent="-342900">
+              <a:buFont typeface="Arial" panose="020B0604020202020204" pitchFamily="34" charset="0"/>
+              <a:buChar char="•"/>
+            </a:pPr>
+            <a:r>
+              <a:rPr lang="en-US" sz="2400" dirty="0" smtClean="0">
+                <a:solidFill>
+                  <a:srgbClr val="1A365C"/>
+                </a:solidFill>
+                <a:latin typeface="Metropolis" pitchFamily="2" charset="77"/>
+                <a:ea typeface="+mj-ea"/>
+                <a:cs typeface="+mj-cs"/>
+              </a:rPr>
+              <a:t>Objects</a:t>
+            </a:r>
+          </a:p>
+          <a:p>
+            <a:pPr marL="342900" indent="-342900">
+              <a:buFont typeface="Arial" panose="020B0604020202020204" pitchFamily="34" charset="0"/>
+              <a:buChar char="•"/>
+            </a:pPr>
+            <a:r>
+              <a:rPr lang="en-US" sz="2400" dirty="0" smtClean="0">
+                <a:solidFill>
+                  <a:srgbClr val="1A365C"/>
+                </a:solidFill>
+                <a:latin typeface="Metropolis" pitchFamily="2" charset="77"/>
+                <a:ea typeface="+mj-ea"/>
+                <a:cs typeface="+mj-cs"/>
+              </a:rPr>
+              <a:t>Arrays vs. </a:t>
+            </a:r>
+            <a:r>
+              <a:rPr lang="en-US" sz="2400" dirty="0" err="1" smtClean="0">
+                <a:solidFill>
+                  <a:srgbClr val="1A365C"/>
+                </a:solidFill>
+                <a:latin typeface="Metropolis" pitchFamily="2" charset="77"/>
+                <a:ea typeface="+mj-ea"/>
+                <a:cs typeface="+mj-cs"/>
+              </a:rPr>
+              <a:t>Hashtables</a:t>
+            </a:r>
+            <a:endParaRPr lang="en-US" sz="2400" dirty="0" smtClean="0">
+              <a:solidFill>
+                <a:srgbClr val="1A365C"/>
+              </a:solidFill>
+              <a:latin typeface="Metropolis" pitchFamily="2" charset="77"/>
+              <a:ea typeface="+mj-ea"/>
+              <a:cs typeface="+mj-cs"/>
+            </a:endParaRPr>
+          </a:p>
+          <a:p>
+            <a:pPr marL="342900" indent="-342900">
+              <a:buFont typeface="Arial" panose="020B0604020202020204" pitchFamily="34" charset="0"/>
+              <a:buChar char="•"/>
+            </a:pPr>
+            <a:r>
+              <a:rPr lang="en-US" sz="2400" dirty="0" smtClean="0">
+                <a:solidFill>
+                  <a:srgbClr val="1A365C"/>
+                </a:solidFill>
+                <a:latin typeface="Metropolis" pitchFamily="2" charset="77"/>
+                <a:ea typeface="+mj-ea"/>
+                <a:cs typeface="+mj-cs"/>
+              </a:rPr>
+              <a:t>Pipeline</a:t>
+            </a:r>
+          </a:p>
+          <a:p>
+            <a:pPr marL="342900" indent="-342900">
+              <a:buFont typeface="Arial" panose="020B0604020202020204" pitchFamily="34" charset="0"/>
+              <a:buChar char="•"/>
+            </a:pPr>
+            <a:r>
+              <a:rPr lang="en-US" sz="2400" dirty="0" smtClean="0">
+                <a:solidFill>
+                  <a:srgbClr val="1A365C"/>
+                </a:solidFill>
+                <a:latin typeface="Metropolis" pitchFamily="2" charset="77"/>
+                <a:ea typeface="+mj-ea"/>
+                <a:cs typeface="+mj-cs"/>
+              </a:rPr>
+              <a:t>Comment Based Help</a:t>
+            </a:r>
+          </a:p>
+        </p:txBody>
+      </p:sp>
+    </p:spTree>
+    <p:extLst>
+      <p:ext uri="{BB962C8B-B14F-4D97-AF65-F5344CB8AC3E}">
+        <p14:creationId xmlns:p14="http://schemas.microsoft.com/office/powerpoint/2010/main" val="2318569528"/>
       </p:ext>
     </p:extLst>
   </p:cSld>
@@ -5484,6 +7338,34 @@
 </file>
 
 <file path=customXml/item1.xml><?xml version="1.0" encoding="utf-8"?>
+<p:properties xmlns:p="http://schemas.microsoft.com/office/2006/metadata/properties" xmlns:xsi="http://www.w3.org/2001/XMLSchema-instance" xmlns:pc="http://schemas.microsoft.com/office/infopath/2007/PartnerControls">
+  <documentManagement>
+    <SharedWithUsers xmlns="a98d785b-a573-4648-a687-d73070f116ca">
+      <UserInfo>
+        <DisplayName/>
+        <AccountId xsi:nil="true"/>
+        <AccountType/>
+      </UserInfo>
+    </SharedWithUsers>
+    <Date xmlns="e7d83ab9-40ce-4f6a-9d5b-bb8228ec9b2e" xsi:nil="true"/>
+    <TaxCatchAll xmlns="a98d785b-a573-4648-a687-d73070f116ca" xsi:nil="true"/>
+    <lcf76f155ced4ddcb4097134ff3c332f xmlns="e7d83ab9-40ce-4f6a-9d5b-bb8228ec9b2e">
+      <Terms xmlns="http://schemas.microsoft.com/office/infopath/2007/PartnerControls"/>
+    </lcf76f155ced4ddcb4097134ff3c332f>
+  </documentManagement>
+</p:properties>
+</file>
+
+<file path=customXml/item2.xml><?xml version="1.0" encoding="utf-8"?>
+<?mso-contentType ?>
+<FormTemplates xmlns="http://schemas.microsoft.com/sharepoint/v3/contenttype/forms">
+  <Display>DocumentLibraryForm</Display>
+  <Edit>DocumentLibraryForm</Edit>
+  <New>DocumentLibraryForm</New>
+</FormTemplates>
+</file>
+
+<file path=customXml/item3.xml><?xml version="1.0" encoding="utf-8"?>
 <ct:contentTypeSchema xmlns:ct="http://schemas.microsoft.com/office/2006/metadata/contentType" xmlns:ma="http://schemas.microsoft.com/office/2006/metadata/properties/metaAttributes" ct:_="" ma:_="" ma:contentTypeName="Document" ma:contentTypeID="0x010100002789192BF4824BBEDA3AC9FCF428B3" ma:contentTypeVersion="19" ma:contentTypeDescription="Create a new document." ma:contentTypeScope="" ma:versionID="3970422c44fa64f2d900b00fa0ccd44b">
   <xsd:schema xmlns:xsd="http://www.w3.org/2001/XMLSchema" xmlns:xs="http://www.w3.org/2001/XMLSchema" xmlns:p="http://schemas.microsoft.com/office/2006/metadata/properties" xmlns:ns2="a98d785b-a573-4648-a687-d73070f116ca" xmlns:ns3="e7d83ab9-40ce-4f6a-9d5b-bb8228ec9b2e" targetNamespace="http://schemas.microsoft.com/office/2006/metadata/properties" ma:root="true" ma:fieldsID="2319295cbcbd7fa3b11c958f7e0d8100" ns2:_="" ns3:_="">
     <xsd:import namespace="a98d785b-a573-4648-a687-d73070f116ca"/>
@@ -5732,35 +7614,32 @@
 </ct:contentTypeSchema>
 </file>
 
-<file path=customXml/item2.xml><?xml version="1.0" encoding="utf-8"?>
-<?mso-contentType ?>
-<FormTemplates xmlns="http://schemas.microsoft.com/sharepoint/v3/contenttype/forms">
-  <Display>DocumentLibraryForm</Display>
-  <Edit>DocumentLibraryForm</Edit>
-  <New>DocumentLibraryForm</New>
-</FormTemplates>
+<file path=customXml/itemProps1.xml><?xml version="1.0" encoding="utf-8"?>
+<ds:datastoreItem xmlns:ds="http://schemas.openxmlformats.org/officeDocument/2006/customXml" ds:itemID="{281A822C-25CE-47FB-A779-4E19A1F98DDA}">
+  <ds:schemaRefs>
+    <ds:schemaRef ds:uri="http://schemas.microsoft.com/office/2006/metadata/properties"/>
+    <ds:schemaRef ds:uri="http://purl.org/dc/elements/1.1/"/>
+    <ds:schemaRef ds:uri="a98d785b-a573-4648-a687-d73070f116ca"/>
+    <ds:schemaRef ds:uri="http://schemas.microsoft.com/office/2006/documentManagement/types"/>
+    <ds:schemaRef ds:uri="http://purl.org/dc/dcmitype/"/>
+    <ds:schemaRef ds:uri="http://schemas.openxmlformats.org/package/2006/metadata/core-properties"/>
+    <ds:schemaRef ds:uri="http://purl.org/dc/terms/"/>
+    <ds:schemaRef ds:uri="http://www.w3.org/XML/1998/namespace"/>
+    <ds:schemaRef ds:uri="http://schemas.microsoft.com/office/infopath/2007/PartnerControls"/>
+    <ds:schemaRef ds:uri="e7d83ab9-40ce-4f6a-9d5b-bb8228ec9b2e"/>
+  </ds:schemaRefs>
+</ds:datastoreItem>
 </file>
 
-<file path=customXml/item3.xml><?xml version="1.0" encoding="utf-8"?>
-<p:properties xmlns:p="http://schemas.microsoft.com/office/2006/metadata/properties" xmlns:xsi="http://www.w3.org/2001/XMLSchema-instance" xmlns:pc="http://schemas.microsoft.com/office/infopath/2007/PartnerControls">
-  <documentManagement>
-    <SharedWithUsers xmlns="a98d785b-a573-4648-a687-d73070f116ca">
-      <UserInfo>
-        <DisplayName/>
-        <AccountId xsi:nil="true"/>
-        <AccountType/>
-      </UserInfo>
-    </SharedWithUsers>
-    <Date xmlns="e7d83ab9-40ce-4f6a-9d5b-bb8228ec9b2e" xsi:nil="true"/>
-    <TaxCatchAll xmlns="a98d785b-a573-4648-a687-d73070f116ca" xsi:nil="true"/>
-    <lcf76f155ced4ddcb4097134ff3c332f xmlns="e7d83ab9-40ce-4f6a-9d5b-bb8228ec9b2e">
-      <Terms xmlns="http://schemas.microsoft.com/office/infopath/2007/PartnerControls"/>
-    </lcf76f155ced4ddcb4097134ff3c332f>
-  </documentManagement>
-</p:properties>
+<file path=customXml/itemProps2.xml><?xml version="1.0" encoding="utf-8"?>
+<ds:datastoreItem xmlns:ds="http://schemas.openxmlformats.org/officeDocument/2006/customXml" ds:itemID="{9404A5FA-2267-49A4-9EE5-2F5F85884C73}">
+  <ds:schemaRefs>
+    <ds:schemaRef ds:uri="http://schemas.microsoft.com/sharepoint/v3/contenttype/forms"/>
+  </ds:schemaRefs>
+</ds:datastoreItem>
 </file>
 
-<file path=customXml/itemProps1.xml><?xml version="1.0" encoding="utf-8"?>
+<file path=customXml/itemProps3.xml><?xml version="1.0" encoding="utf-8"?>
 <ds:datastoreItem xmlns:ds="http://schemas.openxmlformats.org/officeDocument/2006/customXml" ds:itemID="{8CC6D2DC-7BBA-4870-98D2-B83225BC30DF}">
   <ds:schemaRefs>
     <ds:schemaRef ds:uri="http://schemas.microsoft.com/office/2006/metadata/contentType"/>
@@ -5777,29 +7656,4 @@
     <ds:schemaRef ds:uri="http://schemas.microsoft.com/internal/obd"/>
   </ds:schemaRefs>
 </ds:datastoreItem>
-</file>
-
-<file path=customXml/itemProps2.xml><?xml version="1.0" encoding="utf-8"?>
-<ds:datastoreItem xmlns:ds="http://schemas.openxmlformats.org/officeDocument/2006/customXml" ds:itemID="{9404A5FA-2267-49A4-9EE5-2F5F85884C73}">
-  <ds:schemaRefs>
-    <ds:schemaRef ds:uri="http://schemas.microsoft.com/sharepoint/v3/contenttype/forms"/>
-  </ds:schemaRefs>
-</ds:datastoreItem>
-</file>
-
-<file path=customXml/itemProps3.xml><?xml version="1.0" encoding="utf-8"?>
-<ds:datastoreItem xmlns:ds="http://schemas.openxmlformats.org/officeDocument/2006/customXml" ds:itemID="{281A822C-25CE-47FB-A779-4E19A1F98DDA}">
-  <ds:schemaRefs>
-    <ds:schemaRef ds:uri="http://schemas.microsoft.com/office/2006/metadata/properties"/>
-    <ds:schemaRef ds:uri="http://purl.org/dc/elements/1.1/"/>
-    <ds:schemaRef ds:uri="a98d785b-a573-4648-a687-d73070f116ca"/>
-    <ds:schemaRef ds:uri="http://schemas.microsoft.com/office/2006/documentManagement/types"/>
-    <ds:schemaRef ds:uri="http://purl.org/dc/dcmitype/"/>
-    <ds:schemaRef ds:uri="http://schemas.openxmlformats.org/package/2006/metadata/core-properties"/>
-    <ds:schemaRef ds:uri="http://purl.org/dc/terms/"/>
-    <ds:schemaRef ds:uri="http://www.w3.org/XML/1998/namespace"/>
-    <ds:schemaRef ds:uri="http://schemas.microsoft.com/office/infopath/2007/PartnerControls"/>
-    <ds:schemaRef ds:uri="e7d83ab9-40ce-4f6a-9d5b-bb8228ec9b2e"/>
-  </ds:schemaRefs>
-</ds:datastoreItem>
 </file>
--- a/Powercli/PDX_VMUG_2023/UserCon-PPT-2023.pptx
+++ b/Powercli/PDX_VMUG_2023/UserCon-PPT-2023.pptx
@@ -5603,12 +5603,12 @@
           </a:p>
           <a:p>
             <a:r>
-              <a:rPr lang="en-US" sz="2400" dirty="0" err="1" smtClean="0"/>
-              <a:t>Vmware</a:t>
+              <a:rPr lang="en-US" sz="2400" smtClean="0"/>
+              <a:t>VMware </a:t>
             </a:r>
             <a:r>
               <a:rPr lang="en-US" sz="2400" dirty="0" smtClean="0"/>
-              <a:t> Community</a:t>
+              <a:t>Community</a:t>
             </a:r>
           </a:p>
           <a:p>
@@ -6018,14 +6018,6 @@
               </a:rPr>
               <a:t>Live Demo &amp; VMware code Website</a:t>
             </a:r>
-            <a:endParaRPr lang="en-US" sz="2400" dirty="0">
-              <a:solidFill>
-                <a:srgbClr val="1A365C"/>
-              </a:solidFill>
-              <a:latin typeface="Metropolis" pitchFamily="2" charset="77"/>
-              <a:ea typeface="+mj-ea"/>
-              <a:cs typeface="+mj-cs"/>
-            </a:endParaRPr>
           </a:p>
         </p:txBody>
       </p:sp>
@@ -7338,6 +7330,15 @@
 </file>
 
 <file path=customXml/item1.xml><?xml version="1.0" encoding="utf-8"?>
+<?mso-contentType ?>
+<FormTemplates xmlns="http://schemas.microsoft.com/sharepoint/v3/contenttype/forms">
+  <Display>DocumentLibraryForm</Display>
+  <Edit>DocumentLibraryForm</Edit>
+  <New>DocumentLibraryForm</New>
+</FormTemplates>
+</file>
+
+<file path=customXml/item2.xml><?xml version="1.0" encoding="utf-8"?>
 <p:properties xmlns:p="http://schemas.microsoft.com/office/2006/metadata/properties" xmlns:xsi="http://www.w3.org/2001/XMLSchema-instance" xmlns:pc="http://schemas.microsoft.com/office/infopath/2007/PartnerControls">
   <documentManagement>
     <SharedWithUsers xmlns="a98d785b-a573-4648-a687-d73070f116ca">
@@ -7354,15 +7355,6 @@
     </lcf76f155ced4ddcb4097134ff3c332f>
   </documentManagement>
 </p:properties>
-</file>
-
-<file path=customXml/item2.xml><?xml version="1.0" encoding="utf-8"?>
-<?mso-contentType ?>
-<FormTemplates xmlns="http://schemas.microsoft.com/sharepoint/v3/contenttype/forms">
-  <Display>DocumentLibraryForm</Display>
-  <Edit>DocumentLibraryForm</Edit>
-  <New>DocumentLibraryForm</New>
-</FormTemplates>
 </file>
 
 <file path=customXml/item3.xml><?xml version="1.0" encoding="utf-8"?>
@@ -7615,6 +7607,14 @@
 </file>
 
 <file path=customXml/itemProps1.xml><?xml version="1.0" encoding="utf-8"?>
+<ds:datastoreItem xmlns:ds="http://schemas.openxmlformats.org/officeDocument/2006/customXml" ds:itemID="{9404A5FA-2267-49A4-9EE5-2F5F85884C73}">
+  <ds:schemaRefs>
+    <ds:schemaRef ds:uri="http://schemas.microsoft.com/sharepoint/v3/contenttype/forms"/>
+  </ds:schemaRefs>
+</ds:datastoreItem>
+</file>
+
+<file path=customXml/itemProps2.xml><?xml version="1.0" encoding="utf-8"?>
 <ds:datastoreItem xmlns:ds="http://schemas.openxmlformats.org/officeDocument/2006/customXml" ds:itemID="{281A822C-25CE-47FB-A779-4E19A1F98DDA}">
   <ds:schemaRefs>
     <ds:schemaRef ds:uri="http://schemas.microsoft.com/office/2006/metadata/properties"/>
@@ -7627,14 +7627,6 @@
     <ds:schemaRef ds:uri="http://www.w3.org/XML/1998/namespace"/>
     <ds:schemaRef ds:uri="http://schemas.microsoft.com/office/infopath/2007/PartnerControls"/>
     <ds:schemaRef ds:uri="e7d83ab9-40ce-4f6a-9d5b-bb8228ec9b2e"/>
-  </ds:schemaRefs>
-</ds:datastoreItem>
-</file>
-
-<file path=customXml/itemProps2.xml><?xml version="1.0" encoding="utf-8"?>
-<ds:datastoreItem xmlns:ds="http://schemas.openxmlformats.org/officeDocument/2006/customXml" ds:itemID="{9404A5FA-2267-49A4-9EE5-2F5F85884C73}">
-  <ds:schemaRefs>
-    <ds:schemaRef ds:uri="http://schemas.microsoft.com/sharepoint/v3/contenttype/forms"/>
   </ds:schemaRefs>
 </ds:datastoreItem>
 </file>

--- a/Powercli/PDX_VMUG_2023/UserCon-PPT-2023.pptx
+++ b/Powercli/PDX_VMUG_2023/UserCon-PPT-2023.pptx
@@ -4224,35 +4224,21 @@
             <p:ph type="title"/>
           </p:nvPr>
         </p:nvSpPr>
-        <p:spPr/>
+        <p:spPr>
+          <a:xfrm>
+            <a:off x="175260" y="1211580"/>
+            <a:ext cx="5707380" cy="845820"/>
+          </a:xfrm>
+        </p:spPr>
         <p:txBody>
           <a:bodyPr/>
           <a:lstStyle/>
           <a:p>
             <a:r>
-              <a:rPr lang="en-US" dirty="0" smtClean="0"/>
-              <a:t>Objects</a:t>
-            </a:r>
-            <a:endParaRPr lang="en-US" dirty="0"/>
-          </a:p>
-        </p:txBody>
-      </p:sp>
-      <p:sp>
-        <p:nvSpPr>
-          <p:cNvPr id="3" name="Content Placeholder 2"/>
-          <p:cNvSpPr>
-            <a:spLocks noGrp="1"/>
-          </p:cNvSpPr>
-          <p:nvPr>
-            <p:ph idx="1"/>
-          </p:nvPr>
-        </p:nvSpPr>
-        <p:spPr/>
-        <p:txBody>
-          <a:bodyPr/>
-          <a:lstStyle/>
-          <a:p>
-            <a:endParaRPr lang="en-US"/>
+              <a:rPr lang="en-US" sz="4000" dirty="0" smtClean="0"/>
+              <a:t>Functions &amp; Parameters</a:t>
+            </a:r>
+            <a:endParaRPr lang="en-US" sz="4000" dirty="0"/>
           </a:p>
         </p:txBody>
       </p:sp>
@@ -4266,15 +4252,116 @@
             <p:ph type="body" sz="half" idx="2"/>
           </p:nvPr>
         </p:nvSpPr>
-        <p:spPr/>
+        <p:spPr>
+          <a:xfrm>
+            <a:off x="381000" y="2303812"/>
+            <a:ext cx="5768340" cy="3565175"/>
+          </a:xfrm>
+        </p:spPr>
         <p:txBody>
           <a:bodyPr/>
           <a:lstStyle/>
           <a:p>
-            <a:endParaRPr lang="en-US"/>
+            <a:r>
+              <a:rPr lang="en-US" dirty="0" smtClean="0"/>
+              <a:t>&lt;Function Name&gt; &lt;Parameter name&gt;  &lt;Parameter Value&gt;</a:t>
+            </a:r>
+          </a:p>
+          <a:p>
+            <a:pPr marL="285750" indent="-285750">
+              <a:buFont typeface="Arial" panose="020B0604020202020204" pitchFamily="34" charset="0"/>
+              <a:buChar char="•"/>
+            </a:pPr>
+            <a:r>
+              <a:rPr lang="en-US" dirty="0" smtClean="0"/>
+              <a:t>Get-VM  -Name “</a:t>
+            </a:r>
+            <a:r>
+              <a:rPr lang="en-US" dirty="0" err="1" smtClean="0"/>
+              <a:t>myvm</a:t>
+            </a:r>
+            <a:r>
+              <a:rPr lang="en-US" dirty="0" smtClean="0"/>
+              <a:t>”</a:t>
+            </a:r>
+          </a:p>
+          <a:p>
+            <a:endParaRPr lang="en-US" dirty="0" smtClean="0"/>
+          </a:p>
+          <a:p>
+            <a:r>
+              <a:rPr lang="en-US" dirty="0"/>
+              <a:t>&lt;Function Name&gt; &lt;Parameter name&gt;  &lt;Parameter Value&gt;</a:t>
+            </a:r>
+          </a:p>
+          <a:p>
+            <a:pPr marL="285750" indent="-285750">
+              <a:buFont typeface="Arial" panose="020B0604020202020204" pitchFamily="34" charset="0"/>
+              <a:buChar char="•"/>
+            </a:pPr>
+            <a:r>
+              <a:rPr lang="en-US" dirty="0" smtClean="0"/>
+              <a:t>Update-</a:t>
+            </a:r>
+            <a:r>
+              <a:rPr lang="en-US" dirty="0" err="1" smtClean="0"/>
+              <a:t>ConsoleTitle</a:t>
+            </a:r>
+            <a:r>
+              <a:rPr lang="en-US" dirty="0" smtClean="0"/>
+              <a:t> –Title “Fancy New Title”</a:t>
+            </a:r>
+          </a:p>
+          <a:p>
+            <a:pPr marL="285750" indent="-285750">
+              <a:buFont typeface="Arial" panose="020B0604020202020204" pitchFamily="34" charset="0"/>
+              <a:buChar char="•"/>
+            </a:pPr>
+            <a:endParaRPr lang="en-US" dirty="0"/>
+          </a:p>
+          <a:p>
+            <a:r>
+              <a:rPr lang="en-US" dirty="0" smtClean="0"/>
+              <a:t>If a Parameter is required – PowerShell will ask you </a:t>
+            </a:r>
+          </a:p>
+          <a:p>
+            <a:r>
+              <a:rPr lang="en-US" dirty="0"/>
+              <a:t>f</a:t>
+            </a:r>
+            <a:r>
+              <a:rPr lang="en-US" dirty="0" smtClean="0"/>
+              <a:t>or it!</a:t>
+            </a:r>
+            <a:endParaRPr lang="en-US" dirty="0"/>
           </a:p>
         </p:txBody>
       </p:sp>
+      <p:pic>
+        <p:nvPicPr>
+          <p:cNvPr id="5" name="Picture 4"/>
+          <p:cNvPicPr>
+            <a:picLocks noChangeAspect="1"/>
+          </p:cNvPicPr>
+          <p:nvPr/>
+        </p:nvPicPr>
+        <p:blipFill>
+          <a:blip r:embed="rId2"/>
+          <a:stretch>
+            <a:fillRect/>
+          </a:stretch>
+        </p:blipFill>
+        <p:spPr>
+          <a:xfrm>
+            <a:off x="5440680" y="4051538"/>
+            <a:ext cx="6588040" cy="1543575"/>
+          </a:xfrm>
+          <a:prstGeom prst="rect">
+            <a:avLst/>
+          </a:prstGeom>
+        </p:spPr>
+      </p:pic>
     </p:spTree>
     <p:extLst>
       <p:ext uri="{BB962C8B-B14F-4D97-AF65-F5344CB8AC3E}">
@@ -4327,15 +4414,7 @@
           <a:p>
             <a:r>
               <a:rPr lang="en-US" dirty="0" smtClean="0"/>
-              <a:t>Arrays vs. </a:t>
-            </a:r>
-            <a:r>
-              <a:rPr lang="en-US" dirty="0" err="1"/>
-              <a:t>H</a:t>
-            </a:r>
-            <a:r>
-              <a:rPr lang="en-US" dirty="0" err="1" smtClean="0"/>
-              <a:t>ashtables</a:t>
+              <a:t>Objects</a:t>
             </a:r>
             <a:endParaRPr lang="en-US" dirty="0"/>
           </a:p>
@@ -4349,8 +4428,8 @@
         </p:nvSpPr>
         <p:spPr>
           <a:xfrm>
-            <a:off x="669074" y="2293620"/>
-            <a:ext cx="11698185" cy="1569660"/>
+            <a:off x="227115" y="2026920"/>
+            <a:ext cx="5914605" cy="4893647"/>
           </a:xfrm>
           <a:prstGeom prst="rect">
             <a:avLst/>
@@ -4368,7 +4447,7 @@
               <a:buChar char="•"/>
             </a:pPr>
             <a:r>
-              <a:rPr lang="en-US" sz="2400" dirty="0" smtClean="0">
+              <a:rPr lang="en-US" sz="2400" dirty="0">
                 <a:solidFill>
                   <a:srgbClr val="1A365C"/>
                 </a:solidFill>
@@ -4376,7 +4455,7 @@
                 <a:ea typeface="+mj-ea"/>
                 <a:cs typeface="+mj-cs"/>
               </a:rPr>
-              <a:t>Objects</a:t>
+              <a:t>An object, then, is a collection of data that represents an item. </a:t>
             </a:r>
           </a:p>
           <a:p>
@@ -4385,7 +4464,7 @@
               <a:buChar char="•"/>
             </a:pPr>
             <a:r>
-              <a:rPr lang="en-US" sz="2400" dirty="0" smtClean="0">
+              <a:rPr lang="en-US" sz="2400" dirty="0">
                 <a:solidFill>
                   <a:srgbClr val="1A365C"/>
                 </a:solidFill>
@@ -4393,10 +4472,10 @@
                 <a:ea typeface="+mj-ea"/>
                 <a:cs typeface="+mj-cs"/>
               </a:rPr>
-              <a:t>Arrays vs. </a:t>
-            </a:r>
-            <a:r>
-              <a:rPr lang="en-US" sz="2400" dirty="0" err="1" smtClean="0">
+              <a:t>An object is made up of three types of data: the </a:t>
+            </a:r>
+            <a:r>
+              <a:rPr lang="en-US" sz="2400" dirty="0" smtClean="0">
                 <a:solidFill>
                   <a:srgbClr val="1A365C"/>
                 </a:solidFill>
@@ -4404,8 +4483,277 @@
                 <a:ea typeface="+mj-ea"/>
                 <a:cs typeface="+mj-cs"/>
               </a:rPr>
-              <a:t>Hashtables</a:t>
-            </a:r>
+              <a:t>object </a:t>
+            </a:r>
+            <a:r>
+              <a:rPr lang="en-US" sz="2400" dirty="0">
+                <a:solidFill>
+                  <a:srgbClr val="1A365C"/>
+                </a:solidFill>
+                <a:latin typeface="Metropolis" pitchFamily="2" charset="77"/>
+                <a:ea typeface="+mj-ea"/>
+                <a:cs typeface="+mj-cs"/>
+              </a:rPr>
+              <a:t>type, its methods, and its </a:t>
+            </a:r>
+            <a:r>
+              <a:rPr lang="en-US" sz="2400" dirty="0" smtClean="0">
+                <a:solidFill>
+                  <a:srgbClr val="1A365C"/>
+                </a:solidFill>
+                <a:latin typeface="Metropolis" pitchFamily="2" charset="77"/>
+                <a:ea typeface="+mj-ea"/>
+                <a:cs typeface="+mj-cs"/>
+              </a:rPr>
+              <a:t>properties</a:t>
+            </a:r>
+          </a:p>
+          <a:p>
+            <a:pPr marL="342900" indent="-342900">
+              <a:buFont typeface="Arial" panose="020B0604020202020204" pitchFamily="34" charset="0"/>
+              <a:buChar char="•"/>
+            </a:pPr>
+            <a:endParaRPr lang="en-US" sz="2400" dirty="0">
+              <a:solidFill>
+                <a:srgbClr val="1A365C"/>
+              </a:solidFill>
+              <a:latin typeface="Metropolis" pitchFamily="2" charset="77"/>
+              <a:ea typeface="+mj-ea"/>
+              <a:cs typeface="+mj-cs"/>
+            </a:endParaRPr>
+          </a:p>
+          <a:p>
+            <a:r>
+              <a:rPr lang="en-US" sz="2400" dirty="0">
+                <a:solidFill>
+                  <a:srgbClr val="1A365C"/>
+                </a:solidFill>
+                <a:latin typeface="Metropolis" pitchFamily="2" charset="77"/>
+                <a:ea typeface="+mj-ea"/>
+                <a:cs typeface="+mj-cs"/>
+              </a:rPr>
+              <a:t>$</a:t>
+            </a:r>
+            <a:r>
+              <a:rPr lang="en-US" sz="2400" dirty="0" err="1">
+                <a:solidFill>
+                  <a:srgbClr val="1A365C"/>
+                </a:solidFill>
+                <a:latin typeface="Metropolis" pitchFamily="2" charset="77"/>
+                <a:ea typeface="+mj-ea"/>
+                <a:cs typeface="+mj-cs"/>
+              </a:rPr>
+              <a:t>vm</a:t>
+            </a:r>
+            <a:r>
+              <a:rPr lang="en-US" sz="2400" dirty="0">
+                <a:solidFill>
+                  <a:srgbClr val="1A365C"/>
+                </a:solidFill>
+                <a:latin typeface="Metropolis" pitchFamily="2" charset="77"/>
+                <a:ea typeface="+mj-ea"/>
+                <a:cs typeface="+mj-cs"/>
+              </a:rPr>
+              <a:t> = Get-VM "</a:t>
+            </a:r>
+            <a:r>
+              <a:rPr lang="en-US" sz="2400" dirty="0" err="1">
+                <a:solidFill>
+                  <a:srgbClr val="1A365C"/>
+                </a:solidFill>
+                <a:latin typeface="Metropolis" pitchFamily="2" charset="77"/>
+                <a:ea typeface="+mj-ea"/>
+                <a:cs typeface="+mj-cs"/>
+              </a:rPr>
+              <a:t>myvm</a:t>
+            </a:r>
+            <a:r>
+              <a:rPr lang="en-US" sz="2400" dirty="0">
+                <a:solidFill>
+                  <a:srgbClr val="1A365C"/>
+                </a:solidFill>
+                <a:latin typeface="Metropolis" pitchFamily="2" charset="77"/>
+                <a:ea typeface="+mj-ea"/>
+                <a:cs typeface="+mj-cs"/>
+              </a:rPr>
+              <a:t>"</a:t>
+            </a:r>
+          </a:p>
+          <a:p>
+            <a:r>
+              <a:rPr lang="en-US" sz="2400" dirty="0">
+                <a:solidFill>
+                  <a:srgbClr val="1A365C"/>
+                </a:solidFill>
+                <a:latin typeface="Metropolis" pitchFamily="2" charset="77"/>
+                <a:ea typeface="+mj-ea"/>
+                <a:cs typeface="+mj-cs"/>
+              </a:rPr>
+              <a:t>Get-Member -</a:t>
+            </a:r>
+            <a:r>
+              <a:rPr lang="en-US" sz="2400" dirty="0" err="1">
+                <a:solidFill>
+                  <a:srgbClr val="1A365C"/>
+                </a:solidFill>
+                <a:latin typeface="Metropolis" pitchFamily="2" charset="77"/>
+                <a:ea typeface="+mj-ea"/>
+                <a:cs typeface="+mj-cs"/>
+              </a:rPr>
+              <a:t>InputObject</a:t>
+            </a:r>
+            <a:r>
+              <a:rPr lang="en-US" sz="2400" dirty="0">
+                <a:solidFill>
+                  <a:srgbClr val="1A365C"/>
+                </a:solidFill>
+                <a:latin typeface="Metropolis" pitchFamily="2" charset="77"/>
+                <a:ea typeface="+mj-ea"/>
+                <a:cs typeface="+mj-cs"/>
+              </a:rPr>
+              <a:t> $</a:t>
+            </a:r>
+            <a:r>
+              <a:rPr lang="en-US" sz="2400" dirty="0" err="1">
+                <a:solidFill>
+                  <a:srgbClr val="1A365C"/>
+                </a:solidFill>
+                <a:latin typeface="Metropolis" pitchFamily="2" charset="77"/>
+                <a:ea typeface="+mj-ea"/>
+                <a:cs typeface="+mj-cs"/>
+              </a:rPr>
+              <a:t>vm</a:t>
+            </a:r>
+            <a:endParaRPr lang="en-US" sz="2400" dirty="0">
+              <a:solidFill>
+                <a:srgbClr val="1A365C"/>
+              </a:solidFill>
+              <a:latin typeface="Metropolis" pitchFamily="2" charset="77"/>
+              <a:ea typeface="+mj-ea"/>
+              <a:cs typeface="+mj-cs"/>
+            </a:endParaRPr>
+          </a:p>
+          <a:p>
+            <a:r>
+              <a:rPr lang="en-US" sz="2400" dirty="0">
+                <a:solidFill>
+                  <a:srgbClr val="1A365C"/>
+                </a:solidFill>
+                <a:latin typeface="Metropolis" pitchFamily="2" charset="77"/>
+                <a:ea typeface="+mj-ea"/>
+                <a:cs typeface="+mj-cs"/>
+              </a:rPr>
+              <a:t/>
+            </a:r>
+            <a:br>
+              <a:rPr lang="en-US" sz="2400" dirty="0">
+                <a:solidFill>
+                  <a:srgbClr val="1A365C"/>
+                </a:solidFill>
+                <a:latin typeface="Metropolis" pitchFamily="2" charset="77"/>
+                <a:ea typeface="+mj-ea"/>
+                <a:cs typeface="+mj-cs"/>
+              </a:rPr>
+            </a:br>
+            <a:r>
+              <a:rPr lang="en-US" sz="2400" dirty="0">
+                <a:solidFill>
+                  <a:srgbClr val="1A365C"/>
+                </a:solidFill>
+                <a:latin typeface="Metropolis" pitchFamily="2" charset="77"/>
+                <a:ea typeface="+mj-ea"/>
+                <a:cs typeface="+mj-cs"/>
+              </a:rPr>
+              <a:t>$</a:t>
+            </a:r>
+            <a:r>
+              <a:rPr lang="en-US" sz="2400" dirty="0" err="1">
+                <a:solidFill>
+                  <a:srgbClr val="1A365C"/>
+                </a:solidFill>
+                <a:latin typeface="Metropolis" pitchFamily="2" charset="77"/>
+                <a:ea typeface="+mj-ea"/>
+                <a:cs typeface="+mj-cs"/>
+              </a:rPr>
+              <a:t>vmlist</a:t>
+            </a:r>
+            <a:r>
+              <a:rPr lang="en-US" sz="2400" dirty="0">
+                <a:solidFill>
+                  <a:srgbClr val="1A365C"/>
+                </a:solidFill>
+                <a:latin typeface="Metropolis" pitchFamily="2" charset="77"/>
+                <a:ea typeface="+mj-ea"/>
+                <a:cs typeface="+mj-cs"/>
+              </a:rPr>
+              <a:t> = Get-VM</a:t>
+            </a:r>
+          </a:p>
+          <a:p>
+            <a:r>
+              <a:rPr lang="en-US" sz="2400" dirty="0">
+                <a:solidFill>
+                  <a:srgbClr val="1A365C"/>
+                </a:solidFill>
+                <a:latin typeface="Metropolis" pitchFamily="2" charset="77"/>
+                <a:ea typeface="+mj-ea"/>
+                <a:cs typeface="+mj-cs"/>
+              </a:rPr>
+              <a:t>Get-Member -</a:t>
+            </a:r>
+            <a:r>
+              <a:rPr lang="en-US" sz="2400" dirty="0" err="1">
+                <a:solidFill>
+                  <a:srgbClr val="1A365C"/>
+                </a:solidFill>
+                <a:latin typeface="Metropolis" pitchFamily="2" charset="77"/>
+                <a:ea typeface="+mj-ea"/>
+                <a:cs typeface="+mj-cs"/>
+              </a:rPr>
+              <a:t>InputObject</a:t>
+            </a:r>
+            <a:r>
+              <a:rPr lang="en-US" sz="2400" dirty="0">
+                <a:solidFill>
+                  <a:srgbClr val="1A365C"/>
+                </a:solidFill>
+                <a:latin typeface="Metropolis" pitchFamily="2" charset="77"/>
+                <a:ea typeface="+mj-ea"/>
+                <a:cs typeface="+mj-cs"/>
+              </a:rPr>
+              <a:t> $</a:t>
+            </a:r>
+            <a:r>
+              <a:rPr lang="en-US" sz="2400" dirty="0" err="1">
+                <a:solidFill>
+                  <a:srgbClr val="1A365C"/>
+                </a:solidFill>
+                <a:latin typeface="Metropolis" pitchFamily="2" charset="77"/>
+                <a:ea typeface="+mj-ea"/>
+                <a:cs typeface="+mj-cs"/>
+              </a:rPr>
+              <a:t>vmlist</a:t>
+            </a:r>
+            <a:endParaRPr lang="en-US" sz="2400" dirty="0">
+              <a:solidFill>
+                <a:srgbClr val="1A365C"/>
+              </a:solidFill>
+              <a:latin typeface="Metropolis" pitchFamily="2" charset="77"/>
+              <a:ea typeface="+mj-ea"/>
+              <a:cs typeface="+mj-cs"/>
+            </a:endParaRPr>
+          </a:p>
+          <a:p>
+            <a:endParaRPr lang="en-US" sz="2400" dirty="0">
+              <a:solidFill>
+                <a:srgbClr val="1A365C"/>
+              </a:solidFill>
+              <a:latin typeface="Metropolis" pitchFamily="2" charset="77"/>
+              <a:ea typeface="+mj-ea"/>
+              <a:cs typeface="+mj-cs"/>
+            </a:endParaRPr>
+          </a:p>
+          <a:p>
             <a:endParaRPr lang="en-US" sz="2400" dirty="0" smtClean="0">
               <a:solidFill>
                 <a:srgbClr val="1A365C"/>
@@ -4415,42 +4763,32 @@
               <a:cs typeface="+mj-cs"/>
             </a:endParaRPr>
           </a:p>
-          <a:p>
-            <a:pPr marL="342900" indent="-342900">
-              <a:buFont typeface="Arial" panose="020B0604020202020204" pitchFamily="34" charset="0"/>
-              <a:buChar char="•"/>
-            </a:pPr>
-            <a:r>
-              <a:rPr lang="en-US" sz="2400" dirty="0" smtClean="0">
-                <a:solidFill>
-                  <a:srgbClr val="1A365C"/>
-                </a:solidFill>
-                <a:latin typeface="Metropolis" pitchFamily="2" charset="77"/>
-                <a:ea typeface="+mj-ea"/>
-                <a:cs typeface="+mj-cs"/>
-              </a:rPr>
-              <a:t>Pipeline</a:t>
-            </a:r>
-          </a:p>
-          <a:p>
-            <a:pPr marL="342900" indent="-342900">
-              <a:buFont typeface="Arial" panose="020B0604020202020204" pitchFamily="34" charset="0"/>
-              <a:buChar char="•"/>
-            </a:pPr>
-            <a:r>
-              <a:rPr lang="en-US" sz="2400" dirty="0" smtClean="0">
-                <a:solidFill>
-                  <a:srgbClr val="1A365C"/>
-                </a:solidFill>
-                <a:latin typeface="Metropolis" pitchFamily="2" charset="77"/>
-                <a:ea typeface="+mj-ea"/>
-                <a:cs typeface="+mj-cs"/>
-              </a:rPr>
-              <a:t>Comment Based Help</a:t>
-            </a:r>
-          </a:p>
         </p:txBody>
       </p:sp>
+      <p:pic>
+        <p:nvPicPr>
+          <p:cNvPr id="2" name="Picture 1"/>
+          <p:cNvPicPr>
+            <a:picLocks noChangeAspect="1"/>
+          </p:cNvPicPr>
+          <p:nvPr/>
+        </p:nvPicPr>
+        <p:blipFill>
+          <a:blip r:embed="rId2"/>
+          <a:stretch>
+            <a:fillRect/>
+          </a:stretch>
+        </p:blipFill>
+        <p:spPr>
+          <a:xfrm>
+            <a:off x="8250420" y="1836421"/>
+            <a:ext cx="3449519" cy="3809469"/>
+          </a:xfrm>
+          <a:prstGeom prst="rect">
+            <a:avLst/>
+          </a:prstGeom>
+        </p:spPr>
+      </p:pic>
     </p:spTree>
     <p:extLst>
       <p:ext uri="{BB962C8B-B14F-4D97-AF65-F5344CB8AC3E}">
@@ -4498,28 +4836,9 @@
           <a:p>
             <a:r>
               <a:rPr lang="en-US" dirty="0" smtClean="0"/>
-              <a:t>Pipeline</a:t>
+              <a:t>The PowerShell Pipeline</a:t>
             </a:r>
             <a:endParaRPr lang="en-US" dirty="0"/>
-          </a:p>
-        </p:txBody>
-      </p:sp>
-      <p:sp>
-        <p:nvSpPr>
-          <p:cNvPr id="3" name="Content Placeholder 2"/>
-          <p:cNvSpPr>
-            <a:spLocks noGrp="1"/>
-          </p:cNvSpPr>
-          <p:nvPr>
-            <p:ph idx="1"/>
-          </p:nvPr>
-        </p:nvSpPr>
-        <p:spPr/>
-        <p:txBody>
-          <a:bodyPr/>
-          <a:lstStyle/>
-          <a:p>
-            <a:endParaRPr lang="en-US"/>
           </a:p>
         </p:txBody>
       </p:sp>
@@ -4533,15 +4852,121 @@
             <p:ph type="body" sz="half" idx="2"/>
           </p:nvPr>
         </p:nvSpPr>
-        <p:spPr/>
+        <p:spPr>
+          <a:xfrm>
+            <a:off x="243840" y="2303812"/>
+            <a:ext cx="4907280" cy="3565175"/>
+          </a:xfrm>
+        </p:spPr>
         <p:txBody>
           <a:bodyPr/>
           <a:lstStyle/>
           <a:p>
-            <a:endParaRPr lang="en-US"/>
+            <a:r>
+              <a:rPr lang="en-US" dirty="0"/>
+              <a:t>The PowerShell pipeline allows you to chain together commands to build a single ‘pipeline’ which simplifies </a:t>
+            </a:r>
+            <a:r>
+              <a:rPr lang="en-US" dirty="0" smtClean="0"/>
+              <a:t>code and </a:t>
+            </a:r>
+            <a:r>
+              <a:rPr lang="en-US" dirty="0"/>
+              <a:t>allows parallel </a:t>
+            </a:r>
+            <a:r>
+              <a:rPr lang="en-US" dirty="0" smtClean="0"/>
+              <a:t>processing.</a:t>
+            </a:r>
+          </a:p>
+          <a:p>
+            <a:endParaRPr lang="en-US" dirty="0"/>
+          </a:p>
+          <a:p>
+            <a:r>
+              <a:rPr lang="en-US" dirty="0" smtClean="0"/>
+              <a:t>Get-VM | Select-Object –Property Name</a:t>
+            </a:r>
+          </a:p>
+          <a:p>
+            <a:endParaRPr lang="en-US" dirty="0" smtClean="0"/>
+          </a:p>
+          <a:p>
+            <a:r>
+              <a:rPr lang="en-US" dirty="0" smtClean="0"/>
+              <a:t>Get-VM | Where-Object {$_.Name –like “*</a:t>
+            </a:r>
+            <a:r>
+              <a:rPr lang="en-US" dirty="0" err="1" smtClean="0"/>
+              <a:t>myvm</a:t>
+            </a:r>
+            <a:r>
+              <a:rPr lang="en-US" dirty="0" smtClean="0"/>
+              <a:t>*”}</a:t>
+            </a:r>
           </a:p>
         </p:txBody>
       </p:sp>
+      <p:sp>
+        <p:nvSpPr>
+          <p:cNvPr id="5" name="TextBox 4"/>
+          <p:cNvSpPr txBox="1"/>
+          <p:nvPr/>
+        </p:nvSpPr>
+        <p:spPr>
+          <a:xfrm>
+            <a:off x="6858000" y="2004060"/>
+            <a:ext cx="5273040" cy="830997"/>
+          </a:xfrm>
+          <a:prstGeom prst="rect">
+            <a:avLst/>
+          </a:prstGeom>
+          <a:noFill/>
+        </p:spPr>
+        <p:txBody>
+          <a:bodyPr wrap="square" rtlCol="0">
+            <a:spAutoFit/>
+          </a:bodyPr>
+          <a:lstStyle/>
+          <a:p>
+            <a:r>
+              <a:rPr lang="en-US" sz="2400" dirty="0">
+                <a:solidFill>
+                  <a:srgbClr val="1A365C"/>
+                </a:solidFill>
+                <a:latin typeface="Metropolis" pitchFamily="2" charset="77"/>
+                <a:ea typeface="+mj-ea"/>
+                <a:cs typeface="+mj-cs"/>
+              </a:rPr>
+              <a:t>The input to a command must accept the output of the previous command.</a:t>
+            </a:r>
+          </a:p>
+        </p:txBody>
+      </p:sp>
+      <p:pic>
+        <p:nvPicPr>
+          <p:cNvPr id="6" name="Picture 5"/>
+          <p:cNvPicPr>
+            <a:picLocks noChangeAspect="1"/>
+          </p:cNvPicPr>
+          <p:nvPr/>
+        </p:nvPicPr>
+        <p:blipFill>
+          <a:blip r:embed="rId2"/>
+          <a:stretch>
+            <a:fillRect/>
+          </a:stretch>
+        </p:blipFill>
+        <p:spPr>
+          <a:xfrm>
+            <a:off x="5022177" y="3467100"/>
+            <a:ext cx="7027629" cy="2054862"/>
+          </a:xfrm>
+          <a:prstGeom prst="rect">
+            <a:avLst/>
+          </a:prstGeom>
+        </p:spPr>
+      </p:pic>
     </p:spTree>
     <p:extLst>
       <p:ext uri="{BB962C8B-B14F-4D97-AF65-F5344CB8AC3E}">
@@ -4617,7 +5042,7 @@
         <p:spPr>
           <a:xfrm>
             <a:off x="669074" y="2293620"/>
-            <a:ext cx="11698185" cy="1569660"/>
+            <a:ext cx="11698185" cy="1200329"/>
           </a:xfrm>
           <a:prstGeom prst="rect">
             <a:avLst/>
@@ -4630,12 +5055,8 @@
           </a:bodyPr>
           <a:lstStyle/>
           <a:p>
-            <a:pPr marL="342900" indent="-342900">
-              <a:buFont typeface="Arial" panose="020B0604020202020204" pitchFamily="34" charset="0"/>
-              <a:buChar char="•"/>
-            </a:pPr>
-            <a:r>
-              <a:rPr lang="en-US" sz="2400" dirty="0" smtClean="0">
+            <a:r>
+              <a:rPr lang="en-US" sz="2400" dirty="0">
                 <a:solidFill>
                   <a:srgbClr val="1A365C"/>
                 </a:solidFill>
@@ -4643,14 +5064,8 @@
                 <a:ea typeface="+mj-ea"/>
                 <a:cs typeface="+mj-cs"/>
               </a:rPr>
-              <a:t>Objects</a:t>
-            </a:r>
-          </a:p>
-          <a:p>
-            <a:pPr marL="342900" indent="-342900">
-              <a:buFont typeface="Arial" panose="020B0604020202020204" pitchFamily="34" charset="0"/>
-              <a:buChar char="•"/>
-            </a:pPr>
+              <a:t>Get-Help Get-VM </a:t>
+            </a:r>
             <a:r>
               <a:rPr lang="en-US" sz="2400" dirty="0" smtClean="0">
                 <a:solidFill>
@@ -4660,19 +5075,10 @@
                 <a:ea typeface="+mj-ea"/>
                 <a:cs typeface="+mj-cs"/>
               </a:rPr>
-              <a:t>Arrays vs. </a:t>
-            </a:r>
-            <a:r>
-              <a:rPr lang="en-US" sz="2400" dirty="0" err="1" smtClean="0">
-                <a:solidFill>
-                  <a:srgbClr val="1A365C"/>
-                </a:solidFill>
-                <a:latin typeface="Metropolis" pitchFamily="2" charset="77"/>
-                <a:ea typeface="+mj-ea"/>
-                <a:cs typeface="+mj-cs"/>
-              </a:rPr>
-              <a:t>Hashtables</a:t>
-            </a:r>
+              <a:t>–Full</a:t>
+            </a:r>
+          </a:p>
+          <a:p>
             <a:endParaRPr lang="en-US" sz="2400" dirty="0" smtClean="0">
               <a:solidFill>
                 <a:srgbClr val="1A365C"/>
@@ -4683,10 +5089,6 @@
             </a:endParaRPr>
           </a:p>
           <a:p>
-            <a:pPr marL="342900" indent="-342900">
-              <a:buFont typeface="Arial" panose="020B0604020202020204" pitchFamily="34" charset="0"/>
-              <a:buChar char="•"/>
-            </a:pPr>
             <a:r>
               <a:rPr lang="en-US" sz="2400" dirty="0" smtClean="0">
                 <a:solidFill>
@@ -4696,16 +5098,10 @@
                 <a:ea typeface="+mj-ea"/>
                 <a:cs typeface="+mj-cs"/>
               </a:rPr>
-              <a:t>Pipeline</a:t>
-            </a:r>
-          </a:p>
-          <a:p>
-            <a:pPr marL="342900" indent="-342900">
-              <a:buFont typeface="Arial" panose="020B0604020202020204" pitchFamily="34" charset="0"/>
-              <a:buChar char="•"/>
-            </a:pPr>
-            <a:r>
-              <a:rPr lang="en-US" sz="2400" dirty="0" smtClean="0">
+              <a:t>Get-Help Update-</a:t>
+            </a:r>
+            <a:r>
+              <a:rPr lang="en-US" sz="2400" dirty="0" err="1" smtClean="0">
                 <a:solidFill>
                   <a:srgbClr val="1A365C"/>
                 </a:solidFill>
@@ -4713,11 +5109,54 @@
                 <a:ea typeface="+mj-ea"/>
                 <a:cs typeface="+mj-cs"/>
               </a:rPr>
-              <a:t>Comment Based Help</a:t>
-            </a:r>
+              <a:t>ConsoleTitle</a:t>
+            </a:r>
+            <a:r>
+              <a:rPr lang="en-US" sz="2400" dirty="0" smtClean="0">
+                <a:solidFill>
+                  <a:srgbClr val="1A365C"/>
+                </a:solidFill>
+                <a:latin typeface="Metropolis" pitchFamily="2" charset="77"/>
+                <a:ea typeface="+mj-ea"/>
+                <a:cs typeface="+mj-cs"/>
+              </a:rPr>
+              <a:t> -Full</a:t>
+            </a:r>
+            <a:endParaRPr lang="en-US" sz="2400" dirty="0">
+              <a:solidFill>
+                <a:srgbClr val="1A365C"/>
+              </a:solidFill>
+              <a:latin typeface="Metropolis" pitchFamily="2" charset="77"/>
+              <a:ea typeface="+mj-ea"/>
+              <a:cs typeface="+mj-cs"/>
+            </a:endParaRPr>
           </a:p>
         </p:txBody>
       </p:sp>
+      <p:pic>
+        <p:nvPicPr>
+          <p:cNvPr id="6" name="Picture 5"/>
+          <p:cNvPicPr>
+            <a:picLocks noChangeAspect="1"/>
+          </p:cNvPicPr>
+          <p:nvPr/>
+        </p:nvPicPr>
+        <p:blipFill>
+          <a:blip r:embed="rId2"/>
+          <a:stretch>
+            <a:fillRect/>
+          </a:stretch>
+        </p:blipFill>
+        <p:spPr>
+          <a:xfrm>
+            <a:off x="7741920" y="975972"/>
+            <a:ext cx="4381499" cy="5662207"/>
+          </a:xfrm>
+          <a:prstGeom prst="rect">
+            <a:avLst/>
+          </a:prstGeom>
+        </p:spPr>
+      </p:pic>
     </p:spTree>
     <p:extLst>
       <p:ext uri="{BB962C8B-B14F-4D97-AF65-F5344CB8AC3E}">
@@ -4758,7 +5197,12 @@
             <p:ph type="title"/>
           </p:nvPr>
         </p:nvSpPr>
-        <p:spPr/>
+        <p:spPr>
+          <a:xfrm>
+            <a:off x="839788" y="457200"/>
+            <a:ext cx="5301932" cy="1600200"/>
+          </a:xfrm>
+        </p:spPr>
         <p:txBody>
           <a:bodyPr/>
           <a:lstStyle/>
@@ -4772,25 +5216,6 @@
               <a:t>PowerState</a:t>
             </a:r>
             <a:endParaRPr lang="en-US" dirty="0"/>
-          </a:p>
-        </p:txBody>
-      </p:sp>
-      <p:sp>
-        <p:nvSpPr>
-          <p:cNvPr id="3" name="Content Placeholder 2"/>
-          <p:cNvSpPr>
-            <a:spLocks noGrp="1"/>
-          </p:cNvSpPr>
-          <p:nvPr>
-            <p:ph idx="1"/>
-          </p:nvPr>
-        </p:nvSpPr>
-        <p:spPr/>
-        <p:txBody>
-          <a:bodyPr/>
-          <a:lstStyle/>
-          <a:p>
-            <a:endParaRPr lang="en-US"/>
           </a:p>
         </p:txBody>
       </p:sp>
@@ -4804,15 +5229,118 @@
             <p:ph type="body" sz="half" idx="2"/>
           </p:nvPr>
         </p:nvSpPr>
-        <p:spPr/>
+        <p:spPr>
+          <a:xfrm>
+            <a:off x="441960" y="2303812"/>
+            <a:ext cx="4739640" cy="3565175"/>
+          </a:xfrm>
+        </p:spPr>
         <p:txBody>
           <a:bodyPr/>
           <a:lstStyle/>
           <a:p>
-            <a:endParaRPr lang="en-US"/>
+            <a:r>
+              <a:rPr lang="en-US" dirty="0"/>
+              <a:t>Get-VM -Name "</a:t>
+            </a:r>
+            <a:r>
+              <a:rPr lang="en-US" dirty="0" err="1"/>
+              <a:t>myvm</a:t>
+            </a:r>
+            <a:r>
+              <a:rPr lang="en-US" dirty="0"/>
+              <a:t>"</a:t>
+            </a:r>
+          </a:p>
+          <a:p>
+            <a:endParaRPr lang="en-US" dirty="0" smtClean="0"/>
+          </a:p>
+          <a:p>
+            <a:r>
+              <a:rPr lang="en-US" dirty="0" smtClean="0"/>
+              <a:t>Get-VM </a:t>
+            </a:r>
+            <a:r>
+              <a:rPr lang="en-US" dirty="0"/>
+              <a:t>-Name "</a:t>
+            </a:r>
+            <a:r>
+              <a:rPr lang="en-US" dirty="0" err="1"/>
+              <a:t>myvm</a:t>
+            </a:r>
+            <a:r>
+              <a:rPr lang="en-US" dirty="0"/>
+              <a:t>" | Stop-VM -Confirm:$false</a:t>
+            </a:r>
+          </a:p>
+          <a:p>
+            <a:endParaRPr lang="en-US" dirty="0" smtClean="0"/>
+          </a:p>
+          <a:p>
+            <a:r>
+              <a:rPr lang="en-US" dirty="0" smtClean="0"/>
+              <a:t>Get-VM </a:t>
+            </a:r>
+            <a:r>
+              <a:rPr lang="en-US" dirty="0"/>
+              <a:t>-Name "</a:t>
+            </a:r>
+            <a:r>
+              <a:rPr lang="en-US" dirty="0" err="1"/>
+              <a:t>myvm</a:t>
+            </a:r>
+            <a:r>
+              <a:rPr lang="en-US" dirty="0"/>
+              <a:t>" | Start-VM -Confirm:$false</a:t>
+            </a:r>
+          </a:p>
+          <a:p>
+            <a:endParaRPr lang="en-US" dirty="0" smtClean="0"/>
+          </a:p>
+          <a:p>
+            <a:r>
+              <a:rPr lang="en-US" dirty="0" smtClean="0"/>
+              <a:t>Get-VM </a:t>
+            </a:r>
+            <a:r>
+              <a:rPr lang="en-US" dirty="0"/>
+              <a:t>-Name "</a:t>
+            </a:r>
+            <a:r>
+              <a:rPr lang="en-US" dirty="0" err="1"/>
+              <a:t>myvm</a:t>
+            </a:r>
+            <a:r>
+              <a:rPr lang="en-US" dirty="0"/>
+              <a:t>"</a:t>
+            </a:r>
           </a:p>
         </p:txBody>
       </p:sp>
+      <p:pic>
+        <p:nvPicPr>
+          <p:cNvPr id="5" name="Picture 4"/>
+          <p:cNvPicPr>
+            <a:picLocks noChangeAspect="1"/>
+          </p:cNvPicPr>
+          <p:nvPr/>
+        </p:nvPicPr>
+        <p:blipFill>
+          <a:blip r:embed="rId2"/>
+          <a:stretch>
+            <a:fillRect/>
+          </a:stretch>
+        </p:blipFill>
+        <p:spPr>
+          <a:xfrm>
+            <a:off x="6705228" y="2571712"/>
+            <a:ext cx="5334744" cy="3029373"/>
+          </a:xfrm>
+          <a:prstGeom prst="rect">
+            <a:avLst/>
+          </a:prstGeom>
+        </p:spPr>
+      </p:pic>
     </p:spTree>
     <p:extLst>
       <p:ext uri="{BB962C8B-B14F-4D97-AF65-F5344CB8AC3E}">
@@ -4871,116 +5399,274 @@
           </a:p>
         </p:txBody>
       </p:sp>
-      <p:sp>
-        <p:nvSpPr>
-          <p:cNvPr id="4" name="TextBox 3"/>
-          <p:cNvSpPr txBox="1"/>
+      <p:pic>
+        <p:nvPicPr>
+          <p:cNvPr id="2" name="Picture 1"/>
+          <p:cNvPicPr>
+            <a:picLocks noChangeAspect="1"/>
+          </p:cNvPicPr>
           <p:nvPr/>
-        </p:nvSpPr>
+        </p:nvPicPr>
+        <p:blipFill>
+          <a:blip r:embed="rId2"/>
+          <a:stretch>
+            <a:fillRect/>
+          </a:stretch>
+        </p:blipFill>
         <p:spPr>
           <a:xfrm>
-            <a:off x="669074" y="2293620"/>
-            <a:ext cx="11698185" cy="1569660"/>
+            <a:off x="3534628" y="5484414"/>
+            <a:ext cx="1419423" cy="1162212"/>
           </a:xfrm>
           <a:prstGeom prst="rect">
             <a:avLst/>
           </a:prstGeom>
-          <a:noFill/>
-        </p:spPr>
+        </p:spPr>
+      </p:pic>
+      <p:sp>
+        <p:nvSpPr>
+          <p:cNvPr id="5" name="Rectangle 4"/>
+          <p:cNvSpPr/>
+          <p:nvPr/>
+        </p:nvSpPr>
+        <p:spPr>
+          <a:xfrm>
+            <a:off x="320040" y="2004060"/>
+            <a:ext cx="10561320" cy="3116580"/>
+          </a:xfrm>
+          <a:prstGeom prst="rect">
+            <a:avLst/>
+          </a:prstGeom>
+          <a:solidFill>
+            <a:schemeClr val="bg1"/>
+          </a:solidFill>
+        </p:spPr>
+        <p:style>
+          <a:lnRef idx="2">
+            <a:schemeClr val="accent1">
+              <a:shade val="50000"/>
+            </a:schemeClr>
+          </a:lnRef>
+          <a:fillRef idx="1">
+            <a:schemeClr val="accent1"/>
+          </a:fillRef>
+          <a:effectRef idx="0">
+            <a:schemeClr val="accent1"/>
+          </a:effectRef>
+          <a:fontRef idx="minor">
+            <a:schemeClr val="lt1"/>
+          </a:fontRef>
+        </p:style>
         <p:txBody>
-          <a:bodyPr wrap="square" rtlCol="0">
-            <a:spAutoFit/>
-          </a:bodyPr>
+          <a:bodyPr rtlCol="0" anchor="ctr"/>
           <a:lstStyle/>
           <a:p>
-            <a:pPr marL="342900" indent="-342900">
-              <a:buFont typeface="Arial" panose="020B0604020202020204" pitchFamily="34" charset="0"/>
-              <a:buChar char="•"/>
-            </a:pPr>
-            <a:r>
-              <a:rPr lang="en-US" sz="2400" dirty="0" smtClean="0">
-                <a:solidFill>
-                  <a:srgbClr val="1A365C"/>
-                </a:solidFill>
-                <a:latin typeface="Metropolis" pitchFamily="2" charset="77"/>
-                <a:ea typeface="+mj-ea"/>
-                <a:cs typeface="+mj-cs"/>
-              </a:rPr>
-              <a:t>Objects</a:t>
-            </a:r>
-          </a:p>
-          <a:p>
-            <a:pPr marL="342900" indent="-342900">
-              <a:buFont typeface="Arial" panose="020B0604020202020204" pitchFamily="34" charset="0"/>
-              <a:buChar char="•"/>
-            </a:pPr>
-            <a:r>
-              <a:rPr lang="en-US" sz="2400" dirty="0" smtClean="0">
-                <a:solidFill>
-                  <a:srgbClr val="1A365C"/>
-                </a:solidFill>
-                <a:latin typeface="Metropolis" pitchFamily="2" charset="77"/>
-                <a:ea typeface="+mj-ea"/>
-                <a:cs typeface="+mj-cs"/>
-              </a:rPr>
-              <a:t>Arrays vs. </a:t>
-            </a:r>
-            <a:r>
-              <a:rPr lang="en-US" sz="2400" dirty="0" err="1" smtClean="0">
-                <a:solidFill>
-                  <a:srgbClr val="1A365C"/>
-                </a:solidFill>
-                <a:latin typeface="Metropolis" pitchFamily="2" charset="77"/>
-                <a:ea typeface="+mj-ea"/>
-                <a:cs typeface="+mj-cs"/>
-              </a:rPr>
-              <a:t>Hashtables</a:t>
-            </a:r>
-            <a:endParaRPr lang="en-US" sz="2400" dirty="0" smtClean="0">
-              <a:solidFill>
-                <a:srgbClr val="1A365C"/>
-              </a:solidFill>
-              <a:latin typeface="Metropolis" pitchFamily="2" charset="77"/>
-              <a:ea typeface="+mj-ea"/>
-              <a:cs typeface="+mj-cs"/>
-            </a:endParaRPr>
-          </a:p>
-          <a:p>
-            <a:pPr marL="342900" indent="-342900">
-              <a:buFont typeface="Arial" panose="020B0604020202020204" pitchFamily="34" charset="0"/>
-              <a:buChar char="•"/>
-            </a:pPr>
-            <a:r>
-              <a:rPr lang="en-US" sz="2400" dirty="0" smtClean="0">
-                <a:solidFill>
-                  <a:srgbClr val="1A365C"/>
-                </a:solidFill>
-                <a:latin typeface="Metropolis" pitchFamily="2" charset="77"/>
-                <a:ea typeface="+mj-ea"/>
-                <a:cs typeface="+mj-cs"/>
-              </a:rPr>
-              <a:t>Pipeline</a:t>
-            </a:r>
-          </a:p>
-          <a:p>
-            <a:pPr marL="342900" indent="-342900">
-              <a:buFont typeface="Arial" panose="020B0604020202020204" pitchFamily="34" charset="0"/>
-              <a:buChar char="•"/>
-            </a:pPr>
-            <a:r>
-              <a:rPr lang="en-US" sz="2400" dirty="0" smtClean="0">
-                <a:solidFill>
-                  <a:srgbClr val="1A365C"/>
-                </a:solidFill>
-                <a:latin typeface="Metropolis" pitchFamily="2" charset="77"/>
-                <a:ea typeface="+mj-ea"/>
-                <a:cs typeface="+mj-cs"/>
-              </a:rPr>
-              <a:t>Comment Based Help</a:t>
-            </a:r>
+            <a:pPr algn="ctr"/>
+            <a:endParaRPr lang="en-US"/>
           </a:p>
         </p:txBody>
       </p:sp>
+      <p:pic>
+        <p:nvPicPr>
+          <p:cNvPr id="6" name="Picture 5"/>
+          <p:cNvPicPr>
+            <a:picLocks noChangeAspect="1"/>
+          </p:cNvPicPr>
+          <p:nvPr/>
+        </p:nvPicPr>
+        <p:blipFill>
+          <a:blip r:embed="rId3"/>
+          <a:stretch>
+            <a:fillRect/>
+          </a:stretch>
+        </p:blipFill>
+        <p:spPr>
+          <a:xfrm>
+            <a:off x="493815" y="2452551"/>
+            <a:ext cx="4124901" cy="1952898"/>
+          </a:xfrm>
+          <a:prstGeom prst="rect">
+            <a:avLst/>
+          </a:prstGeom>
+        </p:spPr>
+      </p:pic>
+      <p:pic>
+        <p:nvPicPr>
+          <p:cNvPr id="7" name="Picture 6"/>
+          <p:cNvPicPr>
+            <a:picLocks noChangeAspect="1"/>
+          </p:cNvPicPr>
+          <p:nvPr/>
+        </p:nvPicPr>
+        <p:blipFill>
+          <a:blip r:embed="rId4"/>
+          <a:stretch>
+            <a:fillRect/>
+          </a:stretch>
+        </p:blipFill>
+        <p:spPr>
+          <a:xfrm>
+            <a:off x="6286500" y="4125024"/>
+            <a:ext cx="3508610" cy="852875"/>
+          </a:xfrm>
+          <a:prstGeom prst="rect">
+            <a:avLst/>
+          </a:prstGeom>
+        </p:spPr>
+      </p:pic>
+      <p:pic>
+        <p:nvPicPr>
+          <p:cNvPr id="9" name="Picture 8"/>
+          <p:cNvPicPr>
+            <a:picLocks noChangeAspect="1"/>
+          </p:cNvPicPr>
+          <p:nvPr/>
+        </p:nvPicPr>
+        <p:blipFill>
+          <a:blip r:embed="rId5"/>
+          <a:stretch>
+            <a:fillRect/>
+          </a:stretch>
+        </p:blipFill>
+        <p:spPr>
+          <a:xfrm>
+            <a:off x="6286500" y="2543603"/>
+            <a:ext cx="3513015" cy="1544921"/>
+          </a:xfrm>
+          <a:prstGeom prst="rect">
+            <a:avLst/>
+          </a:prstGeom>
+        </p:spPr>
+      </p:pic>
+      <p:pic>
+        <p:nvPicPr>
+          <p:cNvPr id="8" name="Picture 7"/>
+          <p:cNvPicPr>
+            <a:picLocks noChangeAspect="1"/>
+          </p:cNvPicPr>
+          <p:nvPr/>
+        </p:nvPicPr>
+        <p:blipFill>
+          <a:blip r:embed="rId6"/>
+          <a:stretch>
+            <a:fillRect/>
+          </a:stretch>
+        </p:blipFill>
+        <p:spPr>
+          <a:xfrm>
+            <a:off x="7470103" y="2766943"/>
+            <a:ext cx="1141403" cy="1098240"/>
+          </a:xfrm>
+          <a:prstGeom prst="rect">
+            <a:avLst/>
+          </a:prstGeom>
+        </p:spPr>
+      </p:pic>
+      <p:cxnSp>
+        <p:nvCxnSpPr>
+          <p:cNvPr id="11" name="Straight Arrow Connector 10"/>
+          <p:cNvCxnSpPr/>
+          <p:nvPr/>
+        </p:nvCxnSpPr>
+        <p:spPr>
+          <a:xfrm flipV="1">
+            <a:off x="2891194" y="3482340"/>
+            <a:ext cx="3390900" cy="418475"/>
+          </a:xfrm>
+          <a:prstGeom prst="straightConnector1">
+            <a:avLst/>
+          </a:prstGeom>
+          <a:ln w="76200">
+            <a:tailEnd type="triangle"/>
+          </a:ln>
+        </p:spPr>
+        <p:style>
+          <a:lnRef idx="3">
+            <a:schemeClr val="accent4"/>
+          </a:lnRef>
+          <a:fillRef idx="0">
+            <a:schemeClr val="accent4"/>
+          </a:fillRef>
+          <a:effectRef idx="2">
+            <a:schemeClr val="accent4"/>
+          </a:effectRef>
+          <a:fontRef idx="minor">
+            <a:schemeClr val="tx1"/>
+          </a:fontRef>
+        </p:style>
+      </p:cxnSp>
+      <p:cxnSp>
+        <p:nvCxnSpPr>
+          <p:cNvPr id="14" name="Straight Connector 13"/>
+          <p:cNvCxnSpPr/>
+          <p:nvPr/>
+        </p:nvCxnSpPr>
+        <p:spPr>
+          <a:xfrm flipH="1" flipV="1">
+            <a:off x="388620" y="5173980"/>
+            <a:ext cx="3146008" cy="1226820"/>
+          </a:xfrm>
+          <a:prstGeom prst="line">
+            <a:avLst/>
+          </a:prstGeom>
+          <a:ln w="28575">
+            <a:solidFill>
+              <a:schemeClr val="tx1"/>
+            </a:solidFill>
+            <a:prstDash val="dash"/>
+          </a:ln>
+        </p:spPr>
+        <p:style>
+          <a:lnRef idx="1">
+            <a:schemeClr val="accent1"/>
+          </a:lnRef>
+          <a:fillRef idx="0">
+            <a:schemeClr val="accent1"/>
+          </a:fillRef>
+          <a:effectRef idx="0">
+            <a:schemeClr val="accent1"/>
+          </a:effectRef>
+          <a:fontRef idx="minor">
+            <a:schemeClr val="tx1"/>
+          </a:fontRef>
+        </p:style>
+      </p:cxnSp>
+      <p:cxnSp>
+        <p:nvCxnSpPr>
+          <p:cNvPr id="15" name="Straight Connector 14"/>
+          <p:cNvCxnSpPr/>
+          <p:nvPr/>
+        </p:nvCxnSpPr>
+        <p:spPr>
+          <a:xfrm flipV="1">
+            <a:off x="4954051" y="5173980"/>
+            <a:ext cx="5820629" cy="1150620"/>
+          </a:xfrm>
+          <a:prstGeom prst="line">
+            <a:avLst/>
+          </a:prstGeom>
+          <a:ln w="28575">
+            <a:solidFill>
+              <a:schemeClr val="tx1"/>
+            </a:solidFill>
+            <a:prstDash val="dash"/>
+          </a:ln>
+        </p:spPr>
+        <p:style>
+          <a:lnRef idx="1">
+            <a:schemeClr val="accent1"/>
+          </a:lnRef>
+          <a:fillRef idx="0">
+            <a:schemeClr val="accent1"/>
+          </a:fillRef>
+          <a:effectRef idx="0">
+            <a:schemeClr val="accent1"/>
+          </a:effectRef>
+          <a:fontRef idx="minor">
+            <a:schemeClr val="tx1"/>
+          </a:fontRef>
+        </p:style>
+      </p:cxnSp>
     </p:spTree>
     <p:extLst>
       <p:ext uri="{BB962C8B-B14F-4D97-AF65-F5344CB8AC3E}">
@@ -5170,8 +5856,8 @@
         </p:nvSpPr>
         <p:spPr>
           <a:xfrm>
-            <a:off x="7263448" y="3934493"/>
-            <a:ext cx="3932237" cy="2397728"/>
+            <a:off x="6190576" y="3934492"/>
+            <a:ext cx="5719484" cy="2687287"/>
           </a:xfrm>
           <a:prstGeom prst="rect">
             <a:avLst/>
@@ -5345,22 +6031,135 @@
           </a:lstStyle>
           <a:p>
             <a:r>
-              <a:rPr lang="en-US" smtClean="0"/>
-              <a:t>Where to get help:</a:t>
-            </a:r>
-          </a:p>
-          <a:p>
-            <a:r>
-              <a:rPr lang="en-US" smtClean="0"/>
-              <a:t>VMware {Code} Slack</a:t>
-            </a:r>
-          </a:p>
-          <a:p>
-            <a:r>
-              <a:rPr lang="en-US" smtClean="0"/>
-              <a:t>VMNT Community</a:t>
+              <a:rPr lang="en-US" sz="5400" dirty="0" smtClean="0"/>
+              <a:t>Where to get </a:t>
+            </a:r>
+            <a:r>
+              <a:rPr lang="en-US" sz="5400" dirty="0" smtClean="0"/>
+              <a:t>help</a:t>
+            </a:r>
+            <a:endParaRPr lang="en-US" sz="5400" dirty="0" smtClean="0"/>
+          </a:p>
+          <a:p>
+            <a:r>
+              <a:rPr lang="en-US" dirty="0" smtClean="0"/>
+              <a:t>VMware </a:t>
+            </a:r>
+            <a:r>
+              <a:rPr lang="en-US" dirty="0" smtClean="0"/>
+              <a:t>{code</a:t>
+            </a:r>
+            <a:r>
+              <a:rPr lang="en-US" dirty="0" smtClean="0"/>
+              <a:t>} </a:t>
+            </a:r>
+            <a:r>
+              <a:rPr lang="en-US" dirty="0" smtClean="0"/>
+              <a:t>Slack</a:t>
+            </a:r>
+          </a:p>
+          <a:p>
+            <a:pPr lvl="1"/>
+            <a:r>
+              <a:rPr lang="en-US" dirty="0"/>
+              <a:t>https://developer.vmware.com/home</a:t>
+            </a:r>
+            <a:endParaRPr lang="en-US" dirty="0" smtClean="0"/>
+          </a:p>
+          <a:p>
+            <a:r>
+              <a:rPr lang="en-US" dirty="0" smtClean="0"/>
+              <a:t>VMNT </a:t>
+            </a:r>
+            <a:r>
+              <a:rPr lang="en-US" dirty="0" smtClean="0"/>
+              <a:t>Community</a:t>
+            </a:r>
+          </a:p>
+          <a:p>
+            <a:pPr lvl="1"/>
+            <a:r>
+              <a:rPr lang="en-US" dirty="0"/>
+              <a:t>https://communities.vmware.com/</a:t>
             </a:r>
             <a:endParaRPr lang="en-US" dirty="0"/>
+          </a:p>
+        </p:txBody>
+      </p:sp>
+      <p:pic>
+        <p:nvPicPr>
+          <p:cNvPr id="3" name="Picture 2"/>
+          <p:cNvPicPr>
+            <a:picLocks noChangeAspect="1"/>
+          </p:cNvPicPr>
+          <p:nvPr/>
+        </p:nvPicPr>
+        <p:blipFill>
+          <a:blip r:embed="rId6"/>
+          <a:stretch>
+            <a:fillRect/>
+          </a:stretch>
+        </p:blipFill>
+        <p:spPr>
+          <a:xfrm>
+            <a:off x="38363" y="4320540"/>
+            <a:ext cx="2370112" cy="2106766"/>
+          </a:xfrm>
+          <a:prstGeom prst="rect">
+            <a:avLst/>
+          </a:prstGeom>
+        </p:spPr>
+      </p:pic>
+      <p:sp>
+        <p:nvSpPr>
+          <p:cNvPr id="9" name="Title 1">
+            <a:extLst>
+              <a:ext uri="{FF2B5EF4-FFF2-40B4-BE49-F238E27FC236}">
+                <a16:creationId xmlns:a16="http://schemas.microsoft.com/office/drawing/2014/main" id="{FC683692-4A7D-4B03-85F7-0076096A00B6}"/>
+              </a:ext>
+            </a:extLst>
+          </p:cNvPr>
+          <p:cNvSpPr txBox="1">
+            <a:spLocks/>
+          </p:cNvSpPr>
+          <p:nvPr/>
+        </p:nvSpPr>
+        <p:spPr>
+          <a:xfrm>
+            <a:off x="206773" y="3768337"/>
+            <a:ext cx="2286332" cy="552203"/>
+          </a:xfrm>
+          <a:prstGeom prst="rect">
+            <a:avLst/>
+          </a:prstGeom>
+        </p:spPr>
+        <p:txBody>
+          <a:bodyPr anchor="b"/>
+          <a:lstStyle>
+            <a:lvl1pPr algn="l" defTabSz="914400" rtl="0" eaLnBrk="1" latinLnBrk="0" hangingPunct="1">
+              <a:lnSpc>
+                <a:spcPct val="90000"/>
+              </a:lnSpc>
+              <a:spcBef>
+                <a:spcPct val="0"/>
+              </a:spcBef>
+              <a:buNone/>
+              <a:defRPr sz="3200" kern="1200">
+                <a:solidFill>
+                  <a:srgbClr val="1B4388"/>
+                </a:solidFill>
+                <a:latin typeface="Metropolis" pitchFamily="2" charset="77"/>
+                <a:ea typeface="+mj-ea"/>
+                <a:cs typeface="+mj-cs"/>
+              </a:defRPr>
+            </a:lvl1pPr>
+          </a:lstStyle>
+          <a:p>
+            <a:r>
+              <a:rPr lang="en-US" sz="1200" dirty="0" smtClean="0"/>
+              <a:t>Today’s Code and presentation</a:t>
+            </a:r>
+            <a:endParaRPr lang="en-US" sz="1200" dirty="0"/>
           </a:p>
         </p:txBody>
       </p:sp>
@@ -5603,12 +6402,8 @@
           </a:p>
           <a:p>
             <a:r>
-              <a:rPr lang="en-US" sz="2400" smtClean="0"/>
-              <a:t>VMware </a:t>
-            </a:r>
-            <a:r>
               <a:rPr lang="en-US" sz="2400" dirty="0" smtClean="0"/>
-              <a:t>Community</a:t>
+              <a:t>VMware Community</a:t>
             </a:r>
           </a:p>
           <a:p>
@@ -5619,7 +6414,11 @@
             </a:r>
             <a:r>
               <a:rPr lang="en-US" dirty="0" smtClean="0"/>
-              <a:t>, VMUG Leader, Code Coach, VMUG BOD (2024</a:t>
+              <a:t>, VMUG Leader, Code Coach, VMUG BOD (</a:t>
+            </a:r>
+            <a:r>
+              <a:rPr lang="en-US" dirty="0" smtClean="0"/>
+              <a:t>2024)</a:t>
             </a:r>
             <a:endParaRPr lang="en-US" dirty="0"/>
           </a:p>
@@ -5744,7 +6543,7 @@
         <p:spPr>
           <a:xfrm>
             <a:off x="677917" y="1936531"/>
-            <a:ext cx="4367049" cy="4524315"/>
+            <a:ext cx="4367049" cy="4893647"/>
           </a:xfrm>
           <a:prstGeom prst="rect">
             <a:avLst/>
@@ -5904,7 +6703,24 @@
               <a:buChar char="§"/>
             </a:pPr>
             <a:r>
-              <a:rPr lang="en-US" sz="2400" dirty="0">
+              <a:rPr lang="en-US" sz="2400" dirty="0" smtClean="0">
+                <a:solidFill>
+                  <a:srgbClr val="1A365C"/>
+                </a:solidFill>
+                <a:latin typeface="Metropolis" pitchFamily="2" charset="77"/>
+                <a:ea typeface="+mj-ea"/>
+                <a:cs typeface="+mj-cs"/>
+              </a:rPr>
+              <a:t>Functions &amp; Parameters</a:t>
+            </a:r>
+          </a:p>
+          <a:p>
+            <a:pPr marL="742950" lvl="1" indent="-285750">
+              <a:buFont typeface="Wingdings" panose="05000000000000000000" pitchFamily="2" charset="2"/>
+              <a:buChar char="§"/>
+            </a:pPr>
+            <a:r>
+              <a:rPr lang="en-US" sz="2400" dirty="0" smtClean="0">
                 <a:solidFill>
                   <a:srgbClr val="1A365C"/>
                 </a:solidFill>
@@ -5914,6 +6730,14 @@
               </a:rPr>
               <a:t>Objects</a:t>
             </a:r>
+            <a:endParaRPr lang="en-US" sz="2400" dirty="0">
+              <a:solidFill>
+                <a:srgbClr val="1A365C"/>
+              </a:solidFill>
+              <a:latin typeface="Metropolis" pitchFamily="2" charset="77"/>
+              <a:ea typeface="+mj-ea"/>
+              <a:cs typeface="+mj-cs"/>
+            </a:endParaRPr>
           </a:p>
           <a:p>
             <a:pPr marL="742950" lvl="1" indent="-285750">
@@ -6088,7 +6912,7 @@
         <p:spPr>
           <a:xfrm>
             <a:off x="493815" y="2087880"/>
-            <a:ext cx="6305550" cy="4524315"/>
+            <a:ext cx="6305550" cy="4154984"/>
           </a:xfrm>
           <a:prstGeom prst="rect">
             <a:avLst/>
@@ -6110,7 +6934,7 @@
                 <a:ea typeface="+mj-ea"/>
                 <a:cs typeface="+mj-cs"/>
               </a:rPr>
-              <a:t>Verb-Noun</a:t>
+              <a:t>Verb-Noun (Functions)</a:t>
             </a:r>
             <a:endParaRPr lang="en-US" dirty="0"/>
           </a:p>
@@ -6168,25 +6992,16 @@
                 <a:ea typeface="+mj-ea"/>
                 <a:cs typeface="+mj-cs"/>
               </a:rPr>
-              <a:t>Stop-Process</a:t>
-            </a:r>
-          </a:p>
-          <a:p>
-            <a:pPr marL="342900" indent="-342900">
-              <a:buFont typeface="Arial" panose="020B0604020202020204" pitchFamily="34" charset="0"/>
-              <a:buChar char="•"/>
-            </a:pPr>
-            <a:r>
-              <a:rPr lang="en-US" sz="2400" dirty="0" smtClean="0">
-                <a:solidFill>
-                  <a:srgbClr val="1A365C"/>
-                </a:solidFill>
-                <a:latin typeface="Metropolis" pitchFamily="2" charset="77"/>
-                <a:ea typeface="+mj-ea"/>
-                <a:cs typeface="+mj-cs"/>
-              </a:rPr>
               <a:t>Write-Output</a:t>
             </a:r>
+            <a:endParaRPr lang="en-US" sz="2400" dirty="0" smtClean="0">
+              <a:solidFill>
+                <a:srgbClr val="1A365C"/>
+              </a:solidFill>
+              <a:latin typeface="Metropolis" pitchFamily="2" charset="77"/>
+              <a:ea typeface="+mj-ea"/>
+              <a:cs typeface="+mj-cs"/>
+            </a:endParaRPr>
           </a:p>
           <a:p>
             <a:pPr marL="342900" indent="-342900">
@@ -6286,6 +7101,30 @@
           </a:p>
         </p:txBody>
       </p:sp>
+      <p:pic>
+        <p:nvPicPr>
+          <p:cNvPr id="4" name="Picture 3"/>
+          <p:cNvPicPr>
+            <a:picLocks noChangeAspect="1"/>
+          </p:cNvPicPr>
+          <p:nvPr/>
+        </p:nvPicPr>
+        <p:blipFill>
+          <a:blip r:embed="rId2"/>
+          <a:stretch>
+            <a:fillRect/>
+          </a:stretch>
+        </p:blipFill>
+        <p:spPr>
+          <a:xfrm>
+            <a:off x="6549997" y="3658396"/>
+            <a:ext cx="4944165" cy="2238687"/>
+          </a:xfrm>
+          <a:prstGeom prst="rect">
+            <a:avLst/>
+          </a:prstGeom>
+        </p:spPr>
+      </p:pic>
     </p:spTree>
     <p:extLst>
       <p:ext uri="{BB962C8B-B14F-4D97-AF65-F5344CB8AC3E}">
@@ -6355,31 +7194,6 @@
       </p:sp>
       <p:sp>
         <p:nvSpPr>
-          <p:cNvPr id="3" name="Content Placeholder 2">
-            <a:extLst>
-              <a:ext uri="{FF2B5EF4-FFF2-40B4-BE49-F238E27FC236}">
-                <a16:creationId xmlns:a16="http://schemas.microsoft.com/office/drawing/2014/main" id="{2C586FF3-B862-BA63-1976-5A6D67D9CF93}"/>
-              </a:ext>
-            </a:extLst>
-          </p:cNvPr>
-          <p:cNvSpPr>
-            <a:spLocks noGrp="1"/>
-          </p:cNvSpPr>
-          <p:nvPr>
-            <p:ph idx="1"/>
-          </p:nvPr>
-        </p:nvSpPr>
-        <p:spPr/>
-        <p:txBody>
-          <a:bodyPr/>
-          <a:lstStyle/>
-          <a:p>
-            <a:endParaRPr lang="en-US"/>
-          </a:p>
-        </p:txBody>
-      </p:sp>
-      <p:sp>
-        <p:nvSpPr>
           <p:cNvPr id="4" name="Text Placeholder 3">
             <a:extLst>
               <a:ext uri="{FF2B5EF4-FFF2-40B4-BE49-F238E27FC236}">
@@ -6404,14 +7218,88 @@
           <a:bodyPr/>
           <a:lstStyle/>
           <a:p>
+            <a:r>
+              <a:rPr lang="en-US" sz="2400" dirty="0" smtClean="0"/>
+              <a:t>The PowerShell Gallery</a:t>
+            </a:r>
+          </a:p>
+          <a:p>
+            <a:endParaRPr lang="en-US" dirty="0" smtClean="0"/>
+          </a:p>
+          <a:p>
             <a:pPr marL="285750" indent="-285750">
               <a:buFont typeface="Arial" panose="020B0604020202020204" pitchFamily="34" charset="0"/>
               <a:buChar char="•"/>
             </a:pPr>
             <a:r>
               <a:rPr lang="en-US" dirty="0" smtClean="0"/>
-              <a:t>The PowerShell Gallery</a:t>
-            </a:r>
+              <a:t>Get-</a:t>
+            </a:r>
+            <a:r>
+              <a:rPr lang="en-US" dirty="0" err="1" smtClean="0"/>
+              <a:t>PSRepository</a:t>
+            </a:r>
+            <a:endParaRPr lang="en-US" dirty="0" smtClean="0"/>
+          </a:p>
+          <a:p>
+            <a:pPr marL="285750" indent="-285750">
+              <a:buFont typeface="Arial" panose="020B0604020202020204" pitchFamily="34" charset="0"/>
+              <a:buChar char="•"/>
+            </a:pPr>
+            <a:r>
+              <a:rPr lang="en-US" dirty="0" smtClean="0"/>
+              <a:t>Find-Module –Name </a:t>
+            </a:r>
+            <a:r>
+              <a:rPr lang="en-US" dirty="0" err="1" smtClean="0"/>
+              <a:t>VMware.PowerCLI</a:t>
+            </a:r>
+            <a:endParaRPr lang="en-US" dirty="0" smtClean="0"/>
+          </a:p>
+          <a:p>
+            <a:pPr marL="285750" indent="-285750">
+              <a:buFont typeface="Arial" panose="020B0604020202020204" pitchFamily="34" charset="0"/>
+              <a:buChar char="•"/>
+            </a:pPr>
+            <a:r>
+              <a:rPr lang="en-US" dirty="0" smtClean="0"/>
+              <a:t>Install-Module –Name </a:t>
+            </a:r>
+            <a:r>
+              <a:rPr lang="en-US" dirty="0" err="1"/>
+              <a:t>VMware.PowerCLI</a:t>
+            </a:r>
+            <a:endParaRPr lang="en-US" dirty="0" smtClean="0"/>
+          </a:p>
+          <a:p>
+            <a:pPr marL="285750" indent="-285750">
+              <a:buFont typeface="Arial" panose="020B0604020202020204" pitchFamily="34" charset="0"/>
+              <a:buChar char="•"/>
+            </a:pPr>
+            <a:r>
+              <a:rPr lang="en-US" dirty="0" smtClean="0"/>
+              <a:t>Import-Module –Name </a:t>
+            </a:r>
+            <a:r>
+              <a:rPr lang="en-US" dirty="0" err="1"/>
+              <a:t>VMware.PowerCLI</a:t>
+            </a:r>
+            <a:endParaRPr lang="en-US" dirty="0" smtClean="0"/>
+          </a:p>
+          <a:p>
+            <a:pPr marL="285750" indent="-285750">
+              <a:buFont typeface="Arial" panose="020B0604020202020204" pitchFamily="34" charset="0"/>
+              <a:buChar char="•"/>
+            </a:pPr>
+            <a:r>
+              <a:rPr lang="en-US" dirty="0" smtClean="0"/>
+              <a:t>Get-Command –Module </a:t>
+            </a:r>
+            <a:r>
+              <a:rPr lang="en-US" dirty="0" smtClean="0"/>
+              <a:t>jpsider</a:t>
+            </a:r>
+            <a:endParaRPr lang="en-US" dirty="0" smtClean="0"/>
           </a:p>
           <a:p>
             <a:pPr marL="285750" indent="-285750">
@@ -6420,100 +7308,32 @@
             </a:pPr>
             <a:endParaRPr lang="en-US" dirty="0"/>
           </a:p>
-          <a:p>
-            <a:pPr marL="285750" indent="-285750">
-              <a:buFont typeface="Arial" panose="020B0604020202020204" pitchFamily="34" charset="0"/>
-              <a:buChar char="•"/>
-            </a:pPr>
-            <a:r>
-              <a:rPr lang="en-US" dirty="0" smtClean="0"/>
-              <a:t>Commands:</a:t>
-            </a:r>
-          </a:p>
-          <a:p>
-            <a:pPr marL="285750" indent="-285750">
-              <a:buFont typeface="Arial" panose="020B0604020202020204" pitchFamily="34" charset="0"/>
-              <a:buChar char="•"/>
-            </a:pPr>
-            <a:r>
-              <a:rPr lang="en-US" dirty="0" smtClean="0"/>
-              <a:t>Get-</a:t>
-            </a:r>
-            <a:r>
-              <a:rPr lang="en-US" dirty="0" err="1" smtClean="0"/>
-              <a:t>PSRepository</a:t>
-            </a:r>
-            <a:endParaRPr lang="en-US" dirty="0" smtClean="0"/>
-          </a:p>
-          <a:p>
-            <a:pPr marL="285750" indent="-285750">
-              <a:buFont typeface="Arial" panose="020B0604020202020204" pitchFamily="34" charset="0"/>
-              <a:buChar char="•"/>
-            </a:pPr>
-            <a:r>
-              <a:rPr lang="en-US" dirty="0" smtClean="0"/>
-              <a:t>Find-Module –Name </a:t>
-            </a:r>
-            <a:r>
-              <a:rPr lang="en-US" dirty="0" err="1" smtClean="0"/>
-              <a:t>VMware.PowerCLI</a:t>
-            </a:r>
-            <a:endParaRPr lang="en-US" dirty="0" smtClean="0"/>
-          </a:p>
-          <a:p>
-            <a:pPr marL="285750" indent="-285750">
-              <a:buFont typeface="Arial" panose="020B0604020202020204" pitchFamily="34" charset="0"/>
-              <a:buChar char="•"/>
-            </a:pPr>
-            <a:r>
-              <a:rPr lang="en-US" dirty="0" smtClean="0"/>
-              <a:t>Install-Module –Name </a:t>
-            </a:r>
-            <a:r>
-              <a:rPr lang="en-US" dirty="0" err="1" smtClean="0"/>
-              <a:t>VMware.PowerCLI</a:t>
-            </a:r>
-            <a:endParaRPr lang="en-US" dirty="0" smtClean="0"/>
-          </a:p>
-          <a:p>
-            <a:pPr marL="285750" indent="-285750">
-              <a:buFont typeface="Arial" panose="020B0604020202020204" pitchFamily="34" charset="0"/>
-              <a:buChar char="•"/>
-            </a:pPr>
-            <a:r>
-              <a:rPr lang="en-US" dirty="0" smtClean="0"/>
-              <a:t>Import-Module –Name </a:t>
-            </a:r>
-            <a:r>
-              <a:rPr lang="en-US" dirty="0" err="1" smtClean="0"/>
-              <a:t>VMware.PowerCLI</a:t>
-            </a:r>
-            <a:endParaRPr lang="en-US" dirty="0" smtClean="0"/>
-          </a:p>
-          <a:p>
-            <a:pPr marL="285750" indent="-285750">
-              <a:buFont typeface="Arial" panose="020B0604020202020204" pitchFamily="34" charset="0"/>
-              <a:buChar char="•"/>
-            </a:pPr>
-            <a:r>
-              <a:rPr lang="en-US" dirty="0" smtClean="0"/>
-              <a:t>Get-Command –Module </a:t>
-            </a:r>
-            <a:r>
-              <a:rPr lang="en-US" dirty="0" err="1" smtClean="0"/>
-              <a:t>VMware.PowerCLI</a:t>
-            </a:r>
-            <a:endParaRPr lang="en-US" dirty="0" smtClean="0"/>
-          </a:p>
-          <a:p>
-            <a:pPr marL="285750" indent="-285750">
-              <a:buFont typeface="Arial" panose="020B0604020202020204" pitchFamily="34" charset="0"/>
-              <a:buChar char="•"/>
-            </a:pPr>
-            <a:endParaRPr lang="en-US" dirty="0"/>
-          </a:p>
         </p:txBody>
       </p:sp>
+      <p:pic>
+        <p:nvPicPr>
+          <p:cNvPr id="5" name="Picture 4"/>
+          <p:cNvPicPr>
+            <a:picLocks noChangeAspect="1"/>
+          </p:cNvPicPr>
+          <p:nvPr/>
+        </p:nvPicPr>
+        <p:blipFill>
+          <a:blip r:embed="rId2"/>
+          <a:stretch>
+            <a:fillRect/>
+          </a:stretch>
+        </p:blipFill>
+        <p:spPr>
+          <a:xfrm>
+            <a:off x="4900414" y="1973580"/>
+            <a:ext cx="7205510" cy="3622660"/>
+          </a:xfrm>
+          <a:prstGeom prst="rect">
+            <a:avLst/>
+          </a:prstGeom>
+        </p:spPr>
+      </p:pic>
     </p:spTree>
     <p:extLst>
       <p:ext uri="{BB962C8B-B14F-4D97-AF65-F5344CB8AC3E}">
@@ -6585,7 +7405,7 @@
         <p:spPr>
           <a:xfrm>
             <a:off x="493814" y="2087880"/>
-            <a:ext cx="11698185" cy="1384995"/>
+            <a:ext cx="11698185" cy="2308324"/>
           </a:xfrm>
           <a:prstGeom prst="rect">
             <a:avLst/>
@@ -6686,8 +7506,20 @@
               <a:buFont typeface="Arial" panose="020B0604020202020204" pitchFamily="34" charset="0"/>
               <a:buChar char="•"/>
             </a:pPr>
-            <a:r>
-              <a:rPr lang="en-US" sz="2000" dirty="0">
+            <a:endParaRPr lang="en-US" sz="2000" dirty="0" smtClean="0">
+              <a:solidFill>
+                <a:srgbClr val="A3CE36"/>
+              </a:solidFill>
+              <a:latin typeface="Metropolis" pitchFamily="2" charset="77"/>
+            </a:endParaRPr>
+          </a:p>
+          <a:p>
+            <a:pPr marL="342900" indent="-342900">
+              <a:buFont typeface="Arial" panose="020B0604020202020204" pitchFamily="34" charset="0"/>
+              <a:buChar char="•"/>
+            </a:pPr>
+            <a:r>
+              <a:rPr lang="en-US" sz="2000" dirty="0" smtClean="0">
                 <a:solidFill>
                   <a:srgbClr val="A3CE36"/>
                 </a:solidFill>
@@ -6696,7 +7528,7 @@
               <a:t>$</a:t>
             </a:r>
             <a:r>
-              <a:rPr lang="en-US" sz="2000" dirty="0" err="1">
+              <a:rPr lang="en-US" sz="2000" dirty="0" err="1" smtClean="0">
                 <a:solidFill>
                   <a:srgbClr val="A3CE36"/>
                 </a:solidFill>
@@ -6723,8 +7555,83 @@
               <a:latin typeface="Metropolis" pitchFamily="2" charset="77"/>
             </a:endParaRPr>
           </a:p>
+          <a:p>
+            <a:pPr marL="342900" indent="-342900">
+              <a:buFont typeface="Arial" panose="020B0604020202020204" pitchFamily="34" charset="0"/>
+              <a:buChar char="•"/>
+            </a:pPr>
+            <a:r>
+              <a:rPr lang="en-US" sz="2000" dirty="0" smtClean="0">
+                <a:solidFill>
+                  <a:srgbClr val="A3CE36"/>
+                </a:solidFill>
+                <a:latin typeface="Metropolis" pitchFamily="2" charset="77"/>
+              </a:rPr>
+              <a:t>Disconnect-</a:t>
+            </a:r>
+            <a:r>
+              <a:rPr lang="en-US" sz="2000" dirty="0" err="1" smtClean="0">
+                <a:solidFill>
+                  <a:srgbClr val="A3CE36"/>
+                </a:solidFill>
+                <a:latin typeface="Metropolis" pitchFamily="2" charset="77"/>
+              </a:rPr>
+              <a:t>VIServer</a:t>
+            </a:r>
+            <a:r>
+              <a:rPr lang="en-US" sz="2000" dirty="0" smtClean="0">
+                <a:solidFill>
+                  <a:srgbClr val="A3CE36"/>
+                </a:solidFill>
+                <a:latin typeface="Metropolis" pitchFamily="2" charset="77"/>
+              </a:rPr>
+              <a:t> –Force –Confirm:$false</a:t>
+            </a:r>
+            <a:endParaRPr lang="en-US" sz="2000" dirty="0" smtClean="0">
+              <a:solidFill>
+                <a:srgbClr val="A3CE36"/>
+              </a:solidFill>
+              <a:latin typeface="Metropolis" pitchFamily="2" charset="77"/>
+            </a:endParaRPr>
+          </a:p>
+          <a:p>
+            <a:pPr marL="342900" indent="-342900">
+              <a:buFont typeface="Arial" panose="020B0604020202020204" pitchFamily="34" charset="0"/>
+              <a:buChar char="•"/>
+            </a:pPr>
+            <a:endParaRPr lang="en-US" sz="2000" dirty="0">
+              <a:solidFill>
+                <a:srgbClr val="A3CE36"/>
+              </a:solidFill>
+              <a:latin typeface="Metropolis" pitchFamily="2" charset="77"/>
+            </a:endParaRPr>
+          </a:p>
         </p:txBody>
       </p:sp>
+      <p:pic>
+        <p:nvPicPr>
+          <p:cNvPr id="2" name="Picture 1"/>
+          <p:cNvPicPr>
+            <a:picLocks noChangeAspect="1"/>
+          </p:cNvPicPr>
+          <p:nvPr/>
+        </p:nvPicPr>
+        <p:blipFill>
+          <a:blip r:embed="rId2"/>
+          <a:stretch>
+            <a:fillRect/>
+          </a:stretch>
+        </p:blipFill>
+        <p:spPr>
+          <a:xfrm>
+            <a:off x="6460460" y="3863340"/>
+            <a:ext cx="5457220" cy="2341878"/>
+          </a:xfrm>
+          <a:prstGeom prst="rect">
+            <a:avLst/>
+          </a:prstGeom>
+        </p:spPr>
+      </p:pic>
     </p:spTree>
     <p:extLst>
       <p:ext uri="{BB962C8B-B14F-4D97-AF65-F5344CB8AC3E}">
@@ -6784,25 +7691,6 @@
       </p:sp>
       <p:sp>
         <p:nvSpPr>
-          <p:cNvPr id="3" name="Content Placeholder 2"/>
-          <p:cNvSpPr>
-            <a:spLocks noGrp="1"/>
-          </p:cNvSpPr>
-          <p:nvPr>
-            <p:ph idx="1"/>
-          </p:nvPr>
-        </p:nvSpPr>
-        <p:spPr/>
-        <p:txBody>
-          <a:bodyPr/>
-          <a:lstStyle/>
-          <a:p>
-            <a:endParaRPr lang="en-US"/>
-          </a:p>
-        </p:txBody>
-      </p:sp>
-      <p:sp>
-        <p:nvSpPr>
           <p:cNvPr id="4" name="Text Placeholder 3"/>
           <p:cNvSpPr>
             <a:spLocks noGrp="1"/>
@@ -6874,19 +7762,32 @@
             </a:r>
             <a:endParaRPr lang="en-US" dirty="0" smtClean="0"/>
           </a:p>
-          <a:p>
-            <a:pPr marL="285750" indent="-285750">
-              <a:buFont typeface="Arial" panose="020B0604020202020204" pitchFamily="34" charset="0"/>
-              <a:buChar char="•"/>
-            </a:pPr>
-            <a:r>
-              <a:rPr lang="en-US" dirty="0" smtClean="0"/>
-              <a:t>Get-Snapshot</a:t>
-            </a:r>
-            <a:endParaRPr lang="en-US" dirty="0"/>
-          </a:p>
         </p:txBody>
       </p:sp>
+      <p:pic>
+        <p:nvPicPr>
+          <p:cNvPr id="5" name="Picture 4"/>
+          <p:cNvPicPr>
+            <a:picLocks noChangeAspect="1"/>
+          </p:cNvPicPr>
+          <p:nvPr/>
+        </p:nvPicPr>
+        <p:blipFill>
+          <a:blip r:embed="rId2"/>
+          <a:stretch>
+            <a:fillRect/>
+          </a:stretch>
+        </p:blipFill>
+        <p:spPr>
+          <a:xfrm>
+            <a:off x="4596764" y="1424269"/>
+            <a:ext cx="7520671" cy="4224439"/>
+          </a:xfrm>
+          <a:prstGeom prst="rect">
+            <a:avLst/>
+          </a:prstGeom>
+        </p:spPr>
+      </p:pic>
     </p:spTree>
     <p:extLst>
       <p:ext uri="{BB962C8B-B14F-4D97-AF65-F5344CB8AC3E}">
@@ -6954,7 +7855,7 @@
         <p:spPr>
           <a:xfrm>
             <a:off x="669074" y="2293620"/>
-            <a:ext cx="11698185" cy="1569660"/>
+            <a:ext cx="11698185" cy="2062103"/>
           </a:xfrm>
           <a:prstGeom prst="rect">
             <a:avLst/>
@@ -6972,7 +7873,24 @@
               <a:buChar char="•"/>
             </a:pPr>
             <a:r>
-              <a:rPr lang="en-US" sz="2400" dirty="0" smtClean="0">
+              <a:rPr lang="en-US" sz="3200" dirty="0" smtClean="0">
+                <a:solidFill>
+                  <a:srgbClr val="1A365C"/>
+                </a:solidFill>
+                <a:latin typeface="Metropolis" pitchFamily="2" charset="77"/>
+                <a:ea typeface="+mj-ea"/>
+                <a:cs typeface="+mj-cs"/>
+              </a:rPr>
+              <a:t>Functions &amp; Parameters</a:t>
+            </a:r>
+          </a:p>
+          <a:p>
+            <a:pPr marL="342900" indent="-342900">
+              <a:buFont typeface="Arial" panose="020B0604020202020204" pitchFamily="34" charset="0"/>
+              <a:buChar char="•"/>
+            </a:pPr>
+            <a:r>
+              <a:rPr lang="en-US" sz="3200" dirty="0" smtClean="0">
                 <a:solidFill>
                   <a:srgbClr val="1A365C"/>
                 </a:solidFill>
@@ -6982,35 +7900,7 @@
               </a:rPr>
               <a:t>Objects</a:t>
             </a:r>
-          </a:p>
-          <a:p>
-            <a:pPr marL="342900" indent="-342900">
-              <a:buFont typeface="Arial" panose="020B0604020202020204" pitchFamily="34" charset="0"/>
-              <a:buChar char="•"/>
-            </a:pPr>
-            <a:r>
-              <a:rPr lang="en-US" sz="2400" dirty="0" smtClean="0">
-                <a:solidFill>
-                  <a:srgbClr val="1A365C"/>
-                </a:solidFill>
-                <a:latin typeface="Metropolis" pitchFamily="2" charset="77"/>
-                <a:ea typeface="+mj-ea"/>
-                <a:cs typeface="+mj-cs"/>
-              </a:rPr>
-              <a:t>Arrays vs. </a:t>
-            </a:r>
-            <a:r>
-              <a:rPr lang="en-US" sz="2400" dirty="0" err="1" smtClean="0">
-                <a:solidFill>
-                  <a:srgbClr val="1A365C"/>
-                </a:solidFill>
-                <a:latin typeface="Metropolis" pitchFamily="2" charset="77"/>
-                <a:ea typeface="+mj-ea"/>
-                <a:cs typeface="+mj-cs"/>
-              </a:rPr>
-              <a:t>Hashtables</a:t>
-            </a:r>
-            <a:endParaRPr lang="en-US" sz="2400" dirty="0" smtClean="0">
+            <a:endParaRPr lang="en-US" sz="3200" dirty="0" smtClean="0">
               <a:solidFill>
                 <a:srgbClr val="1A365C"/>
               </a:solidFill>
@@ -7025,7 +7915,7 @@
               <a:buChar char="•"/>
             </a:pPr>
             <a:r>
-              <a:rPr lang="en-US" sz="2400" dirty="0" smtClean="0">
+              <a:rPr lang="en-US" sz="3200" dirty="0" smtClean="0">
                 <a:solidFill>
                   <a:srgbClr val="1A365C"/>
                 </a:solidFill>
@@ -7035,6 +7925,14 @@
               </a:rPr>
               <a:t>Pipeline</a:t>
             </a:r>
+            <a:endParaRPr lang="en-US" sz="3200" dirty="0" smtClean="0">
+              <a:solidFill>
+                <a:srgbClr val="1A365C"/>
+              </a:solidFill>
+              <a:latin typeface="Metropolis" pitchFamily="2" charset="77"/>
+              <a:ea typeface="+mj-ea"/>
+              <a:cs typeface="+mj-cs"/>
+            </a:endParaRPr>
           </a:p>
           <a:p>
             <a:pPr marL="342900" indent="-342900">
@@ -7042,7 +7940,7 @@
               <a:buChar char="•"/>
             </a:pPr>
             <a:r>
-              <a:rPr lang="en-US" sz="2400" dirty="0" smtClean="0">
+              <a:rPr lang="en-US" sz="3200" dirty="0" smtClean="0">
                 <a:solidFill>
                   <a:srgbClr val="1A365C"/>
                 </a:solidFill>
@@ -7055,6 +7953,30 @@
           </a:p>
         </p:txBody>
       </p:sp>
+      <p:pic>
+        <p:nvPicPr>
+          <p:cNvPr id="2" name="Picture 1"/>
+          <p:cNvPicPr>
+            <a:picLocks noChangeAspect="1"/>
+          </p:cNvPicPr>
+          <p:nvPr/>
+        </p:nvPicPr>
+        <p:blipFill>
+          <a:blip r:embed="rId2"/>
+          <a:stretch>
+            <a:fillRect/>
+          </a:stretch>
+        </p:blipFill>
+        <p:spPr>
+          <a:xfrm>
+            <a:off x="7504170" y="3307080"/>
+            <a:ext cx="4146809" cy="2657663"/>
+          </a:xfrm>
+          <a:prstGeom prst="rect">
+            <a:avLst/>
+          </a:prstGeom>
+        </p:spPr>
+      </p:pic>
     </p:spTree>
     <p:extLst>
       <p:ext uri="{BB962C8B-B14F-4D97-AF65-F5344CB8AC3E}">
@@ -7330,15 +8252,6 @@
 </file>
 
 <file path=customXml/item1.xml><?xml version="1.0" encoding="utf-8"?>
-<?mso-contentType ?>
-<FormTemplates xmlns="http://schemas.microsoft.com/sharepoint/v3/contenttype/forms">
-  <Display>DocumentLibraryForm</Display>
-  <Edit>DocumentLibraryForm</Edit>
-  <New>DocumentLibraryForm</New>
-</FormTemplates>
-</file>
-
-<file path=customXml/item2.xml><?xml version="1.0" encoding="utf-8"?>
 <p:properties xmlns:p="http://schemas.microsoft.com/office/2006/metadata/properties" xmlns:xsi="http://www.w3.org/2001/XMLSchema-instance" xmlns:pc="http://schemas.microsoft.com/office/infopath/2007/PartnerControls">
   <documentManagement>
     <SharedWithUsers xmlns="a98d785b-a573-4648-a687-d73070f116ca">
@@ -7355,6 +8268,15 @@
     </lcf76f155ced4ddcb4097134ff3c332f>
   </documentManagement>
 </p:properties>
+</file>
+
+<file path=customXml/item2.xml><?xml version="1.0" encoding="utf-8"?>
+<?mso-contentType ?>
+<FormTemplates xmlns="http://schemas.microsoft.com/sharepoint/v3/contenttype/forms">
+  <Display>DocumentLibraryForm</Display>
+  <Edit>DocumentLibraryForm</Edit>
+  <New>DocumentLibraryForm</New>
+</FormTemplates>
 </file>
 
 <file path=customXml/item3.xml><?xml version="1.0" encoding="utf-8"?>
@@ -7607,14 +8529,6 @@
 </file>
 
 <file path=customXml/itemProps1.xml><?xml version="1.0" encoding="utf-8"?>
-<ds:datastoreItem xmlns:ds="http://schemas.openxmlformats.org/officeDocument/2006/customXml" ds:itemID="{9404A5FA-2267-49A4-9EE5-2F5F85884C73}">
-  <ds:schemaRefs>
-    <ds:schemaRef ds:uri="http://schemas.microsoft.com/sharepoint/v3/contenttype/forms"/>
-  </ds:schemaRefs>
-</ds:datastoreItem>
-</file>
-
-<file path=customXml/itemProps2.xml><?xml version="1.0" encoding="utf-8"?>
 <ds:datastoreItem xmlns:ds="http://schemas.openxmlformats.org/officeDocument/2006/customXml" ds:itemID="{281A822C-25CE-47FB-A779-4E19A1F98DDA}">
   <ds:schemaRefs>
     <ds:schemaRef ds:uri="http://schemas.microsoft.com/office/2006/metadata/properties"/>
@@ -7627,6 +8541,14 @@
     <ds:schemaRef ds:uri="http://www.w3.org/XML/1998/namespace"/>
     <ds:schemaRef ds:uri="http://schemas.microsoft.com/office/infopath/2007/PartnerControls"/>
     <ds:schemaRef ds:uri="e7d83ab9-40ce-4f6a-9d5b-bb8228ec9b2e"/>
+  </ds:schemaRefs>
+</ds:datastoreItem>
+</file>
+
+<file path=customXml/itemProps2.xml><?xml version="1.0" encoding="utf-8"?>
+<ds:datastoreItem xmlns:ds="http://schemas.openxmlformats.org/officeDocument/2006/customXml" ds:itemID="{9404A5FA-2267-49A4-9EE5-2F5F85884C73}">
+  <ds:schemaRefs>
+    <ds:schemaRef ds:uri="http://schemas.microsoft.com/sharepoint/v3/contenttype/forms"/>
   </ds:schemaRefs>
 </ds:datastoreItem>
 </file>

--- a/Powercli/PDX_VMUG_2023/UserCon-PPT-2023.pptx
+++ b/Powercli/PDX_VMUG_2023/UserCon-PPT-2023.pptx
@@ -9,18 +9,19 @@
     <p:sldId id="257" r:id="rId6"/>
     <p:sldId id="271" r:id="rId7"/>
     <p:sldId id="275" r:id="rId8"/>
-    <p:sldId id="279" r:id="rId9"/>
-    <p:sldId id="276" r:id="rId10"/>
-    <p:sldId id="281" r:id="rId11"/>
-    <p:sldId id="280" r:id="rId12"/>
-    <p:sldId id="282" r:id="rId13"/>
-    <p:sldId id="283" r:id="rId14"/>
-    <p:sldId id="284" r:id="rId15"/>
-    <p:sldId id="285" r:id="rId16"/>
-    <p:sldId id="286" r:id="rId17"/>
-    <p:sldId id="287" r:id="rId18"/>
-    <p:sldId id="288" r:id="rId19"/>
-    <p:sldId id="277" r:id="rId20"/>
+    <p:sldId id="289" r:id="rId9"/>
+    <p:sldId id="279" r:id="rId10"/>
+    <p:sldId id="276" r:id="rId11"/>
+    <p:sldId id="281" r:id="rId12"/>
+    <p:sldId id="280" r:id="rId13"/>
+    <p:sldId id="282" r:id="rId14"/>
+    <p:sldId id="283" r:id="rId15"/>
+    <p:sldId id="284" r:id="rId16"/>
+    <p:sldId id="285" r:id="rId17"/>
+    <p:sldId id="286" r:id="rId18"/>
+    <p:sldId id="287" r:id="rId19"/>
+    <p:sldId id="288" r:id="rId20"/>
+    <p:sldId id="277" r:id="rId21"/>
   </p:sldIdLst>
   <p:sldSz cx="12192000" cy="6858000"/>
   <p:notesSz cx="6858000" cy="9144000"/>
@@ -4216,7 +4217,7 @@
       </p:grpSpPr>
       <p:sp>
         <p:nvSpPr>
-          <p:cNvPr id="2" name="Title 1"/>
+          <p:cNvPr id="3" name="Title 1"/>
           <p:cNvSpPr>
             <a:spLocks noGrp="1"/>
           </p:cNvSpPr>
@@ -4226,8 +4227,8 @@
         </p:nvSpPr>
         <p:spPr>
           <a:xfrm>
-            <a:off x="175260" y="1211580"/>
-            <a:ext cx="5707380" cy="845820"/>
+            <a:off x="493815" y="1077645"/>
+            <a:ext cx="6305550" cy="758776"/>
           </a:xfrm>
         </p:spPr>
         <p:txBody>
@@ -4235,112 +4236,107 @@
           <a:lstStyle/>
           <a:p>
             <a:r>
-              <a:rPr lang="en-US" sz="4000" dirty="0" smtClean="0"/>
-              <a:t>Functions &amp; Parameters</a:t>
-            </a:r>
-            <a:endParaRPr lang="en-US" sz="4000" dirty="0"/>
+              <a:rPr lang="en-US" dirty="0" smtClean="0"/>
+              <a:t>PowerShell Things</a:t>
+            </a:r>
+            <a:endParaRPr lang="en-US" dirty="0"/>
           </a:p>
         </p:txBody>
       </p:sp>
       <p:sp>
         <p:nvSpPr>
-          <p:cNvPr id="4" name="Text Placeholder 3"/>
-          <p:cNvSpPr>
-            <a:spLocks noGrp="1"/>
-          </p:cNvSpPr>
-          <p:nvPr>
-            <p:ph type="body" sz="half" idx="2"/>
-          </p:nvPr>
+          <p:cNvPr id="4" name="TextBox 3"/>
+          <p:cNvSpPr txBox="1"/>
+          <p:nvPr/>
         </p:nvSpPr>
         <p:spPr>
           <a:xfrm>
-            <a:off x="381000" y="2303812"/>
-            <a:ext cx="5768340" cy="3565175"/>
-          </a:xfrm>
+            <a:off x="669074" y="2293620"/>
+            <a:ext cx="11698185" cy="2062103"/>
+          </a:xfrm>
+          <a:prstGeom prst="rect">
+            <a:avLst/>
+          </a:prstGeom>
+          <a:noFill/>
         </p:spPr>
         <p:txBody>
-          <a:bodyPr/>
+          <a:bodyPr wrap="square" rtlCol="0">
+            <a:spAutoFit/>
+          </a:bodyPr>
           <a:lstStyle/>
           <a:p>
-            <a:r>
-              <a:rPr lang="en-US" dirty="0" smtClean="0"/>
-              <a:t>&lt;Function Name&gt; &lt;Parameter name&gt;  &lt;Parameter Value&gt;</a:t>
-            </a:r>
-          </a:p>
-          <a:p>
-            <a:pPr marL="285750" indent="-285750">
+            <a:pPr marL="342900" indent="-342900">
               <a:buFont typeface="Arial" panose="020B0604020202020204" pitchFamily="34" charset="0"/>
               <a:buChar char="•"/>
             </a:pPr>
             <a:r>
-              <a:rPr lang="en-US" dirty="0" smtClean="0"/>
-              <a:t>Get-VM  -Name “</a:t>
-            </a:r>
-            <a:r>
-              <a:rPr lang="en-US" dirty="0" err="1" smtClean="0"/>
-              <a:t>myvm</a:t>
-            </a:r>
-            <a:r>
-              <a:rPr lang="en-US" dirty="0" smtClean="0"/>
-              <a:t>”</a:t>
-            </a:r>
-          </a:p>
-          <a:p>
-            <a:endParaRPr lang="en-US" dirty="0" smtClean="0"/>
-          </a:p>
-          <a:p>
-            <a:r>
-              <a:rPr lang="en-US" dirty="0"/>
-              <a:t>&lt;Function Name&gt; &lt;Parameter name&gt;  &lt;Parameter Value&gt;</a:t>
-            </a:r>
-          </a:p>
-          <a:p>
-            <a:pPr marL="285750" indent="-285750">
+              <a:rPr lang="en-US" sz="3200" dirty="0" smtClean="0">
+                <a:solidFill>
+                  <a:srgbClr val="1A365C"/>
+                </a:solidFill>
+                <a:latin typeface="Metropolis" pitchFamily="2" charset="77"/>
+                <a:ea typeface="+mj-ea"/>
+                <a:cs typeface="+mj-cs"/>
+              </a:rPr>
+              <a:t>Functions &amp; Parameters</a:t>
+            </a:r>
+          </a:p>
+          <a:p>
+            <a:pPr marL="342900" indent="-342900">
               <a:buFont typeface="Arial" panose="020B0604020202020204" pitchFamily="34" charset="0"/>
               <a:buChar char="•"/>
             </a:pPr>
             <a:r>
-              <a:rPr lang="en-US" dirty="0" smtClean="0"/>
-              <a:t>Update-</a:t>
-            </a:r>
-            <a:r>
-              <a:rPr lang="en-US" dirty="0" err="1" smtClean="0"/>
-              <a:t>ConsoleTitle</a:t>
-            </a:r>
-            <a:r>
-              <a:rPr lang="en-US" dirty="0" smtClean="0"/>
-              <a:t> –Title “Fancy New Title”</a:t>
-            </a:r>
-          </a:p>
-          <a:p>
-            <a:pPr marL="285750" indent="-285750">
+              <a:rPr lang="en-US" sz="3200" dirty="0" smtClean="0">
+                <a:solidFill>
+                  <a:srgbClr val="1A365C"/>
+                </a:solidFill>
+                <a:latin typeface="Metropolis" pitchFamily="2" charset="77"/>
+                <a:ea typeface="+mj-ea"/>
+                <a:cs typeface="+mj-cs"/>
+              </a:rPr>
+              <a:t>Objects</a:t>
+            </a:r>
+          </a:p>
+          <a:p>
+            <a:pPr marL="342900" indent="-342900">
               <a:buFont typeface="Arial" panose="020B0604020202020204" pitchFamily="34" charset="0"/>
               <a:buChar char="•"/>
             </a:pPr>
-            <a:endParaRPr lang="en-US" dirty="0"/>
-          </a:p>
-          <a:p>
-            <a:r>
-              <a:rPr lang="en-US" dirty="0" smtClean="0"/>
-              <a:t>If a Parameter is required – PowerShell will ask you </a:t>
-            </a:r>
-          </a:p>
-          <a:p>
-            <a:r>
-              <a:rPr lang="en-US" dirty="0"/>
-              <a:t>f</a:t>
-            </a:r>
-            <a:r>
-              <a:rPr lang="en-US" dirty="0" smtClean="0"/>
-              <a:t>or it!</a:t>
-            </a:r>
-            <a:endParaRPr lang="en-US" dirty="0"/>
+            <a:r>
+              <a:rPr lang="en-US" sz="3200" dirty="0" smtClean="0">
+                <a:solidFill>
+                  <a:srgbClr val="1A365C"/>
+                </a:solidFill>
+                <a:latin typeface="Metropolis" pitchFamily="2" charset="77"/>
+                <a:ea typeface="+mj-ea"/>
+                <a:cs typeface="+mj-cs"/>
+              </a:rPr>
+              <a:t>Pipeline</a:t>
+            </a:r>
+          </a:p>
+          <a:p>
+            <a:pPr marL="342900" indent="-342900">
+              <a:buFont typeface="Arial" panose="020B0604020202020204" pitchFamily="34" charset="0"/>
+              <a:buChar char="•"/>
+            </a:pPr>
+            <a:r>
+              <a:rPr lang="en-US" sz="3200" dirty="0" smtClean="0">
+                <a:solidFill>
+                  <a:srgbClr val="1A365C"/>
+                </a:solidFill>
+                <a:latin typeface="Metropolis" pitchFamily="2" charset="77"/>
+                <a:ea typeface="+mj-ea"/>
+                <a:cs typeface="+mj-cs"/>
+              </a:rPr>
+              <a:t>Comment Based Help</a:t>
+            </a:r>
           </a:p>
         </p:txBody>
       </p:sp>
       <p:pic>
         <p:nvPicPr>
-          <p:cNvPr id="5" name="Picture 4"/>
+          <p:cNvPr id="2" name="Picture 1"/>
           <p:cNvPicPr>
             <a:picLocks noChangeAspect="1"/>
           </p:cNvPicPr>
@@ -4354,8 +4350,8 @@
         </p:blipFill>
         <p:spPr>
           <a:xfrm>
-            <a:off x="5440680" y="4051538"/>
-            <a:ext cx="6588040" cy="1543575"/>
+            <a:off x="7504170" y="3307080"/>
+            <a:ext cx="4146809" cy="2657663"/>
           </a:xfrm>
           <a:prstGeom prst="rect">
             <a:avLst/>
@@ -4365,7 +4361,7 @@
     </p:spTree>
     <p:extLst>
       <p:ext uri="{BB962C8B-B14F-4D97-AF65-F5344CB8AC3E}">
-        <p14:creationId xmlns:p14="http://schemas.microsoft.com/office/powerpoint/2010/main" val="4086678769"/>
+        <p14:creationId xmlns:p14="http://schemas.microsoft.com/office/powerpoint/2010/main" val="2318569528"/>
       </p:ext>
     </p:extLst>
   </p:cSld>
@@ -4394,6 +4390,184 @@
       </p:grpSpPr>
       <p:sp>
         <p:nvSpPr>
+          <p:cNvPr id="2" name="Title 1"/>
+          <p:cNvSpPr>
+            <a:spLocks noGrp="1"/>
+          </p:cNvSpPr>
+          <p:nvPr>
+            <p:ph type="title"/>
+          </p:nvPr>
+        </p:nvSpPr>
+        <p:spPr>
+          <a:xfrm>
+            <a:off x="175260" y="1211580"/>
+            <a:ext cx="5707380" cy="845820"/>
+          </a:xfrm>
+        </p:spPr>
+        <p:txBody>
+          <a:bodyPr/>
+          <a:lstStyle/>
+          <a:p>
+            <a:r>
+              <a:rPr lang="en-US" sz="4000" dirty="0" smtClean="0"/>
+              <a:t>Functions &amp; Parameters</a:t>
+            </a:r>
+            <a:endParaRPr lang="en-US" sz="4000" dirty="0"/>
+          </a:p>
+        </p:txBody>
+      </p:sp>
+      <p:sp>
+        <p:nvSpPr>
+          <p:cNvPr id="4" name="Text Placeholder 3"/>
+          <p:cNvSpPr>
+            <a:spLocks noGrp="1"/>
+          </p:cNvSpPr>
+          <p:nvPr>
+            <p:ph type="body" sz="half" idx="2"/>
+          </p:nvPr>
+        </p:nvSpPr>
+        <p:spPr>
+          <a:xfrm>
+            <a:off x="381000" y="2303812"/>
+            <a:ext cx="5768340" cy="3565175"/>
+          </a:xfrm>
+        </p:spPr>
+        <p:txBody>
+          <a:bodyPr/>
+          <a:lstStyle/>
+          <a:p>
+            <a:r>
+              <a:rPr lang="en-US" dirty="0" smtClean="0"/>
+              <a:t>&lt;Function Name&gt; &lt;Parameter name&gt;  &lt;Parameter Value&gt;</a:t>
+            </a:r>
+          </a:p>
+          <a:p>
+            <a:pPr marL="285750" indent="-285750">
+              <a:buFont typeface="Arial" panose="020B0604020202020204" pitchFamily="34" charset="0"/>
+              <a:buChar char="•"/>
+            </a:pPr>
+            <a:r>
+              <a:rPr lang="en-US" b="1" dirty="0" smtClean="0"/>
+              <a:t>Get-VM  -Name “</a:t>
+            </a:r>
+            <a:r>
+              <a:rPr lang="en-US" b="1" dirty="0" err="1" smtClean="0"/>
+              <a:t>myvm</a:t>
+            </a:r>
+            <a:r>
+              <a:rPr lang="en-US" b="1" dirty="0" smtClean="0"/>
+              <a:t>”</a:t>
+            </a:r>
+          </a:p>
+          <a:p>
+            <a:endParaRPr lang="en-US" dirty="0" smtClean="0"/>
+          </a:p>
+          <a:p>
+            <a:r>
+              <a:rPr lang="en-US" dirty="0"/>
+              <a:t>&lt;Function Name&gt; &lt;Parameter name&gt;  &lt;Parameter Value&gt;</a:t>
+            </a:r>
+          </a:p>
+          <a:p>
+            <a:pPr marL="285750" indent="-285750">
+              <a:buFont typeface="Arial" panose="020B0604020202020204" pitchFamily="34" charset="0"/>
+              <a:buChar char="•"/>
+            </a:pPr>
+            <a:r>
+              <a:rPr lang="en-US" b="1" dirty="0" smtClean="0"/>
+              <a:t>Update-</a:t>
+            </a:r>
+            <a:r>
+              <a:rPr lang="en-US" b="1" dirty="0" err="1" smtClean="0"/>
+              <a:t>ConsoleTitle</a:t>
+            </a:r>
+            <a:r>
+              <a:rPr lang="en-US" b="1" dirty="0" smtClean="0"/>
+              <a:t> –Title “Fancy New Title”</a:t>
+            </a:r>
+          </a:p>
+          <a:p>
+            <a:pPr marL="285750" indent="-285750">
+              <a:buFont typeface="Arial" panose="020B0604020202020204" pitchFamily="34" charset="0"/>
+              <a:buChar char="•"/>
+            </a:pPr>
+            <a:endParaRPr lang="en-US" dirty="0"/>
+          </a:p>
+          <a:p>
+            <a:r>
+              <a:rPr lang="en-US" dirty="0" smtClean="0"/>
+              <a:t>If a Parameter is required – PowerShell will ask you </a:t>
+            </a:r>
+          </a:p>
+          <a:p>
+            <a:r>
+              <a:rPr lang="en-US" dirty="0"/>
+              <a:t>f</a:t>
+            </a:r>
+            <a:r>
+              <a:rPr lang="en-US" dirty="0" smtClean="0"/>
+              <a:t>or it!</a:t>
+            </a:r>
+            <a:endParaRPr lang="en-US" dirty="0"/>
+          </a:p>
+        </p:txBody>
+      </p:sp>
+      <p:pic>
+        <p:nvPicPr>
+          <p:cNvPr id="5" name="Picture 4"/>
+          <p:cNvPicPr>
+            <a:picLocks noChangeAspect="1"/>
+          </p:cNvPicPr>
+          <p:nvPr/>
+        </p:nvPicPr>
+        <p:blipFill>
+          <a:blip r:embed="rId2"/>
+          <a:stretch>
+            <a:fillRect/>
+          </a:stretch>
+        </p:blipFill>
+        <p:spPr>
+          <a:xfrm>
+            <a:off x="5440680" y="4051538"/>
+            <a:ext cx="6588040" cy="1543575"/>
+          </a:xfrm>
+          <a:prstGeom prst="rect">
+            <a:avLst/>
+          </a:prstGeom>
+        </p:spPr>
+      </p:pic>
+    </p:spTree>
+    <p:extLst>
+      <p:ext uri="{BB962C8B-B14F-4D97-AF65-F5344CB8AC3E}">
+        <p14:creationId xmlns:p14="http://schemas.microsoft.com/office/powerpoint/2010/main" val="4086678769"/>
+      </p:ext>
+    </p:extLst>
+  </p:cSld>
+  <p:clrMapOvr>
+    <a:masterClrMapping/>
+  </p:clrMapOvr>
+</p:sld>
+</file>
+
+<file path=ppt/slides/slide12.xml><?xml version="1.0" encoding="utf-8"?>
+<p:sld xmlns:a="http://schemas.openxmlformats.org/drawingml/2006/main" xmlns:r="http://schemas.openxmlformats.org/officeDocument/2006/relationships" xmlns:p="http://schemas.openxmlformats.org/presentationml/2006/main">
+  <p:cSld>
+    <p:spTree>
+      <p:nvGrpSpPr>
+        <p:cNvPr id="1" name=""/>
+        <p:cNvGrpSpPr/>
+        <p:nvPr/>
+      </p:nvGrpSpPr>
+      <p:grpSpPr>
+        <a:xfrm>
+          <a:off x="0" y="0"/>
+          <a:ext cx="0" cy="0"/>
+          <a:chOff x="0" y="0"/>
+          <a:chExt cx="0" cy="0"/>
+        </a:xfrm>
+      </p:grpSpPr>
+      <p:sp>
+        <p:nvSpPr>
           <p:cNvPr id="3" name="Title 1"/>
           <p:cNvSpPr>
             <a:spLocks noGrp="1"/>
@@ -4475,7 +4649,7 @@
               <a:t>An object is made up of three types of data: the </a:t>
             </a:r>
             <a:r>
-              <a:rPr lang="en-US" sz="2400" dirty="0" smtClean="0">
+              <a:rPr lang="en-US" sz="2400" b="1" dirty="0" smtClean="0">
                 <a:solidFill>
                   <a:srgbClr val="1A365C"/>
                 </a:solidFill>
@@ -4486,7 +4660,7 @@
               <a:t>object </a:t>
             </a:r>
             <a:r>
-              <a:rPr lang="en-US" sz="2400" dirty="0">
+              <a:rPr lang="en-US" sz="2400" b="1" dirty="0">
                 <a:solidFill>
                   <a:srgbClr val="1A365C"/>
                 </a:solidFill>
@@ -4494,10 +4668,10 @@
                 <a:ea typeface="+mj-ea"/>
                 <a:cs typeface="+mj-cs"/>
               </a:rPr>
-              <a:t>type, its methods, and its </a:t>
-            </a:r>
-            <a:r>
-              <a:rPr lang="en-US" sz="2400" dirty="0" smtClean="0">
+              <a:t>type</a:t>
+            </a:r>
+            <a:r>
+              <a:rPr lang="en-US" sz="2400" dirty="0">
                 <a:solidFill>
                   <a:srgbClr val="1A365C"/>
                 </a:solidFill>
@@ -4505,8 +4679,49 @@
                 <a:ea typeface="+mj-ea"/>
                 <a:cs typeface="+mj-cs"/>
               </a:rPr>
-              <a:t>properties</a:t>
-            </a:r>
+              <a:t>, its</a:t>
+            </a:r>
+            <a:r>
+              <a:rPr lang="en-US" sz="2400" b="1" dirty="0">
+                <a:solidFill>
+                  <a:srgbClr val="1A365C"/>
+                </a:solidFill>
+                <a:latin typeface="Metropolis" pitchFamily="2" charset="77"/>
+                <a:ea typeface="+mj-ea"/>
+                <a:cs typeface="+mj-cs"/>
+              </a:rPr>
+              <a:t> methods</a:t>
+            </a:r>
+            <a:r>
+              <a:rPr lang="en-US" sz="2400" dirty="0">
+                <a:solidFill>
+                  <a:srgbClr val="1A365C"/>
+                </a:solidFill>
+                <a:latin typeface="Metropolis" pitchFamily="2" charset="77"/>
+                <a:ea typeface="+mj-ea"/>
+                <a:cs typeface="+mj-cs"/>
+              </a:rPr>
+              <a:t>, and its </a:t>
+            </a:r>
+            <a:r>
+              <a:rPr lang="en-US" sz="2400" b="1" dirty="0" smtClean="0">
+                <a:solidFill>
+                  <a:srgbClr val="1A365C"/>
+                </a:solidFill>
+                <a:latin typeface="Metropolis" pitchFamily="2" charset="77"/>
+                <a:ea typeface="+mj-ea"/>
+                <a:cs typeface="+mj-cs"/>
+              </a:rPr>
+              <a:t>properties.</a:t>
+            </a:r>
+            <a:endParaRPr lang="en-US" sz="2400" b="1" dirty="0" smtClean="0">
+              <a:solidFill>
+                <a:srgbClr val="1A365C"/>
+              </a:solidFill>
+              <a:latin typeface="Metropolis" pitchFamily="2" charset="77"/>
+              <a:ea typeface="+mj-ea"/>
+              <a:cs typeface="+mj-cs"/>
+            </a:endParaRPr>
           </a:p>
           <a:p>
             <a:pPr marL="342900" indent="-342900">
@@ -4802,7 +5017,7 @@
 </p:sld>
 </file>
 
-<file path=ppt/slides/slide12.xml><?xml version="1.0" encoding="utf-8"?>
+<file path=ppt/slides/slide13.xml><?xml version="1.0" encoding="utf-8"?>
 <p:sld xmlns:a="http://schemas.openxmlformats.org/drawingml/2006/main" xmlns:r="http://schemas.openxmlformats.org/officeDocument/2006/relationships" xmlns:p="http://schemas.openxmlformats.org/presentationml/2006/main">
   <p:cSld>
     <p:spTree>
@@ -4854,8 +5069,8 @@
         </p:nvSpPr>
         <p:spPr>
           <a:xfrm>
-            <a:off x="243840" y="2303812"/>
-            <a:ext cx="4907280" cy="3565175"/>
+            <a:off x="243839" y="2303812"/>
+            <a:ext cx="5943897" cy="4194642"/>
           </a:xfrm>
         </p:spPr>
         <p:txBody>
@@ -4863,47 +5078,94 @@
           <a:lstStyle/>
           <a:p>
             <a:r>
-              <a:rPr lang="en-US" dirty="0"/>
+              <a:rPr lang="en-US" sz="2000" dirty="0"/>
               <a:t>The PowerShell pipeline allows you to chain together commands to build a single ‘pipeline’ which simplifies </a:t>
             </a:r>
             <a:r>
-              <a:rPr lang="en-US" dirty="0" smtClean="0"/>
+              <a:rPr lang="en-US" sz="2000" dirty="0" smtClean="0"/>
               <a:t>code and </a:t>
             </a:r>
             <a:r>
-              <a:rPr lang="en-US" dirty="0"/>
+              <a:rPr lang="en-US" sz="2000" dirty="0"/>
               <a:t>allows parallel </a:t>
             </a:r>
             <a:r>
-              <a:rPr lang="en-US" dirty="0" smtClean="0"/>
+              <a:rPr lang="en-US" sz="2000" dirty="0" smtClean="0"/>
               <a:t>processing.</a:t>
             </a:r>
           </a:p>
           <a:p>
-            <a:endParaRPr lang="en-US" dirty="0"/>
-          </a:p>
-          <a:p>
-            <a:r>
-              <a:rPr lang="en-US" dirty="0" smtClean="0"/>
-              <a:t>Get-VM | Select-Object –Property Name</a:t>
-            </a:r>
-          </a:p>
-          <a:p>
-            <a:endParaRPr lang="en-US" dirty="0" smtClean="0"/>
-          </a:p>
-          <a:p>
-            <a:r>
-              <a:rPr lang="en-US" dirty="0" smtClean="0"/>
+            <a:endParaRPr lang="en-US" b="1" dirty="0"/>
+          </a:p>
+          <a:p>
+            <a:r>
+              <a:rPr lang="en-US" sz="1400" b="1" dirty="0" smtClean="0"/>
+              <a:t>Get-VM </a:t>
+            </a:r>
+            <a:r>
+              <a:rPr lang="en-US" sz="1400" b="1" dirty="0" smtClean="0"/>
+              <a:t>| Select-Object –Property Name</a:t>
+            </a:r>
+          </a:p>
+          <a:p>
+            <a:endParaRPr lang="en-US" sz="1400" b="1" dirty="0" smtClean="0"/>
+          </a:p>
+          <a:p>
+            <a:r>
+              <a:rPr lang="en-US" sz="1400" b="1" dirty="0" smtClean="0"/>
               <a:t>Get-VM | Where-Object {$_.Name –like “*</a:t>
             </a:r>
             <a:r>
-              <a:rPr lang="en-US" dirty="0" err="1" smtClean="0"/>
+              <a:rPr lang="en-US" sz="1400" b="1" dirty="0" err="1" smtClean="0"/>
               <a:t>myvm</a:t>
             </a:r>
             <a:r>
-              <a:rPr lang="en-US" dirty="0" smtClean="0"/>
+              <a:rPr lang="en-US" sz="1400" b="1" dirty="0" smtClean="0"/>
               <a:t>*”}</a:t>
             </a:r>
+          </a:p>
+          <a:p>
+            <a:endParaRPr lang="en-US" sz="1400" b="1" dirty="0" smtClean="0"/>
+          </a:p>
+          <a:p>
+            <a:r>
+              <a:rPr lang="en-US" sz="1400" b="1" dirty="0" smtClean="0"/>
+              <a:t>Find-Module </a:t>
+            </a:r>
+            <a:r>
+              <a:rPr lang="en-US" sz="1400" b="1" dirty="0"/>
+              <a:t>–Name </a:t>
+            </a:r>
+            <a:r>
+              <a:rPr lang="en-US" sz="1400" b="1" dirty="0" err="1"/>
+              <a:t>VMware.PowerCLI</a:t>
+            </a:r>
+            <a:endParaRPr lang="en-US" sz="1400" b="1" dirty="0"/>
+          </a:p>
+          <a:p>
+            <a:endParaRPr lang="en-US" sz="1400" b="1" dirty="0"/>
+          </a:p>
+          <a:p>
+            <a:r>
+              <a:rPr lang="en-US" sz="1400" b="1" dirty="0"/>
+              <a:t>Find-Module </a:t>
+            </a:r>
+            <a:r>
+              <a:rPr lang="en-US" sz="1400" b="1" dirty="0" err="1"/>
+              <a:t>VMware.PowerCLI</a:t>
+            </a:r>
+            <a:r>
+              <a:rPr lang="en-US" sz="1400" b="1" dirty="0"/>
+              <a:t> | Select-Object </a:t>
+            </a:r>
+            <a:r>
+              <a:rPr lang="en-US" sz="1400" b="1" dirty="0" err="1"/>
+              <a:t>Name,Version</a:t>
+            </a:r>
+            <a:endParaRPr lang="en-US" sz="1400" b="1" dirty="0"/>
+          </a:p>
+          <a:p>
+            <a:endParaRPr lang="en-US" b="1" dirty="0" smtClean="0"/>
           </a:p>
         </p:txBody>
       </p:sp>
@@ -4915,7 +5177,7 @@
         </p:nvSpPr>
         <p:spPr>
           <a:xfrm>
-            <a:off x="6858000" y="2004060"/>
+            <a:off x="6644928" y="2554475"/>
             <a:ext cx="5273040" cy="830997"/>
           </a:xfrm>
           <a:prstGeom prst="rect">
@@ -4959,208 +5221,64 @@
         </p:blipFill>
         <p:spPr>
           <a:xfrm>
-            <a:off x="5022177" y="3467100"/>
-            <a:ext cx="7027629" cy="2054862"/>
+            <a:off x="5504154" y="3751185"/>
+            <a:ext cx="6509910" cy="1903482"/>
           </a:xfrm>
           <a:prstGeom prst="rect">
             <a:avLst/>
           </a:prstGeom>
         </p:spPr>
       </p:pic>
+      <p:sp>
+        <p:nvSpPr>
+          <p:cNvPr id="3" name="Oval 2"/>
+          <p:cNvSpPr/>
+          <p:nvPr/>
+        </p:nvSpPr>
+        <p:spPr>
+          <a:xfrm>
+            <a:off x="5251141" y="4074849"/>
+            <a:ext cx="1970843" cy="550416"/>
+          </a:xfrm>
+          <a:prstGeom prst="ellipse">
+            <a:avLst/>
+          </a:prstGeom>
+          <a:noFill/>
+          <a:ln>
+            <a:solidFill>
+              <a:srgbClr val="FF0000"/>
+            </a:solidFill>
+          </a:ln>
+        </p:spPr>
+        <p:style>
+          <a:lnRef idx="2">
+            <a:schemeClr val="accent1">
+              <a:shade val="50000"/>
+            </a:schemeClr>
+          </a:lnRef>
+          <a:fillRef idx="1">
+            <a:schemeClr val="accent1"/>
+          </a:fillRef>
+          <a:effectRef idx="0">
+            <a:schemeClr val="accent1"/>
+          </a:effectRef>
+          <a:fontRef idx="minor">
+            <a:schemeClr val="lt1"/>
+          </a:fontRef>
+        </p:style>
+        <p:txBody>
+          <a:bodyPr rtlCol="0" anchor="ctr"/>
+          <a:lstStyle/>
+          <a:p>
+            <a:pPr algn="ctr"/>
+            <a:endParaRPr lang="en-US"/>
+          </a:p>
+        </p:txBody>
+      </p:sp>
     </p:spTree>
     <p:extLst>
       <p:ext uri="{BB962C8B-B14F-4D97-AF65-F5344CB8AC3E}">
         <p14:creationId xmlns:p14="http://schemas.microsoft.com/office/powerpoint/2010/main" val="1897797073"/>
-      </p:ext>
-    </p:extLst>
-  </p:cSld>
-  <p:clrMapOvr>
-    <a:masterClrMapping/>
-  </p:clrMapOvr>
-</p:sld>
-</file>
-
-<file path=ppt/slides/slide13.xml><?xml version="1.0" encoding="utf-8"?>
-<p:sld xmlns:a="http://schemas.openxmlformats.org/drawingml/2006/main" xmlns:r="http://schemas.openxmlformats.org/officeDocument/2006/relationships" xmlns:p="http://schemas.openxmlformats.org/presentationml/2006/main">
-  <p:cSld>
-    <p:spTree>
-      <p:nvGrpSpPr>
-        <p:cNvPr id="1" name=""/>
-        <p:cNvGrpSpPr/>
-        <p:nvPr/>
-      </p:nvGrpSpPr>
-      <p:grpSpPr>
-        <a:xfrm>
-          <a:off x="0" y="0"/>
-          <a:ext cx="0" cy="0"/>
-          <a:chOff x="0" y="0"/>
-          <a:chExt cx="0" cy="0"/>
-        </a:xfrm>
-      </p:grpSpPr>
-      <p:sp>
-        <p:nvSpPr>
-          <p:cNvPr id="3" name="Title 1"/>
-          <p:cNvSpPr>
-            <a:spLocks noGrp="1"/>
-          </p:cNvSpPr>
-          <p:nvPr>
-            <p:ph type="title"/>
-          </p:nvPr>
-        </p:nvSpPr>
-        <p:spPr>
-          <a:xfrm>
-            <a:off x="493815" y="1077645"/>
-            <a:ext cx="6305550" cy="758776"/>
-          </a:xfrm>
-        </p:spPr>
-        <p:txBody>
-          <a:bodyPr/>
-          <a:lstStyle/>
-          <a:p>
-            <a:r>
-              <a:rPr lang="en-US" dirty="0" smtClean="0"/>
-              <a:t>Comment Based </a:t>
-            </a:r>
-            <a:r>
-              <a:rPr lang="en-US" dirty="0"/>
-              <a:t>H</a:t>
-            </a:r>
-            <a:r>
-              <a:rPr lang="en-US" dirty="0" smtClean="0"/>
-              <a:t>elp</a:t>
-            </a:r>
-            <a:endParaRPr lang="en-US" dirty="0"/>
-          </a:p>
-        </p:txBody>
-      </p:sp>
-      <p:sp>
-        <p:nvSpPr>
-          <p:cNvPr id="4" name="TextBox 3"/>
-          <p:cNvSpPr txBox="1"/>
-          <p:nvPr/>
-        </p:nvSpPr>
-        <p:spPr>
-          <a:xfrm>
-            <a:off x="669074" y="2293620"/>
-            <a:ext cx="11698185" cy="1200329"/>
-          </a:xfrm>
-          <a:prstGeom prst="rect">
-            <a:avLst/>
-          </a:prstGeom>
-          <a:noFill/>
-        </p:spPr>
-        <p:txBody>
-          <a:bodyPr wrap="square" rtlCol="0">
-            <a:spAutoFit/>
-          </a:bodyPr>
-          <a:lstStyle/>
-          <a:p>
-            <a:r>
-              <a:rPr lang="en-US" sz="2400" dirty="0">
-                <a:solidFill>
-                  <a:srgbClr val="1A365C"/>
-                </a:solidFill>
-                <a:latin typeface="Metropolis" pitchFamily="2" charset="77"/>
-                <a:ea typeface="+mj-ea"/>
-                <a:cs typeface="+mj-cs"/>
-              </a:rPr>
-              <a:t>Get-Help Get-VM </a:t>
-            </a:r>
-            <a:r>
-              <a:rPr lang="en-US" sz="2400" dirty="0" smtClean="0">
-                <a:solidFill>
-                  <a:srgbClr val="1A365C"/>
-                </a:solidFill>
-                <a:latin typeface="Metropolis" pitchFamily="2" charset="77"/>
-                <a:ea typeface="+mj-ea"/>
-                <a:cs typeface="+mj-cs"/>
-              </a:rPr>
-              <a:t>–Full</a:t>
-            </a:r>
-          </a:p>
-          <a:p>
-            <a:endParaRPr lang="en-US" sz="2400" dirty="0" smtClean="0">
-              <a:solidFill>
-                <a:srgbClr val="1A365C"/>
-              </a:solidFill>
-              <a:latin typeface="Metropolis" pitchFamily="2" charset="77"/>
-              <a:ea typeface="+mj-ea"/>
-              <a:cs typeface="+mj-cs"/>
-            </a:endParaRPr>
-          </a:p>
-          <a:p>
-            <a:r>
-              <a:rPr lang="en-US" sz="2400" dirty="0" smtClean="0">
-                <a:solidFill>
-                  <a:srgbClr val="1A365C"/>
-                </a:solidFill>
-                <a:latin typeface="Metropolis" pitchFamily="2" charset="77"/>
-                <a:ea typeface="+mj-ea"/>
-                <a:cs typeface="+mj-cs"/>
-              </a:rPr>
-              <a:t>Get-Help Update-</a:t>
-            </a:r>
-            <a:r>
-              <a:rPr lang="en-US" sz="2400" dirty="0" err="1" smtClean="0">
-                <a:solidFill>
-                  <a:srgbClr val="1A365C"/>
-                </a:solidFill>
-                <a:latin typeface="Metropolis" pitchFamily="2" charset="77"/>
-                <a:ea typeface="+mj-ea"/>
-                <a:cs typeface="+mj-cs"/>
-              </a:rPr>
-              <a:t>ConsoleTitle</a:t>
-            </a:r>
-            <a:r>
-              <a:rPr lang="en-US" sz="2400" dirty="0" smtClean="0">
-                <a:solidFill>
-                  <a:srgbClr val="1A365C"/>
-                </a:solidFill>
-                <a:latin typeface="Metropolis" pitchFamily="2" charset="77"/>
-                <a:ea typeface="+mj-ea"/>
-                <a:cs typeface="+mj-cs"/>
-              </a:rPr>
-              <a:t> -Full</a:t>
-            </a:r>
-            <a:endParaRPr lang="en-US" sz="2400" dirty="0">
-              <a:solidFill>
-                <a:srgbClr val="1A365C"/>
-              </a:solidFill>
-              <a:latin typeface="Metropolis" pitchFamily="2" charset="77"/>
-              <a:ea typeface="+mj-ea"/>
-              <a:cs typeface="+mj-cs"/>
-            </a:endParaRPr>
-          </a:p>
-        </p:txBody>
-      </p:sp>
-      <p:pic>
-        <p:nvPicPr>
-          <p:cNvPr id="6" name="Picture 5"/>
-          <p:cNvPicPr>
-            <a:picLocks noChangeAspect="1"/>
-          </p:cNvPicPr>
-          <p:nvPr/>
-        </p:nvPicPr>
-        <p:blipFill>
-          <a:blip r:embed="rId2"/>
-          <a:stretch>
-            <a:fillRect/>
-          </a:stretch>
-        </p:blipFill>
-        <p:spPr>
-          <a:xfrm>
-            <a:off x="7741920" y="975972"/>
-            <a:ext cx="4381499" cy="5662207"/>
-          </a:xfrm>
-          <a:prstGeom prst="rect">
-            <a:avLst/>
-          </a:prstGeom>
-        </p:spPr>
-      </p:pic>
-    </p:spTree>
-    <p:extLst>
-      <p:ext uri="{BB962C8B-B14F-4D97-AF65-F5344CB8AC3E}">
-        <p14:creationId xmlns:p14="http://schemas.microsoft.com/office/powerpoint/2010/main" val="570196172"/>
       </p:ext>
     </p:extLst>
   </p:cSld>
@@ -5189,7 +5307,7 @@
       </p:grpSpPr>
       <p:sp>
         <p:nvSpPr>
-          <p:cNvPr id="2" name="Title 1"/>
+          <p:cNvPr id="3" name="Title 1"/>
           <p:cNvSpPr>
             <a:spLocks noGrp="1"/>
           </p:cNvSpPr>
@@ -5199,8 +5317,8 @@
         </p:nvSpPr>
         <p:spPr>
           <a:xfrm>
-            <a:off x="839788" y="457200"/>
-            <a:ext cx="5301932" cy="1600200"/>
+            <a:off x="493815" y="1077645"/>
+            <a:ext cx="6305550" cy="758776"/>
           </a:xfrm>
         </p:spPr>
         <p:txBody>
@@ -5209,11 +5327,15 @@
           <a:p>
             <a:r>
               <a:rPr lang="en-US" dirty="0" smtClean="0"/>
-              <a:t>Toggling the </a:t>
-            </a:r>
-            <a:r>
-              <a:rPr lang="en-US" dirty="0" err="1" smtClean="0"/>
-              <a:t>PowerState</a:t>
+              <a:t>Comment Based </a:t>
+            </a:r>
+            <a:r>
+              <a:rPr lang="en-US" dirty="0"/>
+              <a:t>H</a:t>
+            </a:r>
+            <a:r>
+              <a:rPr lang="en-US" dirty="0" smtClean="0"/>
+              <a:t>elp</a:t>
             </a:r>
             <a:endParaRPr lang="en-US" dirty="0"/>
           </a:p>
@@ -5221,105 +5343,107 @@
       </p:sp>
       <p:sp>
         <p:nvSpPr>
-          <p:cNvPr id="4" name="Text Placeholder 3"/>
-          <p:cNvSpPr>
-            <a:spLocks noGrp="1"/>
-          </p:cNvSpPr>
-          <p:nvPr>
-            <p:ph type="body" sz="half" idx="2"/>
-          </p:nvPr>
+          <p:cNvPr id="4" name="TextBox 3"/>
+          <p:cNvSpPr txBox="1"/>
+          <p:nvPr/>
         </p:nvSpPr>
         <p:spPr>
           <a:xfrm>
-            <a:off x="441960" y="2303812"/>
-            <a:ext cx="4739640" cy="3565175"/>
-          </a:xfrm>
+            <a:off x="669074" y="2293620"/>
+            <a:ext cx="11698185" cy="1200329"/>
+          </a:xfrm>
+          <a:prstGeom prst="rect">
+            <a:avLst/>
+          </a:prstGeom>
+          <a:noFill/>
         </p:spPr>
         <p:txBody>
-          <a:bodyPr/>
+          <a:bodyPr wrap="square" rtlCol="0">
+            <a:spAutoFit/>
+          </a:bodyPr>
           <a:lstStyle/>
           <a:p>
             <a:r>
-              <a:rPr lang="en-US" dirty="0"/>
-              <a:t>Get-VM -Name "</a:t>
-            </a:r>
-            <a:r>
-              <a:rPr lang="en-US" dirty="0" err="1"/>
-              <a:t>myvm</a:t>
-            </a:r>
-            <a:r>
-              <a:rPr lang="en-US" dirty="0"/>
-              <a:t>"</a:t>
-            </a:r>
-          </a:p>
-          <a:p>
-            <a:endParaRPr lang="en-US" dirty="0" smtClean="0"/>
-          </a:p>
-          <a:p>
-            <a:r>
-              <a:rPr lang="en-US" dirty="0" smtClean="0"/>
-              <a:t>Get-VM </a:t>
-            </a:r>
-            <a:r>
-              <a:rPr lang="en-US" dirty="0"/>
-              <a:t>-Name "</a:t>
-            </a:r>
-            <a:r>
-              <a:rPr lang="en-US" dirty="0" err="1"/>
-              <a:t>myvm</a:t>
-            </a:r>
-            <a:r>
-              <a:rPr lang="en-US" dirty="0"/>
-              <a:t>" | Stop-VM -Confirm:$false</a:t>
-            </a:r>
-          </a:p>
-          <a:p>
-            <a:endParaRPr lang="en-US" dirty="0" smtClean="0"/>
-          </a:p>
-          <a:p>
-            <a:r>
-              <a:rPr lang="en-US" dirty="0" smtClean="0"/>
-              <a:t>Get-VM </a:t>
-            </a:r>
-            <a:r>
-              <a:rPr lang="en-US" dirty="0"/>
-              <a:t>-Name "</a:t>
-            </a:r>
-            <a:r>
-              <a:rPr lang="en-US" dirty="0" err="1"/>
-              <a:t>myvm</a:t>
-            </a:r>
-            <a:r>
-              <a:rPr lang="en-US" dirty="0"/>
-              <a:t>" | Start-VM -Confirm:$false</a:t>
-            </a:r>
-          </a:p>
-          <a:p>
-            <a:endParaRPr lang="en-US" dirty="0" smtClean="0"/>
-          </a:p>
-          <a:p>
-            <a:r>
-              <a:rPr lang="en-US" dirty="0" smtClean="0"/>
-              <a:t>Get-VM </a:t>
-            </a:r>
-            <a:r>
-              <a:rPr lang="en-US" dirty="0"/>
-              <a:t>-Name "</a:t>
-            </a:r>
-            <a:r>
-              <a:rPr lang="en-US" dirty="0" err="1"/>
-              <a:t>myvm</a:t>
-            </a:r>
-            <a:r>
-              <a:rPr lang="en-US" dirty="0"/>
-              <a:t>"</a:t>
-            </a:r>
+              <a:rPr lang="en-US" sz="2400" dirty="0">
+                <a:solidFill>
+                  <a:srgbClr val="1A365C"/>
+                </a:solidFill>
+                <a:latin typeface="Metropolis" pitchFamily="2" charset="77"/>
+                <a:ea typeface="+mj-ea"/>
+                <a:cs typeface="+mj-cs"/>
+              </a:rPr>
+              <a:t>Get-Help Get-VM </a:t>
+            </a:r>
+            <a:r>
+              <a:rPr lang="en-US" sz="2400" dirty="0" smtClean="0">
+                <a:solidFill>
+                  <a:srgbClr val="1A365C"/>
+                </a:solidFill>
+                <a:latin typeface="Metropolis" pitchFamily="2" charset="77"/>
+                <a:ea typeface="+mj-ea"/>
+                <a:cs typeface="+mj-cs"/>
+              </a:rPr>
+              <a:t>–Full</a:t>
+            </a:r>
+          </a:p>
+          <a:p>
+            <a:endParaRPr lang="en-US" sz="2400" dirty="0" smtClean="0">
+              <a:solidFill>
+                <a:srgbClr val="1A365C"/>
+              </a:solidFill>
+              <a:latin typeface="Metropolis" pitchFamily="2" charset="77"/>
+              <a:ea typeface="+mj-ea"/>
+              <a:cs typeface="+mj-cs"/>
+            </a:endParaRPr>
+          </a:p>
+          <a:p>
+            <a:r>
+              <a:rPr lang="en-US" sz="2400" dirty="0" smtClean="0">
+                <a:solidFill>
+                  <a:srgbClr val="1A365C"/>
+                </a:solidFill>
+                <a:latin typeface="Metropolis" pitchFamily="2" charset="77"/>
+                <a:ea typeface="+mj-ea"/>
+                <a:cs typeface="+mj-cs"/>
+              </a:rPr>
+              <a:t>Get-Help Update-</a:t>
+            </a:r>
+            <a:r>
+              <a:rPr lang="en-US" sz="2400" dirty="0" err="1" smtClean="0">
+                <a:solidFill>
+                  <a:srgbClr val="1A365C"/>
+                </a:solidFill>
+                <a:latin typeface="Metropolis" pitchFamily="2" charset="77"/>
+                <a:ea typeface="+mj-ea"/>
+                <a:cs typeface="+mj-cs"/>
+              </a:rPr>
+              <a:t>ConsoleTitle</a:t>
+            </a:r>
+            <a:r>
+              <a:rPr lang="en-US" sz="2400" dirty="0" smtClean="0">
+                <a:solidFill>
+                  <a:srgbClr val="1A365C"/>
+                </a:solidFill>
+                <a:latin typeface="Metropolis" pitchFamily="2" charset="77"/>
+                <a:ea typeface="+mj-ea"/>
+                <a:cs typeface="+mj-cs"/>
+              </a:rPr>
+              <a:t> -Full</a:t>
+            </a:r>
+            <a:endParaRPr lang="en-US" sz="2400" dirty="0">
+              <a:solidFill>
+                <a:srgbClr val="1A365C"/>
+              </a:solidFill>
+              <a:latin typeface="Metropolis" pitchFamily="2" charset="77"/>
+              <a:ea typeface="+mj-ea"/>
+              <a:cs typeface="+mj-cs"/>
+            </a:endParaRPr>
           </a:p>
         </p:txBody>
       </p:sp>
       <p:pic>
         <p:nvPicPr>
-          <p:cNvPr id="5" name="Picture 4"/>
+          <p:cNvPr id="6" name="Picture 5"/>
           <p:cNvPicPr>
             <a:picLocks noChangeAspect="1"/>
           </p:cNvPicPr>
@@ -5333,18 +5457,64 @@
         </p:blipFill>
         <p:spPr>
           <a:xfrm>
-            <a:off x="6705228" y="2571712"/>
-            <a:ext cx="5334744" cy="3029373"/>
+            <a:off x="7741920" y="975972"/>
+            <a:ext cx="4381499" cy="5662207"/>
           </a:xfrm>
           <a:prstGeom prst="rect">
             <a:avLst/>
           </a:prstGeom>
         </p:spPr>
       </p:pic>
+      <p:sp>
+        <p:nvSpPr>
+          <p:cNvPr id="2" name="Rectangle 1"/>
+          <p:cNvSpPr/>
+          <p:nvPr/>
+        </p:nvSpPr>
+        <p:spPr>
+          <a:xfrm>
+            <a:off x="7767958" y="1202924"/>
+            <a:ext cx="3994951" cy="1771095"/>
+          </a:xfrm>
+          <a:prstGeom prst="rect">
+            <a:avLst/>
+          </a:prstGeom>
+          <a:noFill/>
+          <a:ln>
+            <a:solidFill>
+              <a:srgbClr val="FF0000"/>
+            </a:solidFill>
+          </a:ln>
+        </p:spPr>
+        <p:style>
+          <a:lnRef idx="2">
+            <a:schemeClr val="accent1">
+              <a:shade val="50000"/>
+            </a:schemeClr>
+          </a:lnRef>
+          <a:fillRef idx="1">
+            <a:schemeClr val="accent1"/>
+          </a:fillRef>
+          <a:effectRef idx="0">
+            <a:schemeClr val="accent1"/>
+          </a:effectRef>
+          <a:fontRef idx="minor">
+            <a:schemeClr val="lt1"/>
+          </a:fontRef>
+        </p:style>
+        <p:txBody>
+          <a:bodyPr rtlCol="0" anchor="ctr"/>
+          <a:lstStyle/>
+          <a:p>
+            <a:pPr algn="ctr"/>
+            <a:endParaRPr lang="en-US"/>
+          </a:p>
+        </p:txBody>
+      </p:sp>
     </p:spTree>
     <p:extLst>
       <p:ext uri="{BB962C8B-B14F-4D97-AF65-F5344CB8AC3E}">
-        <p14:creationId xmlns:p14="http://schemas.microsoft.com/office/powerpoint/2010/main" val="3340119179"/>
+        <p14:creationId xmlns:p14="http://schemas.microsoft.com/office/powerpoint/2010/main" val="570196172"/>
       </p:ext>
     </p:extLst>
   </p:cSld>
@@ -5373,6 +5543,190 @@
       </p:grpSpPr>
       <p:sp>
         <p:nvSpPr>
+          <p:cNvPr id="2" name="Title 1"/>
+          <p:cNvSpPr>
+            <a:spLocks noGrp="1"/>
+          </p:cNvSpPr>
+          <p:nvPr>
+            <p:ph type="title"/>
+          </p:nvPr>
+        </p:nvSpPr>
+        <p:spPr>
+          <a:xfrm>
+            <a:off x="839788" y="457200"/>
+            <a:ext cx="5301932" cy="1600200"/>
+          </a:xfrm>
+        </p:spPr>
+        <p:txBody>
+          <a:bodyPr/>
+          <a:lstStyle/>
+          <a:p>
+            <a:r>
+              <a:rPr lang="en-US" dirty="0" smtClean="0"/>
+              <a:t>Toggling the </a:t>
+            </a:r>
+            <a:r>
+              <a:rPr lang="en-US" dirty="0" err="1" smtClean="0"/>
+              <a:t>PowerState</a:t>
+            </a:r>
+            <a:endParaRPr lang="en-US" dirty="0"/>
+          </a:p>
+        </p:txBody>
+      </p:sp>
+      <p:sp>
+        <p:nvSpPr>
+          <p:cNvPr id="4" name="Text Placeholder 3"/>
+          <p:cNvSpPr>
+            <a:spLocks noGrp="1"/>
+          </p:cNvSpPr>
+          <p:nvPr>
+            <p:ph type="body" sz="half" idx="2"/>
+          </p:nvPr>
+        </p:nvSpPr>
+        <p:spPr>
+          <a:xfrm>
+            <a:off x="441960" y="2303812"/>
+            <a:ext cx="5266382" cy="3565175"/>
+          </a:xfrm>
+        </p:spPr>
+        <p:txBody>
+          <a:bodyPr/>
+          <a:lstStyle/>
+          <a:p>
+            <a:r>
+              <a:rPr lang="en-US" b="1" dirty="0"/>
+              <a:t>Get-VM -Name "</a:t>
+            </a:r>
+            <a:r>
+              <a:rPr lang="en-US" b="1" dirty="0" err="1"/>
+              <a:t>myvm</a:t>
+            </a:r>
+            <a:r>
+              <a:rPr lang="en-US" b="1" dirty="0"/>
+              <a:t>"</a:t>
+            </a:r>
+          </a:p>
+          <a:p>
+            <a:endParaRPr lang="en-US" b="1" dirty="0" smtClean="0"/>
+          </a:p>
+          <a:p>
+            <a:r>
+              <a:rPr lang="en-US" b="1" dirty="0" smtClean="0"/>
+              <a:t>Get-VM </a:t>
+            </a:r>
+            <a:r>
+              <a:rPr lang="en-US" b="1" dirty="0"/>
+              <a:t>-Name "</a:t>
+            </a:r>
+            <a:r>
+              <a:rPr lang="en-US" b="1" dirty="0" err="1"/>
+              <a:t>myvm</a:t>
+            </a:r>
+            <a:r>
+              <a:rPr lang="en-US" b="1" dirty="0"/>
+              <a:t>" | Stop-VM -Confirm:$false</a:t>
+            </a:r>
+          </a:p>
+          <a:p>
+            <a:endParaRPr lang="en-US" b="1" dirty="0" smtClean="0"/>
+          </a:p>
+          <a:p>
+            <a:r>
+              <a:rPr lang="en-US" b="1" dirty="0" smtClean="0"/>
+              <a:t>Get-VM </a:t>
+            </a:r>
+            <a:r>
+              <a:rPr lang="en-US" b="1" dirty="0"/>
+              <a:t>-Name "</a:t>
+            </a:r>
+            <a:r>
+              <a:rPr lang="en-US" b="1" dirty="0" err="1"/>
+              <a:t>myvm</a:t>
+            </a:r>
+            <a:r>
+              <a:rPr lang="en-US" b="1" dirty="0"/>
+              <a:t>" | Start-VM -Confirm:$false</a:t>
+            </a:r>
+          </a:p>
+          <a:p>
+            <a:endParaRPr lang="en-US" b="1" dirty="0" smtClean="0"/>
+          </a:p>
+          <a:p>
+            <a:r>
+              <a:rPr lang="en-US" b="1" dirty="0" smtClean="0"/>
+              <a:t>Get-VM </a:t>
+            </a:r>
+            <a:r>
+              <a:rPr lang="en-US" b="1" dirty="0"/>
+              <a:t>-Name "</a:t>
+            </a:r>
+            <a:r>
+              <a:rPr lang="en-US" b="1" dirty="0" err="1"/>
+              <a:t>myvm</a:t>
+            </a:r>
+            <a:r>
+              <a:rPr lang="en-US" b="1" dirty="0"/>
+              <a:t>"</a:t>
+            </a:r>
+          </a:p>
+        </p:txBody>
+      </p:sp>
+      <p:pic>
+        <p:nvPicPr>
+          <p:cNvPr id="5" name="Picture 4"/>
+          <p:cNvPicPr>
+            <a:picLocks noChangeAspect="1"/>
+          </p:cNvPicPr>
+          <p:nvPr/>
+        </p:nvPicPr>
+        <p:blipFill>
+          <a:blip r:embed="rId2"/>
+          <a:stretch>
+            <a:fillRect/>
+          </a:stretch>
+        </p:blipFill>
+        <p:spPr>
+          <a:xfrm>
+            <a:off x="6705228" y="2571712"/>
+            <a:ext cx="5334744" cy="3029373"/>
+          </a:xfrm>
+          <a:prstGeom prst="rect">
+            <a:avLst/>
+          </a:prstGeom>
+        </p:spPr>
+      </p:pic>
+    </p:spTree>
+    <p:extLst>
+      <p:ext uri="{BB962C8B-B14F-4D97-AF65-F5344CB8AC3E}">
+        <p14:creationId xmlns:p14="http://schemas.microsoft.com/office/powerpoint/2010/main" val="3340119179"/>
+      </p:ext>
+    </p:extLst>
+  </p:cSld>
+  <p:clrMapOvr>
+    <a:masterClrMapping/>
+  </p:clrMapOvr>
+</p:sld>
+</file>
+
+<file path=ppt/slides/slide16.xml><?xml version="1.0" encoding="utf-8"?>
+<p:sld xmlns:a="http://schemas.openxmlformats.org/drawingml/2006/main" xmlns:r="http://schemas.openxmlformats.org/officeDocument/2006/relationships" xmlns:p="http://schemas.openxmlformats.org/presentationml/2006/main">
+  <p:cSld>
+    <p:spTree>
+      <p:nvGrpSpPr>
+        <p:cNvPr id="1" name=""/>
+        <p:cNvGrpSpPr/>
+        <p:nvPr/>
+      </p:nvGrpSpPr>
+      <p:grpSpPr>
+        <a:xfrm>
+          <a:off x="0" y="0"/>
+          <a:ext cx="0" cy="0"/>
+          <a:chOff x="0" y="0"/>
+          <a:chExt cx="0" cy="0"/>
+        </a:xfrm>
+      </p:grpSpPr>
+      <p:sp>
+        <p:nvSpPr>
           <p:cNvPr id="3" name="Title 1"/>
           <p:cNvSpPr>
             <a:spLocks noGrp="1"/>
@@ -5680,7 +6034,7 @@
 </p:sld>
 </file>
 
-<file path=ppt/slides/slide16.xml><?xml version="1.0" encoding="utf-8"?>
+<file path=ppt/slides/slide17.xml><?xml version="1.0" encoding="utf-8"?>
 <p:sld xmlns:a="http://schemas.openxmlformats.org/drawingml/2006/main" xmlns:r="http://schemas.openxmlformats.org/officeDocument/2006/relationships" xmlns:p="http://schemas.openxmlformats.org/presentationml/2006/main">
   <p:cSld>
     <p:spTree>
@@ -6030,32 +6384,18 @@
             </a:lvl9pPr>
           </a:lstStyle>
           <a:p>
+            <a:pPr marL="0" indent="0">
+              <a:buNone/>
+            </a:pPr>
             <a:r>
               <a:rPr lang="en-US" sz="5400" dirty="0" smtClean="0"/>
-              <a:t>Where to get </a:t>
-            </a:r>
-            <a:r>
-              <a:rPr lang="en-US" sz="5400" dirty="0" smtClean="0"/>
-              <a:t>help</a:t>
-            </a:r>
-            <a:endParaRPr lang="en-US" sz="5400" dirty="0" smtClean="0"/>
+              <a:t>Where to get help</a:t>
+            </a:r>
           </a:p>
           <a:p>
             <a:r>
               <a:rPr lang="en-US" dirty="0" smtClean="0"/>
-              <a:t>VMware </a:t>
-            </a:r>
-            <a:r>
-              <a:rPr lang="en-US" dirty="0" smtClean="0"/>
-              <a:t>{code</a:t>
-            </a:r>
-            <a:r>
-              <a:rPr lang="en-US" dirty="0" smtClean="0"/>
-              <a:t>} </a:t>
-            </a:r>
-            <a:r>
-              <a:rPr lang="en-US" dirty="0" smtClean="0"/>
-              <a:t>Slack</a:t>
+              <a:t>VMware {code} Slack</a:t>
             </a:r>
           </a:p>
           <a:p>
@@ -6069,11 +6409,7 @@
           <a:p>
             <a:r>
               <a:rPr lang="en-US" dirty="0" smtClean="0"/>
-              <a:t>VMNT </a:t>
-            </a:r>
-            <a:r>
-              <a:rPr lang="en-US" dirty="0" smtClean="0"/>
-              <a:t>Community</a:t>
+              <a:t>VMNT Community</a:t>
             </a:r>
           </a:p>
           <a:p>
@@ -6082,7 +6418,6 @@
               <a:rPr lang="en-US" dirty="0"/>
               <a:t>https://communities.vmware.com/</a:t>
             </a:r>
-            <a:endParaRPr lang="en-US" dirty="0"/>
           </a:p>
         </p:txBody>
       </p:sp>
@@ -6374,8 +6709,8 @@
           </a:p>
           <a:p>
             <a:r>
-              <a:rPr lang="en-US" sz="2400" dirty="0" err="1" smtClean="0"/>
-              <a:t>Github</a:t>
+              <a:rPr lang="en-US" sz="2400" dirty="0" smtClean="0"/>
+              <a:t>GitHub</a:t>
             </a:r>
             <a:endParaRPr lang="en-US" sz="2400" dirty="0" smtClean="0"/>
           </a:p>
@@ -6395,8 +6730,12 @@
           <a:p>
             <a:pPr lvl="1"/>
             <a:r>
+              <a:rPr lang="en-US" dirty="0" err="1"/>
+              <a:t>j</a:t>
+            </a:r>
+            <a:r>
               <a:rPr lang="en-US" dirty="0" err="1" smtClean="0"/>
-              <a:t>Jpsider</a:t>
+              <a:t>psider</a:t>
             </a:r>
             <a:endParaRPr lang="en-US" dirty="0" smtClean="0"/>
           </a:p>
@@ -6414,11 +6753,15 @@
             </a:r>
             <a:r>
               <a:rPr lang="en-US" dirty="0" smtClean="0"/>
-              <a:t>, VMUG Leader, Code Coach, VMUG BOD (</a:t>
+              <a:t>, VMUG </a:t>
             </a:r>
             <a:r>
               <a:rPr lang="en-US" dirty="0" smtClean="0"/>
-              <a:t>2024)</a:t>
+              <a:t>Co-Leader</a:t>
+            </a:r>
+            <a:r>
+              <a:rPr lang="en-US" dirty="0" smtClean="0"/>
+              <a:t>, Code Coach, VMUG BOD (2024)</a:t>
             </a:r>
             <a:endParaRPr lang="en-US" dirty="0"/>
           </a:p>
@@ -6543,7 +6886,7 @@
         <p:spPr>
           <a:xfrm>
             <a:off x="677917" y="1936531"/>
-            <a:ext cx="4367049" cy="4893647"/>
+            <a:ext cx="4604297" cy="4401205"/>
           </a:xfrm>
           <a:prstGeom prst="rect">
             <a:avLst/>
@@ -6561,7 +6904,7 @@
               <a:buChar char="§"/>
             </a:pPr>
             <a:r>
-              <a:rPr lang="en-US" sz="2400" dirty="0">
+              <a:rPr lang="en-US" sz="2800" dirty="0">
                 <a:solidFill>
                   <a:srgbClr val="1A365C"/>
                 </a:solidFill>
@@ -6578,7 +6921,7 @@
               <a:buChar char="§"/>
             </a:pPr>
             <a:r>
-              <a:rPr lang="en-US" sz="2400" dirty="0">
+              <a:rPr lang="en-US" sz="2800" dirty="0">
                 <a:solidFill>
                   <a:srgbClr val="1A365C"/>
                 </a:solidFill>
@@ -6589,7 +6932,7 @@
               <a:t>Installing </a:t>
             </a:r>
             <a:r>
-              <a:rPr lang="en-US" sz="2400" dirty="0" err="1">
+              <a:rPr lang="en-US" sz="2800" dirty="0" err="1">
                 <a:solidFill>
                   <a:srgbClr val="1A365C"/>
                 </a:solidFill>
@@ -6599,7 +6942,7 @@
               </a:rPr>
               <a:t>PowerCLI</a:t>
             </a:r>
-            <a:endParaRPr lang="en-US" sz="2400" dirty="0">
+            <a:endParaRPr lang="en-US" sz="2800" dirty="0">
               <a:solidFill>
                 <a:srgbClr val="1A365C"/>
               </a:solidFill>
@@ -6614,7 +6957,7 @@
               <a:buChar char="§"/>
             </a:pPr>
             <a:r>
-              <a:rPr lang="en-US" sz="2400" dirty="0">
+              <a:rPr lang="en-US" sz="2800" dirty="0">
                 <a:solidFill>
                   <a:srgbClr val="1A365C"/>
                 </a:solidFill>
@@ -6625,7 +6968,7 @@
               <a:t>Connecting to a </a:t>
             </a:r>
             <a:r>
-              <a:rPr lang="en-US" sz="2400" dirty="0" err="1">
+              <a:rPr lang="en-US" sz="2800" dirty="0" err="1">
                 <a:solidFill>
                   <a:srgbClr val="1A365C"/>
                 </a:solidFill>
@@ -6635,7 +6978,7 @@
               </a:rPr>
               <a:t>vCenter</a:t>
             </a:r>
-            <a:endParaRPr lang="en-US" sz="2400" dirty="0">
+            <a:endParaRPr lang="en-US" sz="2800" dirty="0">
               <a:solidFill>
                 <a:srgbClr val="1A365C"/>
               </a:solidFill>
@@ -6650,7 +6993,7 @@
               <a:buChar char="§"/>
             </a:pPr>
             <a:r>
-              <a:rPr lang="en-US" sz="2400" dirty="0">
+              <a:rPr lang="en-US" sz="2800" dirty="0">
                 <a:solidFill>
                   <a:srgbClr val="1A365C"/>
                 </a:solidFill>
@@ -6661,7 +7004,7 @@
               <a:t>Getting data from </a:t>
             </a:r>
             <a:r>
-              <a:rPr lang="en-US" sz="2400" dirty="0" err="1">
+              <a:rPr lang="en-US" sz="2800" dirty="0" err="1">
                 <a:solidFill>
                   <a:srgbClr val="1A365C"/>
                 </a:solidFill>
@@ -6671,7 +7014,7 @@
               </a:rPr>
               <a:t>vCenter</a:t>
             </a:r>
-            <a:endParaRPr lang="en-US" sz="2400" dirty="0">
+            <a:endParaRPr lang="en-US" sz="2800" dirty="0">
               <a:solidFill>
                 <a:srgbClr val="1A365C"/>
               </a:solidFill>
@@ -6686,7 +7029,7 @@
               <a:buChar char="§"/>
             </a:pPr>
             <a:r>
-              <a:rPr lang="en-US" sz="2400" dirty="0">
+              <a:rPr lang="en-US" sz="2800" dirty="0">
                 <a:solidFill>
                   <a:srgbClr val="1A365C"/>
                 </a:solidFill>
@@ -6698,12 +7041,12 @@
             </a:r>
           </a:p>
           <a:p>
-            <a:pPr marL="742950" lvl="1" indent="-285750">
+            <a:pPr marL="285750" indent="-285750">
               <a:buFont typeface="Wingdings" panose="05000000000000000000" pitchFamily="2" charset="2"/>
               <a:buChar char="§"/>
             </a:pPr>
             <a:r>
-              <a:rPr lang="en-US" sz="2400" dirty="0" smtClean="0">
+              <a:rPr lang="en-US" sz="2800" dirty="0" smtClean="0">
                 <a:solidFill>
                   <a:srgbClr val="1A365C"/>
                 </a:solidFill>
@@ -6711,16 +7054,10 @@
                 <a:ea typeface="+mj-ea"/>
                 <a:cs typeface="+mj-cs"/>
               </a:rPr>
-              <a:t>Functions &amp; Parameters</a:t>
-            </a:r>
-          </a:p>
-          <a:p>
-            <a:pPr marL="742950" lvl="1" indent="-285750">
-              <a:buFont typeface="Wingdings" panose="05000000000000000000" pitchFamily="2" charset="2"/>
-              <a:buChar char="§"/>
-            </a:pPr>
-            <a:r>
-              <a:rPr lang="en-US" sz="2400" dirty="0" smtClean="0">
+              <a:t>Toggling </a:t>
+            </a:r>
+            <a:r>
+              <a:rPr lang="en-US" sz="2800" dirty="0">
                 <a:solidFill>
                   <a:srgbClr val="1A365C"/>
                 </a:solidFill>
@@ -6728,9 +7065,20 @@
                 <a:ea typeface="+mj-ea"/>
                 <a:cs typeface="+mj-cs"/>
               </a:rPr>
-              <a:t>Objects</a:t>
-            </a:r>
-            <a:endParaRPr lang="en-US" sz="2400" dirty="0">
+              <a:t>the </a:t>
+            </a:r>
+            <a:r>
+              <a:rPr lang="en-US" sz="2800" dirty="0" err="1">
+                <a:solidFill>
+                  <a:srgbClr val="1A365C"/>
+                </a:solidFill>
+                <a:latin typeface="Metropolis" pitchFamily="2" charset="77"/>
+                <a:ea typeface="+mj-ea"/>
+                <a:cs typeface="+mj-cs"/>
+              </a:rPr>
+              <a:t>PowerState</a:t>
+            </a:r>
+            <a:endParaRPr lang="en-US" sz="2800" dirty="0">
               <a:solidFill>
                 <a:srgbClr val="1A365C"/>
               </a:solidFill>
@@ -6740,46 +7088,12 @@
             </a:endParaRPr>
           </a:p>
           <a:p>
-            <a:pPr marL="742950" lvl="1" indent="-285750">
-              <a:buFont typeface="Wingdings" panose="05000000000000000000" pitchFamily="2" charset="2"/>
-              <a:buChar char="§"/>
-            </a:pPr>
-            <a:r>
-              <a:rPr lang="en-US" sz="2400" dirty="0">
-                <a:solidFill>
-                  <a:srgbClr val="1A365C"/>
-                </a:solidFill>
-                <a:latin typeface="Metropolis" pitchFamily="2" charset="77"/>
-                <a:ea typeface="+mj-ea"/>
-                <a:cs typeface="+mj-cs"/>
-              </a:rPr>
-              <a:t>Pipeline</a:t>
-            </a:r>
-          </a:p>
-          <a:p>
-            <a:pPr marL="742950" lvl="1" indent="-285750">
-              <a:buFont typeface="Wingdings" panose="05000000000000000000" pitchFamily="2" charset="2"/>
-              <a:buChar char="§"/>
-            </a:pPr>
-            <a:r>
-              <a:rPr lang="en-US" sz="2400" dirty="0">
-                <a:solidFill>
-                  <a:srgbClr val="1A365C"/>
-                </a:solidFill>
-                <a:latin typeface="Metropolis" pitchFamily="2" charset="77"/>
-                <a:ea typeface="+mj-ea"/>
-                <a:cs typeface="+mj-cs"/>
-              </a:rPr>
-              <a:t>Comment based help</a:t>
-            </a:r>
-          </a:p>
-          <a:p>
             <a:pPr marL="285750" indent="-285750">
               <a:buFont typeface="Wingdings" panose="05000000000000000000" pitchFamily="2" charset="2"/>
               <a:buChar char="§"/>
             </a:pPr>
             <a:r>
-              <a:rPr lang="en-US" sz="2400" dirty="0">
+              <a:rPr lang="en-US" sz="2800" dirty="0">
                 <a:solidFill>
                   <a:srgbClr val="1A365C"/>
                 </a:solidFill>
@@ -6787,27 +7101,8 @@
                 <a:ea typeface="+mj-ea"/>
                 <a:cs typeface="+mj-cs"/>
               </a:rPr>
-              <a:t>Toggling the </a:t>
-            </a:r>
-            <a:r>
-              <a:rPr lang="en-US" sz="2400" dirty="0" err="1">
-                <a:solidFill>
-                  <a:srgbClr val="1A365C"/>
-                </a:solidFill>
-                <a:latin typeface="Metropolis" pitchFamily="2" charset="77"/>
-                <a:ea typeface="+mj-ea"/>
-                <a:cs typeface="+mj-cs"/>
-              </a:rPr>
-              <a:t>PowerState</a:t>
-            </a:r>
-            <a:endParaRPr lang="en-US" sz="2400" dirty="0">
-              <a:solidFill>
-                <a:srgbClr val="1A365C"/>
-              </a:solidFill>
-              <a:latin typeface="Metropolis" pitchFamily="2" charset="77"/>
-              <a:ea typeface="+mj-ea"/>
-              <a:cs typeface="+mj-cs"/>
-            </a:endParaRPr>
+              <a:t>The Demo Environment</a:t>
+            </a:r>
           </a:p>
           <a:p>
             <a:pPr marL="285750" indent="-285750">
@@ -6815,24 +7110,7 @@
               <a:buChar char="§"/>
             </a:pPr>
             <a:r>
-              <a:rPr lang="en-US" sz="2400" dirty="0">
-                <a:solidFill>
-                  <a:srgbClr val="1A365C"/>
-                </a:solidFill>
-                <a:latin typeface="Metropolis" pitchFamily="2" charset="77"/>
-                <a:ea typeface="+mj-ea"/>
-                <a:cs typeface="+mj-cs"/>
-              </a:rPr>
-              <a:t>The Demo Environment</a:t>
-            </a:r>
-          </a:p>
-          <a:p>
-            <a:pPr marL="285750" indent="-285750">
-              <a:buFont typeface="Wingdings" panose="05000000000000000000" pitchFamily="2" charset="2"/>
-              <a:buChar char="§"/>
-            </a:pPr>
-            <a:r>
-              <a:rPr lang="en-US" sz="2400" dirty="0">
+              <a:rPr lang="en-US" sz="2800" dirty="0">
                 <a:solidFill>
                   <a:srgbClr val="1A365C"/>
                 </a:solidFill>
@@ -6842,6 +7120,100 @@
               </a:rPr>
               <a:t>Live Demo &amp; VMware code Website</a:t>
             </a:r>
+          </a:p>
+        </p:txBody>
+      </p:sp>
+      <p:pic>
+        <p:nvPicPr>
+          <p:cNvPr id="4" name="Picture 3"/>
+          <p:cNvPicPr>
+            <a:picLocks noChangeAspect="1"/>
+          </p:cNvPicPr>
+          <p:nvPr/>
+        </p:nvPicPr>
+        <p:blipFill>
+          <a:blip r:embed="rId2"/>
+          <a:stretch>
+            <a:fillRect/>
+          </a:stretch>
+        </p:blipFill>
+        <p:spPr>
+          <a:xfrm>
+            <a:off x="8241330" y="3423895"/>
+            <a:ext cx="2370112" cy="2106766"/>
+          </a:xfrm>
+          <a:prstGeom prst="rect">
+            <a:avLst/>
+          </a:prstGeom>
+        </p:spPr>
+      </p:pic>
+      <p:sp>
+        <p:nvSpPr>
+          <p:cNvPr id="5" name="Title 1">
+            <a:extLst>
+              <a:ext uri="{FF2B5EF4-FFF2-40B4-BE49-F238E27FC236}">
+                <a16:creationId xmlns:a16="http://schemas.microsoft.com/office/drawing/2014/main" id="{FC683692-4A7D-4B03-85F7-0076096A00B6}"/>
+              </a:ext>
+            </a:extLst>
+          </p:cNvPr>
+          <p:cNvSpPr txBox="1">
+            <a:spLocks/>
+          </p:cNvSpPr>
+          <p:nvPr/>
+        </p:nvSpPr>
+        <p:spPr>
+          <a:xfrm>
+            <a:off x="7929975" y="2634610"/>
+            <a:ext cx="4463251" cy="552203"/>
+          </a:xfrm>
+          <a:prstGeom prst="rect">
+            <a:avLst/>
+          </a:prstGeom>
+        </p:spPr>
+        <p:txBody>
+          <a:bodyPr anchor="b"/>
+          <a:lstStyle>
+            <a:lvl1pPr algn="l" defTabSz="914400" rtl="0" eaLnBrk="1" latinLnBrk="0" hangingPunct="1">
+              <a:lnSpc>
+                <a:spcPct val="90000"/>
+              </a:lnSpc>
+              <a:spcBef>
+                <a:spcPct val="0"/>
+              </a:spcBef>
+              <a:buNone/>
+              <a:defRPr sz="3200" kern="1200">
+                <a:solidFill>
+                  <a:srgbClr val="1B4388"/>
+                </a:solidFill>
+                <a:latin typeface="Metropolis" pitchFamily="2" charset="77"/>
+                <a:ea typeface="+mj-ea"/>
+                <a:cs typeface="+mj-cs"/>
+              </a:defRPr>
+            </a:lvl1pPr>
+          </a:lstStyle>
+          <a:p>
+            <a:pPr>
+              <a:spcBef>
+                <a:spcPts val="1000"/>
+              </a:spcBef>
+            </a:pPr>
+            <a:r>
+              <a:rPr lang="en-US" sz="1600" dirty="0">
+                <a:solidFill>
+                  <a:srgbClr val="A3CE36"/>
+                </a:solidFill>
+                <a:ea typeface="+mn-ea"/>
+                <a:cs typeface="+mn-cs"/>
+              </a:rPr>
+              <a:t>Today’s Code and presentation</a:t>
+            </a:r>
+            <a:endParaRPr lang="en-US" sz="1600" dirty="0">
+              <a:solidFill>
+                <a:srgbClr val="A3CE36"/>
+              </a:solidFill>
+              <a:ea typeface="+mn-ea"/>
+              <a:cs typeface="+mn-cs"/>
+            </a:endParaRPr>
           </a:p>
         </p:txBody>
       </p:sp>
@@ -6859,286 +7231,6 @@
 </file>
 
 <file path=ppt/slides/slide5.xml><?xml version="1.0" encoding="utf-8"?>
-<p:sld xmlns:a="http://schemas.openxmlformats.org/drawingml/2006/main" xmlns:r="http://schemas.openxmlformats.org/officeDocument/2006/relationships" xmlns:p="http://schemas.openxmlformats.org/presentationml/2006/main">
-  <p:cSld>
-    <p:spTree>
-      <p:nvGrpSpPr>
-        <p:cNvPr id="1" name=""/>
-        <p:cNvGrpSpPr/>
-        <p:nvPr/>
-      </p:nvGrpSpPr>
-      <p:grpSpPr>
-        <a:xfrm>
-          <a:off x="0" y="0"/>
-          <a:ext cx="0" cy="0"/>
-          <a:chOff x="0" y="0"/>
-          <a:chExt cx="0" cy="0"/>
-        </a:xfrm>
-      </p:grpSpPr>
-      <p:sp>
-        <p:nvSpPr>
-          <p:cNvPr id="2" name="Title 1"/>
-          <p:cNvSpPr>
-            <a:spLocks noGrp="1"/>
-          </p:cNvSpPr>
-          <p:nvPr>
-            <p:ph type="title"/>
-          </p:nvPr>
-        </p:nvSpPr>
-        <p:spPr>
-          <a:xfrm>
-            <a:off x="493815" y="1077645"/>
-            <a:ext cx="6305550" cy="758776"/>
-          </a:xfrm>
-        </p:spPr>
-        <p:txBody>
-          <a:bodyPr/>
-          <a:lstStyle/>
-          <a:p>
-            <a:r>
-              <a:rPr lang="en-US" dirty="0" smtClean="0"/>
-              <a:t>PowerShell Basics</a:t>
-            </a:r>
-            <a:endParaRPr lang="en-US" dirty="0"/>
-          </a:p>
-        </p:txBody>
-      </p:sp>
-      <p:sp>
-        <p:nvSpPr>
-          <p:cNvPr id="3" name="TextBox 2"/>
-          <p:cNvSpPr txBox="1"/>
-          <p:nvPr/>
-        </p:nvSpPr>
-        <p:spPr>
-          <a:xfrm>
-            <a:off x="493815" y="2087880"/>
-            <a:ext cx="6305550" cy="4154984"/>
-          </a:xfrm>
-          <a:prstGeom prst="rect">
-            <a:avLst/>
-          </a:prstGeom>
-          <a:noFill/>
-        </p:spPr>
-        <p:txBody>
-          <a:bodyPr wrap="square" rtlCol="0">
-            <a:spAutoFit/>
-          </a:bodyPr>
-          <a:lstStyle/>
-          <a:p>
-            <a:r>
-              <a:rPr lang="en-US" sz="2400" dirty="0" smtClean="0">
-                <a:solidFill>
-                  <a:srgbClr val="1A365C"/>
-                </a:solidFill>
-                <a:latin typeface="Metropolis" pitchFamily="2" charset="77"/>
-                <a:ea typeface="+mj-ea"/>
-                <a:cs typeface="+mj-cs"/>
-              </a:rPr>
-              <a:t>Verb-Noun (Functions)</a:t>
-            </a:r>
-            <a:endParaRPr lang="en-US" dirty="0"/>
-          </a:p>
-          <a:p>
-            <a:endParaRPr lang="en-US" sz="2400" dirty="0" smtClean="0">
-              <a:solidFill>
-                <a:srgbClr val="1A365C"/>
-              </a:solidFill>
-              <a:latin typeface="Metropolis" pitchFamily="2" charset="77"/>
-              <a:ea typeface="+mj-ea"/>
-              <a:cs typeface="+mj-cs"/>
-            </a:endParaRPr>
-          </a:p>
-          <a:p>
-            <a:r>
-              <a:rPr lang="en-US" sz="2400" dirty="0" smtClean="0">
-                <a:solidFill>
-                  <a:srgbClr val="1A365C"/>
-                </a:solidFill>
-                <a:latin typeface="Metropolis" pitchFamily="2" charset="77"/>
-                <a:ea typeface="+mj-ea"/>
-                <a:cs typeface="+mj-cs"/>
-              </a:rPr>
-              <a:t>Examples:</a:t>
-            </a:r>
-          </a:p>
-          <a:p>
-            <a:pPr marL="342900" indent="-342900">
-              <a:buFont typeface="Arial" panose="020B0604020202020204" pitchFamily="34" charset="0"/>
-              <a:buChar char="•"/>
-            </a:pPr>
-            <a:r>
-              <a:rPr lang="en-US" sz="2400" dirty="0" smtClean="0">
-                <a:solidFill>
-                  <a:srgbClr val="1A365C"/>
-                </a:solidFill>
-                <a:latin typeface="Metropolis" pitchFamily="2" charset="77"/>
-                <a:ea typeface="+mj-ea"/>
-                <a:cs typeface="+mj-cs"/>
-              </a:rPr>
-              <a:t>Get-Process</a:t>
-            </a:r>
-          </a:p>
-          <a:p>
-            <a:pPr marL="342900" indent="-342900">
-              <a:buFont typeface="Arial" panose="020B0604020202020204" pitchFamily="34" charset="0"/>
-              <a:buChar char="•"/>
-            </a:pPr>
-            <a:r>
-              <a:rPr lang="en-US" sz="2400" dirty="0" smtClean="0">
-                <a:solidFill>
-                  <a:srgbClr val="1A365C"/>
-                </a:solidFill>
-                <a:latin typeface="Metropolis" pitchFamily="2" charset="77"/>
-                <a:ea typeface="+mj-ea"/>
-                <a:cs typeface="+mj-cs"/>
-              </a:rPr>
-              <a:t>Write-Output</a:t>
-            </a:r>
-            <a:endParaRPr lang="en-US" sz="2400" dirty="0" smtClean="0">
-              <a:solidFill>
-                <a:srgbClr val="1A365C"/>
-              </a:solidFill>
-              <a:latin typeface="Metropolis" pitchFamily="2" charset="77"/>
-              <a:ea typeface="+mj-ea"/>
-              <a:cs typeface="+mj-cs"/>
-            </a:endParaRPr>
-          </a:p>
-          <a:p>
-            <a:pPr marL="342900" indent="-342900">
-              <a:buFont typeface="Arial" panose="020B0604020202020204" pitchFamily="34" charset="0"/>
-              <a:buChar char="•"/>
-            </a:pPr>
-            <a:endParaRPr lang="en-US" sz="2400" dirty="0">
-              <a:solidFill>
-                <a:srgbClr val="1A365C"/>
-              </a:solidFill>
-              <a:latin typeface="Metropolis" pitchFamily="2" charset="77"/>
-              <a:ea typeface="+mj-ea"/>
-              <a:cs typeface="+mj-cs"/>
-            </a:endParaRPr>
-          </a:p>
-          <a:p>
-            <a:r>
-              <a:rPr lang="en-US" sz="2400" dirty="0" smtClean="0">
-                <a:solidFill>
-                  <a:srgbClr val="1A365C"/>
-                </a:solidFill>
-                <a:latin typeface="Metropolis" pitchFamily="2" charset="77"/>
-                <a:ea typeface="+mj-ea"/>
-                <a:cs typeface="+mj-cs"/>
-              </a:rPr>
-              <a:t>Approved Verbs</a:t>
-            </a:r>
-          </a:p>
-          <a:p>
-            <a:pPr marL="342900" indent="-342900">
-              <a:buFont typeface="Arial" panose="020B0604020202020204" pitchFamily="34" charset="0"/>
-              <a:buChar char="•"/>
-            </a:pPr>
-            <a:r>
-              <a:rPr lang="en-US" sz="2400" dirty="0" smtClean="0">
-                <a:solidFill>
-                  <a:srgbClr val="1A365C"/>
-                </a:solidFill>
-                <a:latin typeface="Metropolis" pitchFamily="2" charset="77"/>
-                <a:ea typeface="+mj-ea"/>
-                <a:cs typeface="+mj-cs"/>
-              </a:rPr>
-              <a:t>Get-Verb</a:t>
-            </a:r>
-          </a:p>
-          <a:p>
-            <a:pPr marL="342900" indent="-342900">
-              <a:buFont typeface="Arial" panose="020B0604020202020204" pitchFamily="34" charset="0"/>
-              <a:buChar char="•"/>
-            </a:pPr>
-            <a:endParaRPr lang="en-US" sz="2400" dirty="0">
-              <a:solidFill>
-                <a:srgbClr val="1A365C"/>
-              </a:solidFill>
-              <a:latin typeface="Metropolis" pitchFamily="2" charset="77"/>
-              <a:ea typeface="+mj-ea"/>
-              <a:cs typeface="+mj-cs"/>
-            </a:endParaRPr>
-          </a:p>
-          <a:p>
-            <a:r>
-              <a:rPr lang="en-US" sz="2400" dirty="0" smtClean="0">
-                <a:solidFill>
-                  <a:srgbClr val="1A365C"/>
-                </a:solidFill>
-                <a:latin typeface="Metropolis" pitchFamily="2" charset="77"/>
-                <a:ea typeface="+mj-ea"/>
-                <a:cs typeface="+mj-cs"/>
-              </a:rPr>
-              <a:t>Comments</a:t>
-            </a:r>
-          </a:p>
-          <a:p>
-            <a:pPr marL="342900" indent="-342900">
-              <a:buFont typeface="Arial" panose="020B0604020202020204" pitchFamily="34" charset="0"/>
-              <a:buChar char="•"/>
-            </a:pPr>
-            <a:r>
-              <a:rPr lang="en-US" sz="2400" dirty="0" smtClean="0">
-                <a:solidFill>
-                  <a:srgbClr val="1A365C"/>
-                </a:solidFill>
-                <a:latin typeface="Metropolis" pitchFamily="2" charset="77"/>
-                <a:ea typeface="+mj-ea"/>
-                <a:cs typeface="+mj-cs"/>
-              </a:rPr>
-              <a:t>#Comments</a:t>
-            </a:r>
-            <a:endParaRPr lang="en-US" sz="2400" dirty="0">
-              <a:solidFill>
-                <a:srgbClr val="1A365C"/>
-              </a:solidFill>
-              <a:latin typeface="Metropolis" pitchFamily="2" charset="77"/>
-              <a:ea typeface="+mj-ea"/>
-              <a:cs typeface="+mj-cs"/>
-            </a:endParaRPr>
-          </a:p>
-        </p:txBody>
-      </p:sp>
-      <p:pic>
-        <p:nvPicPr>
-          <p:cNvPr id="4" name="Picture 3"/>
-          <p:cNvPicPr>
-            <a:picLocks noChangeAspect="1"/>
-          </p:cNvPicPr>
-          <p:nvPr/>
-        </p:nvPicPr>
-        <p:blipFill>
-          <a:blip r:embed="rId2"/>
-          <a:stretch>
-            <a:fillRect/>
-          </a:stretch>
-        </p:blipFill>
-        <p:spPr>
-          <a:xfrm>
-            <a:off x="6549997" y="3658396"/>
-            <a:ext cx="4944165" cy="2238687"/>
-          </a:xfrm>
-          <a:prstGeom prst="rect">
-            <a:avLst/>
-          </a:prstGeom>
-        </p:spPr>
-      </p:pic>
-    </p:spTree>
-    <p:extLst>
-      <p:ext uri="{BB962C8B-B14F-4D97-AF65-F5344CB8AC3E}">
-        <p14:creationId xmlns:p14="http://schemas.microsoft.com/office/powerpoint/2010/main" val="1061312416"/>
-      </p:ext>
-    </p:extLst>
-  </p:cSld>
-  <p:clrMapOvr>
-    <a:masterClrMapping/>
-  </p:clrMapOvr>
-</p:sld>
-</file>
-
-<file path=ppt/slides/slide6.xml><?xml version="1.0" encoding="utf-8"?>
 <p:sld xmlns:a="http://schemas.openxmlformats.org/drawingml/2006/main" xmlns:r="http://schemas.openxmlformats.org/officeDocument/2006/relationships" xmlns:p="http://schemas.openxmlformats.org/presentationml/2006/main">
   <p:cSld>
     <p:spTree>
@@ -7178,15 +7270,7 @@
           <a:p>
             <a:r>
               <a:rPr lang="en-US" dirty="0" smtClean="0"/>
-              <a:t>Installing </a:t>
-            </a:r>
-            <a:r>
-              <a:rPr lang="en-US" dirty="0" err="1" smtClean="0"/>
-              <a:t>PowerCLI</a:t>
-            </a:r>
-            <a:r>
-              <a:rPr lang="en-US" dirty="0" smtClean="0"/>
-              <a:t> Module</a:t>
+              <a:t>Takeaways</a:t>
             </a:r>
             <a:endParaRPr lang="en-US" dirty="0"/>
           </a:p>
@@ -7210,109 +7294,58 @@
         </p:nvSpPr>
         <p:spPr>
           <a:xfrm>
-            <a:off x="627380" y="2382584"/>
-            <a:ext cx="4357052" cy="3565175"/>
+            <a:off x="627379" y="2382584"/>
+            <a:ext cx="4734733" cy="3565175"/>
           </a:xfrm>
         </p:spPr>
         <p:txBody>
           <a:bodyPr/>
           <a:lstStyle/>
           <a:p>
+            <a:pPr marL="457200" indent="-457200">
+              <a:buFont typeface="+mj-lt"/>
+              <a:buAutoNum type="arabicPeriod"/>
+            </a:pPr>
             <a:r>
               <a:rPr lang="en-US" sz="2400" dirty="0" smtClean="0"/>
-              <a:t>The PowerShell Gallery</a:t>
-            </a:r>
-          </a:p>
-          <a:p>
-            <a:endParaRPr lang="en-US" dirty="0" smtClean="0"/>
-          </a:p>
-          <a:p>
-            <a:pPr marL="285750" indent="-285750">
-              <a:buFont typeface="Arial" panose="020B0604020202020204" pitchFamily="34" charset="0"/>
-              <a:buChar char="•"/>
+              <a:t>PowerShell </a:t>
+            </a:r>
+            <a:r>
+              <a:rPr lang="en-US" sz="2400" dirty="0" smtClean="0"/>
+              <a:t>basics</a:t>
+            </a:r>
+          </a:p>
+          <a:p>
+            <a:pPr marL="457200" indent="-457200">
+              <a:buFont typeface="+mj-lt"/>
+              <a:buAutoNum type="arabicPeriod"/>
             </a:pPr>
             <a:r>
-              <a:rPr lang="en-US" dirty="0" smtClean="0"/>
-              <a:t>Get-</a:t>
-            </a:r>
-            <a:r>
-              <a:rPr lang="en-US" dirty="0" err="1" smtClean="0"/>
-              <a:t>PSRepository</a:t>
-            </a:r>
-            <a:endParaRPr lang="en-US" dirty="0" smtClean="0"/>
-          </a:p>
-          <a:p>
-            <a:pPr marL="285750" indent="-285750">
-              <a:buFont typeface="Arial" panose="020B0604020202020204" pitchFamily="34" charset="0"/>
-              <a:buChar char="•"/>
+              <a:rPr lang="en-US" sz="2400" dirty="0" smtClean="0"/>
+              <a:t>Getting Started with </a:t>
+            </a:r>
+            <a:r>
+              <a:rPr lang="en-US" sz="2400" dirty="0" err="1" smtClean="0"/>
+              <a:t>PowerCLI</a:t>
+            </a:r>
+            <a:endParaRPr lang="en-US" sz="2400" dirty="0" smtClean="0"/>
+          </a:p>
+          <a:p>
+            <a:pPr marL="457200" indent="-457200">
+              <a:buFont typeface="+mj-lt"/>
+              <a:buAutoNum type="arabicPeriod"/>
             </a:pPr>
             <a:r>
-              <a:rPr lang="en-US" dirty="0" smtClean="0"/>
-              <a:t>Find-Module –Name </a:t>
-            </a:r>
-            <a:r>
-              <a:rPr lang="en-US" dirty="0" err="1" smtClean="0"/>
-              <a:t>VMware.PowerCLI</a:t>
-            </a:r>
-            <a:endParaRPr lang="en-US" dirty="0" smtClean="0"/>
-          </a:p>
-          <a:p>
-            <a:pPr marL="285750" indent="-285750">
-              <a:buFont typeface="Arial" panose="020B0604020202020204" pitchFamily="34" charset="0"/>
-              <a:buChar char="•"/>
-            </a:pPr>
-            <a:r>
-              <a:rPr lang="en-US" dirty="0" smtClean="0"/>
-              <a:t>Install-Module –Name </a:t>
-            </a:r>
-            <a:r>
-              <a:rPr lang="en-US" dirty="0" err="1"/>
-              <a:t>VMware.PowerCLI</a:t>
-            </a:r>
-            <a:endParaRPr lang="en-US" dirty="0" smtClean="0"/>
-          </a:p>
-          <a:p>
-            <a:pPr marL="285750" indent="-285750">
-              <a:buFont typeface="Arial" panose="020B0604020202020204" pitchFamily="34" charset="0"/>
-              <a:buChar char="•"/>
-            </a:pPr>
-            <a:r>
-              <a:rPr lang="en-US" dirty="0" smtClean="0"/>
-              <a:t>Import-Module –Name </a:t>
-            </a:r>
-            <a:r>
-              <a:rPr lang="en-US" dirty="0" err="1"/>
-              <a:t>VMware.PowerCLI</a:t>
-            </a:r>
-            <a:endParaRPr lang="en-US" dirty="0" smtClean="0"/>
-          </a:p>
-          <a:p>
-            <a:pPr marL="285750" indent="-285750">
-              <a:buFont typeface="Arial" panose="020B0604020202020204" pitchFamily="34" charset="0"/>
-              <a:buChar char="•"/>
-            </a:pPr>
-            <a:r>
-              <a:rPr lang="en-US" dirty="0" smtClean="0"/>
-              <a:t>Get-Command –Module </a:t>
-            </a:r>
-            <a:r>
-              <a:rPr lang="en-US" dirty="0" smtClean="0"/>
-              <a:t>jpsider</a:t>
-            </a:r>
-            <a:endParaRPr lang="en-US" dirty="0" smtClean="0"/>
-          </a:p>
-          <a:p>
-            <a:pPr marL="285750" indent="-285750">
-              <a:buFont typeface="Arial" panose="020B0604020202020204" pitchFamily="34" charset="0"/>
-              <a:buChar char="•"/>
-            </a:pPr>
-            <a:endParaRPr lang="en-US" dirty="0"/>
+              <a:rPr lang="en-US" sz="2400" dirty="0" smtClean="0"/>
+              <a:t>Where to go for help or assistance </a:t>
+            </a:r>
+            <a:endParaRPr lang="en-US" sz="2400" dirty="0" smtClean="0"/>
           </a:p>
         </p:txBody>
       </p:sp>
       <p:pic>
         <p:nvPicPr>
-          <p:cNvPr id="5" name="Picture 4"/>
+          <p:cNvPr id="6" name="Picture 5"/>
           <p:cNvPicPr>
             <a:picLocks noChangeAspect="1"/>
           </p:cNvPicPr>
@@ -7326,8 +7359,333 @@
         </p:blipFill>
         <p:spPr>
           <a:xfrm>
-            <a:off x="4900414" y="1973580"/>
-            <a:ext cx="7205510" cy="3622660"/>
+            <a:off x="8125920" y="3059910"/>
+            <a:ext cx="2370112" cy="2106766"/>
+          </a:xfrm>
+          <a:prstGeom prst="rect">
+            <a:avLst/>
+          </a:prstGeom>
+        </p:spPr>
+      </p:pic>
+      <p:sp>
+        <p:nvSpPr>
+          <p:cNvPr id="7" name="Title 1">
+            <a:extLst>
+              <a:ext uri="{FF2B5EF4-FFF2-40B4-BE49-F238E27FC236}">
+                <a16:creationId xmlns:a16="http://schemas.microsoft.com/office/drawing/2014/main" id="{FC683692-4A7D-4B03-85F7-0076096A00B6}"/>
+              </a:ext>
+            </a:extLst>
+          </p:cNvPr>
+          <p:cNvSpPr txBox="1">
+            <a:spLocks/>
+          </p:cNvSpPr>
+          <p:nvPr/>
+        </p:nvSpPr>
+        <p:spPr>
+          <a:xfrm>
+            <a:off x="7793654" y="2382584"/>
+            <a:ext cx="3034643" cy="552203"/>
+          </a:xfrm>
+          <a:prstGeom prst="rect">
+            <a:avLst/>
+          </a:prstGeom>
+        </p:spPr>
+        <p:txBody>
+          <a:bodyPr anchor="b"/>
+          <a:lstStyle>
+            <a:lvl1pPr algn="l" defTabSz="914400" rtl="0" eaLnBrk="1" latinLnBrk="0" hangingPunct="1">
+              <a:lnSpc>
+                <a:spcPct val="90000"/>
+              </a:lnSpc>
+              <a:spcBef>
+                <a:spcPct val="0"/>
+              </a:spcBef>
+              <a:buNone/>
+              <a:defRPr sz="3200" kern="1200">
+                <a:solidFill>
+                  <a:srgbClr val="1B4388"/>
+                </a:solidFill>
+                <a:latin typeface="Metropolis" pitchFamily="2" charset="77"/>
+                <a:ea typeface="+mj-ea"/>
+                <a:cs typeface="+mj-cs"/>
+              </a:defRPr>
+            </a:lvl1pPr>
+          </a:lstStyle>
+          <a:p>
+            <a:r>
+              <a:rPr lang="en-US" sz="1600" dirty="0" smtClean="0"/>
+              <a:t>Today’s Code and presentation</a:t>
+            </a:r>
+            <a:endParaRPr lang="en-US" sz="1600" dirty="0"/>
+          </a:p>
+        </p:txBody>
+      </p:sp>
+    </p:spTree>
+    <p:extLst>
+      <p:ext uri="{BB962C8B-B14F-4D97-AF65-F5344CB8AC3E}">
+        <p14:creationId xmlns:p14="http://schemas.microsoft.com/office/powerpoint/2010/main" val="4172095511"/>
+      </p:ext>
+    </p:extLst>
+  </p:cSld>
+  <p:clrMapOvr>
+    <a:masterClrMapping/>
+  </p:clrMapOvr>
+</p:sld>
+</file>
+
+<file path=ppt/slides/slide6.xml><?xml version="1.0" encoding="utf-8"?>
+<p:sld xmlns:a="http://schemas.openxmlformats.org/drawingml/2006/main" xmlns:r="http://schemas.openxmlformats.org/officeDocument/2006/relationships" xmlns:p="http://schemas.openxmlformats.org/presentationml/2006/main">
+  <p:cSld>
+    <p:spTree>
+      <p:nvGrpSpPr>
+        <p:cNvPr id="1" name=""/>
+        <p:cNvGrpSpPr/>
+        <p:nvPr/>
+      </p:nvGrpSpPr>
+      <p:grpSpPr>
+        <a:xfrm>
+          <a:off x="0" y="0"/>
+          <a:ext cx="0" cy="0"/>
+          <a:chOff x="0" y="0"/>
+          <a:chExt cx="0" cy="0"/>
+        </a:xfrm>
+      </p:grpSpPr>
+      <p:sp>
+        <p:nvSpPr>
+          <p:cNvPr id="2" name="Title 1"/>
+          <p:cNvSpPr>
+            <a:spLocks noGrp="1"/>
+          </p:cNvSpPr>
+          <p:nvPr>
+            <p:ph type="title"/>
+          </p:nvPr>
+        </p:nvSpPr>
+        <p:spPr>
+          <a:xfrm>
+            <a:off x="493815" y="1077645"/>
+            <a:ext cx="6305550" cy="758776"/>
+          </a:xfrm>
+        </p:spPr>
+        <p:txBody>
+          <a:bodyPr/>
+          <a:lstStyle/>
+          <a:p>
+            <a:r>
+              <a:rPr lang="en-US" dirty="0" smtClean="0"/>
+              <a:t>PowerShell Basics</a:t>
+            </a:r>
+            <a:endParaRPr lang="en-US" dirty="0"/>
+          </a:p>
+        </p:txBody>
+      </p:sp>
+      <p:sp>
+        <p:nvSpPr>
+          <p:cNvPr id="3" name="TextBox 2"/>
+          <p:cNvSpPr txBox="1"/>
+          <p:nvPr/>
+        </p:nvSpPr>
+        <p:spPr>
+          <a:xfrm>
+            <a:off x="493815" y="2087880"/>
+            <a:ext cx="6305550" cy="4154984"/>
+          </a:xfrm>
+          <a:prstGeom prst="rect">
+            <a:avLst/>
+          </a:prstGeom>
+          <a:noFill/>
+        </p:spPr>
+        <p:txBody>
+          <a:bodyPr wrap="square" rtlCol="0">
+            <a:spAutoFit/>
+          </a:bodyPr>
+          <a:lstStyle/>
+          <a:p>
+            <a:r>
+              <a:rPr lang="en-US" sz="2400" dirty="0" smtClean="0">
+                <a:solidFill>
+                  <a:srgbClr val="1A365C"/>
+                </a:solidFill>
+                <a:latin typeface="Metropolis" pitchFamily="2" charset="77"/>
+                <a:ea typeface="+mj-ea"/>
+                <a:cs typeface="+mj-cs"/>
+              </a:rPr>
+              <a:t>Verb-Noun (Functions)</a:t>
+            </a:r>
+            <a:endParaRPr lang="en-US" dirty="0"/>
+          </a:p>
+          <a:p>
+            <a:endParaRPr lang="en-US" sz="2400" dirty="0" smtClean="0">
+              <a:solidFill>
+                <a:srgbClr val="1A365C"/>
+              </a:solidFill>
+              <a:latin typeface="Metropolis" pitchFamily="2" charset="77"/>
+              <a:ea typeface="+mj-ea"/>
+              <a:cs typeface="+mj-cs"/>
+            </a:endParaRPr>
+          </a:p>
+          <a:p>
+            <a:r>
+              <a:rPr lang="en-US" sz="2400" dirty="0" smtClean="0">
+                <a:solidFill>
+                  <a:srgbClr val="1A365C"/>
+                </a:solidFill>
+                <a:latin typeface="Metropolis" pitchFamily="2" charset="77"/>
+                <a:ea typeface="+mj-ea"/>
+                <a:cs typeface="+mj-cs"/>
+              </a:rPr>
+              <a:t>Examples:</a:t>
+            </a:r>
+          </a:p>
+          <a:p>
+            <a:pPr marL="342900" indent="-342900">
+              <a:buFont typeface="Arial" panose="020B0604020202020204" pitchFamily="34" charset="0"/>
+              <a:buChar char="•"/>
+            </a:pPr>
+            <a:r>
+              <a:rPr lang="en-US" sz="2400" b="1" dirty="0" smtClean="0">
+                <a:solidFill>
+                  <a:srgbClr val="1A365C"/>
+                </a:solidFill>
+                <a:latin typeface="Metropolis" pitchFamily="2" charset="77"/>
+                <a:ea typeface="+mj-ea"/>
+                <a:cs typeface="+mj-cs"/>
+              </a:rPr>
+              <a:t>Get-Process</a:t>
+            </a:r>
+          </a:p>
+          <a:p>
+            <a:pPr marL="342900" indent="-342900">
+              <a:buFont typeface="Arial" panose="020B0604020202020204" pitchFamily="34" charset="0"/>
+              <a:buChar char="•"/>
+            </a:pPr>
+            <a:r>
+              <a:rPr lang="en-US" sz="2400" b="1" dirty="0" smtClean="0">
+                <a:solidFill>
+                  <a:srgbClr val="1A365C"/>
+                </a:solidFill>
+                <a:latin typeface="Metropolis" pitchFamily="2" charset="77"/>
+                <a:ea typeface="+mj-ea"/>
+                <a:cs typeface="+mj-cs"/>
+              </a:rPr>
+              <a:t>Write-Output</a:t>
+            </a:r>
+          </a:p>
+          <a:p>
+            <a:pPr marL="342900" indent="-342900">
+              <a:buFont typeface="Arial" panose="020B0604020202020204" pitchFamily="34" charset="0"/>
+              <a:buChar char="•"/>
+            </a:pPr>
+            <a:endParaRPr lang="en-US" sz="2400" dirty="0">
+              <a:solidFill>
+                <a:srgbClr val="1A365C"/>
+              </a:solidFill>
+              <a:latin typeface="Metropolis" pitchFamily="2" charset="77"/>
+              <a:ea typeface="+mj-ea"/>
+              <a:cs typeface="+mj-cs"/>
+            </a:endParaRPr>
+          </a:p>
+          <a:p>
+            <a:r>
+              <a:rPr lang="en-US" sz="2400" dirty="0" smtClean="0">
+                <a:solidFill>
+                  <a:srgbClr val="1A365C"/>
+                </a:solidFill>
+                <a:latin typeface="Metropolis" pitchFamily="2" charset="77"/>
+                <a:ea typeface="+mj-ea"/>
+                <a:cs typeface="+mj-cs"/>
+              </a:rPr>
+              <a:t>Approved Verbs</a:t>
+            </a:r>
+          </a:p>
+          <a:p>
+            <a:pPr marL="342900" indent="-342900">
+              <a:buFont typeface="Arial" panose="020B0604020202020204" pitchFamily="34" charset="0"/>
+              <a:buChar char="•"/>
+            </a:pPr>
+            <a:r>
+              <a:rPr lang="en-US" sz="2400" b="1" dirty="0" smtClean="0">
+                <a:solidFill>
+                  <a:srgbClr val="1A365C"/>
+                </a:solidFill>
+                <a:latin typeface="Metropolis" pitchFamily="2" charset="77"/>
+                <a:ea typeface="+mj-ea"/>
+                <a:cs typeface="+mj-cs"/>
+              </a:rPr>
+              <a:t>Get-Verb</a:t>
+            </a:r>
+          </a:p>
+          <a:p>
+            <a:pPr marL="342900" indent="-342900">
+              <a:buFont typeface="Arial" panose="020B0604020202020204" pitchFamily="34" charset="0"/>
+              <a:buChar char="•"/>
+            </a:pPr>
+            <a:endParaRPr lang="en-US" sz="2400" dirty="0">
+              <a:solidFill>
+                <a:srgbClr val="1A365C"/>
+              </a:solidFill>
+              <a:latin typeface="Metropolis" pitchFamily="2" charset="77"/>
+              <a:ea typeface="+mj-ea"/>
+              <a:cs typeface="+mj-cs"/>
+            </a:endParaRPr>
+          </a:p>
+          <a:p>
+            <a:r>
+              <a:rPr lang="en-US" sz="2400" dirty="0" smtClean="0">
+                <a:solidFill>
+                  <a:srgbClr val="1A365C"/>
+                </a:solidFill>
+                <a:latin typeface="Metropolis" pitchFamily="2" charset="77"/>
+                <a:ea typeface="+mj-ea"/>
+                <a:cs typeface="+mj-cs"/>
+              </a:rPr>
+              <a:t>Comments</a:t>
+            </a:r>
+          </a:p>
+          <a:p>
+            <a:pPr marL="342900" indent="-342900">
+              <a:buFont typeface="Arial" panose="020B0604020202020204" pitchFamily="34" charset="0"/>
+              <a:buChar char="•"/>
+            </a:pPr>
+            <a:r>
+              <a:rPr lang="en-US" sz="2400" b="1" dirty="0" smtClean="0">
+                <a:solidFill>
+                  <a:srgbClr val="1A365C"/>
+                </a:solidFill>
+                <a:latin typeface="Metropolis" pitchFamily="2" charset="77"/>
+                <a:ea typeface="+mj-ea"/>
+                <a:cs typeface="+mj-cs"/>
+              </a:rPr>
+              <a:t>#Comments</a:t>
+            </a:r>
+            <a:endParaRPr lang="en-US" sz="2400" b="1" dirty="0">
+              <a:solidFill>
+                <a:srgbClr val="1A365C"/>
+              </a:solidFill>
+              <a:latin typeface="Metropolis" pitchFamily="2" charset="77"/>
+              <a:ea typeface="+mj-ea"/>
+              <a:cs typeface="+mj-cs"/>
+            </a:endParaRPr>
+          </a:p>
+        </p:txBody>
+      </p:sp>
+      <p:pic>
+        <p:nvPicPr>
+          <p:cNvPr id="4" name="Picture 3"/>
+          <p:cNvPicPr>
+            <a:picLocks noChangeAspect="1"/>
+          </p:cNvPicPr>
+          <p:nvPr/>
+        </p:nvPicPr>
+        <p:blipFill>
+          <a:blip r:embed="rId2"/>
+          <a:stretch>
+            <a:fillRect/>
+          </a:stretch>
+        </p:blipFill>
+        <p:spPr>
+          <a:xfrm>
+            <a:off x="6549997" y="3658396"/>
+            <a:ext cx="4944165" cy="2238687"/>
           </a:xfrm>
           <a:prstGeom prst="rect">
             <a:avLst/>
@@ -7337,7 +7695,7 @@
     </p:spTree>
     <p:extLst>
       <p:ext uri="{BB962C8B-B14F-4D97-AF65-F5344CB8AC3E}">
-        <p14:creationId xmlns:p14="http://schemas.microsoft.com/office/powerpoint/2010/main" val="3581116270"/>
+        <p14:creationId xmlns:p14="http://schemas.microsoft.com/office/powerpoint/2010/main" val="1061312416"/>
       </p:ext>
     </p:extLst>
   </p:cSld>
@@ -7366,6 +7724,238 @@
       </p:grpSpPr>
       <p:sp>
         <p:nvSpPr>
+          <p:cNvPr id="2" name="Title 1">
+            <a:extLst>
+              <a:ext uri="{FF2B5EF4-FFF2-40B4-BE49-F238E27FC236}">
+                <a16:creationId xmlns:a16="http://schemas.microsoft.com/office/drawing/2014/main" id="{A7B3B809-0946-9393-0F3A-26149E12B1F8}"/>
+              </a:ext>
+            </a:extLst>
+          </p:cNvPr>
+          <p:cNvSpPr>
+            <a:spLocks noGrp="1"/>
+          </p:cNvSpPr>
+          <p:nvPr>
+            <p:ph type="title"/>
+          </p:nvPr>
+        </p:nvSpPr>
+        <p:spPr/>
+        <p:txBody>
+          <a:bodyPr/>
+          <a:lstStyle/>
+          <a:p>
+            <a:r>
+              <a:rPr lang="en-US" dirty="0" smtClean="0"/>
+              <a:t>Installing </a:t>
+            </a:r>
+            <a:r>
+              <a:rPr lang="en-US" dirty="0" err="1" smtClean="0"/>
+              <a:t>PowerCLI</a:t>
+            </a:r>
+            <a:r>
+              <a:rPr lang="en-US" dirty="0" smtClean="0"/>
+              <a:t> Module</a:t>
+            </a:r>
+            <a:endParaRPr lang="en-US" dirty="0"/>
+          </a:p>
+        </p:txBody>
+      </p:sp>
+      <p:sp>
+        <p:nvSpPr>
+          <p:cNvPr id="4" name="Text Placeholder 3">
+            <a:extLst>
+              <a:ext uri="{FF2B5EF4-FFF2-40B4-BE49-F238E27FC236}">
+                <a16:creationId xmlns:a16="http://schemas.microsoft.com/office/drawing/2014/main" id="{00A0330F-C897-67AE-D5B7-053DA1A39205}"/>
+              </a:ext>
+            </a:extLst>
+          </p:cNvPr>
+          <p:cNvSpPr>
+            <a:spLocks noGrp="1"/>
+          </p:cNvSpPr>
+          <p:nvPr>
+            <p:ph type="body" sz="half" idx="2"/>
+          </p:nvPr>
+        </p:nvSpPr>
+        <p:spPr>
+          <a:xfrm>
+            <a:off x="627380" y="2382584"/>
+            <a:ext cx="4357052" cy="3565175"/>
+          </a:xfrm>
+        </p:spPr>
+        <p:txBody>
+          <a:bodyPr/>
+          <a:lstStyle/>
+          <a:p>
+            <a:r>
+              <a:rPr lang="en-US" sz="2400" dirty="0" smtClean="0"/>
+              <a:t>The PowerShell Gallery</a:t>
+            </a:r>
+          </a:p>
+          <a:p>
+            <a:endParaRPr lang="en-US" dirty="0" smtClean="0"/>
+          </a:p>
+          <a:p>
+            <a:pPr marL="285750" indent="-285750">
+              <a:buFont typeface="Arial" panose="020B0604020202020204" pitchFamily="34" charset="0"/>
+              <a:buChar char="•"/>
+            </a:pPr>
+            <a:r>
+              <a:rPr lang="en-US" dirty="0" smtClean="0"/>
+              <a:t>Get-</a:t>
+            </a:r>
+            <a:r>
+              <a:rPr lang="en-US" dirty="0" err="1" smtClean="0"/>
+              <a:t>PSRepository</a:t>
+            </a:r>
+            <a:endParaRPr lang="en-US" dirty="0" smtClean="0"/>
+          </a:p>
+          <a:p>
+            <a:pPr marL="285750" indent="-285750">
+              <a:buFont typeface="Arial" panose="020B0604020202020204" pitchFamily="34" charset="0"/>
+              <a:buChar char="•"/>
+            </a:pPr>
+            <a:r>
+              <a:rPr lang="en-US" dirty="0" smtClean="0"/>
+              <a:t>Find-Module –Name </a:t>
+            </a:r>
+            <a:r>
+              <a:rPr lang="en-US" dirty="0" err="1" smtClean="0"/>
+              <a:t>VMware.PowerCLI</a:t>
+            </a:r>
+            <a:endParaRPr lang="en-US" dirty="0" smtClean="0"/>
+          </a:p>
+          <a:p>
+            <a:pPr marL="285750" indent="-285750">
+              <a:buFont typeface="Arial" panose="020B0604020202020204" pitchFamily="34" charset="0"/>
+              <a:buChar char="•"/>
+            </a:pPr>
+            <a:r>
+              <a:rPr lang="en-US" dirty="0" smtClean="0"/>
+              <a:t>Install-Module –Name </a:t>
+            </a:r>
+            <a:r>
+              <a:rPr lang="en-US" dirty="0" err="1"/>
+              <a:t>VMware.PowerCLI</a:t>
+            </a:r>
+            <a:endParaRPr lang="en-US" dirty="0" smtClean="0"/>
+          </a:p>
+          <a:p>
+            <a:pPr marL="285750" indent="-285750">
+              <a:buFont typeface="Arial" panose="020B0604020202020204" pitchFamily="34" charset="0"/>
+              <a:buChar char="•"/>
+            </a:pPr>
+            <a:r>
+              <a:rPr lang="en-US" dirty="0" smtClean="0"/>
+              <a:t>Import-Module –Name </a:t>
+            </a:r>
+            <a:r>
+              <a:rPr lang="en-US" dirty="0" err="1"/>
+              <a:t>VMware.PowerCLI</a:t>
+            </a:r>
+            <a:endParaRPr lang="en-US" dirty="0" smtClean="0"/>
+          </a:p>
+          <a:p>
+            <a:pPr marL="285750" indent="-285750">
+              <a:buFont typeface="Arial" panose="020B0604020202020204" pitchFamily="34" charset="0"/>
+              <a:buChar char="•"/>
+            </a:pPr>
+            <a:r>
+              <a:rPr lang="en-US" dirty="0" smtClean="0"/>
+              <a:t>Get-Command –Module </a:t>
+            </a:r>
+            <a:r>
+              <a:rPr lang="en-US" dirty="0" err="1" smtClean="0"/>
+              <a:t>jpsider</a:t>
+            </a:r>
+            <a:endParaRPr lang="en-US" dirty="0" smtClean="0"/>
+          </a:p>
+          <a:p>
+            <a:pPr marL="285750" indent="-285750">
+              <a:buFont typeface="Arial" panose="020B0604020202020204" pitchFamily="34" charset="0"/>
+              <a:buChar char="•"/>
+            </a:pPr>
+            <a:r>
+              <a:rPr lang="en-US" dirty="0" smtClean="0"/>
+              <a:t>Save-Module –Name </a:t>
+            </a:r>
+            <a:r>
+              <a:rPr lang="en-US" dirty="0" err="1" smtClean="0"/>
+              <a:t>jpsider</a:t>
+            </a:r>
+            <a:r>
+              <a:rPr lang="en-US" smtClean="0"/>
+              <a:t> –Path </a:t>
+            </a:r>
+            <a:r>
+              <a:rPr lang="en-US" dirty="0" smtClean="0"/>
+              <a:t>c:\temp</a:t>
+            </a:r>
+            <a:endParaRPr lang="en-US" dirty="0" smtClean="0"/>
+          </a:p>
+          <a:p>
+            <a:pPr marL="285750" indent="-285750">
+              <a:buFont typeface="Arial" panose="020B0604020202020204" pitchFamily="34" charset="0"/>
+              <a:buChar char="•"/>
+            </a:pPr>
+            <a:endParaRPr lang="en-US" dirty="0"/>
+          </a:p>
+        </p:txBody>
+      </p:sp>
+      <p:pic>
+        <p:nvPicPr>
+          <p:cNvPr id="5" name="Picture 4"/>
+          <p:cNvPicPr>
+            <a:picLocks noChangeAspect="1"/>
+          </p:cNvPicPr>
+          <p:nvPr/>
+        </p:nvPicPr>
+        <p:blipFill>
+          <a:blip r:embed="rId2"/>
+          <a:stretch>
+            <a:fillRect/>
+          </a:stretch>
+        </p:blipFill>
+        <p:spPr>
+          <a:xfrm>
+            <a:off x="4900414" y="1973580"/>
+            <a:ext cx="7205510" cy="3622660"/>
+          </a:xfrm>
+          <a:prstGeom prst="rect">
+            <a:avLst/>
+          </a:prstGeom>
+        </p:spPr>
+      </p:pic>
+    </p:spTree>
+    <p:extLst>
+      <p:ext uri="{BB962C8B-B14F-4D97-AF65-F5344CB8AC3E}">
+        <p14:creationId xmlns:p14="http://schemas.microsoft.com/office/powerpoint/2010/main" val="3581116270"/>
+      </p:ext>
+    </p:extLst>
+  </p:cSld>
+  <p:clrMapOvr>
+    <a:masterClrMapping/>
+  </p:clrMapOvr>
+</p:sld>
+</file>
+
+<file path=ppt/slides/slide8.xml><?xml version="1.0" encoding="utf-8"?>
+<p:sld xmlns:a="http://schemas.openxmlformats.org/drawingml/2006/main" xmlns:r="http://schemas.openxmlformats.org/officeDocument/2006/relationships" xmlns:p="http://schemas.openxmlformats.org/presentationml/2006/main">
+  <p:cSld>
+    <p:spTree>
+      <p:nvGrpSpPr>
+        <p:cNvPr id="1" name=""/>
+        <p:cNvGrpSpPr/>
+        <p:nvPr/>
+      </p:nvGrpSpPr>
+      <p:grpSpPr>
+        <a:xfrm>
+          <a:off x="0" y="0"/>
+          <a:ext cx="0" cy="0"/>
+          <a:chOff x="0" y="0"/>
+          <a:chExt cx="0" cy="0"/>
+        </a:xfrm>
+      </p:grpSpPr>
+      <p:sp>
+        <p:nvSpPr>
           <p:cNvPr id="5" name="Title 1"/>
           <p:cNvSpPr>
             <a:spLocks noGrp="1"/>
@@ -7587,12 +8177,6 @@
               </a:rPr>
               <a:t> –Force –Confirm:$false</a:t>
             </a:r>
-            <a:endParaRPr lang="en-US" sz="2000" dirty="0" smtClean="0">
-              <a:solidFill>
-                <a:srgbClr val="A3CE36"/>
-              </a:solidFill>
-              <a:latin typeface="Metropolis" pitchFamily="2" charset="77"/>
-            </a:endParaRPr>
           </a:p>
           <a:p>
             <a:pPr marL="342900" indent="-342900">
@@ -7645,7 +8229,7 @@
 </p:sld>
 </file>
 
-<file path=ppt/slides/slide8.xml><?xml version="1.0" encoding="utf-8"?>
+<file path=ppt/slides/slide9.xml><?xml version="1.0" encoding="utf-8"?>
 <p:sld xmlns:a="http://schemas.openxmlformats.org/drawingml/2006/main" xmlns:r="http://schemas.openxmlformats.org/officeDocument/2006/relationships" xmlns:p="http://schemas.openxmlformats.org/presentationml/2006/main">
   <p:cSld>
     <p:spTree>
@@ -7705,7 +8289,7 @@
           <a:lstStyle/>
           <a:p>
             <a:r>
-              <a:rPr lang="en-US" dirty="0" smtClean="0"/>
+              <a:rPr lang="en-US" sz="2800" dirty="0" smtClean="0"/>
               <a:t>Verb-Noun</a:t>
             </a:r>
           </a:p>
@@ -7718,7 +8302,7 @@
               <a:buChar char="•"/>
             </a:pPr>
             <a:r>
-              <a:rPr lang="en-US" dirty="0" smtClean="0"/>
+              <a:rPr lang="en-US" sz="2400" dirty="0" smtClean="0"/>
               <a:t>Get-VM</a:t>
             </a:r>
           </a:p>
@@ -7728,14 +8312,14 @@
               <a:buChar char="•"/>
             </a:pPr>
             <a:r>
-              <a:rPr lang="en-US" dirty="0" smtClean="0"/>
+              <a:rPr lang="en-US" sz="2400" dirty="0" smtClean="0"/>
               <a:t>Get-</a:t>
             </a:r>
             <a:r>
-              <a:rPr lang="en-US" dirty="0" err="1" smtClean="0"/>
+              <a:rPr lang="en-US" sz="2400" dirty="0" err="1" smtClean="0"/>
               <a:t>VMHost</a:t>
             </a:r>
-            <a:endParaRPr lang="en-US" dirty="0" smtClean="0"/>
+            <a:endParaRPr lang="en-US" sz="2400" dirty="0" smtClean="0"/>
           </a:p>
           <a:p>
             <a:pPr marL="285750" indent="-285750">
@@ -7743,7 +8327,7 @@
               <a:buChar char="•"/>
             </a:pPr>
             <a:r>
-              <a:rPr lang="en-US" dirty="0" smtClean="0"/>
+              <a:rPr lang="en-US" sz="2400" dirty="0" smtClean="0"/>
               <a:t>Get-Cluster</a:t>
             </a:r>
           </a:p>
@@ -7753,14 +8337,14 @@
               <a:buChar char="•"/>
             </a:pPr>
             <a:r>
-              <a:rPr lang="en-US" dirty="0" smtClean="0"/>
+              <a:rPr lang="en-US" sz="2400" dirty="0" smtClean="0"/>
               <a:t>Get-</a:t>
             </a:r>
             <a:r>
-              <a:rPr lang="en-US" dirty="0" err="1" smtClean="0"/>
+              <a:rPr lang="en-US" sz="2400" dirty="0" err="1" smtClean="0"/>
               <a:t>DataStore</a:t>
             </a:r>
-            <a:endParaRPr lang="en-US" dirty="0" smtClean="0"/>
+            <a:endParaRPr lang="en-US" sz="2400" dirty="0" smtClean="0"/>
           </a:p>
         </p:txBody>
       </p:sp>
@@ -7792,195 +8376,6 @@
     <p:extLst>
       <p:ext uri="{BB962C8B-B14F-4D97-AF65-F5344CB8AC3E}">
         <p14:creationId xmlns:p14="http://schemas.microsoft.com/office/powerpoint/2010/main" val="3951987464"/>
-      </p:ext>
-    </p:extLst>
-  </p:cSld>
-  <p:clrMapOvr>
-    <a:masterClrMapping/>
-  </p:clrMapOvr>
-</p:sld>
-</file>
-
-<file path=ppt/slides/slide9.xml><?xml version="1.0" encoding="utf-8"?>
-<p:sld xmlns:a="http://schemas.openxmlformats.org/drawingml/2006/main" xmlns:r="http://schemas.openxmlformats.org/officeDocument/2006/relationships" xmlns:p="http://schemas.openxmlformats.org/presentationml/2006/main">
-  <p:cSld>
-    <p:spTree>
-      <p:nvGrpSpPr>
-        <p:cNvPr id="1" name=""/>
-        <p:cNvGrpSpPr/>
-        <p:nvPr/>
-      </p:nvGrpSpPr>
-      <p:grpSpPr>
-        <a:xfrm>
-          <a:off x="0" y="0"/>
-          <a:ext cx="0" cy="0"/>
-          <a:chOff x="0" y="0"/>
-          <a:chExt cx="0" cy="0"/>
-        </a:xfrm>
-      </p:grpSpPr>
-      <p:sp>
-        <p:nvSpPr>
-          <p:cNvPr id="3" name="Title 1"/>
-          <p:cNvSpPr>
-            <a:spLocks noGrp="1"/>
-          </p:cNvSpPr>
-          <p:nvPr>
-            <p:ph type="title"/>
-          </p:nvPr>
-        </p:nvSpPr>
-        <p:spPr>
-          <a:xfrm>
-            <a:off x="493815" y="1077645"/>
-            <a:ext cx="6305550" cy="758776"/>
-          </a:xfrm>
-        </p:spPr>
-        <p:txBody>
-          <a:bodyPr/>
-          <a:lstStyle/>
-          <a:p>
-            <a:r>
-              <a:rPr lang="en-US" dirty="0" smtClean="0"/>
-              <a:t>PowerShell Things</a:t>
-            </a:r>
-            <a:endParaRPr lang="en-US" dirty="0"/>
-          </a:p>
-        </p:txBody>
-      </p:sp>
-      <p:sp>
-        <p:nvSpPr>
-          <p:cNvPr id="4" name="TextBox 3"/>
-          <p:cNvSpPr txBox="1"/>
-          <p:nvPr/>
-        </p:nvSpPr>
-        <p:spPr>
-          <a:xfrm>
-            <a:off x="669074" y="2293620"/>
-            <a:ext cx="11698185" cy="2062103"/>
-          </a:xfrm>
-          <a:prstGeom prst="rect">
-            <a:avLst/>
-          </a:prstGeom>
-          <a:noFill/>
-        </p:spPr>
-        <p:txBody>
-          <a:bodyPr wrap="square" rtlCol="0">
-            <a:spAutoFit/>
-          </a:bodyPr>
-          <a:lstStyle/>
-          <a:p>
-            <a:pPr marL="342900" indent="-342900">
-              <a:buFont typeface="Arial" panose="020B0604020202020204" pitchFamily="34" charset="0"/>
-              <a:buChar char="•"/>
-            </a:pPr>
-            <a:r>
-              <a:rPr lang="en-US" sz="3200" dirty="0" smtClean="0">
-                <a:solidFill>
-                  <a:srgbClr val="1A365C"/>
-                </a:solidFill>
-                <a:latin typeface="Metropolis" pitchFamily="2" charset="77"/>
-                <a:ea typeface="+mj-ea"/>
-                <a:cs typeface="+mj-cs"/>
-              </a:rPr>
-              <a:t>Functions &amp; Parameters</a:t>
-            </a:r>
-          </a:p>
-          <a:p>
-            <a:pPr marL="342900" indent="-342900">
-              <a:buFont typeface="Arial" panose="020B0604020202020204" pitchFamily="34" charset="0"/>
-              <a:buChar char="•"/>
-            </a:pPr>
-            <a:r>
-              <a:rPr lang="en-US" sz="3200" dirty="0" smtClean="0">
-                <a:solidFill>
-                  <a:srgbClr val="1A365C"/>
-                </a:solidFill>
-                <a:latin typeface="Metropolis" pitchFamily="2" charset="77"/>
-                <a:ea typeface="+mj-ea"/>
-                <a:cs typeface="+mj-cs"/>
-              </a:rPr>
-              <a:t>Objects</a:t>
-            </a:r>
-            <a:endParaRPr lang="en-US" sz="3200" dirty="0" smtClean="0">
-              <a:solidFill>
-                <a:srgbClr val="1A365C"/>
-              </a:solidFill>
-              <a:latin typeface="Metropolis" pitchFamily="2" charset="77"/>
-              <a:ea typeface="+mj-ea"/>
-              <a:cs typeface="+mj-cs"/>
-            </a:endParaRPr>
-          </a:p>
-          <a:p>
-            <a:pPr marL="342900" indent="-342900">
-              <a:buFont typeface="Arial" panose="020B0604020202020204" pitchFamily="34" charset="0"/>
-              <a:buChar char="•"/>
-            </a:pPr>
-            <a:r>
-              <a:rPr lang="en-US" sz="3200" dirty="0" smtClean="0">
-                <a:solidFill>
-                  <a:srgbClr val="1A365C"/>
-                </a:solidFill>
-                <a:latin typeface="Metropolis" pitchFamily="2" charset="77"/>
-                <a:ea typeface="+mj-ea"/>
-                <a:cs typeface="+mj-cs"/>
-              </a:rPr>
-              <a:t>Pipeline</a:t>
-            </a:r>
-            <a:endParaRPr lang="en-US" sz="3200" dirty="0" smtClean="0">
-              <a:solidFill>
-                <a:srgbClr val="1A365C"/>
-              </a:solidFill>
-              <a:latin typeface="Metropolis" pitchFamily="2" charset="77"/>
-              <a:ea typeface="+mj-ea"/>
-              <a:cs typeface="+mj-cs"/>
-            </a:endParaRPr>
-          </a:p>
-          <a:p>
-            <a:pPr marL="342900" indent="-342900">
-              <a:buFont typeface="Arial" panose="020B0604020202020204" pitchFamily="34" charset="0"/>
-              <a:buChar char="•"/>
-            </a:pPr>
-            <a:r>
-              <a:rPr lang="en-US" sz="3200" dirty="0" smtClean="0">
-                <a:solidFill>
-                  <a:srgbClr val="1A365C"/>
-                </a:solidFill>
-                <a:latin typeface="Metropolis" pitchFamily="2" charset="77"/>
-                <a:ea typeface="+mj-ea"/>
-                <a:cs typeface="+mj-cs"/>
-              </a:rPr>
-              <a:t>Comment Based Help</a:t>
-            </a:r>
-          </a:p>
-        </p:txBody>
-      </p:sp>
-      <p:pic>
-        <p:nvPicPr>
-          <p:cNvPr id="2" name="Picture 1"/>
-          <p:cNvPicPr>
-            <a:picLocks noChangeAspect="1"/>
-          </p:cNvPicPr>
-          <p:nvPr/>
-        </p:nvPicPr>
-        <p:blipFill>
-          <a:blip r:embed="rId2"/>
-          <a:stretch>
-            <a:fillRect/>
-          </a:stretch>
-        </p:blipFill>
-        <p:spPr>
-          <a:xfrm>
-            <a:off x="7504170" y="3307080"/>
-            <a:ext cx="4146809" cy="2657663"/>
-          </a:xfrm>
-          <a:prstGeom prst="rect">
-            <a:avLst/>
-          </a:prstGeom>
-        </p:spPr>
-      </p:pic>
-    </p:spTree>
-    <p:extLst>
-      <p:ext uri="{BB962C8B-B14F-4D97-AF65-F5344CB8AC3E}">
-        <p14:creationId xmlns:p14="http://schemas.microsoft.com/office/powerpoint/2010/main" val="2318569528"/>
       </p:ext>
     </p:extLst>
   </p:cSld>
@@ -8252,6 +8647,15 @@
 </file>
 
 <file path=customXml/item1.xml><?xml version="1.0" encoding="utf-8"?>
+<?mso-contentType ?>
+<FormTemplates xmlns="http://schemas.microsoft.com/sharepoint/v3/contenttype/forms">
+  <Display>DocumentLibraryForm</Display>
+  <Edit>DocumentLibraryForm</Edit>
+  <New>DocumentLibraryForm</New>
+</FormTemplates>
+</file>
+
+<file path=customXml/item2.xml><?xml version="1.0" encoding="utf-8"?>
 <p:properties xmlns:p="http://schemas.microsoft.com/office/2006/metadata/properties" xmlns:xsi="http://www.w3.org/2001/XMLSchema-instance" xmlns:pc="http://schemas.microsoft.com/office/infopath/2007/PartnerControls">
   <documentManagement>
     <SharedWithUsers xmlns="a98d785b-a573-4648-a687-d73070f116ca">
@@ -8268,15 +8672,6 @@
     </lcf76f155ced4ddcb4097134ff3c332f>
   </documentManagement>
 </p:properties>
-</file>
-
-<file path=customXml/item2.xml><?xml version="1.0" encoding="utf-8"?>
-<?mso-contentType ?>
-<FormTemplates xmlns="http://schemas.microsoft.com/sharepoint/v3/contenttype/forms">
-  <Display>DocumentLibraryForm</Display>
-  <Edit>DocumentLibraryForm</Edit>
-  <New>DocumentLibraryForm</New>
-</FormTemplates>
 </file>
 
 <file path=customXml/item3.xml><?xml version="1.0" encoding="utf-8"?>
@@ -8529,6 +8924,14 @@
 </file>
 
 <file path=customXml/itemProps1.xml><?xml version="1.0" encoding="utf-8"?>
+<ds:datastoreItem xmlns:ds="http://schemas.openxmlformats.org/officeDocument/2006/customXml" ds:itemID="{9404A5FA-2267-49A4-9EE5-2F5F85884C73}">
+  <ds:schemaRefs>
+    <ds:schemaRef ds:uri="http://schemas.microsoft.com/sharepoint/v3/contenttype/forms"/>
+  </ds:schemaRefs>
+</ds:datastoreItem>
+</file>
+
+<file path=customXml/itemProps2.xml><?xml version="1.0" encoding="utf-8"?>
 <ds:datastoreItem xmlns:ds="http://schemas.openxmlformats.org/officeDocument/2006/customXml" ds:itemID="{281A822C-25CE-47FB-A779-4E19A1F98DDA}">
   <ds:schemaRefs>
     <ds:schemaRef ds:uri="http://schemas.microsoft.com/office/2006/metadata/properties"/>
@@ -8541,14 +8944,6 @@
     <ds:schemaRef ds:uri="http://www.w3.org/XML/1998/namespace"/>
     <ds:schemaRef ds:uri="http://schemas.microsoft.com/office/infopath/2007/PartnerControls"/>
     <ds:schemaRef ds:uri="e7d83ab9-40ce-4f6a-9d5b-bb8228ec9b2e"/>
-  </ds:schemaRefs>
-</ds:datastoreItem>
-</file>
-
-<file path=customXml/itemProps2.xml><?xml version="1.0" encoding="utf-8"?>
-<ds:datastoreItem xmlns:ds="http://schemas.openxmlformats.org/officeDocument/2006/customXml" ds:itemID="{9404A5FA-2267-49A4-9EE5-2F5F85884C73}">
-  <ds:schemaRefs>
-    <ds:schemaRef ds:uri="http://schemas.microsoft.com/sharepoint/v3/contenttype/forms"/>
   </ds:schemaRefs>
 </ds:datastoreItem>
 </file>
